--- a/slides/0-Introduction to Terraform.pptx
+++ b/slides/0-Introduction to Terraform.pptx
@@ -2,10 +2,16 @@
 <file path=ppt/presentation.xml><?xml version="1.0" encoding="utf-8"?>
 <p:presentation xmlns:a="http://schemas.openxmlformats.org/drawingml/2006/main" xmlns:r="http://schemas.openxmlformats.org/officeDocument/2006/relationships" xmlns:p="http://schemas.openxmlformats.org/presentationml/2006/main" saveSubsetFonts="1">
   <p:sldMasterIdLst>
-    <p:sldMasterId id="2147483672" r:id="rId1"/>
+    <p:sldMasterId id="2147483696" r:id="rId1"/>
   </p:sldMasterIdLst>
   <p:sldIdLst>
     <p:sldId id="256" r:id="rId2"/>
+    <p:sldId id="257" r:id="rId3"/>
+    <p:sldId id="258" r:id="rId4"/>
+    <p:sldId id="259" r:id="rId5"/>
+    <p:sldId id="260" r:id="rId6"/>
+    <p:sldId id="262" r:id="rId7"/>
+    <p:sldId id="261" r:id="rId8"/>
   </p:sldIdLst>
   <p:sldSz cx="12192000" cy="6858000"/>
   <p:notesSz cx="6858000" cy="9144000"/>
@@ -104,11 +110,16 @@
       </a:defRPr>
     </a:lvl9pPr>
   </p:defaultTextStyle>
+  <p:extLst>
+    <p:ext uri="{EFAFB233-063F-42B5-8137-9DF3F51BA10A}">
+      <p15:sldGuideLst xmlns:p15="http://schemas.microsoft.com/office/powerpoint/2012/main"/>
+    </p:ext>
+  </p:extLst>
 </p:presentation>
 </file>
 
 <file path=ppt/slideLayouts/slideLayout1.xml><?xml version="1.0" encoding="utf-8"?>
-<p:sldLayout xmlns:a="http://schemas.openxmlformats.org/drawingml/2006/main" xmlns:r="http://schemas.openxmlformats.org/officeDocument/2006/relationships" xmlns:p="http://schemas.openxmlformats.org/presentationml/2006/main" showMasterSp="0" type="title" preserve="1">
+<p:sldLayout xmlns:a="http://schemas.openxmlformats.org/drawingml/2006/main" xmlns:r="http://schemas.openxmlformats.org/officeDocument/2006/relationships" xmlns:p="http://schemas.openxmlformats.org/presentationml/2006/main" type="title" preserve="1">
   <p:cSld name="Title Slide">
     <p:spTree>
       <p:nvGrpSpPr>
@@ -126,187 +137,114 @@
       </p:grpSpPr>
       <p:sp>
         <p:nvSpPr>
-          <p:cNvPr id="7" name="Rectangle 6"/>
-          <p:cNvSpPr/>
-          <p:nvPr/>
+          <p:cNvPr id="2" name="Title 1"/>
+          <p:cNvSpPr>
+            <a:spLocks noGrp="1"/>
+          </p:cNvSpPr>
+          <p:nvPr>
+            <p:ph type="ctrTitle"/>
+          </p:nvPr>
         </p:nvSpPr>
         <p:spPr>
           <a:xfrm>
-            <a:off x="3175" y="6400800"/>
-            <a:ext cx="12188825" cy="457200"/>
+            <a:off x="1600200" y="2386744"/>
+            <a:ext cx="8991600" cy="1645920"/>
           </a:xfrm>
-          <a:prstGeom prst="rect">
-            <a:avLst/>
-          </a:prstGeom>
           <a:solidFill>
-            <a:schemeClr val="accent4">
-              <a:lumMod val="75000"/>
-            </a:schemeClr>
+            <a:srgbClr val="FFFFFF"/>
           </a:solidFill>
-          <a:ln>
-            <a:noFill/>
+          <a:ln w="38100">
+            <a:solidFill>
+              <a:srgbClr val="404040"/>
+            </a:solidFill>
           </a:ln>
         </p:spPr>
-        <p:style>
-          <a:lnRef idx="2">
-            <a:schemeClr val="accent1">
-              <a:shade val="50000"/>
-            </a:schemeClr>
-          </a:lnRef>
-          <a:fillRef idx="1">
-            <a:schemeClr val="accent1"/>
-          </a:fillRef>
-          <a:effectRef idx="0">
-            <a:schemeClr val="accent1"/>
-          </a:effectRef>
-          <a:fontRef idx="minor">
-            <a:schemeClr val="lt1"/>
-          </a:fontRef>
-        </p:style>
-      </p:sp>
-      <p:sp>
-        <p:nvSpPr>
-          <p:cNvPr id="8" name="Rectangle 7"/>
-          <p:cNvSpPr/>
-          <p:nvPr/>
-        </p:nvSpPr>
-        <p:spPr>
-          <a:xfrm>
-            <a:off x="15" y="6334316"/>
-            <a:ext cx="12188825" cy="64008"/>
-          </a:xfrm>
-          <a:prstGeom prst="rect">
-            <a:avLst/>
-          </a:prstGeom>
-          <a:solidFill>
-            <a:schemeClr val="accent4"/>
-          </a:solidFill>
-          <a:ln>
-            <a:noFill/>
-          </a:ln>
-        </p:spPr>
-        <p:style>
-          <a:lnRef idx="2">
-            <a:schemeClr val="accent1">
-              <a:shade val="50000"/>
-            </a:schemeClr>
-          </a:lnRef>
-          <a:fillRef idx="1">
-            <a:schemeClr val="accent1"/>
-          </a:fillRef>
-          <a:effectRef idx="0">
-            <a:schemeClr val="accent1"/>
-          </a:effectRef>
-          <a:fontRef idx="minor">
-            <a:schemeClr val="lt1"/>
-          </a:fontRef>
-        </p:style>
-      </p:sp>
-      <p:sp>
-        <p:nvSpPr>
-          <p:cNvPr id="2" name="Title 1"/>
-          <p:cNvSpPr>
-            <a:spLocks noGrp="1"/>
-          </p:cNvSpPr>
-          <p:nvPr>
-            <p:ph type="ctrTitle"/>
-          </p:nvPr>
-        </p:nvSpPr>
-        <p:spPr>
-          <a:xfrm>
-            <a:off x="1097280" y="758952"/>
-            <a:ext cx="10058400" cy="3566160"/>
-          </a:xfrm>
-        </p:spPr>
-        <p:txBody>
-          <a:bodyPr anchor="b">
+        <p:txBody>
+          <a:bodyPr lIns="274320" rIns="274320" anchor="ctr" anchorCtr="1">
             <a:normAutofit/>
           </a:bodyPr>
           <a:lstStyle>
-            <a:lvl1pPr algn="l">
-              <a:lnSpc>
-                <a:spcPct val="85000"/>
-              </a:lnSpc>
-              <a:defRPr sz="8000" spc="-50" baseline="0">
+            <a:lvl1pPr algn="ctr">
+              <a:defRPr sz="3800">
+                <a:solidFill>
+                  <a:srgbClr val="262626"/>
+                </a:solidFill>
+              </a:defRPr>
+            </a:lvl1pPr>
+          </a:lstStyle>
+          <a:p>
+            <a:r>
+              <a:rPr lang="en-US"/>
+              <a:t>Click to edit Master title style</a:t>
+            </a:r>
+            <a:endParaRPr lang="en-US" dirty="0"/>
+          </a:p>
+        </p:txBody>
+      </p:sp>
+      <p:sp>
+        <p:nvSpPr>
+          <p:cNvPr id="3" name="Subtitle 2"/>
+          <p:cNvSpPr>
+            <a:spLocks noGrp="1"/>
+          </p:cNvSpPr>
+          <p:nvPr>
+            <p:ph type="subTitle" idx="1"/>
+          </p:nvPr>
+        </p:nvSpPr>
+        <p:spPr>
+          <a:xfrm>
+            <a:off x="2695194" y="4352544"/>
+            <a:ext cx="6801612" cy="1239894"/>
+          </a:xfrm>
+          <a:noFill/>
+        </p:spPr>
+        <p:txBody>
+          <a:bodyPr>
+            <a:normAutofit/>
+          </a:bodyPr>
+          <a:lstStyle>
+            <a:lvl1pPr marL="0" indent="0" algn="ctr">
+              <a:buNone/>
+              <a:defRPr sz="2000">
                 <a:solidFill>
                   <a:schemeClr val="tx1">
-                    <a:lumMod val="85000"/>
-                    <a:lumOff val="15000"/>
+                    <a:lumMod val="75000"/>
+                    <a:lumOff val="25000"/>
                   </a:schemeClr>
                 </a:solidFill>
               </a:defRPr>
             </a:lvl1pPr>
-          </a:lstStyle>
-          <a:p>
-            <a:r>
-              <a:rPr lang="en-US"/>
-              <a:t>Click to edit Master title style</a:t>
-            </a:r>
-            <a:endParaRPr lang="en-US" dirty="0"/>
-          </a:p>
-        </p:txBody>
-      </p:sp>
-      <p:sp>
-        <p:nvSpPr>
-          <p:cNvPr id="3" name="Subtitle 2"/>
-          <p:cNvSpPr>
-            <a:spLocks noGrp="1"/>
-          </p:cNvSpPr>
-          <p:nvPr>
-            <p:ph type="subTitle" idx="1"/>
-          </p:nvPr>
-        </p:nvSpPr>
-        <p:spPr>
-          <a:xfrm>
-            <a:off x="1100051" y="4455621"/>
-            <a:ext cx="10058400" cy="1143000"/>
-          </a:xfrm>
-        </p:spPr>
-        <p:txBody>
-          <a:bodyPr lIns="91440" rIns="91440">
-            <a:normAutofit/>
-          </a:bodyPr>
-          <a:lstStyle>
-            <a:lvl1pPr marL="0" indent="0" algn="l">
-              <a:buNone/>
-              <a:defRPr sz="2400" cap="all" spc="200" baseline="0">
-                <a:solidFill>
-                  <a:schemeClr val="tx2"/>
-                </a:solidFill>
-                <a:latin typeface="+mj-lt"/>
-              </a:defRPr>
-            </a:lvl1pPr>
             <a:lvl2pPr marL="457200" indent="0" algn="ctr">
               <a:buNone/>
-              <a:defRPr sz="2400"/>
+              <a:defRPr sz="2000"/>
             </a:lvl2pPr>
             <a:lvl3pPr marL="914400" indent="0" algn="ctr">
               <a:buNone/>
-              <a:defRPr sz="2400"/>
+              <a:defRPr sz="1800"/>
             </a:lvl3pPr>
             <a:lvl4pPr marL="1371600" indent="0" algn="ctr">
               <a:buNone/>
-              <a:defRPr sz="2000"/>
+              <a:defRPr sz="1600"/>
             </a:lvl4pPr>
             <a:lvl5pPr marL="1828800" indent="0" algn="ctr">
               <a:buNone/>
-              <a:defRPr sz="2000"/>
+              <a:defRPr sz="1600"/>
             </a:lvl5pPr>
             <a:lvl6pPr marL="2286000" indent="0" algn="ctr">
               <a:buNone/>
-              <a:defRPr sz="2000"/>
+              <a:defRPr sz="1600"/>
             </a:lvl6pPr>
             <a:lvl7pPr marL="2743200" indent="0" algn="ctr">
               <a:buNone/>
-              <a:defRPr sz="2000"/>
+              <a:defRPr sz="1600"/>
             </a:lvl7pPr>
             <a:lvl8pPr marL="3200400" indent="0" algn="ctr">
               <a:buNone/>
-              <a:defRPr sz="2000"/>
+              <a:defRPr sz="1600"/>
             </a:lvl8pPr>
             <a:lvl9pPr marL="3657600" indent="0" algn="ctr">
               <a:buNone/>
-              <a:defRPr sz="2000"/>
+              <a:defRPr sz="1600"/>
             </a:lvl9pPr>
           </a:lstStyle>
           <a:p>
@@ -335,7 +273,7 @@
           <a:p>
             <a:fld id="{1B0DC123-0C88-43B7-8634-E2A69F402E90}" type="datetimeFigureOut">
               <a:rPr lang="en-US" smtClean="0"/>
-              <a:t>10/21/2024</a:t>
+              <a:t>10/21/24</a:t>
             </a:fld>
             <a:endParaRPr lang="en-US"/>
           </a:p>
@@ -383,48 +321,10 @@
           </a:p>
         </p:txBody>
       </p:sp>
-      <p:cxnSp>
-        <p:nvCxnSpPr>
-          <p:cNvPr id="9" name="Straight Connector 8"/>
-          <p:cNvCxnSpPr/>
-          <p:nvPr/>
-        </p:nvCxnSpPr>
-        <p:spPr>
-          <a:xfrm>
-            <a:off x="1207658" y="4343400"/>
-            <a:ext cx="9875520" cy="0"/>
-          </a:xfrm>
-          <a:prstGeom prst="line">
-            <a:avLst/>
-          </a:prstGeom>
-          <a:ln w="6350">
-            <a:solidFill>
-              <a:schemeClr val="tx1">
-                <a:lumMod val="50000"/>
-                <a:lumOff val="50000"/>
-              </a:schemeClr>
-            </a:solidFill>
-          </a:ln>
-        </p:spPr>
-        <p:style>
-          <a:lnRef idx="1">
-            <a:schemeClr val="accent1"/>
-          </a:lnRef>
-          <a:fillRef idx="0">
-            <a:schemeClr val="accent1"/>
-          </a:fillRef>
-          <a:effectRef idx="0">
-            <a:schemeClr val="accent1"/>
-          </a:effectRef>
-          <a:fontRef idx="minor">
-            <a:schemeClr val="tx1"/>
-          </a:fontRef>
-        </p:style>
-      </p:cxnSp>
     </p:spTree>
     <p:extLst>
       <p:ext uri="{BB962C8B-B14F-4D97-AF65-F5344CB8AC3E}">
-        <p14:creationId xmlns:p14="http://schemas.microsoft.com/office/powerpoint/2010/main" val="1975804155"/>
+        <p14:creationId xmlns:p14="http://schemas.microsoft.com/office/powerpoint/2010/main" val="1788594460"/>
       </p:ext>
     </p:extLst>
   </p:cSld>
@@ -486,7 +386,7 @@
         </p:nvSpPr>
         <p:spPr/>
         <p:txBody>
-          <a:bodyPr vert="eaVert" lIns="45720" tIns="0" rIns="45720" bIns="0"/>
+          <a:bodyPr vert="eaVert"/>
           <a:lstStyle/>
           <a:p>
             <a:pPr lvl="0"/>
@@ -543,7 +443,7 @@
           <a:p>
             <a:fld id="{1B0DC123-0C88-43B7-8634-E2A69F402E90}" type="datetimeFigureOut">
               <a:rPr lang="en-US" smtClean="0"/>
-              <a:t>10/21/2024</a:t>
+              <a:t>10/21/24</a:t>
             </a:fld>
             <a:endParaRPr lang="en-US"/>
           </a:p>
@@ -594,7 +494,7 @@
     </p:spTree>
     <p:extLst>
       <p:ext uri="{BB962C8B-B14F-4D97-AF65-F5344CB8AC3E}">
-        <p14:creationId xmlns:p14="http://schemas.microsoft.com/office/powerpoint/2010/main" val="2659494283"/>
+        <p14:creationId xmlns:p14="http://schemas.microsoft.com/office/powerpoint/2010/main" val="2366858538"/>
       </p:ext>
     </p:extLst>
   </p:cSld>
@@ -605,7 +505,7 @@
 </file>
 
 <file path=ppt/slideLayouts/slideLayout11.xml><?xml version="1.0" encoding="utf-8"?>
-<p:sldLayout xmlns:a="http://schemas.openxmlformats.org/drawingml/2006/main" xmlns:r="http://schemas.openxmlformats.org/officeDocument/2006/relationships" xmlns:p="http://schemas.openxmlformats.org/presentationml/2006/main" showMasterSp="0" type="vertTitleAndTx" preserve="1">
+<p:sldLayout xmlns:a="http://schemas.openxmlformats.org/drawingml/2006/main" xmlns:r="http://schemas.openxmlformats.org/officeDocument/2006/relationships" xmlns:p="http://schemas.openxmlformats.org/presentationml/2006/main" type="vertTitleAndTx" preserve="1">
   <p:cSld name="Vertical Title and Text">
     <p:spTree>
       <p:nvGrpSpPr>
@@ -623,130 +523,52 @@
       </p:grpSpPr>
       <p:sp>
         <p:nvSpPr>
-          <p:cNvPr id="7" name="Rectangle 6"/>
-          <p:cNvSpPr/>
-          <p:nvPr/>
+          <p:cNvPr id="2" name="Vertical Title 1"/>
+          <p:cNvSpPr>
+            <a:spLocks noGrp="1"/>
+          </p:cNvSpPr>
+          <p:nvPr>
+            <p:ph type="title" orient="vert"/>
+          </p:nvPr>
         </p:nvSpPr>
         <p:spPr>
           <a:xfrm>
-            <a:off x="3175" y="6400800"/>
-            <a:ext cx="12188825" cy="457200"/>
+            <a:off x="8653112" y="937260"/>
+            <a:ext cx="1298608" cy="4983480"/>
           </a:xfrm>
-          <a:prstGeom prst="rect">
-            <a:avLst/>
-          </a:prstGeom>
-          <a:solidFill>
-            <a:schemeClr val="accent4">
-              <a:lumMod val="75000"/>
-            </a:schemeClr>
-          </a:solidFill>
-          <a:ln>
-            <a:noFill/>
-          </a:ln>
         </p:spPr>
-        <p:style>
-          <a:lnRef idx="2">
-            <a:schemeClr val="accent1">
-              <a:shade val="50000"/>
-            </a:schemeClr>
-          </a:lnRef>
-          <a:fillRef idx="1">
-            <a:schemeClr val="accent1"/>
-          </a:fillRef>
-          <a:effectRef idx="0">
-            <a:schemeClr val="accent1"/>
-          </a:effectRef>
-          <a:fontRef idx="minor">
-            <a:schemeClr val="lt1"/>
-          </a:fontRef>
-        </p:style>
-      </p:sp>
-      <p:sp>
-        <p:nvSpPr>
-          <p:cNvPr id="8" name="Rectangle 7"/>
-          <p:cNvSpPr/>
-          <p:nvPr/>
+        <p:txBody>
+          <a:bodyPr vert="eaVert"/>
+          <a:lstStyle/>
+          <a:p>
+            <a:r>
+              <a:rPr lang="en-US"/>
+              <a:t>Click to edit Master title style</a:t>
+            </a:r>
+            <a:endParaRPr lang="en-US" dirty="0"/>
+          </a:p>
+        </p:txBody>
+      </p:sp>
+      <p:sp>
+        <p:nvSpPr>
+          <p:cNvPr id="3" name="Vertical Text Placeholder 2"/>
+          <p:cNvSpPr>
+            <a:spLocks noGrp="1"/>
+          </p:cNvSpPr>
+          <p:nvPr>
+            <p:ph type="body" orient="vert" idx="1"/>
+          </p:nvPr>
         </p:nvSpPr>
         <p:spPr>
           <a:xfrm>
-            <a:off x="15" y="6334316"/>
-            <a:ext cx="12188825" cy="64008"/>
-          </a:xfrm>
-          <a:prstGeom prst="rect">
-            <a:avLst/>
-          </a:prstGeom>
-          <a:solidFill>
-            <a:schemeClr val="accent4"/>
-          </a:solidFill>
-          <a:ln>
-            <a:noFill/>
-          </a:ln>
-        </p:spPr>
-        <p:style>
-          <a:lnRef idx="2">
-            <a:schemeClr val="accent1">
-              <a:shade val="50000"/>
-            </a:schemeClr>
-          </a:lnRef>
-          <a:fillRef idx="1">
-            <a:schemeClr val="accent1"/>
-          </a:fillRef>
-          <a:effectRef idx="0">
-            <a:schemeClr val="accent1"/>
-          </a:effectRef>
-          <a:fontRef idx="minor">
-            <a:schemeClr val="lt1"/>
-          </a:fontRef>
-        </p:style>
-      </p:sp>
-      <p:sp>
-        <p:nvSpPr>
-          <p:cNvPr id="2" name="Vertical Title 1"/>
-          <p:cNvSpPr>
-            <a:spLocks noGrp="1"/>
-          </p:cNvSpPr>
-          <p:nvPr>
-            <p:ph type="title" orient="vert"/>
-          </p:nvPr>
-        </p:nvSpPr>
-        <p:spPr>
-          <a:xfrm>
-            <a:off x="8724900" y="412302"/>
-            <a:ext cx="2628900" cy="5759898"/>
+            <a:off x="2231136" y="937260"/>
+            <a:ext cx="6198489" cy="4983480"/>
           </a:xfrm>
         </p:spPr>
         <p:txBody>
           <a:bodyPr vert="eaVert"/>
           <a:lstStyle/>
           <a:p>
-            <a:r>
-              <a:rPr lang="en-US"/>
-              <a:t>Click to edit Master title style</a:t>
-            </a:r>
-            <a:endParaRPr lang="en-US" dirty="0"/>
-          </a:p>
-        </p:txBody>
-      </p:sp>
-      <p:sp>
-        <p:nvSpPr>
-          <p:cNvPr id="3" name="Vertical Text Placeholder 2"/>
-          <p:cNvSpPr>
-            <a:spLocks noGrp="1"/>
-          </p:cNvSpPr>
-          <p:nvPr>
-            <p:ph type="body" orient="vert" idx="1"/>
-          </p:nvPr>
-        </p:nvSpPr>
-        <p:spPr>
-          <a:xfrm>
-            <a:off x="838200" y="412302"/>
-            <a:ext cx="7734300" cy="5759898"/>
-          </a:xfrm>
-        </p:spPr>
-        <p:txBody>
-          <a:bodyPr vert="eaVert" lIns="45720" tIns="0" rIns="45720" bIns="0"/>
-          <a:lstStyle/>
-          <a:p>
             <a:pPr lvl="0"/>
             <a:r>
               <a:rPr lang="en-US"/>
@@ -801,7 +623,7 @@
           <a:p>
             <a:fld id="{1B0DC123-0C88-43B7-8634-E2A69F402E90}" type="datetimeFigureOut">
               <a:rPr lang="en-US" smtClean="0"/>
-              <a:t>10/21/2024</a:t>
+              <a:t>10/21/24</a:t>
             </a:fld>
             <a:endParaRPr lang="en-US"/>
           </a:p>
@@ -852,7 +674,7 @@
     </p:spTree>
     <p:extLst>
       <p:ext uri="{BB962C8B-B14F-4D97-AF65-F5344CB8AC3E}">
-        <p14:creationId xmlns:p14="http://schemas.microsoft.com/office/powerpoint/2010/main" val="1693744656"/>
+        <p14:creationId xmlns:p14="http://schemas.microsoft.com/office/powerpoint/2010/main" val="3893234084"/>
       </p:ext>
     </p:extLst>
   </p:cSld>
@@ -956,7 +778,7 @@
       </p:sp>
       <p:sp>
         <p:nvSpPr>
-          <p:cNvPr id="4" name="Date Placeholder 3"/>
+          <p:cNvPr id="7" name="Date Placeholder 6"/>
           <p:cNvSpPr>
             <a:spLocks noGrp="1"/>
           </p:cNvSpPr>
@@ -971,7 +793,7 @@
           <a:p>
             <a:fld id="{1B0DC123-0C88-43B7-8634-E2A69F402E90}" type="datetimeFigureOut">
               <a:rPr lang="en-US" smtClean="0"/>
-              <a:t>10/21/2024</a:t>
+              <a:t>10/21/24</a:t>
             </a:fld>
             <a:endParaRPr lang="en-US"/>
           </a:p>
@@ -979,7 +801,7 @@
       </p:sp>
       <p:sp>
         <p:nvSpPr>
-          <p:cNvPr id="5" name="Footer Placeholder 4"/>
+          <p:cNvPr id="8" name="Footer Placeholder 7"/>
           <p:cNvSpPr>
             <a:spLocks noGrp="1"/>
           </p:cNvSpPr>
@@ -998,7 +820,7 @@
       </p:sp>
       <p:sp>
         <p:nvSpPr>
-          <p:cNvPr id="6" name="Slide Number Placeholder 5"/>
+          <p:cNvPr id="9" name="Slide Number Placeholder 8"/>
           <p:cNvSpPr>
             <a:spLocks noGrp="1"/>
           </p:cNvSpPr>
@@ -1022,7 +844,7 @@
     </p:spTree>
     <p:extLst>
       <p:ext uri="{BB962C8B-B14F-4D97-AF65-F5344CB8AC3E}">
-        <p14:creationId xmlns:p14="http://schemas.microsoft.com/office/powerpoint/2010/main" val="4179928350"/>
+        <p14:creationId xmlns:p14="http://schemas.microsoft.com/office/powerpoint/2010/main" val="2304214500"/>
       </p:ext>
     </p:extLst>
   </p:cSld>
@@ -1033,7 +855,7 @@
 </file>
 
 <file path=ppt/slideLayouts/slideLayout3.xml><?xml version="1.0" encoding="utf-8"?>
-<p:sldLayout xmlns:a="http://schemas.openxmlformats.org/drawingml/2006/main" xmlns:r="http://schemas.openxmlformats.org/officeDocument/2006/relationships" xmlns:p="http://schemas.openxmlformats.org/presentationml/2006/main" showMasterSp="0" type="secHead" preserve="1">
+<p:sldLayout xmlns:a="http://schemas.openxmlformats.org/drawingml/2006/main" xmlns:r="http://schemas.openxmlformats.org/officeDocument/2006/relationships" xmlns:p="http://schemas.openxmlformats.org/presentationml/2006/main" type="secHead" preserve="1">
   <p:cSld name="Section Header">
     <p:spTree>
       <p:nvGrpSpPr>
@@ -1051,113 +873,37 @@
       </p:grpSpPr>
       <p:sp>
         <p:nvSpPr>
-          <p:cNvPr id="7" name="Rectangle 6"/>
-          <p:cNvSpPr/>
-          <p:nvPr/>
+          <p:cNvPr id="2" name="Title 1"/>
+          <p:cNvSpPr>
+            <a:spLocks noGrp="1"/>
+          </p:cNvSpPr>
+          <p:nvPr>
+            <p:ph type="title"/>
+          </p:nvPr>
         </p:nvSpPr>
         <p:spPr>
           <a:xfrm>
-            <a:off x="3175" y="6400800"/>
-            <a:ext cx="12188825" cy="457200"/>
+            <a:off x="1600200" y="2386744"/>
+            <a:ext cx="8991600" cy="1645920"/>
           </a:xfrm>
-          <a:prstGeom prst="rect">
-            <a:avLst/>
-          </a:prstGeom>
           <a:solidFill>
-            <a:schemeClr val="accent4">
-              <a:lumMod val="75000"/>
-            </a:schemeClr>
+            <a:srgbClr val="FFFFFF"/>
           </a:solidFill>
-          <a:ln>
-            <a:noFill/>
+          <a:ln w="38100">
+            <a:solidFill>
+              <a:srgbClr val="404040"/>
+            </a:solidFill>
           </a:ln>
         </p:spPr>
-        <p:style>
-          <a:lnRef idx="2">
-            <a:schemeClr val="accent1">
-              <a:shade val="50000"/>
-            </a:schemeClr>
-          </a:lnRef>
-          <a:fillRef idx="1">
-            <a:schemeClr val="accent1"/>
-          </a:fillRef>
-          <a:effectRef idx="0">
-            <a:schemeClr val="accent1"/>
-          </a:effectRef>
-          <a:fontRef idx="minor">
-            <a:schemeClr val="lt1"/>
-          </a:fontRef>
-        </p:style>
-      </p:sp>
-      <p:sp>
-        <p:nvSpPr>
-          <p:cNvPr id="8" name="Rectangle 7"/>
-          <p:cNvSpPr/>
-          <p:nvPr/>
-        </p:nvSpPr>
-        <p:spPr>
-          <a:xfrm>
-            <a:off x="15" y="6334316"/>
-            <a:ext cx="12188825" cy="64008"/>
-          </a:xfrm>
-          <a:prstGeom prst="rect">
-            <a:avLst/>
-          </a:prstGeom>
-          <a:solidFill>
-            <a:schemeClr val="accent4"/>
-          </a:solidFill>
-          <a:ln>
-            <a:noFill/>
-          </a:ln>
-        </p:spPr>
-        <p:style>
-          <a:lnRef idx="2">
-            <a:schemeClr val="accent1">
-              <a:shade val="50000"/>
-            </a:schemeClr>
-          </a:lnRef>
-          <a:fillRef idx="1">
-            <a:schemeClr val="accent1"/>
-          </a:fillRef>
-          <a:effectRef idx="0">
-            <a:schemeClr val="accent1"/>
-          </a:effectRef>
-          <a:fontRef idx="minor">
-            <a:schemeClr val="lt1"/>
-          </a:fontRef>
-        </p:style>
-      </p:sp>
-      <p:sp>
-        <p:nvSpPr>
-          <p:cNvPr id="2" name="Title 1"/>
-          <p:cNvSpPr>
-            <a:spLocks noGrp="1"/>
-          </p:cNvSpPr>
-          <p:nvPr>
-            <p:ph type="title"/>
-          </p:nvPr>
-        </p:nvSpPr>
-        <p:spPr>
-          <a:xfrm>
-            <a:off x="1097280" y="758952"/>
-            <a:ext cx="10058400" cy="3566160"/>
-          </a:xfrm>
-        </p:spPr>
-        <p:txBody>
-          <a:bodyPr anchor="b" anchorCtr="0">
+        <p:txBody>
+          <a:bodyPr lIns="274320" rIns="274320" anchor="ctr" anchorCtr="1">
             <a:normAutofit/>
           </a:bodyPr>
           <a:lstStyle>
             <a:lvl1pPr>
-              <a:lnSpc>
-                <a:spcPct val="85000"/>
-              </a:lnSpc>
-              <a:defRPr sz="8000" b="0">
+              <a:defRPr sz="3800">
                 <a:solidFill>
-                  <a:schemeClr val="tx1">
-                    <a:lumMod val="85000"/>
-                    <a:lumOff val="15000"/>
-                  </a:schemeClr>
+                  <a:srgbClr val="262626"/>
                 </a:solidFill>
               </a:defRPr>
             </a:lvl1pPr>
@@ -1183,27 +929,26 @@
         </p:nvSpPr>
         <p:spPr>
           <a:xfrm>
-            <a:off x="1097280" y="4453128"/>
-            <a:ext cx="10058400" cy="1143000"/>
+            <a:off x="2695194" y="4352465"/>
+            <a:ext cx="6801612" cy="1265082"/>
           </a:xfrm>
         </p:spPr>
         <p:txBody>
-          <a:bodyPr lIns="91440" rIns="91440" anchor="t" anchorCtr="0">
+          <a:bodyPr anchor="t" anchorCtr="1">
             <a:normAutofit/>
           </a:bodyPr>
           <a:lstStyle>
             <a:lvl1pPr marL="0" indent="0">
               <a:buNone/>
-              <a:defRPr sz="2400" cap="all" spc="200" baseline="0">
+              <a:defRPr sz="2000">
                 <a:solidFill>
-                  <a:schemeClr val="tx2"/>
+                  <a:schemeClr val="tx1"/>
                 </a:solidFill>
-                <a:latin typeface="+mj-lt"/>
               </a:defRPr>
             </a:lvl1pPr>
             <a:lvl2pPr marL="457200" indent="0">
               <a:buNone/>
-              <a:defRPr sz="1800">
+              <a:defRPr sz="2000">
                 <a:solidFill>
                   <a:schemeClr val="tx1">
                     <a:tint val="75000"/>
@@ -1213,7 +958,7 @@
             </a:lvl2pPr>
             <a:lvl3pPr marL="914400" indent="0">
               <a:buNone/>
-              <a:defRPr sz="1600">
+              <a:defRPr sz="1800">
                 <a:solidFill>
                   <a:schemeClr val="tx1">
                     <a:tint val="75000"/>
@@ -1223,7 +968,7 @@
             </a:lvl3pPr>
             <a:lvl4pPr marL="1371600" indent="0">
               <a:buNone/>
-              <a:defRPr sz="1400">
+              <a:defRPr sz="1600">
                 <a:solidFill>
                   <a:schemeClr val="tx1">
                     <a:tint val="75000"/>
@@ -1233,7 +978,7 @@
             </a:lvl4pPr>
             <a:lvl5pPr marL="1828800" indent="0">
               <a:buNone/>
-              <a:defRPr sz="1400">
+              <a:defRPr sz="1600">
                 <a:solidFill>
                   <a:schemeClr val="tx1">
                     <a:tint val="75000"/>
@@ -1243,7 +988,7 @@
             </a:lvl5pPr>
             <a:lvl6pPr marL="2286000" indent="0">
               <a:buNone/>
-              <a:defRPr sz="1400">
+              <a:defRPr sz="1600">
                 <a:solidFill>
                   <a:schemeClr val="tx1">
                     <a:tint val="75000"/>
@@ -1253,7 +998,7 @@
             </a:lvl6pPr>
             <a:lvl7pPr marL="2743200" indent="0">
               <a:buNone/>
-              <a:defRPr sz="1400">
+              <a:defRPr sz="1600">
                 <a:solidFill>
                   <a:schemeClr val="tx1">
                     <a:tint val="75000"/>
@@ -1263,7 +1008,7 @@
             </a:lvl7pPr>
             <a:lvl8pPr marL="3200400" indent="0">
               <a:buNone/>
-              <a:defRPr sz="1400">
+              <a:defRPr sz="1600">
                 <a:solidFill>
                   <a:schemeClr val="tx1">
                     <a:tint val="75000"/>
@@ -1273,7 +1018,7 @@
             </a:lvl8pPr>
             <a:lvl9pPr marL="3657600" indent="0">
               <a:buNone/>
-              <a:defRPr sz="1400">
+              <a:defRPr sz="1600">
                 <a:solidFill>
                   <a:schemeClr val="tx1">
                     <a:tint val="75000"/>
@@ -1308,7 +1053,7 @@
           <a:p>
             <a:fld id="{1B0DC123-0C88-43B7-8634-E2A69F402E90}" type="datetimeFigureOut">
               <a:rPr lang="en-US" smtClean="0"/>
-              <a:t>10/21/2024</a:t>
+              <a:t>10/21/24</a:t>
             </a:fld>
             <a:endParaRPr lang="en-US"/>
           </a:p>
@@ -1356,48 +1101,10 @@
           </a:p>
         </p:txBody>
       </p:sp>
-      <p:cxnSp>
-        <p:nvCxnSpPr>
-          <p:cNvPr id="9" name="Straight Connector 8"/>
-          <p:cNvCxnSpPr/>
-          <p:nvPr/>
-        </p:nvCxnSpPr>
-        <p:spPr>
-          <a:xfrm>
-            <a:off x="1207658" y="4343400"/>
-            <a:ext cx="9875520" cy="0"/>
-          </a:xfrm>
-          <a:prstGeom prst="line">
-            <a:avLst/>
-          </a:prstGeom>
-          <a:ln w="6350">
-            <a:solidFill>
-              <a:schemeClr val="tx1">
-                <a:lumMod val="50000"/>
-                <a:lumOff val="50000"/>
-              </a:schemeClr>
-            </a:solidFill>
-          </a:ln>
-        </p:spPr>
-        <p:style>
-          <a:lnRef idx="1">
-            <a:schemeClr val="accent1"/>
-          </a:lnRef>
-          <a:fillRef idx="0">
-            <a:schemeClr val="accent1"/>
-          </a:fillRef>
-          <a:effectRef idx="0">
-            <a:schemeClr val="accent1"/>
-          </a:effectRef>
-          <a:fontRef idx="minor">
-            <a:schemeClr val="tx1"/>
-          </a:fontRef>
-        </p:style>
-      </p:cxnSp>
     </p:spTree>
     <p:extLst>
       <p:ext uri="{BB962C8B-B14F-4D97-AF65-F5344CB8AC3E}">
-        <p14:creationId xmlns:p14="http://schemas.microsoft.com/office/powerpoint/2010/main" val="969723533"/>
+        <p14:creationId xmlns:p14="http://schemas.microsoft.com/office/powerpoint/2010/main" val="4102884400"/>
       </p:ext>
     </p:extLst>
   </p:cSld>
@@ -1426,27 +1133,79 @@
       </p:grpSpPr>
       <p:sp>
         <p:nvSpPr>
-          <p:cNvPr id="8" name="Title 7"/>
+          <p:cNvPr id="2" name="Title 1"/>
           <p:cNvSpPr>
             <a:spLocks noGrp="1"/>
           </p:cNvSpPr>
           <p:nvPr>
             <p:ph type="title"/>
+          </p:nvPr>
+        </p:nvSpPr>
+        <p:spPr/>
+        <p:txBody>
+          <a:bodyPr/>
+          <a:lstStyle/>
+          <a:p>
+            <a:r>
+              <a:rPr lang="en-US"/>
+              <a:t>Click to edit Master title style</a:t>
+            </a:r>
+            <a:endParaRPr lang="en-US" dirty="0"/>
+          </a:p>
+        </p:txBody>
+      </p:sp>
+      <p:sp>
+        <p:nvSpPr>
+          <p:cNvPr id="3" name="Content Placeholder 2"/>
+          <p:cNvSpPr>
+            <a:spLocks noGrp="1"/>
+          </p:cNvSpPr>
+          <p:nvPr>
+            <p:ph sz="half" idx="1"/>
           </p:nvPr>
         </p:nvSpPr>
         <p:spPr>
           <a:xfrm>
-            <a:off x="1097280" y="286603"/>
-            <a:ext cx="10058400" cy="1450757"/>
+            <a:off x="1581912" y="2638044"/>
+            <a:ext cx="4271771" cy="3101982"/>
           </a:xfrm>
         </p:spPr>
         <p:txBody>
           <a:bodyPr/>
           <a:lstStyle/>
           <a:p>
-            <a:r>
-              <a:rPr lang="en-US"/>
-              <a:t>Click to edit Master title style</a:t>
+            <a:pPr lvl="0"/>
+            <a:r>
+              <a:rPr lang="en-US"/>
+              <a:t>Click to edit Master text styles</a:t>
+            </a:r>
+          </a:p>
+          <a:p>
+            <a:pPr lvl="1"/>
+            <a:r>
+              <a:rPr lang="en-US"/>
+              <a:t>Second level</a:t>
+            </a:r>
+          </a:p>
+          <a:p>
+            <a:pPr lvl="2"/>
+            <a:r>
+              <a:rPr lang="en-US"/>
+              <a:t>Third level</a:t>
+            </a:r>
+          </a:p>
+          <a:p>
+            <a:pPr lvl="3"/>
+            <a:r>
+              <a:rPr lang="en-US"/>
+              <a:t>Fourth level</a:t>
+            </a:r>
+          </a:p>
+          <a:p>
+            <a:pPr lvl="4"/>
+            <a:r>
+              <a:rPr lang="en-US"/>
+              <a:t>Fifth level</a:t>
             </a:r>
             <a:endParaRPr lang="en-US" dirty="0"/>
           </a:p>
@@ -1454,18 +1213,18 @@
       </p:sp>
       <p:sp>
         <p:nvSpPr>
-          <p:cNvPr id="3" name="Content Placeholder 2"/>
-          <p:cNvSpPr>
-            <a:spLocks noGrp="1"/>
-          </p:cNvSpPr>
-          <p:nvPr>
-            <p:ph sz="half" idx="1"/>
+          <p:cNvPr id="4" name="Content Placeholder 3"/>
+          <p:cNvSpPr>
+            <a:spLocks noGrp="1"/>
+          </p:cNvSpPr>
+          <p:nvPr>
+            <p:ph sz="half" idx="2"/>
           </p:nvPr>
         </p:nvSpPr>
         <p:spPr>
           <a:xfrm>
-            <a:off x="1097278" y="1845734"/>
-            <a:ext cx="4937760" cy="4023360"/>
+            <a:off x="6338315" y="2638044"/>
+            <a:ext cx="4270247" cy="3101982"/>
           </a:xfrm>
         </p:spPr>
         <p:txBody>
@@ -1511,64 +1270,7 @@
       </p:sp>
       <p:sp>
         <p:nvSpPr>
-          <p:cNvPr id="4" name="Content Placeholder 3"/>
-          <p:cNvSpPr>
-            <a:spLocks noGrp="1"/>
-          </p:cNvSpPr>
-          <p:nvPr>
-            <p:ph sz="half" idx="2"/>
-          </p:nvPr>
-        </p:nvSpPr>
-        <p:spPr>
-          <a:xfrm>
-            <a:off x="6217920" y="1845735"/>
-            <a:ext cx="4937760" cy="4023360"/>
-          </a:xfrm>
-        </p:spPr>
-        <p:txBody>
-          <a:bodyPr/>
-          <a:lstStyle/>
-          <a:p>
-            <a:pPr lvl="0"/>
-            <a:r>
-              <a:rPr lang="en-US"/>
-              <a:t>Click to edit Master text styles</a:t>
-            </a:r>
-          </a:p>
-          <a:p>
-            <a:pPr lvl="1"/>
-            <a:r>
-              <a:rPr lang="en-US"/>
-              <a:t>Second level</a:t>
-            </a:r>
-          </a:p>
-          <a:p>
-            <a:pPr lvl="2"/>
-            <a:r>
-              <a:rPr lang="en-US"/>
-              <a:t>Third level</a:t>
-            </a:r>
-          </a:p>
-          <a:p>
-            <a:pPr lvl="3"/>
-            <a:r>
-              <a:rPr lang="en-US"/>
-              <a:t>Fourth level</a:t>
-            </a:r>
-          </a:p>
-          <a:p>
-            <a:pPr lvl="4"/>
-            <a:r>
-              <a:rPr lang="en-US"/>
-              <a:t>Fifth level</a:t>
-            </a:r>
-            <a:endParaRPr lang="en-US" dirty="0"/>
-          </a:p>
-        </p:txBody>
-      </p:sp>
-      <p:sp>
-        <p:nvSpPr>
-          <p:cNvPr id="5" name="Date Placeholder 4"/>
+          <p:cNvPr id="8" name="Date Placeholder 7"/>
           <p:cNvSpPr>
             <a:spLocks noGrp="1"/>
           </p:cNvSpPr>
@@ -1583,7 +1285,7 @@
           <a:p>
             <a:fld id="{1B0DC123-0C88-43B7-8634-E2A69F402E90}" type="datetimeFigureOut">
               <a:rPr lang="en-US" smtClean="0"/>
-              <a:t>10/21/2024</a:t>
+              <a:t>10/21/24</a:t>
             </a:fld>
             <a:endParaRPr lang="en-US"/>
           </a:p>
@@ -1591,7 +1293,7 @@
       </p:sp>
       <p:sp>
         <p:nvSpPr>
-          <p:cNvPr id="6" name="Footer Placeholder 5"/>
+          <p:cNvPr id="9" name="Footer Placeholder 8"/>
           <p:cNvSpPr>
             <a:spLocks noGrp="1"/>
           </p:cNvSpPr>
@@ -1610,7 +1312,7 @@
       </p:sp>
       <p:sp>
         <p:nvSpPr>
-          <p:cNvPr id="7" name="Slide Number Placeholder 6"/>
+          <p:cNvPr id="10" name="Slide Number Placeholder 9"/>
           <p:cNvSpPr>
             <a:spLocks noGrp="1"/>
           </p:cNvSpPr>
@@ -1634,7 +1336,7 @@
     </p:spTree>
     <p:extLst>
       <p:ext uri="{BB962C8B-B14F-4D97-AF65-F5344CB8AC3E}">
-        <p14:creationId xmlns:p14="http://schemas.microsoft.com/office/powerpoint/2010/main" val="710755803"/>
+        <p14:creationId xmlns:p14="http://schemas.microsoft.com/office/powerpoint/2010/main" val="452112114"/>
       </p:ext>
     </p:extLst>
   </p:cSld>
@@ -1663,56 +1365,28 @@
       </p:grpSpPr>
       <p:sp>
         <p:nvSpPr>
-          <p:cNvPr id="10" name="Title 9"/>
-          <p:cNvSpPr>
-            <a:spLocks noGrp="1"/>
-          </p:cNvSpPr>
-          <p:nvPr>
-            <p:ph type="title"/>
+          <p:cNvPr id="3" name="Text Placeholder 2"/>
+          <p:cNvSpPr>
+            <a:spLocks noGrp="1"/>
+          </p:cNvSpPr>
+          <p:nvPr>
+            <p:ph type="body" idx="1"/>
           </p:nvPr>
         </p:nvSpPr>
         <p:spPr>
           <a:xfrm>
-            <a:off x="1097280" y="286603"/>
-            <a:ext cx="10058400" cy="1450757"/>
+            <a:off x="1583436" y="2313433"/>
+            <a:ext cx="4270248" cy="704087"/>
           </a:xfrm>
         </p:spPr>
         <p:txBody>
-          <a:bodyPr/>
-          <a:lstStyle/>
-          <a:p>
-            <a:r>
-              <a:rPr lang="en-US"/>
-              <a:t>Click to edit Master title style</a:t>
-            </a:r>
-            <a:endParaRPr lang="en-US" dirty="0"/>
-          </a:p>
-        </p:txBody>
-      </p:sp>
-      <p:sp>
-        <p:nvSpPr>
-          <p:cNvPr id="3" name="Text Placeholder 2"/>
-          <p:cNvSpPr>
-            <a:spLocks noGrp="1"/>
-          </p:cNvSpPr>
-          <p:nvPr>
-            <p:ph type="body" idx="1"/>
-          </p:nvPr>
-        </p:nvSpPr>
-        <p:spPr>
-          <a:xfrm>
-            <a:off x="1097280" y="1846052"/>
-            <a:ext cx="4937760" cy="736282"/>
-          </a:xfrm>
-        </p:spPr>
-        <p:txBody>
-          <a:bodyPr lIns="91440" rIns="91440" anchor="ctr">
+          <a:bodyPr anchor="b" anchorCtr="1">
             <a:normAutofit/>
           </a:bodyPr>
           <a:lstStyle>
-            <a:lvl1pPr marL="0" indent="0">
-              <a:buNone/>
-              <a:defRPr sz="2000" b="0" cap="all" baseline="0">
+            <a:lvl1pPr marL="0" indent="0" algn="ctr">
+              <a:buNone/>
+              <a:defRPr sz="1900" b="0" cap="all" spc="100" baseline="0">
                 <a:solidFill>
                   <a:schemeClr val="tx2"/>
                 </a:solidFill>
@@ -1720,7 +1394,7 @@
             </a:lvl1pPr>
             <a:lvl2pPr marL="457200" indent="0">
               <a:buNone/>
-              <a:defRPr sz="2000" b="1"/>
+              <a:defRPr sz="1900" b="1"/>
             </a:lvl2pPr>
             <a:lvl3pPr marL="914400" indent="0">
               <a:buNone/>
@@ -1772,8 +1446,8 @@
         </p:nvSpPr>
         <p:spPr>
           <a:xfrm>
-            <a:off x="1097280" y="2582334"/>
-            <a:ext cx="4937760" cy="3378200"/>
+            <a:off x="1583436" y="3143250"/>
+            <a:ext cx="4270248" cy="2596776"/>
           </a:xfrm>
         </p:spPr>
         <p:txBody>
@@ -1819,28 +1493,89 @@
       </p:sp>
       <p:sp>
         <p:nvSpPr>
-          <p:cNvPr id="5" name="Text Placeholder 4"/>
-          <p:cNvSpPr>
-            <a:spLocks noGrp="1"/>
-          </p:cNvSpPr>
-          <p:nvPr>
-            <p:ph type="body" sz="quarter" idx="3"/>
+          <p:cNvPr id="6" name="Content Placeholder 5"/>
+          <p:cNvSpPr>
+            <a:spLocks noGrp="1"/>
+          </p:cNvSpPr>
+          <p:nvPr>
+            <p:ph sz="quarter" idx="4"/>
           </p:nvPr>
         </p:nvSpPr>
         <p:spPr>
           <a:xfrm>
-            <a:off x="6217920" y="1846052"/>
-            <a:ext cx="4937760" cy="736282"/>
+            <a:off x="6338316" y="3143250"/>
+            <a:ext cx="4253484" cy="2596776"/>
           </a:xfrm>
         </p:spPr>
         <p:txBody>
-          <a:bodyPr lIns="91440" rIns="91440" anchor="ctr">
+          <a:bodyPr/>
+          <a:lstStyle>
+            <a:lvl5pPr>
+              <a:defRPr/>
+            </a:lvl5pPr>
+          </a:lstStyle>
+          <a:p>
+            <a:pPr lvl="0"/>
+            <a:r>
+              <a:rPr lang="en-US"/>
+              <a:t>Click to edit Master text styles</a:t>
+            </a:r>
+          </a:p>
+          <a:p>
+            <a:pPr lvl="1"/>
+            <a:r>
+              <a:rPr lang="en-US"/>
+              <a:t>Second level</a:t>
+            </a:r>
+          </a:p>
+          <a:p>
+            <a:pPr lvl="2"/>
+            <a:r>
+              <a:rPr lang="en-US"/>
+              <a:t>Third level</a:t>
+            </a:r>
+          </a:p>
+          <a:p>
+            <a:pPr lvl="3"/>
+            <a:r>
+              <a:rPr lang="en-US"/>
+              <a:t>Fourth level</a:t>
+            </a:r>
+          </a:p>
+          <a:p>
+            <a:pPr lvl="4"/>
+            <a:r>
+              <a:rPr lang="en-US"/>
+              <a:t>Fifth level</a:t>
+            </a:r>
+            <a:endParaRPr lang="en-US" dirty="0"/>
+          </a:p>
+        </p:txBody>
+      </p:sp>
+      <p:sp>
+        <p:nvSpPr>
+          <p:cNvPr id="11" name="Text Placeholder 4"/>
+          <p:cNvSpPr>
+            <a:spLocks noGrp="1"/>
+          </p:cNvSpPr>
+          <p:nvPr>
+            <p:ph type="body" sz="quarter" idx="13"/>
+          </p:nvPr>
+        </p:nvSpPr>
+        <p:spPr>
+          <a:xfrm>
+            <a:off x="6338316" y="2313433"/>
+            <a:ext cx="4270248" cy="704087"/>
+          </a:xfrm>
+        </p:spPr>
+        <p:txBody>
+          <a:bodyPr anchor="b" anchorCtr="1">
             <a:normAutofit/>
           </a:bodyPr>
           <a:lstStyle>
-            <a:lvl1pPr marL="0" indent="0">
-              <a:buNone/>
-              <a:defRPr sz="2000" b="0" cap="all" baseline="0">
+            <a:lvl1pPr marL="0" indent="0" algn="ctr">
+              <a:buNone/>
+              <a:defRPr sz="1900" b="0" cap="all" spc="100" baseline="0">
                 <a:solidFill>
                   <a:schemeClr val="tx2"/>
                 </a:solidFill>
@@ -1848,7 +1583,7 @@
             </a:lvl1pPr>
             <a:lvl2pPr marL="457200" indent="0">
               <a:buNone/>
-              <a:defRPr sz="2000" b="1"/>
+              <a:defRPr sz="1900" b="1"/>
             </a:lvl2pPr>
             <a:lvl3pPr marL="914400" indent="0">
               <a:buNone/>
@@ -1890,63 +1625,6 @@
       </p:sp>
       <p:sp>
         <p:nvSpPr>
-          <p:cNvPr id="6" name="Content Placeholder 5"/>
-          <p:cNvSpPr>
-            <a:spLocks noGrp="1"/>
-          </p:cNvSpPr>
-          <p:nvPr>
-            <p:ph sz="quarter" idx="4"/>
-          </p:nvPr>
-        </p:nvSpPr>
-        <p:spPr>
-          <a:xfrm>
-            <a:off x="6217920" y="2582334"/>
-            <a:ext cx="4937760" cy="3378200"/>
-          </a:xfrm>
-        </p:spPr>
-        <p:txBody>
-          <a:bodyPr/>
-          <a:lstStyle/>
-          <a:p>
-            <a:pPr lvl="0"/>
-            <a:r>
-              <a:rPr lang="en-US"/>
-              <a:t>Click to edit Master text styles</a:t>
-            </a:r>
-          </a:p>
-          <a:p>
-            <a:pPr lvl="1"/>
-            <a:r>
-              <a:rPr lang="en-US"/>
-              <a:t>Second level</a:t>
-            </a:r>
-          </a:p>
-          <a:p>
-            <a:pPr lvl="2"/>
-            <a:r>
-              <a:rPr lang="en-US"/>
-              <a:t>Third level</a:t>
-            </a:r>
-          </a:p>
-          <a:p>
-            <a:pPr lvl="3"/>
-            <a:r>
-              <a:rPr lang="en-US"/>
-              <a:t>Fourth level</a:t>
-            </a:r>
-          </a:p>
-          <a:p>
-            <a:pPr lvl="4"/>
-            <a:r>
-              <a:rPr lang="en-US"/>
-              <a:t>Fifth level</a:t>
-            </a:r>
-            <a:endParaRPr lang="en-US" dirty="0"/>
-          </a:p>
-        </p:txBody>
-      </p:sp>
-      <p:sp>
-        <p:nvSpPr>
           <p:cNvPr id="7" name="Date Placeholder 6"/>
           <p:cNvSpPr>
             <a:spLocks noGrp="1"/>
@@ -1962,7 +1640,7 @@
           <a:p>
             <a:fld id="{1B0DC123-0C88-43B7-8634-E2A69F402E90}" type="datetimeFigureOut">
               <a:rPr lang="en-US" smtClean="0"/>
-              <a:t>10/21/2024</a:t>
+              <a:t>10/21/24</a:t>
             </a:fld>
             <a:endParaRPr lang="en-US"/>
           </a:p>
@@ -2010,10 +1688,33 @@
           </a:p>
         </p:txBody>
       </p:sp>
+      <p:sp>
+        <p:nvSpPr>
+          <p:cNvPr id="10" name="Title 9"/>
+          <p:cNvSpPr>
+            <a:spLocks noGrp="1"/>
+          </p:cNvSpPr>
+          <p:nvPr>
+            <p:ph type="title"/>
+          </p:nvPr>
+        </p:nvSpPr>
+        <p:spPr/>
+        <p:txBody>
+          <a:bodyPr/>
+          <a:lstStyle/>
+          <a:p>
+            <a:r>
+              <a:rPr lang="en-US"/>
+              <a:t>Click to edit Master title style</a:t>
+            </a:r>
+            <a:endParaRPr lang="en-US" dirty="0"/>
+          </a:p>
+        </p:txBody>
+      </p:sp>
     </p:spTree>
     <p:extLst>
       <p:ext uri="{BB962C8B-B14F-4D97-AF65-F5344CB8AC3E}">
-        <p14:creationId xmlns:p14="http://schemas.microsoft.com/office/powerpoint/2010/main" val="627217581"/>
+        <p14:creationId xmlns:p14="http://schemas.microsoft.com/office/powerpoint/2010/main" val="942686177"/>
       </p:ext>
     </p:extLst>
   </p:cSld>
@@ -2080,7 +1781,7 @@
           <a:p>
             <a:fld id="{1B0DC123-0C88-43B7-8634-E2A69F402E90}" type="datetimeFigureOut">
               <a:rPr lang="en-US" smtClean="0"/>
-              <a:t>10/21/2024</a:t>
+              <a:t>10/21/24</a:t>
             </a:fld>
             <a:endParaRPr lang="en-US"/>
           </a:p>
@@ -2131,7 +1832,7 @@
     </p:spTree>
     <p:extLst>
       <p:ext uri="{BB962C8B-B14F-4D97-AF65-F5344CB8AC3E}">
-        <p14:creationId xmlns:p14="http://schemas.microsoft.com/office/powerpoint/2010/main" val="1201397480"/>
+        <p14:creationId xmlns:p14="http://schemas.microsoft.com/office/powerpoint/2010/main" val="2402066737"/>
       </p:ext>
     </p:extLst>
   </p:cSld>
@@ -2142,7 +1843,7 @@
 </file>
 
 <file path=ppt/slideLayouts/slideLayout7.xml><?xml version="1.0" encoding="utf-8"?>
-<p:sldLayout xmlns:a="http://schemas.openxmlformats.org/drawingml/2006/main" xmlns:r="http://schemas.openxmlformats.org/officeDocument/2006/relationships" xmlns:p="http://schemas.openxmlformats.org/presentationml/2006/main" showMasterSp="0" type="blank" preserve="1">
+<p:sldLayout xmlns:a="http://schemas.openxmlformats.org/drawingml/2006/main" xmlns:r="http://schemas.openxmlformats.org/officeDocument/2006/relationships" xmlns:p="http://schemas.openxmlformats.org/presentationml/2006/main" type="blank" preserve="1">
   <p:cSld name="Blank">
     <p:spTree>
       <p:nvGrpSpPr>
@@ -2160,22 +1861,115 @@
       </p:grpSpPr>
       <p:sp>
         <p:nvSpPr>
-          <p:cNvPr id="5" name="Rectangle 4"/>
+          <p:cNvPr id="2" name="Date Placeholder 1"/>
+          <p:cNvSpPr>
+            <a:spLocks noGrp="1"/>
+          </p:cNvSpPr>
+          <p:nvPr>
+            <p:ph type="dt" sz="half" idx="10"/>
+          </p:nvPr>
+        </p:nvSpPr>
+        <p:spPr/>
+        <p:txBody>
+          <a:bodyPr/>
+          <a:lstStyle/>
+          <a:p>
+            <a:fld id="{1B0DC123-0C88-43B7-8634-E2A69F402E90}" type="datetimeFigureOut">
+              <a:rPr lang="en-US" smtClean="0"/>
+              <a:t>10/21/24</a:t>
+            </a:fld>
+            <a:endParaRPr lang="en-US"/>
+          </a:p>
+        </p:txBody>
+      </p:sp>
+      <p:sp>
+        <p:nvSpPr>
+          <p:cNvPr id="3" name="Footer Placeholder 2"/>
+          <p:cNvSpPr>
+            <a:spLocks noGrp="1"/>
+          </p:cNvSpPr>
+          <p:nvPr>
+            <p:ph type="ftr" sz="quarter" idx="11"/>
+          </p:nvPr>
+        </p:nvSpPr>
+        <p:spPr/>
+        <p:txBody>
+          <a:bodyPr/>
+          <a:lstStyle/>
+          <a:p>
+            <a:endParaRPr lang="en-US"/>
+          </a:p>
+        </p:txBody>
+      </p:sp>
+      <p:sp>
+        <p:nvSpPr>
+          <p:cNvPr id="4" name="Slide Number Placeholder 3"/>
+          <p:cNvSpPr>
+            <a:spLocks noGrp="1"/>
+          </p:cNvSpPr>
+          <p:nvPr>
+            <p:ph type="sldNum" sz="quarter" idx="12"/>
+          </p:nvPr>
+        </p:nvSpPr>
+        <p:spPr/>
+        <p:txBody>
+          <a:bodyPr/>
+          <a:lstStyle/>
+          <a:p>
+            <a:fld id="{39082E67-C1D8-4AE9-98AE-AE677C530A89}" type="slidenum">
+              <a:rPr lang="en-US" smtClean="0"/>
+              <a:t>‹#›</a:t>
+            </a:fld>
+            <a:endParaRPr lang="en-US"/>
+          </a:p>
+        </p:txBody>
+      </p:sp>
+    </p:spTree>
+    <p:extLst>
+      <p:ext uri="{BB962C8B-B14F-4D97-AF65-F5344CB8AC3E}">
+        <p14:creationId xmlns:p14="http://schemas.microsoft.com/office/powerpoint/2010/main" val="4240112707"/>
+      </p:ext>
+    </p:extLst>
+  </p:cSld>
+  <p:clrMapOvr>
+    <a:masterClrMapping/>
+  </p:clrMapOvr>
+</p:sldLayout>
+</file>
+
+<file path=ppt/slideLayouts/slideLayout8.xml><?xml version="1.0" encoding="utf-8"?>
+<p:sldLayout xmlns:a="http://schemas.openxmlformats.org/drawingml/2006/main" xmlns:r="http://schemas.openxmlformats.org/officeDocument/2006/relationships" xmlns:p="http://schemas.openxmlformats.org/presentationml/2006/main" type="objTx" preserve="1">
+  <p:cSld name="Content with Caption">
+    <p:spTree>
+      <p:nvGrpSpPr>
+        <p:cNvPr id="1" name=""/>
+        <p:cNvGrpSpPr/>
+        <p:nvPr/>
+      </p:nvGrpSpPr>
+      <p:grpSpPr>
+        <a:xfrm>
+          <a:off x="0" y="0"/>
+          <a:ext cx="0" cy="0"/>
+          <a:chOff x="0" y="0"/>
+          <a:chExt cx="0" cy="0"/>
+        </a:xfrm>
+      </p:grpSpPr>
+      <p:sp>
+        <p:nvSpPr>
+          <p:cNvPr id="26" name="Rectangle 25"/>
           <p:cNvSpPr/>
           <p:nvPr/>
         </p:nvSpPr>
         <p:spPr>
           <a:xfrm>
-            <a:off x="3175" y="6400800"/>
-            <a:ext cx="12188825" cy="457200"/>
+            <a:off x="6096000" y="0"/>
+            <a:ext cx="6096000" cy="6858000"/>
           </a:xfrm>
           <a:prstGeom prst="rect">
             <a:avLst/>
           </a:prstGeom>
           <a:solidFill>
-            <a:schemeClr val="accent4">
-              <a:lumMod val="75000"/>
-            </a:schemeClr>
+            <a:schemeClr val="bg1"/>
           </a:solidFill>
           <a:ln>
             <a:noFill/>
@@ -2200,45 +1994,231 @@
       </p:sp>
       <p:sp>
         <p:nvSpPr>
-          <p:cNvPr id="6" name="Rectangle 5"/>
-          <p:cNvSpPr/>
-          <p:nvPr/>
+          <p:cNvPr id="2" name="Title 1"/>
+          <p:cNvSpPr>
+            <a:spLocks noGrp="1"/>
+          </p:cNvSpPr>
+          <p:nvPr>
+            <p:ph type="title"/>
+          </p:nvPr>
         </p:nvSpPr>
         <p:spPr>
           <a:xfrm>
-            <a:off x="15" y="6334316"/>
-            <a:ext cx="12188825" cy="64008"/>
+            <a:off x="804672" y="2243828"/>
+            <a:ext cx="4486656" cy="1141497"/>
           </a:xfrm>
-          <a:prstGeom prst="rect">
-            <a:avLst/>
-          </a:prstGeom>
           <a:solidFill>
-            <a:schemeClr val="accent4"/>
+            <a:srgbClr val="FFFFFF"/>
           </a:solidFill>
           <a:ln>
-            <a:noFill/>
+            <a:solidFill>
+              <a:srgbClr val="404040"/>
+            </a:solidFill>
           </a:ln>
         </p:spPr>
-        <p:style>
-          <a:lnRef idx="2">
-            <a:schemeClr val="accent1">
-              <a:shade val="50000"/>
-            </a:schemeClr>
-          </a:lnRef>
-          <a:fillRef idx="1">
-            <a:schemeClr val="accent1"/>
-          </a:fillRef>
-          <a:effectRef idx="0">
-            <a:schemeClr val="accent1"/>
-          </a:effectRef>
-          <a:fontRef idx="minor">
-            <a:schemeClr val="lt1"/>
-          </a:fontRef>
-        </p:style>
-      </p:sp>
-      <p:sp>
-        <p:nvSpPr>
-          <p:cNvPr id="7" name="Date Placeholder 6"/>
+        <p:txBody>
+          <a:bodyPr anchor="ctr" anchorCtr="1">
+            <a:normAutofit/>
+          </a:bodyPr>
+          <a:lstStyle>
+            <a:lvl1pPr>
+              <a:defRPr sz="2200">
+                <a:solidFill>
+                  <a:srgbClr val="262626"/>
+                </a:solidFill>
+              </a:defRPr>
+            </a:lvl1pPr>
+          </a:lstStyle>
+          <a:p>
+            <a:r>
+              <a:rPr lang="en-US"/>
+              <a:t>Click to edit Master title style</a:t>
+            </a:r>
+            <a:endParaRPr lang="en-US" dirty="0"/>
+          </a:p>
+        </p:txBody>
+      </p:sp>
+      <p:sp>
+        <p:nvSpPr>
+          <p:cNvPr id="3" name="Content Placeholder 2"/>
+          <p:cNvSpPr>
+            <a:spLocks noGrp="1"/>
+          </p:cNvSpPr>
+          <p:nvPr>
+            <p:ph idx="1"/>
+          </p:nvPr>
+        </p:nvSpPr>
+        <p:spPr>
+          <a:xfrm>
+            <a:off x="6736080" y="804672"/>
+            <a:ext cx="4815840" cy="5248656"/>
+          </a:xfrm>
+        </p:spPr>
+        <p:txBody>
+          <a:bodyPr>
+            <a:normAutofit/>
+          </a:bodyPr>
+          <a:lstStyle>
+            <a:lvl1pPr>
+              <a:defRPr sz="1900">
+                <a:solidFill>
+                  <a:schemeClr val="tx1"/>
+                </a:solidFill>
+              </a:defRPr>
+            </a:lvl1pPr>
+            <a:lvl2pPr>
+              <a:defRPr sz="1600">
+                <a:solidFill>
+                  <a:schemeClr val="tx1"/>
+                </a:solidFill>
+              </a:defRPr>
+            </a:lvl2pPr>
+            <a:lvl3pPr>
+              <a:defRPr sz="1600">
+                <a:solidFill>
+                  <a:schemeClr val="tx1"/>
+                </a:solidFill>
+              </a:defRPr>
+            </a:lvl3pPr>
+            <a:lvl4pPr>
+              <a:defRPr sz="1600">
+                <a:solidFill>
+                  <a:schemeClr val="tx1"/>
+                </a:solidFill>
+              </a:defRPr>
+            </a:lvl4pPr>
+            <a:lvl5pPr>
+              <a:defRPr sz="1600">
+                <a:solidFill>
+                  <a:schemeClr val="tx1"/>
+                </a:solidFill>
+              </a:defRPr>
+            </a:lvl5pPr>
+            <a:lvl6pPr>
+              <a:defRPr sz="1600"/>
+            </a:lvl6pPr>
+            <a:lvl7pPr>
+              <a:defRPr sz="1600"/>
+            </a:lvl7pPr>
+            <a:lvl8pPr>
+              <a:defRPr sz="1600"/>
+            </a:lvl8pPr>
+            <a:lvl9pPr>
+              <a:defRPr sz="1600"/>
+            </a:lvl9pPr>
+          </a:lstStyle>
+          <a:p>
+            <a:pPr lvl="0"/>
+            <a:r>
+              <a:rPr lang="en-US"/>
+              <a:t>Click to edit Master text styles</a:t>
+            </a:r>
+          </a:p>
+          <a:p>
+            <a:pPr lvl="1"/>
+            <a:r>
+              <a:rPr lang="en-US"/>
+              <a:t>Second level</a:t>
+            </a:r>
+          </a:p>
+          <a:p>
+            <a:pPr lvl="2"/>
+            <a:r>
+              <a:rPr lang="en-US"/>
+              <a:t>Third level</a:t>
+            </a:r>
+          </a:p>
+          <a:p>
+            <a:pPr lvl="3"/>
+            <a:r>
+              <a:rPr lang="en-US"/>
+              <a:t>Fourth level</a:t>
+            </a:r>
+          </a:p>
+          <a:p>
+            <a:pPr lvl="4"/>
+            <a:r>
+              <a:rPr lang="en-US"/>
+              <a:t>Fifth level</a:t>
+            </a:r>
+            <a:endParaRPr lang="en-US" dirty="0"/>
+          </a:p>
+        </p:txBody>
+      </p:sp>
+      <p:sp>
+        <p:nvSpPr>
+          <p:cNvPr id="4" name="Text Placeholder 3"/>
+          <p:cNvSpPr>
+            <a:spLocks noGrp="1"/>
+          </p:cNvSpPr>
+          <p:nvPr>
+            <p:ph type="body" sz="half" idx="2"/>
+          </p:nvPr>
+        </p:nvSpPr>
+        <p:spPr>
+          <a:xfrm>
+            <a:off x="1115568" y="3549918"/>
+            <a:ext cx="3794760" cy="2194036"/>
+          </a:xfrm>
+        </p:spPr>
+        <p:txBody>
+          <a:bodyPr anchor="t" anchorCtr="1">
+            <a:normAutofit/>
+          </a:bodyPr>
+          <a:lstStyle>
+            <a:lvl1pPr marL="0" indent="0" algn="ctr">
+              <a:buNone/>
+              <a:defRPr sz="1500">
+                <a:solidFill>
+                  <a:schemeClr val="tx1"/>
+                </a:solidFill>
+              </a:defRPr>
+            </a:lvl1pPr>
+            <a:lvl2pPr marL="457200" indent="0">
+              <a:buNone/>
+              <a:defRPr sz="1400"/>
+            </a:lvl2pPr>
+            <a:lvl3pPr marL="914400" indent="0">
+              <a:buNone/>
+              <a:defRPr sz="1200"/>
+            </a:lvl3pPr>
+            <a:lvl4pPr marL="1371600" indent="0">
+              <a:buNone/>
+              <a:defRPr sz="1000"/>
+            </a:lvl4pPr>
+            <a:lvl5pPr marL="1828800" indent="0">
+              <a:buNone/>
+              <a:defRPr sz="1000"/>
+            </a:lvl5pPr>
+            <a:lvl6pPr marL="2286000" indent="0">
+              <a:buNone/>
+              <a:defRPr sz="1000"/>
+            </a:lvl6pPr>
+            <a:lvl7pPr marL="2743200" indent="0">
+              <a:buNone/>
+              <a:defRPr sz="1000"/>
+            </a:lvl7pPr>
+            <a:lvl8pPr marL="3200400" indent="0">
+              <a:buNone/>
+              <a:defRPr sz="1000"/>
+            </a:lvl8pPr>
+            <a:lvl9pPr marL="3657600" indent="0">
+              <a:buNone/>
+              <a:defRPr sz="1000"/>
+            </a:lvl9pPr>
+          </a:lstStyle>
+          <a:p>
+            <a:pPr lvl="0"/>
+            <a:r>
+              <a:rPr lang="en-US"/>
+              <a:t>Click to edit Master text styles</a:t>
+            </a:r>
+          </a:p>
+        </p:txBody>
+      </p:sp>
+      <p:sp>
+        <p:nvSpPr>
+          <p:cNvPr id="9" name="Date Placeholder 8"/>
           <p:cNvSpPr>
             <a:spLocks noGrp="1"/>
           </p:cNvSpPr>
@@ -2253,7 +2233,7 @@
           <a:p>
             <a:fld id="{1B0DC123-0C88-43B7-8634-E2A69F402E90}" type="datetimeFigureOut">
               <a:rPr lang="en-US" smtClean="0"/>
-              <a:t>10/21/2024</a:t>
+              <a:t>10/21/24</a:t>
             </a:fld>
             <a:endParaRPr lang="en-US"/>
           </a:p>
@@ -2261,7 +2241,7 @@
       </p:sp>
       <p:sp>
         <p:nvSpPr>
-          <p:cNvPr id="8" name="Footer Placeholder 7"/>
+          <p:cNvPr id="10" name="Footer Placeholder 9"/>
           <p:cNvSpPr>
             <a:spLocks noGrp="1"/>
           </p:cNvSpPr>
@@ -2269,14 +2249,21 @@
             <p:ph type="ftr" sz="quarter" idx="11"/>
           </p:nvPr>
         </p:nvSpPr>
-        <p:spPr/>
+        <p:spPr>
+          <a:xfrm>
+            <a:off x="804672" y="6236208"/>
+            <a:ext cx="5124797" cy="320040"/>
+          </a:xfrm>
+        </p:spPr>
         <p:txBody>
           <a:bodyPr/>
           <a:lstStyle>
             <a:lvl1pPr>
               <a:defRPr>
                 <a:solidFill>
-                  <a:srgbClr val="FFFFFF"/>
+                  <a:schemeClr val="tx1">
+                    <a:alpha val="70000"/>
+                  </a:schemeClr>
                 </a:solidFill>
               </a:defRPr>
             </a:lvl1pPr>
@@ -2288,7 +2275,7 @@
       </p:sp>
       <p:sp>
         <p:nvSpPr>
-          <p:cNvPr id="9" name="Slide Number Placeholder 8"/>
+          <p:cNvPr id="11" name="Slide Number Placeholder 10"/>
           <p:cNvSpPr>
             <a:spLocks noGrp="1"/>
           </p:cNvSpPr>
@@ -2312,376 +2299,7 @@
     </p:spTree>
     <p:extLst>
       <p:ext uri="{BB962C8B-B14F-4D97-AF65-F5344CB8AC3E}">
-        <p14:creationId xmlns:p14="http://schemas.microsoft.com/office/powerpoint/2010/main" val="1227291963"/>
-      </p:ext>
-    </p:extLst>
-  </p:cSld>
-  <p:clrMapOvr>
-    <a:masterClrMapping/>
-  </p:clrMapOvr>
-</p:sldLayout>
-</file>
-
-<file path=ppt/slideLayouts/slideLayout8.xml><?xml version="1.0" encoding="utf-8"?>
-<p:sldLayout xmlns:a="http://schemas.openxmlformats.org/drawingml/2006/main" xmlns:r="http://schemas.openxmlformats.org/officeDocument/2006/relationships" xmlns:p="http://schemas.openxmlformats.org/presentationml/2006/main" showMasterSp="0" type="objTx" preserve="1">
-  <p:cSld name="Content with Caption">
-    <p:spTree>
-      <p:nvGrpSpPr>
-        <p:cNvPr id="1" name=""/>
-        <p:cNvGrpSpPr/>
-        <p:nvPr/>
-      </p:nvGrpSpPr>
-      <p:grpSpPr>
-        <a:xfrm>
-          <a:off x="0" y="0"/>
-          <a:ext cx="0" cy="0"/>
-          <a:chOff x="0" y="0"/>
-          <a:chExt cx="0" cy="0"/>
-        </a:xfrm>
-      </p:grpSpPr>
-      <p:sp>
-        <p:nvSpPr>
-          <p:cNvPr id="8" name="Rectangle 7"/>
-          <p:cNvSpPr/>
-          <p:nvPr/>
-        </p:nvSpPr>
-        <p:spPr>
-          <a:xfrm>
-            <a:off x="16" y="0"/>
-            <a:ext cx="4050791" cy="6858000"/>
-          </a:xfrm>
-          <a:prstGeom prst="rect">
-            <a:avLst/>
-          </a:prstGeom>
-          <a:solidFill>
-            <a:schemeClr val="accent4">
-              <a:lumMod val="75000"/>
-            </a:schemeClr>
-          </a:solidFill>
-          <a:ln>
-            <a:noFill/>
-          </a:ln>
-        </p:spPr>
-        <p:style>
-          <a:lnRef idx="2">
-            <a:schemeClr val="accent1">
-              <a:shade val="50000"/>
-            </a:schemeClr>
-          </a:lnRef>
-          <a:fillRef idx="1">
-            <a:schemeClr val="accent1"/>
-          </a:fillRef>
-          <a:effectRef idx="0">
-            <a:schemeClr val="accent1"/>
-          </a:effectRef>
-          <a:fontRef idx="minor">
-            <a:schemeClr val="lt1"/>
-          </a:fontRef>
-        </p:style>
-      </p:sp>
-      <p:sp>
-        <p:nvSpPr>
-          <p:cNvPr id="9" name="Rectangle 8"/>
-          <p:cNvSpPr/>
-          <p:nvPr/>
-        </p:nvSpPr>
-        <p:spPr>
-          <a:xfrm>
-            <a:off x="4040071" y="0"/>
-            <a:ext cx="64008" cy="6858000"/>
-          </a:xfrm>
-          <a:prstGeom prst="rect">
-            <a:avLst/>
-          </a:prstGeom>
-          <a:solidFill>
-            <a:schemeClr val="accent4"/>
-          </a:solidFill>
-          <a:ln>
-            <a:noFill/>
-          </a:ln>
-        </p:spPr>
-        <p:style>
-          <a:lnRef idx="2">
-            <a:schemeClr val="accent1">
-              <a:shade val="50000"/>
-            </a:schemeClr>
-          </a:lnRef>
-          <a:fillRef idx="1">
-            <a:schemeClr val="accent1"/>
-          </a:fillRef>
-          <a:effectRef idx="0">
-            <a:schemeClr val="accent1"/>
-          </a:effectRef>
-          <a:fontRef idx="minor">
-            <a:schemeClr val="lt1"/>
-          </a:fontRef>
-        </p:style>
-      </p:sp>
-      <p:sp>
-        <p:nvSpPr>
-          <p:cNvPr id="2" name="Title 1"/>
-          <p:cNvSpPr>
-            <a:spLocks noGrp="1"/>
-          </p:cNvSpPr>
-          <p:nvPr>
-            <p:ph type="title"/>
-          </p:nvPr>
-        </p:nvSpPr>
-        <p:spPr>
-          <a:xfrm>
-            <a:off x="457200" y="594359"/>
-            <a:ext cx="3200400" cy="2286000"/>
-          </a:xfrm>
-        </p:spPr>
-        <p:txBody>
-          <a:bodyPr anchor="b">
-            <a:normAutofit/>
-          </a:bodyPr>
-          <a:lstStyle>
-            <a:lvl1pPr>
-              <a:defRPr sz="3600" b="0">
-                <a:solidFill>
-                  <a:srgbClr val="FFFFFF"/>
-                </a:solidFill>
-              </a:defRPr>
-            </a:lvl1pPr>
-          </a:lstStyle>
-          <a:p>
-            <a:r>
-              <a:rPr lang="en-US"/>
-              <a:t>Click to edit Master title style</a:t>
-            </a:r>
-            <a:endParaRPr lang="en-US" dirty="0"/>
-          </a:p>
-        </p:txBody>
-      </p:sp>
-      <p:sp>
-        <p:nvSpPr>
-          <p:cNvPr id="3" name="Content Placeholder 2"/>
-          <p:cNvSpPr>
-            <a:spLocks noGrp="1"/>
-          </p:cNvSpPr>
-          <p:nvPr>
-            <p:ph idx="1"/>
-          </p:nvPr>
-        </p:nvSpPr>
-        <p:spPr>
-          <a:xfrm>
-            <a:off x="4800600" y="731520"/>
-            <a:ext cx="6492240" cy="5257800"/>
-          </a:xfrm>
-        </p:spPr>
-        <p:txBody>
-          <a:bodyPr/>
-          <a:lstStyle/>
-          <a:p>
-            <a:pPr lvl="0"/>
-            <a:r>
-              <a:rPr lang="en-US"/>
-              <a:t>Click to edit Master text styles</a:t>
-            </a:r>
-          </a:p>
-          <a:p>
-            <a:pPr lvl="1"/>
-            <a:r>
-              <a:rPr lang="en-US"/>
-              <a:t>Second level</a:t>
-            </a:r>
-          </a:p>
-          <a:p>
-            <a:pPr lvl="2"/>
-            <a:r>
-              <a:rPr lang="en-US"/>
-              <a:t>Third level</a:t>
-            </a:r>
-          </a:p>
-          <a:p>
-            <a:pPr lvl="3"/>
-            <a:r>
-              <a:rPr lang="en-US"/>
-              <a:t>Fourth level</a:t>
-            </a:r>
-          </a:p>
-          <a:p>
-            <a:pPr lvl="4"/>
-            <a:r>
-              <a:rPr lang="en-US"/>
-              <a:t>Fifth level</a:t>
-            </a:r>
-            <a:endParaRPr lang="en-US" dirty="0"/>
-          </a:p>
-        </p:txBody>
-      </p:sp>
-      <p:sp>
-        <p:nvSpPr>
-          <p:cNvPr id="4" name="Text Placeholder 3"/>
-          <p:cNvSpPr>
-            <a:spLocks noGrp="1"/>
-          </p:cNvSpPr>
-          <p:nvPr>
-            <p:ph type="body" sz="half" idx="2"/>
-          </p:nvPr>
-        </p:nvSpPr>
-        <p:spPr>
-          <a:xfrm>
-            <a:off x="457200" y="2926080"/>
-            <a:ext cx="3200400" cy="3379124"/>
-          </a:xfrm>
-        </p:spPr>
-        <p:txBody>
-          <a:bodyPr lIns="91440" rIns="91440">
-            <a:normAutofit/>
-          </a:bodyPr>
-          <a:lstStyle>
-            <a:lvl1pPr marL="0" indent="0">
-              <a:buNone/>
-              <a:defRPr sz="1500">
-                <a:solidFill>
-                  <a:srgbClr val="FFFFFF"/>
-                </a:solidFill>
-              </a:defRPr>
-            </a:lvl1pPr>
-            <a:lvl2pPr marL="457200" indent="0">
-              <a:buNone/>
-              <a:defRPr sz="1200"/>
-            </a:lvl2pPr>
-            <a:lvl3pPr marL="914400" indent="0">
-              <a:buNone/>
-              <a:defRPr sz="1000"/>
-            </a:lvl3pPr>
-            <a:lvl4pPr marL="1371600" indent="0">
-              <a:buNone/>
-              <a:defRPr sz="900"/>
-            </a:lvl4pPr>
-            <a:lvl5pPr marL="1828800" indent="0">
-              <a:buNone/>
-              <a:defRPr sz="900"/>
-            </a:lvl5pPr>
-            <a:lvl6pPr marL="2286000" indent="0">
-              <a:buNone/>
-              <a:defRPr sz="900"/>
-            </a:lvl6pPr>
-            <a:lvl7pPr marL="2743200" indent="0">
-              <a:buNone/>
-              <a:defRPr sz="900"/>
-            </a:lvl7pPr>
-            <a:lvl8pPr marL="3200400" indent="0">
-              <a:buNone/>
-              <a:defRPr sz="900"/>
-            </a:lvl8pPr>
-            <a:lvl9pPr marL="3657600" indent="0">
-              <a:buNone/>
-              <a:defRPr sz="900"/>
-            </a:lvl9pPr>
-          </a:lstStyle>
-          <a:p>
-            <a:pPr lvl="0"/>
-            <a:r>
-              <a:rPr lang="en-US"/>
-              <a:t>Click to edit Master text styles</a:t>
-            </a:r>
-          </a:p>
-        </p:txBody>
-      </p:sp>
-      <p:sp>
-        <p:nvSpPr>
-          <p:cNvPr id="5" name="Date Placeholder 4"/>
-          <p:cNvSpPr>
-            <a:spLocks noGrp="1"/>
-          </p:cNvSpPr>
-          <p:nvPr>
-            <p:ph type="dt" sz="half" idx="10"/>
-          </p:nvPr>
-        </p:nvSpPr>
-        <p:spPr>
-          <a:xfrm>
-            <a:off x="465512" y="6459785"/>
-            <a:ext cx="2618510" cy="365125"/>
-          </a:xfrm>
-        </p:spPr>
-        <p:txBody>
-          <a:bodyPr/>
-          <a:lstStyle>
-            <a:lvl1pPr algn="l">
-              <a:defRPr/>
-            </a:lvl1pPr>
-          </a:lstStyle>
-          <a:p>
-            <a:fld id="{1B0DC123-0C88-43B7-8634-E2A69F402E90}" type="datetimeFigureOut">
-              <a:rPr lang="en-US" smtClean="0"/>
-              <a:t>10/21/2024</a:t>
-            </a:fld>
-            <a:endParaRPr lang="en-US"/>
-          </a:p>
-        </p:txBody>
-      </p:sp>
-      <p:sp>
-        <p:nvSpPr>
-          <p:cNvPr id="6" name="Footer Placeholder 5"/>
-          <p:cNvSpPr>
-            <a:spLocks noGrp="1"/>
-          </p:cNvSpPr>
-          <p:nvPr>
-            <p:ph type="ftr" sz="quarter" idx="11"/>
-          </p:nvPr>
-        </p:nvSpPr>
-        <p:spPr>
-          <a:xfrm>
-            <a:off x="4800600" y="6459785"/>
-            <a:ext cx="4648200" cy="365125"/>
-          </a:xfrm>
-        </p:spPr>
-        <p:txBody>
-          <a:bodyPr/>
-          <a:lstStyle>
-            <a:lvl1pPr algn="l">
-              <a:defRPr>
-                <a:solidFill>
-                  <a:schemeClr val="tx2"/>
-                </a:solidFill>
-              </a:defRPr>
-            </a:lvl1pPr>
-          </a:lstStyle>
-          <a:p>
-            <a:endParaRPr lang="en-US"/>
-          </a:p>
-        </p:txBody>
-      </p:sp>
-      <p:sp>
-        <p:nvSpPr>
-          <p:cNvPr id="7" name="Slide Number Placeholder 6"/>
-          <p:cNvSpPr>
-            <a:spLocks noGrp="1"/>
-          </p:cNvSpPr>
-          <p:nvPr>
-            <p:ph type="sldNum" sz="quarter" idx="12"/>
-          </p:nvPr>
-        </p:nvSpPr>
-        <p:spPr/>
-        <p:txBody>
-          <a:bodyPr/>
-          <a:lstStyle>
-            <a:lvl1pPr>
-              <a:defRPr>
-                <a:solidFill>
-                  <a:schemeClr val="tx2"/>
-                </a:solidFill>
-              </a:defRPr>
-            </a:lvl1pPr>
-          </a:lstStyle>
-          <a:p>
-            <a:fld id="{39082E67-C1D8-4AE9-98AE-AE677C530A89}" type="slidenum">
-              <a:rPr lang="en-US" smtClean="0"/>
-              <a:t>‹#›</a:t>
-            </a:fld>
-            <a:endParaRPr lang="en-US"/>
-          </a:p>
-        </p:txBody>
-      </p:sp>
-    </p:spTree>
-    <p:extLst>
-      <p:ext uri="{BB962C8B-B14F-4D97-AF65-F5344CB8AC3E}">
-        <p14:creationId xmlns:p14="http://schemas.microsoft.com/office/powerpoint/2010/main" val="2581404265"/>
+        <p14:creationId xmlns:p14="http://schemas.microsoft.com/office/powerpoint/2010/main" val="2137029016"/>
       </p:ext>
     </p:extLst>
   </p:cSld>
@@ -2692,7 +2310,7 @@
 </file>
 
 <file path=ppt/slideLayouts/slideLayout9.xml><?xml version="1.0" encoding="utf-8"?>
-<p:sldLayout xmlns:a="http://schemas.openxmlformats.org/drawingml/2006/main" xmlns:r="http://schemas.openxmlformats.org/officeDocument/2006/relationships" xmlns:p="http://schemas.openxmlformats.org/presentationml/2006/main" showMasterSp="0" type="picTx" preserve="1">
+<p:sldLayout xmlns:a="http://schemas.openxmlformats.org/drawingml/2006/main" xmlns:r="http://schemas.openxmlformats.org/officeDocument/2006/relationships" xmlns:p="http://schemas.openxmlformats.org/presentationml/2006/main" type="picTx" preserve="1">
   <p:cSld name="Picture with Caption">
     <p:spTree>
       <p:nvGrpSpPr>
@@ -2710,107 +2328,37 @@
       </p:grpSpPr>
       <p:sp>
         <p:nvSpPr>
-          <p:cNvPr id="8" name="Rectangle 7"/>
-          <p:cNvSpPr/>
-          <p:nvPr/>
+          <p:cNvPr id="2" name="Title 1"/>
+          <p:cNvSpPr>
+            <a:spLocks noGrp="1"/>
+          </p:cNvSpPr>
+          <p:nvPr>
+            <p:ph type="title"/>
+          </p:nvPr>
         </p:nvSpPr>
         <p:spPr>
           <a:xfrm>
-            <a:off x="0" y="4953000"/>
-            <a:ext cx="12188825" cy="1905000"/>
+            <a:off x="808523" y="2243828"/>
+            <a:ext cx="4494998" cy="1134640"/>
           </a:xfrm>
-          <a:prstGeom prst="rect">
-            <a:avLst/>
-          </a:prstGeom>
           <a:solidFill>
-            <a:schemeClr val="accent4">
-              <a:lumMod val="75000"/>
-            </a:schemeClr>
+            <a:srgbClr val="FFFFFF"/>
           </a:solidFill>
           <a:ln>
-            <a:noFill/>
+            <a:solidFill>
+              <a:srgbClr val="404040"/>
+            </a:solidFill>
           </a:ln>
         </p:spPr>
-        <p:style>
-          <a:lnRef idx="2">
-            <a:schemeClr val="accent1">
-              <a:shade val="50000"/>
-            </a:schemeClr>
-          </a:lnRef>
-          <a:fillRef idx="1">
-            <a:schemeClr val="accent1"/>
-          </a:fillRef>
-          <a:effectRef idx="0">
-            <a:schemeClr val="accent1"/>
-          </a:effectRef>
-          <a:fontRef idx="minor">
-            <a:schemeClr val="lt1"/>
-          </a:fontRef>
-        </p:style>
-      </p:sp>
-      <p:sp>
-        <p:nvSpPr>
-          <p:cNvPr id="9" name="Rectangle 8"/>
-          <p:cNvSpPr/>
-          <p:nvPr/>
-        </p:nvSpPr>
-        <p:spPr>
-          <a:xfrm>
-            <a:off x="15" y="4915076"/>
-            <a:ext cx="12188825" cy="64008"/>
-          </a:xfrm>
-          <a:prstGeom prst="rect">
-            <a:avLst/>
-          </a:prstGeom>
-          <a:solidFill>
-            <a:schemeClr val="accent4"/>
-          </a:solidFill>
-          <a:ln>
-            <a:noFill/>
-          </a:ln>
-        </p:spPr>
-        <p:style>
-          <a:lnRef idx="2">
-            <a:schemeClr val="accent1">
-              <a:shade val="50000"/>
-            </a:schemeClr>
-          </a:lnRef>
-          <a:fillRef idx="1">
-            <a:schemeClr val="accent1"/>
-          </a:fillRef>
-          <a:effectRef idx="0">
-            <a:schemeClr val="accent1"/>
-          </a:effectRef>
-          <a:fontRef idx="minor">
-            <a:schemeClr val="lt1"/>
-          </a:fontRef>
-        </p:style>
-      </p:sp>
-      <p:sp>
-        <p:nvSpPr>
-          <p:cNvPr id="2" name="Title 1"/>
-          <p:cNvSpPr>
-            <a:spLocks noGrp="1"/>
-          </p:cNvSpPr>
-          <p:nvPr>
-            <p:ph type="title"/>
-          </p:nvPr>
-        </p:nvSpPr>
-        <p:spPr>
-          <a:xfrm>
-            <a:off x="1097280" y="5074920"/>
-            <a:ext cx="10113645" cy="822960"/>
-          </a:xfrm>
-        </p:spPr>
-        <p:txBody>
-          <a:bodyPr lIns="91440" tIns="0" rIns="91440" bIns="0" anchor="b">
+        <p:txBody>
+          <a:bodyPr anchor="ctr" anchorCtr="1">
             <a:noAutofit/>
           </a:bodyPr>
           <a:lstStyle>
             <a:lvl1pPr>
-              <a:defRPr sz="3600" b="0">
+              <a:defRPr sz="2200">
                 <a:solidFill>
-                  <a:srgbClr val="FFFFFF"/>
+                  <a:srgbClr val="262626"/>
                 </a:solidFill>
               </a:defRPr>
             </a:lvl1pPr>
@@ -2836,133 +2384,133 @@
         </p:nvSpPr>
         <p:spPr>
           <a:xfrm>
-            <a:off x="15" y="0"/>
-            <a:ext cx="12191985" cy="4915076"/>
+            <a:off x="6095999" y="0"/>
+            <a:ext cx="6102097" cy="6858000"/>
           </a:xfrm>
           <a:solidFill>
-            <a:schemeClr val="bg2">
-              <a:lumMod val="90000"/>
+            <a:schemeClr val="bg1">
+              <a:lumMod val="85000"/>
             </a:schemeClr>
           </a:solidFill>
         </p:spPr>
         <p:txBody>
-          <a:bodyPr lIns="457200" tIns="457200" anchor="t"/>
+          <a:bodyPr anchor="t"/>
           <a:lstStyle>
             <a:lvl1pPr marL="0" indent="0">
               <a:buNone/>
-              <a:defRPr sz="3200"/>
-            </a:lvl1pPr>
-            <a:lvl2pPr marL="457200" indent="0">
-              <a:buNone/>
-              <a:defRPr sz="2800"/>
-            </a:lvl2pPr>
-            <a:lvl3pPr marL="914400" indent="0">
-              <a:buNone/>
-              <a:defRPr sz="2400"/>
-            </a:lvl3pPr>
-            <a:lvl4pPr marL="1371600" indent="0">
-              <a:buNone/>
-              <a:defRPr sz="2000"/>
-            </a:lvl4pPr>
-            <a:lvl5pPr marL="1828800" indent="0">
-              <a:buNone/>
-              <a:defRPr sz="2000"/>
-            </a:lvl5pPr>
-            <a:lvl6pPr marL="2286000" indent="0">
-              <a:buNone/>
-              <a:defRPr sz="2000"/>
-            </a:lvl6pPr>
-            <a:lvl7pPr marL="2743200" indent="0">
-              <a:buNone/>
-              <a:defRPr sz="2000"/>
-            </a:lvl7pPr>
-            <a:lvl8pPr marL="3200400" indent="0">
-              <a:buNone/>
-              <a:defRPr sz="2000"/>
-            </a:lvl8pPr>
-            <a:lvl9pPr marL="3657600" indent="0">
-              <a:buNone/>
-              <a:defRPr sz="2000"/>
-            </a:lvl9pPr>
-          </a:lstStyle>
-          <a:p>
-            <a:r>
-              <a:rPr lang="en-US"/>
-              <a:t>Click icon to add picture</a:t>
-            </a:r>
-            <a:endParaRPr lang="en-US" dirty="0"/>
-          </a:p>
-        </p:txBody>
-      </p:sp>
-      <p:sp>
-        <p:nvSpPr>
-          <p:cNvPr id="4" name="Text Placeholder 3"/>
-          <p:cNvSpPr>
-            <a:spLocks noGrp="1"/>
-          </p:cNvSpPr>
-          <p:nvPr>
-            <p:ph type="body" sz="half" idx="2"/>
-          </p:nvPr>
-        </p:nvSpPr>
-        <p:spPr>
-          <a:xfrm>
-            <a:off x="1097280" y="5907024"/>
-            <a:ext cx="10113264" cy="594360"/>
-          </a:xfrm>
-        </p:spPr>
-        <p:txBody>
-          <a:bodyPr lIns="91440" tIns="0" rIns="91440" bIns="0">
-            <a:normAutofit/>
-          </a:bodyPr>
-          <a:lstStyle>
-            <a:lvl1pPr marL="0" indent="0">
-              <a:spcBef>
-                <a:spcPts val="0"/>
-              </a:spcBef>
-              <a:spcAft>
-                <a:spcPts val="600"/>
-              </a:spcAft>
-              <a:buNone/>
-              <a:defRPr sz="1500">
+              <a:defRPr sz="3200">
                 <a:solidFill>
-                  <a:srgbClr val="FFFFFF"/>
+                  <a:schemeClr val="bg1">
+                    <a:lumMod val="50000"/>
+                  </a:schemeClr>
                 </a:solidFill>
               </a:defRPr>
             </a:lvl1pPr>
             <a:lvl2pPr marL="457200" indent="0">
               <a:buNone/>
-              <a:defRPr sz="1200"/>
+              <a:defRPr sz="2800"/>
             </a:lvl2pPr>
             <a:lvl3pPr marL="914400" indent="0">
               <a:buNone/>
-              <a:defRPr sz="1000"/>
+              <a:defRPr sz="2400"/>
             </a:lvl3pPr>
             <a:lvl4pPr marL="1371600" indent="0">
               <a:buNone/>
-              <a:defRPr sz="900"/>
+              <a:defRPr sz="2000"/>
             </a:lvl4pPr>
             <a:lvl5pPr marL="1828800" indent="0">
               <a:buNone/>
-              <a:defRPr sz="900"/>
+              <a:defRPr sz="2000"/>
             </a:lvl5pPr>
             <a:lvl6pPr marL="2286000" indent="0">
               <a:buNone/>
-              <a:defRPr sz="900"/>
+              <a:defRPr sz="2000"/>
             </a:lvl6pPr>
             <a:lvl7pPr marL="2743200" indent="0">
               <a:buNone/>
-              <a:defRPr sz="900"/>
+              <a:defRPr sz="2000"/>
             </a:lvl7pPr>
             <a:lvl8pPr marL="3200400" indent="0">
               <a:buNone/>
-              <a:defRPr sz="900"/>
+              <a:defRPr sz="2000"/>
             </a:lvl8pPr>
             <a:lvl9pPr marL="3657600" indent="0">
               <a:buNone/>
-              <a:defRPr sz="900"/>
+              <a:defRPr sz="2000"/>
             </a:lvl9pPr>
           </a:lstStyle>
           <a:p>
+            <a:r>
+              <a:rPr lang="en-US"/>
+              <a:t>Click icon to add picture</a:t>
+            </a:r>
+            <a:endParaRPr lang="en-US" dirty="0"/>
+          </a:p>
+        </p:txBody>
+      </p:sp>
+      <p:sp>
+        <p:nvSpPr>
+          <p:cNvPr id="4" name="Text Placeholder 3"/>
+          <p:cNvSpPr>
+            <a:spLocks noGrp="1"/>
+          </p:cNvSpPr>
+          <p:nvPr>
+            <p:ph type="body" sz="half" idx="2"/>
+          </p:nvPr>
+        </p:nvSpPr>
+        <p:spPr>
+          <a:xfrm>
+            <a:off x="1115568" y="3549918"/>
+            <a:ext cx="3794760" cy="2194037"/>
+          </a:xfrm>
+        </p:spPr>
+        <p:txBody>
+          <a:bodyPr anchor="t" anchorCtr="1">
+            <a:normAutofit/>
+          </a:bodyPr>
+          <a:lstStyle>
+            <a:lvl1pPr marL="0" indent="0" algn="ctr">
+              <a:buNone/>
+              <a:defRPr sz="1500">
+                <a:solidFill>
+                  <a:schemeClr val="tx1"/>
+                </a:solidFill>
+              </a:defRPr>
+            </a:lvl1pPr>
+            <a:lvl2pPr marL="457200" indent="0">
+              <a:buNone/>
+              <a:defRPr sz="1400"/>
+            </a:lvl2pPr>
+            <a:lvl3pPr marL="914400" indent="0">
+              <a:buNone/>
+              <a:defRPr sz="1200"/>
+            </a:lvl3pPr>
+            <a:lvl4pPr marL="1371600" indent="0">
+              <a:buNone/>
+              <a:defRPr sz="1000"/>
+            </a:lvl4pPr>
+            <a:lvl5pPr marL="1828800" indent="0">
+              <a:buNone/>
+              <a:defRPr sz="1000"/>
+            </a:lvl5pPr>
+            <a:lvl6pPr marL="2286000" indent="0">
+              <a:buNone/>
+              <a:defRPr sz="1000"/>
+            </a:lvl6pPr>
+            <a:lvl7pPr marL="2743200" indent="0">
+              <a:buNone/>
+              <a:defRPr sz="1000"/>
+            </a:lvl7pPr>
+            <a:lvl8pPr marL="3200400" indent="0">
+              <a:buNone/>
+              <a:defRPr sz="1000"/>
+            </a:lvl8pPr>
+            <a:lvl9pPr marL="3657600" indent="0">
+              <a:buNone/>
+              <a:defRPr sz="1000"/>
+            </a:lvl9pPr>
+          </a:lstStyle>
+          <a:p>
             <a:pPr lvl="0"/>
             <a:r>
               <a:rPr lang="en-US"/>
@@ -2973,7 +2521,7 @@
       </p:sp>
       <p:sp>
         <p:nvSpPr>
-          <p:cNvPr id="5" name="Date Placeholder 4"/>
+          <p:cNvPr id="8" name="Date Placeholder 7"/>
           <p:cNvSpPr>
             <a:spLocks noGrp="1"/>
           </p:cNvSpPr>
@@ -2984,11 +2532,26 @@
         <p:spPr/>
         <p:txBody>
           <a:bodyPr/>
-          <a:lstStyle/>
+          <a:lstStyle>
+            <a:lvl1pPr>
+              <a:defRPr>
+                <a:solidFill>
+                  <a:srgbClr val="FFFFFF"/>
+                </a:solidFill>
+                <a:effectLst>
+                  <a:outerShdw blurRad="50800" dist="38100" dir="2700000" algn="tl" rotWithShape="0">
+                    <a:prstClr val="black">
+                      <a:alpha val="43000"/>
+                    </a:prstClr>
+                  </a:outerShdw>
+                </a:effectLst>
+              </a:defRPr>
+            </a:lvl1pPr>
+          </a:lstStyle>
           <a:p>
             <a:fld id="{1B0DC123-0C88-43B7-8634-E2A69F402E90}" type="datetimeFigureOut">
               <a:rPr lang="en-US" smtClean="0"/>
-              <a:t>10/21/2024</a:t>
+              <a:t>10/21/24</a:t>
             </a:fld>
             <a:endParaRPr lang="en-US"/>
           </a:p>
@@ -2996,7 +2559,7 @@
       </p:sp>
       <p:sp>
         <p:nvSpPr>
-          <p:cNvPr id="6" name="Footer Placeholder 5"/>
+          <p:cNvPr id="9" name="Footer Placeholder 8"/>
           <p:cNvSpPr>
             <a:spLocks noGrp="1"/>
           </p:cNvSpPr>
@@ -3004,18 +2567,33 @@
             <p:ph type="ftr" sz="quarter" idx="11"/>
           </p:nvPr>
         </p:nvSpPr>
-        <p:spPr/>
-        <p:txBody>
-          <a:bodyPr/>
-          <a:lstStyle/>
-          <a:p>
-            <a:endParaRPr lang="en-US"/>
-          </a:p>
-        </p:txBody>
-      </p:sp>
-      <p:sp>
-        <p:nvSpPr>
-          <p:cNvPr id="7" name="Slide Number Placeholder 6"/>
+        <p:spPr>
+          <a:xfrm>
+            <a:off x="804672" y="6236208"/>
+            <a:ext cx="5124797" cy="320040"/>
+          </a:xfrm>
+        </p:spPr>
+        <p:txBody>
+          <a:bodyPr/>
+          <a:lstStyle>
+            <a:lvl1pPr>
+              <a:defRPr>
+                <a:solidFill>
+                  <a:schemeClr val="tx1">
+                    <a:alpha val="70000"/>
+                  </a:schemeClr>
+                </a:solidFill>
+              </a:defRPr>
+            </a:lvl1pPr>
+          </a:lstStyle>
+          <a:p>
+            <a:endParaRPr lang="en-US"/>
+          </a:p>
+        </p:txBody>
+      </p:sp>
+      <p:sp>
+        <p:nvSpPr>
+          <p:cNvPr id="10" name="Slide Number Placeholder 9"/>
           <p:cNvSpPr>
             <a:spLocks noGrp="1"/>
           </p:cNvSpPr>
@@ -3039,7 +2617,7 @@
     </p:spTree>
     <p:extLst>
       <p:ext uri="{BB962C8B-B14F-4D97-AF65-F5344CB8AC3E}">
-        <p14:creationId xmlns:p14="http://schemas.microsoft.com/office/powerpoint/2010/main" val="2489849321"/>
+        <p14:creationId xmlns:p14="http://schemas.microsoft.com/office/powerpoint/2010/main" val="3969595985"/>
       </p:ext>
     </p:extLst>
   </p:cSld>
@@ -3053,9 +2631,14 @@
 <p:sldMaster xmlns:a="http://schemas.openxmlformats.org/drawingml/2006/main" xmlns:r="http://schemas.openxmlformats.org/officeDocument/2006/relationships" xmlns:p="http://schemas.openxmlformats.org/presentationml/2006/main">
   <p:cSld>
     <p:bg>
-      <p:bgRef idx="1001">
-        <a:schemeClr val="bg2"/>
-      </p:bgRef>
+      <p:bgPr>
+        <a:solidFill>
+          <a:schemeClr val="bg1">
+            <a:lumMod val="95000"/>
+          </a:schemeClr>
+        </a:solidFill>
+        <a:effectLst/>
+      </p:bgPr>
     </p:bg>
     <p:spTree>
       <p:nvGrpSpPr>
@@ -3073,110 +2656,106 @@
       </p:grpSpPr>
       <p:sp>
         <p:nvSpPr>
-          <p:cNvPr id="7" name="Rectangle 6"/>
-          <p:cNvSpPr/>
-          <p:nvPr/>
+          <p:cNvPr id="2" name="Title Placeholder 1"/>
+          <p:cNvSpPr>
+            <a:spLocks noGrp="1"/>
+          </p:cNvSpPr>
+          <p:nvPr>
+            <p:ph type="title"/>
+          </p:nvPr>
         </p:nvSpPr>
         <p:spPr>
           <a:xfrm>
-            <a:off x="1" y="6400800"/>
-            <a:ext cx="12192000" cy="457200"/>
+            <a:off x="2231136" y="964692"/>
+            <a:ext cx="7729728" cy="1188720"/>
           </a:xfrm>
           <a:prstGeom prst="rect">
             <a:avLst/>
           </a:prstGeom>
           <a:solidFill>
-            <a:schemeClr val="accent4">
-              <a:lumMod val="75000"/>
-            </a:schemeClr>
+            <a:schemeClr val="bg1"/>
           </a:solidFill>
-          <a:ln>
-            <a:noFill/>
+          <a:ln w="31750" cap="sq">
+            <a:solidFill>
+              <a:schemeClr val="tx1">
+                <a:lumMod val="75000"/>
+                <a:lumOff val="25000"/>
+              </a:schemeClr>
+            </a:solidFill>
+            <a:miter lim="800000"/>
           </a:ln>
         </p:spPr>
-        <p:style>
-          <a:lnRef idx="2">
-            <a:schemeClr val="accent1">
-              <a:shade val="50000"/>
-            </a:schemeClr>
-          </a:lnRef>
-          <a:fillRef idx="1">
-            <a:schemeClr val="accent1"/>
-          </a:fillRef>
-          <a:effectRef idx="0">
-            <a:schemeClr val="accent1"/>
-          </a:effectRef>
-          <a:fontRef idx="minor">
-            <a:schemeClr val="lt1"/>
-          </a:fontRef>
-        </p:style>
-      </p:sp>
-      <p:sp>
-        <p:nvSpPr>
-          <p:cNvPr id="9" name="Rectangle 8"/>
-          <p:cNvSpPr/>
-          <p:nvPr/>
+        <p:txBody>
+          <a:bodyPr vert="horz" lIns="182880" tIns="182880" rIns="182880" bIns="182880" rtlCol="0" anchor="ctr">
+            <a:normAutofit/>
+          </a:bodyPr>
+          <a:lstStyle/>
+          <a:p>
+            <a:r>
+              <a:rPr lang="en-US"/>
+              <a:t>Click to edit Master title style</a:t>
+            </a:r>
+            <a:endParaRPr lang="en-US" dirty="0"/>
+          </a:p>
+        </p:txBody>
+      </p:sp>
+      <p:sp>
+        <p:nvSpPr>
+          <p:cNvPr id="3" name="Text Placeholder 2"/>
+          <p:cNvSpPr>
+            <a:spLocks noGrp="1"/>
+          </p:cNvSpPr>
+          <p:nvPr>
+            <p:ph type="body" idx="1"/>
+          </p:nvPr>
         </p:nvSpPr>
         <p:spPr>
           <a:xfrm>
-            <a:off x="15" y="6334316"/>
-            <a:ext cx="12191985" cy="66484"/>
-          </a:xfrm>
-          <a:prstGeom prst="rect">
-            <a:avLst/>
-          </a:prstGeom>
-          <a:solidFill>
-            <a:schemeClr val="accent4"/>
-          </a:solidFill>
-          <a:ln>
-            <a:noFill/>
-          </a:ln>
-        </p:spPr>
-        <p:style>
-          <a:lnRef idx="2">
-            <a:schemeClr val="accent1">
-              <a:shade val="50000"/>
-            </a:schemeClr>
-          </a:lnRef>
-          <a:fillRef idx="1">
-            <a:schemeClr val="accent1"/>
-          </a:fillRef>
-          <a:effectRef idx="0">
-            <a:schemeClr val="accent1"/>
-          </a:effectRef>
-          <a:fontRef idx="minor">
-            <a:schemeClr val="lt1"/>
-          </a:fontRef>
-        </p:style>
-      </p:sp>
-      <p:sp>
-        <p:nvSpPr>
-          <p:cNvPr id="2" name="Title Placeholder 1"/>
-          <p:cNvSpPr>
-            <a:spLocks noGrp="1"/>
-          </p:cNvSpPr>
-          <p:nvPr>
-            <p:ph type="title"/>
-          </p:nvPr>
-        </p:nvSpPr>
-        <p:spPr>
-          <a:xfrm>
-            <a:off x="1097280" y="286603"/>
-            <a:ext cx="10058400" cy="1450757"/>
+            <a:off x="2231136" y="2638044"/>
+            <a:ext cx="7729728" cy="3101983"/>
           </a:xfrm>
           <a:prstGeom prst="rect">
             <a:avLst/>
           </a:prstGeom>
         </p:spPr>
         <p:txBody>
-          <a:bodyPr vert="horz" lIns="91440" tIns="45720" rIns="91440" bIns="45720" rtlCol="0" anchor="b">
+          <a:bodyPr vert="horz" lIns="91440" tIns="45720" rIns="91440" bIns="45720" rtlCol="0">
             <a:normAutofit/>
           </a:bodyPr>
           <a:lstStyle/>
           <a:p>
-            <a:r>
-              <a:rPr lang="en-US"/>
-              <a:t>Click to edit Master title style</a:t>
+            <a:pPr lvl="0"/>
+            <a:r>
+              <a:rPr lang="en-US"/>
+              <a:t>Click to edit Master text styles</a:t>
+            </a:r>
+          </a:p>
+          <a:p>
+            <a:pPr lvl="1"/>
+            <a:r>
+              <a:rPr lang="en-US"/>
+              <a:t>Second level</a:t>
+            </a:r>
+          </a:p>
+          <a:p>
+            <a:pPr lvl="2"/>
+            <a:r>
+              <a:rPr lang="en-US"/>
+              <a:t>Third level</a:t>
+            </a:r>
+          </a:p>
+          <a:p>
+            <a:pPr lvl="3"/>
+            <a:r>
+              <a:rPr lang="en-US"/>
+              <a:t>Fourth level</a:t>
+            </a:r>
+          </a:p>
+          <a:p>
+            <a:pPr lvl="4"/>
+            <a:r>
+              <a:rPr lang="en-US"/>
+              <a:t>Fifth level</a:t>
             </a:r>
             <a:endParaRPr lang="en-US" dirty="0"/>
           </a:p>
@@ -3184,80 +2763,59 @@
       </p:sp>
       <p:sp>
         <p:nvSpPr>
-          <p:cNvPr id="3" name="Text Placeholder 2"/>
-          <p:cNvSpPr>
-            <a:spLocks noGrp="1"/>
-          </p:cNvSpPr>
-          <p:nvPr>
-            <p:ph type="body" idx="1"/>
+          <p:cNvPr id="4" name="Date Placeholder 3"/>
+          <p:cNvSpPr>
+            <a:spLocks noGrp="1"/>
+          </p:cNvSpPr>
+          <p:nvPr>
+            <p:ph type="dt" sz="half" idx="2"/>
           </p:nvPr>
         </p:nvSpPr>
         <p:spPr>
           <a:xfrm>
-            <a:off x="1097280" y="1845734"/>
-            <a:ext cx="10058400" cy="4023360"/>
+            <a:off x="7821429" y="6238816"/>
+            <a:ext cx="2753746" cy="323968"/>
           </a:xfrm>
           <a:prstGeom prst="rect">
             <a:avLst/>
           </a:prstGeom>
         </p:spPr>
         <p:txBody>
-          <a:bodyPr vert="horz" lIns="0" tIns="45720" rIns="0" bIns="45720" rtlCol="0">
-            <a:normAutofit/>
-          </a:bodyPr>
-          <a:lstStyle/>
-          <a:p>
-            <a:pPr lvl="0"/>
-            <a:r>
-              <a:rPr lang="en-US"/>
-              <a:t>Click to edit Master text styles</a:t>
-            </a:r>
-          </a:p>
-          <a:p>
-            <a:pPr lvl="1"/>
-            <a:r>
-              <a:rPr lang="en-US"/>
-              <a:t>Second level</a:t>
-            </a:r>
-          </a:p>
-          <a:p>
-            <a:pPr lvl="2"/>
-            <a:r>
-              <a:rPr lang="en-US"/>
-              <a:t>Third level</a:t>
-            </a:r>
-          </a:p>
-          <a:p>
-            <a:pPr lvl="3"/>
-            <a:r>
-              <a:rPr lang="en-US"/>
-              <a:t>Fourth level</a:t>
-            </a:r>
-          </a:p>
-          <a:p>
-            <a:pPr lvl="4"/>
-            <a:r>
-              <a:rPr lang="en-US"/>
-              <a:t>Fifth level</a:t>
-            </a:r>
-            <a:endParaRPr lang="en-US" dirty="0"/>
-          </a:p>
-        </p:txBody>
-      </p:sp>
-      <p:sp>
-        <p:nvSpPr>
-          <p:cNvPr id="4" name="Date Placeholder 3"/>
-          <p:cNvSpPr>
-            <a:spLocks noGrp="1"/>
-          </p:cNvSpPr>
-          <p:nvPr>
-            <p:ph type="dt" sz="half" idx="2"/>
+          <a:bodyPr vert="horz" lIns="91440" tIns="45720" rIns="91440" bIns="45720" rtlCol="0" anchor="ctr"/>
+          <a:lstStyle>
+            <a:lvl1pPr algn="r">
+              <a:defRPr sz="1050">
+                <a:solidFill>
+                  <a:schemeClr val="tx1">
+                    <a:alpha val="70000"/>
+                  </a:schemeClr>
+                </a:solidFill>
+              </a:defRPr>
+            </a:lvl1pPr>
+          </a:lstStyle>
+          <a:p>
+            <a:fld id="{1B0DC123-0C88-43B7-8634-E2A69F402E90}" type="datetimeFigureOut">
+              <a:rPr lang="en-US" smtClean="0"/>
+              <a:t>10/21/24</a:t>
+            </a:fld>
+            <a:endParaRPr lang="en-US"/>
+          </a:p>
+        </p:txBody>
+      </p:sp>
+      <p:sp>
+        <p:nvSpPr>
+          <p:cNvPr id="5" name="Footer Placeholder 4"/>
+          <p:cNvSpPr>
+            <a:spLocks noGrp="1"/>
+          </p:cNvSpPr>
+          <p:nvPr>
+            <p:ph type="ftr" sz="quarter" idx="3"/>
           </p:nvPr>
         </p:nvSpPr>
         <p:spPr>
           <a:xfrm>
-            <a:off x="1097280" y="6459785"/>
-            <a:ext cx="2472271" cy="365125"/>
+            <a:off x="1600200" y="6236208"/>
+            <a:ext cx="5901189" cy="320040"/>
           </a:xfrm>
           <a:prstGeom prst="rect">
             <a:avLst/>
@@ -3267,7 +2825,51 @@
           <a:bodyPr vert="horz" lIns="91440" tIns="45720" rIns="91440" bIns="45720" rtlCol="0" anchor="ctr"/>
           <a:lstStyle>
             <a:lvl1pPr algn="l">
-              <a:defRPr sz="900">
+              <a:defRPr sz="1050">
+                <a:solidFill>
+                  <a:schemeClr val="tx1">
+                    <a:alpha val="70000"/>
+                  </a:schemeClr>
+                </a:solidFill>
+              </a:defRPr>
+            </a:lvl1pPr>
+          </a:lstStyle>
+          <a:p>
+            <a:endParaRPr lang="en-US"/>
+          </a:p>
+        </p:txBody>
+      </p:sp>
+      <p:sp>
+        <p:nvSpPr>
+          <p:cNvPr id="6" name="Slide Number Placeholder 5"/>
+          <p:cNvSpPr>
+            <a:spLocks noGrp="1"/>
+          </p:cNvSpPr>
+          <p:nvPr>
+            <p:ph type="sldNum" sz="quarter" idx="4"/>
+          </p:nvPr>
+        </p:nvSpPr>
+        <p:spPr>
+          <a:xfrm>
+            <a:off x="10758922" y="6217920"/>
+            <a:ext cx="365760" cy="365760"/>
+          </a:xfrm>
+          <a:prstGeom prst="ellipse">
+            <a:avLst/>
+          </a:prstGeom>
+          <a:solidFill>
+            <a:srgbClr val="1D1D1D">
+              <a:alpha val="70000"/>
+            </a:srgbClr>
+          </a:solidFill>
+        </p:spPr>
+        <p:txBody>
+          <a:bodyPr vert="horz" lIns="18288" tIns="45720" rIns="18288" bIns="45720" rtlCol="0" anchor="ctr">
+            <a:noAutofit/>
+          </a:bodyPr>
+          <a:lstStyle>
+            <a:lvl1pPr algn="ctr">
+              <a:defRPr sz="1100" spc="0" baseline="0">
                 <a:solidFill>
                   <a:srgbClr val="FFFFFF"/>
                 </a:solidFill>
@@ -3275,80 +2877,6 @@
             </a:lvl1pPr>
           </a:lstStyle>
           <a:p>
-            <a:fld id="{1B0DC123-0C88-43B7-8634-E2A69F402E90}" type="datetimeFigureOut">
-              <a:rPr lang="en-US" smtClean="0"/>
-              <a:t>10/21/2024</a:t>
-            </a:fld>
-            <a:endParaRPr lang="en-US"/>
-          </a:p>
-        </p:txBody>
-      </p:sp>
-      <p:sp>
-        <p:nvSpPr>
-          <p:cNvPr id="5" name="Footer Placeholder 4"/>
-          <p:cNvSpPr>
-            <a:spLocks noGrp="1"/>
-          </p:cNvSpPr>
-          <p:nvPr>
-            <p:ph type="ftr" sz="quarter" idx="3"/>
-          </p:nvPr>
-        </p:nvSpPr>
-        <p:spPr>
-          <a:xfrm>
-            <a:off x="3686185" y="6459785"/>
-            <a:ext cx="4822804" cy="365125"/>
-          </a:xfrm>
-          <a:prstGeom prst="rect">
-            <a:avLst/>
-          </a:prstGeom>
-        </p:spPr>
-        <p:txBody>
-          <a:bodyPr vert="horz" lIns="91440" tIns="45720" rIns="91440" bIns="45720" rtlCol="0" anchor="ctr"/>
-          <a:lstStyle>
-            <a:lvl1pPr algn="ctr">
-              <a:defRPr sz="900" cap="all" baseline="0">
-                <a:solidFill>
-                  <a:srgbClr val="FFFFFF"/>
-                </a:solidFill>
-              </a:defRPr>
-            </a:lvl1pPr>
-          </a:lstStyle>
-          <a:p>
-            <a:endParaRPr lang="en-US"/>
-          </a:p>
-        </p:txBody>
-      </p:sp>
-      <p:sp>
-        <p:nvSpPr>
-          <p:cNvPr id="6" name="Slide Number Placeholder 5"/>
-          <p:cNvSpPr>
-            <a:spLocks noGrp="1"/>
-          </p:cNvSpPr>
-          <p:nvPr>
-            <p:ph type="sldNum" sz="quarter" idx="4"/>
-          </p:nvPr>
-        </p:nvSpPr>
-        <p:spPr>
-          <a:xfrm>
-            <a:off x="9900458" y="6459785"/>
-            <a:ext cx="1312025" cy="365125"/>
-          </a:xfrm>
-          <a:prstGeom prst="rect">
-            <a:avLst/>
-          </a:prstGeom>
-        </p:spPr>
-        <p:txBody>
-          <a:bodyPr vert="horz" lIns="91440" tIns="45720" rIns="91440" bIns="45720" rtlCol="0" anchor="ctr"/>
-          <a:lstStyle>
-            <a:lvl1pPr algn="r">
-              <a:defRPr sz="1050">
-                <a:solidFill>
-                  <a:srgbClr val="FFFFFF"/>
-                </a:solidFill>
-              </a:defRPr>
-            </a:lvl1pPr>
-          </a:lstStyle>
-          <a:p>
             <a:fld id="{39082E67-C1D8-4AE9-98AE-AE677C530A89}" type="slidenum">
               <a:rPr lang="en-US" smtClean="0"/>
               <a:t>‹#›</a:t>
@@ -3357,80 +2885,42 @@
           </a:p>
         </p:txBody>
       </p:sp>
-      <p:cxnSp>
-        <p:nvCxnSpPr>
-          <p:cNvPr id="10" name="Straight Connector 9"/>
-          <p:cNvCxnSpPr/>
-          <p:nvPr/>
-        </p:nvCxnSpPr>
-        <p:spPr>
-          <a:xfrm>
-            <a:off x="1193532" y="1737845"/>
-            <a:ext cx="9966960" cy="0"/>
-          </a:xfrm>
-          <a:prstGeom prst="line">
-            <a:avLst/>
-          </a:prstGeom>
-          <a:ln w="6350">
-            <a:solidFill>
-              <a:schemeClr val="tx1">
-                <a:lumMod val="50000"/>
-                <a:lumOff val="50000"/>
-              </a:schemeClr>
-            </a:solidFill>
-          </a:ln>
-        </p:spPr>
-        <p:style>
-          <a:lnRef idx="1">
-            <a:schemeClr val="accent1"/>
-          </a:lnRef>
-          <a:fillRef idx="0">
-            <a:schemeClr val="accent1"/>
-          </a:fillRef>
-          <a:effectRef idx="0">
-            <a:schemeClr val="accent1"/>
-          </a:effectRef>
-          <a:fontRef idx="minor">
-            <a:schemeClr val="tx1"/>
-          </a:fontRef>
-        </p:style>
-      </p:cxnSp>
     </p:spTree>
     <p:extLst>
       <p:ext uri="{BB962C8B-B14F-4D97-AF65-F5344CB8AC3E}">
-        <p14:creationId xmlns:p14="http://schemas.microsoft.com/office/powerpoint/2010/main" val="1977020597"/>
+        <p14:creationId xmlns:p14="http://schemas.microsoft.com/office/powerpoint/2010/main" val="4240525791"/>
       </p:ext>
     </p:extLst>
   </p:cSld>
   <p:clrMap bg1="lt1" tx1="dk1" bg2="lt2" tx2="dk2" accent1="accent1" accent2="accent2" accent3="accent3" accent4="accent4" accent5="accent5" accent6="accent6" hlink="hlink" folHlink="folHlink"/>
   <p:sldLayoutIdLst>
-    <p:sldLayoutId id="2147483673" r:id="rId1"/>
-    <p:sldLayoutId id="2147483674" r:id="rId2"/>
-    <p:sldLayoutId id="2147483675" r:id="rId3"/>
-    <p:sldLayoutId id="2147483676" r:id="rId4"/>
-    <p:sldLayoutId id="2147483677" r:id="rId5"/>
-    <p:sldLayoutId id="2147483678" r:id="rId6"/>
-    <p:sldLayoutId id="2147483679" r:id="rId7"/>
-    <p:sldLayoutId id="2147483680" r:id="rId8"/>
-    <p:sldLayoutId id="2147483681" r:id="rId9"/>
-    <p:sldLayoutId id="2147483682" r:id="rId10"/>
-    <p:sldLayoutId id="2147483683" r:id="rId11"/>
+    <p:sldLayoutId id="2147483697" r:id="rId1"/>
+    <p:sldLayoutId id="2147483698" r:id="rId2"/>
+    <p:sldLayoutId id="2147483699" r:id="rId3"/>
+    <p:sldLayoutId id="2147483700" r:id="rId4"/>
+    <p:sldLayoutId id="2147483701" r:id="rId5"/>
+    <p:sldLayoutId id="2147483702" r:id="rId6"/>
+    <p:sldLayoutId id="2147483703" r:id="rId7"/>
+    <p:sldLayoutId id="2147483704" r:id="rId8"/>
+    <p:sldLayoutId id="2147483705" r:id="rId9"/>
+    <p:sldLayoutId id="2147483706" r:id="rId10"/>
+    <p:sldLayoutId id="2147483707" r:id="rId11"/>
   </p:sldLayoutIdLst>
   <p:txStyles>
     <p:titleStyle>
-      <a:lvl1pPr algn="l" defTabSz="914400" rtl="0" eaLnBrk="1" latinLnBrk="0" hangingPunct="1">
+      <a:lvl1pPr algn="ctr" defTabSz="914400" rtl="0" eaLnBrk="1" latinLnBrk="0" hangingPunct="1">
         <a:lnSpc>
-          <a:spcPct val="85000"/>
+          <a:spcPct val="90000"/>
         </a:lnSpc>
         <a:spcBef>
           <a:spcPct val="0"/>
         </a:spcBef>
         <a:buNone/>
-        <a:defRPr sz="4800" kern="1200" spc="-50" baseline="0">
+        <a:defRPr sz="2800" kern="1200" cap="all" spc="200" baseline="0">
           <a:solidFill>
             <a:schemeClr val="tx1">
-              <a:lumMod val="75000"/>
-              <a:lumOff val="25000"/>
+              <a:lumMod val="85000"/>
+              <a:lumOff val="15000"/>
             </a:schemeClr>
           </a:solidFill>
           <a:latin typeface="+mj-lt"/>
@@ -3440,27 +2930,23 @@
       </a:lvl1pPr>
     </p:titleStyle>
     <p:bodyStyle>
-      <a:lvl1pPr marL="91440" indent="-91440" algn="l" defTabSz="914400" rtl="0" eaLnBrk="1" latinLnBrk="0" hangingPunct="1">
+      <a:lvl1pPr marL="228600" indent="-228600" algn="l" defTabSz="914400" rtl="0" eaLnBrk="1" latinLnBrk="0" hangingPunct="1">
         <a:lnSpc>
-          <a:spcPct val="90000"/>
+          <a:spcPct val="100000"/>
         </a:lnSpc>
         <a:spcBef>
-          <a:spcPts val="1200"/>
+          <a:spcPts val="1000"/>
         </a:spcBef>
-        <a:spcAft>
-          <a:spcPts val="200"/>
-        </a:spcAft>
         <a:buClr>
-          <a:schemeClr val="accent1"/>
+          <a:schemeClr val="accent2"/>
         </a:buClr>
-        <a:buSzPct val="100000"/>
-        <a:buFont typeface="Calibri" panose="020F0502020204030204" pitchFamily="34" charset="0"/>
-        <a:buChar char=" "/>
-        <a:defRPr sz="2000" kern="1200">
+        <a:buFont typeface="Arial" panose="020B0604020202020204" pitchFamily="34" charset="0"/>
+        <a:buChar char="•"/>
+        <a:defRPr sz="1800" kern="1200">
           <a:solidFill>
             <a:schemeClr val="tx1">
-              <a:lumMod val="75000"/>
-              <a:lumOff val="25000"/>
+              <a:lumMod val="85000"/>
+              <a:lumOff val="15000"/>
             </a:schemeClr>
           </a:solidFill>
           <a:latin typeface="+mn-lt"/>
@@ -3468,26 +2954,23 @@
           <a:cs typeface="+mn-cs"/>
         </a:defRPr>
       </a:lvl1pPr>
-      <a:lvl2pPr marL="384048" indent="-182880" algn="l" defTabSz="914400" rtl="0" eaLnBrk="1" latinLnBrk="0" hangingPunct="1">
+      <a:lvl2pPr marL="457200" indent="-228600" algn="l" defTabSz="914400" rtl="0" eaLnBrk="1" latinLnBrk="0" hangingPunct="1">
         <a:lnSpc>
-          <a:spcPct val="90000"/>
+          <a:spcPct val="100000"/>
         </a:lnSpc>
         <a:spcBef>
-          <a:spcPts val="200"/>
+          <a:spcPts val="1000"/>
         </a:spcBef>
-        <a:spcAft>
-          <a:spcPts val="400"/>
-        </a:spcAft>
         <a:buClr>
-          <a:schemeClr val="accent1"/>
+          <a:schemeClr val="accent2"/>
         </a:buClr>
-        <a:buFont typeface="Calibri" pitchFamily="34" charset="0"/>
-        <a:buChar char="◦"/>
-        <a:defRPr sz="1800" kern="1200">
+        <a:buFont typeface="Arial" panose="020B0604020202020204" pitchFamily="34" charset="0"/>
+        <a:buChar char="•"/>
+        <a:defRPr sz="1600" kern="1200">
           <a:solidFill>
             <a:schemeClr val="tx1">
-              <a:lumMod val="75000"/>
-              <a:lumOff val="25000"/>
+              <a:lumMod val="85000"/>
+              <a:lumOff val="15000"/>
             </a:schemeClr>
           </a:solidFill>
           <a:latin typeface="+mn-lt"/>
@@ -3495,26 +2978,23 @@
           <a:cs typeface="+mn-cs"/>
         </a:defRPr>
       </a:lvl2pPr>
-      <a:lvl3pPr marL="566928" indent="-182880" algn="l" defTabSz="914400" rtl="0" eaLnBrk="1" latinLnBrk="0" hangingPunct="1">
+      <a:lvl3pPr marL="685800" indent="-228600" algn="l" defTabSz="914400" rtl="0" eaLnBrk="1" latinLnBrk="0" hangingPunct="1">
         <a:lnSpc>
-          <a:spcPct val="90000"/>
+          <a:spcPct val="100000"/>
         </a:lnSpc>
         <a:spcBef>
-          <a:spcPts val="200"/>
+          <a:spcPts val="1000"/>
         </a:spcBef>
-        <a:spcAft>
-          <a:spcPts val="400"/>
-        </a:spcAft>
         <a:buClr>
-          <a:schemeClr val="accent1"/>
+          <a:schemeClr val="accent2"/>
         </a:buClr>
-        <a:buFont typeface="Calibri" pitchFamily="34" charset="0"/>
-        <a:buChar char="◦"/>
-        <a:defRPr sz="1400" kern="1200">
+        <a:buFont typeface="Arial" panose="020B0604020202020204" pitchFamily="34" charset="0"/>
+        <a:buChar char="•"/>
+        <a:defRPr sz="1600" kern="1200">
           <a:solidFill>
             <a:schemeClr val="tx1">
-              <a:lumMod val="75000"/>
-              <a:lumOff val="25000"/>
+              <a:lumMod val="85000"/>
+              <a:lumOff val="15000"/>
             </a:schemeClr>
           </a:solidFill>
           <a:latin typeface="+mn-lt"/>
@@ -3522,26 +3002,23 @@
           <a:cs typeface="+mn-cs"/>
         </a:defRPr>
       </a:lvl3pPr>
-      <a:lvl4pPr marL="749808" indent="-182880" algn="l" defTabSz="914400" rtl="0" eaLnBrk="1" latinLnBrk="0" hangingPunct="1">
+      <a:lvl4pPr marL="914400" indent="-228600" algn="l" defTabSz="914400" rtl="0" eaLnBrk="1" latinLnBrk="0" hangingPunct="1">
         <a:lnSpc>
-          <a:spcPct val="90000"/>
+          <a:spcPct val="100000"/>
         </a:lnSpc>
         <a:spcBef>
-          <a:spcPts val="200"/>
+          <a:spcPts val="1000"/>
         </a:spcBef>
-        <a:spcAft>
-          <a:spcPts val="400"/>
-        </a:spcAft>
         <a:buClr>
-          <a:schemeClr val="accent1"/>
+          <a:schemeClr val="accent2"/>
         </a:buClr>
-        <a:buFont typeface="Calibri" pitchFamily="34" charset="0"/>
-        <a:buChar char="◦"/>
-        <a:defRPr sz="1400" kern="1200">
+        <a:buFont typeface="Arial" panose="020B0604020202020204" pitchFamily="34" charset="0"/>
+        <a:buChar char="•"/>
+        <a:defRPr sz="1600" kern="1200">
           <a:solidFill>
             <a:schemeClr val="tx1">
-              <a:lumMod val="75000"/>
-              <a:lumOff val="25000"/>
+              <a:lumMod val="85000"/>
+              <a:lumOff val="15000"/>
             </a:schemeClr>
           </a:solidFill>
           <a:latin typeface="+mn-lt"/>
@@ -3549,26 +3026,23 @@
           <a:cs typeface="+mn-cs"/>
         </a:defRPr>
       </a:lvl4pPr>
-      <a:lvl5pPr marL="932688" indent="-182880" algn="l" defTabSz="914400" rtl="0" eaLnBrk="1" latinLnBrk="0" hangingPunct="1">
+      <a:lvl5pPr marL="1143000" indent="-228600" algn="l" defTabSz="914400" rtl="0" eaLnBrk="1" latinLnBrk="0" hangingPunct="1">
         <a:lnSpc>
-          <a:spcPct val="90000"/>
+          <a:spcPct val="100000"/>
         </a:lnSpc>
         <a:spcBef>
-          <a:spcPts val="200"/>
+          <a:spcPts val="1000"/>
         </a:spcBef>
-        <a:spcAft>
-          <a:spcPts val="400"/>
-        </a:spcAft>
         <a:buClr>
-          <a:schemeClr val="accent1"/>
+          <a:schemeClr val="accent2"/>
         </a:buClr>
-        <a:buFont typeface="Calibri" pitchFamily="34" charset="0"/>
-        <a:buChar char="◦"/>
-        <a:defRPr sz="1400" kern="1200">
+        <a:buFont typeface="Arial" panose="020B0604020202020204" pitchFamily="34" charset="0"/>
+        <a:buChar char="•"/>
+        <a:defRPr sz="1600" kern="1200">
           <a:solidFill>
             <a:schemeClr val="tx1">
-              <a:lumMod val="75000"/>
-              <a:lumOff val="25000"/>
+              <a:lumMod val="85000"/>
+              <a:lumOff val="15000"/>
             </a:schemeClr>
           </a:solidFill>
           <a:latin typeface="+mn-lt"/>
@@ -3576,108 +3050,84 @@
           <a:cs typeface="+mn-cs"/>
         </a:defRPr>
       </a:lvl5pPr>
-      <a:lvl6pPr marL="1100000" indent="-228600" algn="l" defTabSz="914400" rtl="0" eaLnBrk="1" latinLnBrk="0" hangingPunct="1">
+      <a:lvl6pPr marL="1312863" indent="-228600" algn="l" defTabSz="914400" rtl="0" eaLnBrk="1" latinLnBrk="0" hangingPunct="1">
         <a:lnSpc>
-          <a:spcPct val="90000"/>
+          <a:spcPct val="100000"/>
         </a:lnSpc>
         <a:spcBef>
-          <a:spcPts val="200"/>
+          <a:spcPts val="1000"/>
         </a:spcBef>
-        <a:spcAft>
-          <a:spcPts val="400"/>
-        </a:spcAft>
         <a:buClr>
-          <a:schemeClr val="accent1"/>
+          <a:schemeClr val="accent2"/>
         </a:buClr>
-        <a:buFont typeface="Calibri" pitchFamily="34" charset="0"/>
-        <a:buChar char="◦"/>
-        <a:defRPr sz="1400" kern="1200">
+        <a:buFont typeface="Arial" panose="020B0604020202020204" pitchFamily="34" charset="0"/>
+        <a:buChar char="•"/>
+        <a:defRPr sz="1600" kern="1200">
           <a:solidFill>
-            <a:schemeClr val="tx1">
-              <a:lumMod val="75000"/>
-              <a:lumOff val="25000"/>
-            </a:schemeClr>
+            <a:schemeClr val="tx1"/>
           </a:solidFill>
           <a:latin typeface="+mn-lt"/>
           <a:ea typeface="+mn-ea"/>
           <a:cs typeface="+mn-cs"/>
         </a:defRPr>
       </a:lvl6pPr>
-      <a:lvl7pPr marL="1300000" indent="-228600" algn="l" defTabSz="914400" rtl="0" eaLnBrk="1" latinLnBrk="0" hangingPunct="1">
+      <a:lvl7pPr marL="1484313" indent="-228600" algn="l" defTabSz="914400" rtl="0" eaLnBrk="1" latinLnBrk="0" hangingPunct="1">
         <a:lnSpc>
-          <a:spcPct val="90000"/>
+          <a:spcPct val="100000"/>
         </a:lnSpc>
         <a:spcBef>
-          <a:spcPts val="200"/>
+          <a:spcPts val="1000"/>
         </a:spcBef>
-        <a:spcAft>
-          <a:spcPts val="400"/>
-        </a:spcAft>
         <a:buClr>
-          <a:schemeClr val="accent1"/>
+          <a:schemeClr val="accent2"/>
         </a:buClr>
-        <a:buFont typeface="Calibri" pitchFamily="34" charset="0"/>
-        <a:buChar char="◦"/>
-        <a:defRPr sz="1400" kern="1200">
+        <a:buFont typeface="Arial" panose="020B0604020202020204" pitchFamily="34" charset="0"/>
+        <a:buChar char="•"/>
+        <a:defRPr sz="1600" kern="1200">
           <a:solidFill>
-            <a:schemeClr val="tx1">
-              <a:lumMod val="75000"/>
-              <a:lumOff val="25000"/>
-            </a:schemeClr>
+            <a:schemeClr val="tx1"/>
           </a:solidFill>
           <a:latin typeface="+mn-lt"/>
           <a:ea typeface="+mn-ea"/>
           <a:cs typeface="+mn-cs"/>
         </a:defRPr>
       </a:lvl7pPr>
-      <a:lvl8pPr marL="1500000" indent="-228600" algn="l" defTabSz="914400" rtl="0" eaLnBrk="1" latinLnBrk="0" hangingPunct="1">
+      <a:lvl8pPr marL="1657350" indent="-228600" algn="l" defTabSz="914400" rtl="0" eaLnBrk="1" latinLnBrk="0" hangingPunct="1">
         <a:lnSpc>
-          <a:spcPct val="90000"/>
+          <a:spcPct val="100000"/>
         </a:lnSpc>
         <a:spcBef>
-          <a:spcPts val="200"/>
+          <a:spcPts val="1000"/>
         </a:spcBef>
-        <a:spcAft>
-          <a:spcPts val="400"/>
-        </a:spcAft>
         <a:buClr>
-          <a:schemeClr val="accent1"/>
+          <a:schemeClr val="accent2"/>
         </a:buClr>
-        <a:buFont typeface="Calibri" pitchFamily="34" charset="0"/>
-        <a:buChar char="◦"/>
-        <a:defRPr sz="1400" kern="1200">
+        <a:buFont typeface="Arial" panose="020B0604020202020204" pitchFamily="34" charset="0"/>
+        <a:buChar char="•"/>
+        <a:defRPr sz="1600" kern="1200" baseline="0">
           <a:solidFill>
-            <a:schemeClr val="tx1">
-              <a:lumMod val="75000"/>
-              <a:lumOff val="25000"/>
-            </a:schemeClr>
+            <a:schemeClr val="tx1"/>
           </a:solidFill>
           <a:latin typeface="+mn-lt"/>
           <a:ea typeface="+mn-ea"/>
           <a:cs typeface="+mn-cs"/>
         </a:defRPr>
       </a:lvl8pPr>
-      <a:lvl9pPr marL="1700000" indent="-228600" algn="l" defTabSz="914400" rtl="0" eaLnBrk="1" latinLnBrk="0" hangingPunct="1">
+      <a:lvl9pPr marL="1882775" indent="-228600" algn="l" defTabSz="914400" rtl="0" eaLnBrk="1" latinLnBrk="0" hangingPunct="1">
         <a:lnSpc>
-          <a:spcPct val="90000"/>
+          <a:spcPct val="100000"/>
         </a:lnSpc>
         <a:spcBef>
-          <a:spcPts val="200"/>
+          <a:spcPts val="1000"/>
         </a:spcBef>
-        <a:spcAft>
-          <a:spcPts val="400"/>
-        </a:spcAft>
         <a:buClr>
-          <a:schemeClr val="accent1"/>
+          <a:schemeClr val="accent2"/>
         </a:buClr>
-        <a:buFont typeface="Calibri" pitchFamily="34" charset="0"/>
-        <a:buChar char="◦"/>
-        <a:defRPr sz="1400" kern="1200">
+        <a:buFont typeface="Arial" panose="020B0604020202020204" pitchFamily="34" charset="0"/>
+        <a:buChar char="•"/>
+        <a:defRPr sz="1600" kern="1200" baseline="0">
           <a:solidFill>
-            <a:schemeClr val="tx1">
-              <a:lumMod val="75000"/>
-              <a:lumOff val="25000"/>
-            </a:schemeClr>
+            <a:schemeClr val="tx1"/>
           </a:solidFill>
           <a:latin typeface="+mn-lt"/>
           <a:ea typeface="+mn-ea"/>
@@ -3822,7 +3272,10 @@
           <a:bodyPr/>
           <a:lstStyle/>
           <a:p>
-            <a:endParaRPr lang="en-US"/>
+            <a:r>
+              <a:rPr lang="en-US" dirty="0"/>
+              <a:t>Introduction to Terraform</a:t>
+            </a:r>
           </a:p>
         </p:txBody>
       </p:sp>
@@ -3847,7 +3300,10 @@
           <a:bodyPr/>
           <a:lstStyle/>
           <a:p>
-            <a:endParaRPr lang="en-US"/>
+            <a:r>
+              <a:rPr lang="en-US" dirty="0"/>
+              <a:t>9:00 AM - 9:30 AM</a:t>
+            </a:r>
           </a:p>
         </p:txBody>
       </p:sp>
@@ -3864,10 +3320,508 @@
 </p:sld>
 </file>
 
+<file path=ppt/slides/slide2.xml><?xml version="1.0" encoding="utf-8"?>
+<p:sld xmlns:a="http://schemas.openxmlformats.org/drawingml/2006/main" xmlns:r="http://schemas.openxmlformats.org/officeDocument/2006/relationships" xmlns:p="http://schemas.openxmlformats.org/presentationml/2006/main">
+  <p:cSld>
+    <p:spTree>
+      <p:nvGrpSpPr>
+        <p:cNvPr id="1" name=""/>
+        <p:cNvGrpSpPr/>
+        <p:nvPr/>
+      </p:nvGrpSpPr>
+      <p:grpSpPr>
+        <a:xfrm>
+          <a:off x="0" y="0"/>
+          <a:ext cx="0" cy="0"/>
+          <a:chOff x="0" y="0"/>
+          <a:chExt cx="0" cy="0"/>
+        </a:xfrm>
+      </p:grpSpPr>
+      <p:sp>
+        <p:nvSpPr>
+          <p:cNvPr id="2" name="Title 1">
+            <a:extLst>
+              <a:ext uri="{FF2B5EF4-FFF2-40B4-BE49-F238E27FC236}">
+                <a16:creationId xmlns:a16="http://schemas.microsoft.com/office/drawing/2014/main" id="{54B4DE3B-8860-A2AC-4112-90868BCEC469}"/>
+              </a:ext>
+            </a:extLst>
+          </p:cNvPr>
+          <p:cNvSpPr>
+            <a:spLocks noGrp="1"/>
+          </p:cNvSpPr>
+          <p:nvPr>
+            <p:ph type="title"/>
+          </p:nvPr>
+        </p:nvSpPr>
+        <p:spPr/>
+        <p:txBody>
+          <a:bodyPr/>
+          <a:lstStyle/>
+          <a:p>
+            <a:r>
+              <a:rPr lang="en-US" dirty="0"/>
+              <a:t>Welcome to the Terraform Workshop</a:t>
+            </a:r>
+          </a:p>
+        </p:txBody>
+      </p:sp>
+      <p:sp>
+        <p:nvSpPr>
+          <p:cNvPr id="3" name="Content Placeholder 2">
+            <a:extLst>
+              <a:ext uri="{FF2B5EF4-FFF2-40B4-BE49-F238E27FC236}">
+                <a16:creationId xmlns:a16="http://schemas.microsoft.com/office/drawing/2014/main" id="{99538B8F-9320-DA56-1568-2ABFD5399653}"/>
+              </a:ext>
+            </a:extLst>
+          </p:cNvPr>
+          <p:cNvSpPr>
+            <a:spLocks noGrp="1"/>
+          </p:cNvSpPr>
+          <p:nvPr>
+            <p:ph idx="1"/>
+          </p:nvPr>
+        </p:nvSpPr>
+        <p:spPr/>
+        <p:txBody>
+          <a:bodyPr/>
+          <a:lstStyle/>
+          <a:p>
+            <a:endParaRPr lang="en-US"/>
+          </a:p>
+        </p:txBody>
+      </p:sp>
+    </p:spTree>
+    <p:extLst>
+      <p:ext uri="{BB962C8B-B14F-4D97-AF65-F5344CB8AC3E}">
+        <p14:creationId xmlns:p14="http://schemas.microsoft.com/office/powerpoint/2010/main" val="1128425498"/>
+      </p:ext>
+    </p:extLst>
+  </p:cSld>
+  <p:clrMapOvr>
+    <a:masterClrMapping/>
+  </p:clrMapOvr>
+</p:sld>
+</file>
+
+<file path=ppt/slides/slide3.xml><?xml version="1.0" encoding="utf-8"?>
+<p:sld xmlns:a="http://schemas.openxmlformats.org/drawingml/2006/main" xmlns:r="http://schemas.openxmlformats.org/officeDocument/2006/relationships" xmlns:p="http://schemas.openxmlformats.org/presentationml/2006/main">
+  <p:cSld>
+    <p:spTree>
+      <p:nvGrpSpPr>
+        <p:cNvPr id="1" name=""/>
+        <p:cNvGrpSpPr/>
+        <p:nvPr/>
+      </p:nvGrpSpPr>
+      <p:grpSpPr>
+        <a:xfrm>
+          <a:off x="0" y="0"/>
+          <a:ext cx="0" cy="0"/>
+          <a:chOff x="0" y="0"/>
+          <a:chExt cx="0" cy="0"/>
+        </a:xfrm>
+      </p:grpSpPr>
+      <p:sp>
+        <p:nvSpPr>
+          <p:cNvPr id="2" name="Title 1">
+            <a:extLst>
+              <a:ext uri="{FF2B5EF4-FFF2-40B4-BE49-F238E27FC236}">
+                <a16:creationId xmlns:a16="http://schemas.microsoft.com/office/drawing/2014/main" id="{698EA751-AD8D-1574-4F43-0D20A6CEDDE7}"/>
+              </a:ext>
+            </a:extLst>
+          </p:cNvPr>
+          <p:cNvSpPr>
+            <a:spLocks noGrp="1"/>
+          </p:cNvSpPr>
+          <p:nvPr>
+            <p:ph type="title"/>
+          </p:nvPr>
+        </p:nvSpPr>
+        <p:spPr/>
+        <p:txBody>
+          <a:bodyPr/>
+          <a:lstStyle/>
+          <a:p>
+            <a:r>
+              <a:rPr lang="en-US" dirty="0"/>
+              <a:t>What is Terraform?</a:t>
+            </a:r>
+          </a:p>
+        </p:txBody>
+      </p:sp>
+      <p:sp>
+        <p:nvSpPr>
+          <p:cNvPr id="3" name="Content Placeholder 2">
+            <a:extLst>
+              <a:ext uri="{FF2B5EF4-FFF2-40B4-BE49-F238E27FC236}">
+                <a16:creationId xmlns:a16="http://schemas.microsoft.com/office/drawing/2014/main" id="{5D3AB818-4AD9-FE8C-68F4-4AA502BA5874}"/>
+              </a:ext>
+            </a:extLst>
+          </p:cNvPr>
+          <p:cNvSpPr>
+            <a:spLocks noGrp="1"/>
+          </p:cNvSpPr>
+          <p:nvPr>
+            <p:ph idx="1"/>
+          </p:nvPr>
+        </p:nvSpPr>
+        <p:spPr/>
+        <p:txBody>
+          <a:bodyPr/>
+          <a:lstStyle/>
+          <a:p>
+            <a:endParaRPr lang="en-US"/>
+          </a:p>
+        </p:txBody>
+      </p:sp>
+    </p:spTree>
+    <p:extLst>
+      <p:ext uri="{BB962C8B-B14F-4D97-AF65-F5344CB8AC3E}">
+        <p14:creationId xmlns:p14="http://schemas.microsoft.com/office/powerpoint/2010/main" val="3430871639"/>
+      </p:ext>
+    </p:extLst>
+  </p:cSld>
+  <p:clrMapOvr>
+    <a:masterClrMapping/>
+  </p:clrMapOvr>
+</p:sld>
+</file>
+
+<file path=ppt/slides/slide4.xml><?xml version="1.0" encoding="utf-8"?>
+<p:sld xmlns:a="http://schemas.openxmlformats.org/drawingml/2006/main" xmlns:r="http://schemas.openxmlformats.org/officeDocument/2006/relationships" xmlns:p="http://schemas.openxmlformats.org/presentationml/2006/main">
+  <p:cSld>
+    <p:spTree>
+      <p:nvGrpSpPr>
+        <p:cNvPr id="1" name=""/>
+        <p:cNvGrpSpPr/>
+        <p:nvPr/>
+      </p:nvGrpSpPr>
+      <p:grpSpPr>
+        <a:xfrm>
+          <a:off x="0" y="0"/>
+          <a:ext cx="0" cy="0"/>
+          <a:chOff x="0" y="0"/>
+          <a:chExt cx="0" cy="0"/>
+        </a:xfrm>
+      </p:grpSpPr>
+      <p:sp>
+        <p:nvSpPr>
+          <p:cNvPr id="2" name="Title 1">
+            <a:extLst>
+              <a:ext uri="{FF2B5EF4-FFF2-40B4-BE49-F238E27FC236}">
+                <a16:creationId xmlns:a16="http://schemas.microsoft.com/office/drawing/2014/main" id="{7121AB6B-D459-09B1-053E-F8CF6C4970A7}"/>
+              </a:ext>
+            </a:extLst>
+          </p:cNvPr>
+          <p:cNvSpPr>
+            <a:spLocks noGrp="1"/>
+          </p:cNvSpPr>
+          <p:nvPr>
+            <p:ph type="title"/>
+          </p:nvPr>
+        </p:nvSpPr>
+        <p:spPr/>
+        <p:txBody>
+          <a:bodyPr/>
+          <a:lstStyle/>
+          <a:p>
+            <a:r>
+              <a:rPr lang="en-US" dirty="0"/>
+              <a:t>Terraform vs. Other IaC Tools</a:t>
+            </a:r>
+          </a:p>
+        </p:txBody>
+      </p:sp>
+      <p:sp>
+        <p:nvSpPr>
+          <p:cNvPr id="3" name="Content Placeholder 2">
+            <a:extLst>
+              <a:ext uri="{FF2B5EF4-FFF2-40B4-BE49-F238E27FC236}">
+                <a16:creationId xmlns:a16="http://schemas.microsoft.com/office/drawing/2014/main" id="{B6900EDC-CEDB-DFD1-F8AC-9F57DD67D320}"/>
+              </a:ext>
+            </a:extLst>
+          </p:cNvPr>
+          <p:cNvSpPr>
+            <a:spLocks noGrp="1"/>
+          </p:cNvSpPr>
+          <p:nvPr>
+            <p:ph idx="1"/>
+          </p:nvPr>
+        </p:nvSpPr>
+        <p:spPr/>
+        <p:txBody>
+          <a:bodyPr/>
+          <a:lstStyle/>
+          <a:p>
+            <a:endParaRPr lang="en-US"/>
+          </a:p>
+        </p:txBody>
+      </p:sp>
+    </p:spTree>
+    <p:extLst>
+      <p:ext uri="{BB962C8B-B14F-4D97-AF65-F5344CB8AC3E}">
+        <p14:creationId xmlns:p14="http://schemas.microsoft.com/office/powerpoint/2010/main" val="3250845279"/>
+      </p:ext>
+    </p:extLst>
+  </p:cSld>
+  <p:clrMapOvr>
+    <a:masterClrMapping/>
+  </p:clrMapOvr>
+</p:sld>
+</file>
+
+<file path=ppt/slides/slide5.xml><?xml version="1.0" encoding="utf-8"?>
+<p:sld xmlns:a="http://schemas.openxmlformats.org/drawingml/2006/main" xmlns:r="http://schemas.openxmlformats.org/officeDocument/2006/relationships" xmlns:p="http://schemas.openxmlformats.org/presentationml/2006/main">
+  <p:cSld>
+    <p:spTree>
+      <p:nvGrpSpPr>
+        <p:cNvPr id="1" name=""/>
+        <p:cNvGrpSpPr/>
+        <p:nvPr/>
+      </p:nvGrpSpPr>
+      <p:grpSpPr>
+        <a:xfrm>
+          <a:off x="0" y="0"/>
+          <a:ext cx="0" cy="0"/>
+          <a:chOff x="0" y="0"/>
+          <a:chExt cx="0" cy="0"/>
+        </a:xfrm>
+      </p:grpSpPr>
+      <p:sp>
+        <p:nvSpPr>
+          <p:cNvPr id="2" name="Title 1">
+            <a:extLst>
+              <a:ext uri="{FF2B5EF4-FFF2-40B4-BE49-F238E27FC236}">
+                <a16:creationId xmlns:a16="http://schemas.microsoft.com/office/drawing/2014/main" id="{A9C130B2-428F-29D2-3F0A-68E660755CDD}"/>
+              </a:ext>
+            </a:extLst>
+          </p:cNvPr>
+          <p:cNvSpPr>
+            <a:spLocks noGrp="1"/>
+          </p:cNvSpPr>
+          <p:nvPr>
+            <p:ph type="title"/>
+          </p:nvPr>
+        </p:nvSpPr>
+        <p:spPr/>
+        <p:txBody>
+          <a:bodyPr/>
+          <a:lstStyle/>
+          <a:p>
+            <a:r>
+              <a:rPr lang="en-US" dirty="0"/>
+              <a:t>Terraform Basics</a:t>
+            </a:r>
+          </a:p>
+        </p:txBody>
+      </p:sp>
+      <p:sp>
+        <p:nvSpPr>
+          <p:cNvPr id="3" name="Content Placeholder 2">
+            <a:extLst>
+              <a:ext uri="{FF2B5EF4-FFF2-40B4-BE49-F238E27FC236}">
+                <a16:creationId xmlns:a16="http://schemas.microsoft.com/office/drawing/2014/main" id="{CA841426-761F-2997-6F14-0674E0C6C3C3}"/>
+              </a:ext>
+            </a:extLst>
+          </p:cNvPr>
+          <p:cNvSpPr>
+            <a:spLocks noGrp="1"/>
+          </p:cNvSpPr>
+          <p:nvPr>
+            <p:ph idx="1"/>
+          </p:nvPr>
+        </p:nvSpPr>
+        <p:spPr/>
+        <p:txBody>
+          <a:bodyPr/>
+          <a:lstStyle/>
+          <a:p>
+            <a:endParaRPr lang="en-US"/>
+          </a:p>
+        </p:txBody>
+      </p:sp>
+    </p:spTree>
+    <p:extLst>
+      <p:ext uri="{BB962C8B-B14F-4D97-AF65-F5344CB8AC3E}">
+        <p14:creationId xmlns:p14="http://schemas.microsoft.com/office/powerpoint/2010/main" val="1072233323"/>
+      </p:ext>
+    </p:extLst>
+  </p:cSld>
+  <p:clrMapOvr>
+    <a:masterClrMapping/>
+  </p:clrMapOvr>
+</p:sld>
+</file>
+
+<file path=ppt/slides/slide6.xml><?xml version="1.0" encoding="utf-8"?>
+<p:sld xmlns:a="http://schemas.openxmlformats.org/drawingml/2006/main" xmlns:r="http://schemas.openxmlformats.org/officeDocument/2006/relationships" xmlns:p="http://schemas.openxmlformats.org/presentationml/2006/main">
+  <p:cSld>
+    <p:spTree>
+      <p:nvGrpSpPr>
+        <p:cNvPr id="1" name=""/>
+        <p:cNvGrpSpPr/>
+        <p:nvPr/>
+      </p:nvGrpSpPr>
+      <p:grpSpPr>
+        <a:xfrm>
+          <a:off x="0" y="0"/>
+          <a:ext cx="0" cy="0"/>
+          <a:chOff x="0" y="0"/>
+          <a:chExt cx="0" cy="0"/>
+        </a:xfrm>
+      </p:grpSpPr>
+      <p:sp>
+        <p:nvSpPr>
+          <p:cNvPr id="2" name="Title 1">
+            <a:extLst>
+              <a:ext uri="{FF2B5EF4-FFF2-40B4-BE49-F238E27FC236}">
+                <a16:creationId xmlns:a16="http://schemas.microsoft.com/office/drawing/2014/main" id="{B7A8CB58-D910-1012-4D09-DF11B3E82369}"/>
+              </a:ext>
+            </a:extLst>
+          </p:cNvPr>
+          <p:cNvSpPr>
+            <a:spLocks noGrp="1"/>
+          </p:cNvSpPr>
+          <p:nvPr>
+            <p:ph type="title"/>
+          </p:nvPr>
+        </p:nvSpPr>
+        <p:spPr/>
+        <p:txBody>
+          <a:bodyPr/>
+          <a:lstStyle/>
+          <a:p>
+            <a:r>
+              <a:rPr lang="en-US" dirty="0"/>
+              <a:t>Terraform Workflow</a:t>
+            </a:r>
+          </a:p>
+        </p:txBody>
+      </p:sp>
+      <p:sp>
+        <p:nvSpPr>
+          <p:cNvPr id="3" name="Content Placeholder 2">
+            <a:extLst>
+              <a:ext uri="{FF2B5EF4-FFF2-40B4-BE49-F238E27FC236}">
+                <a16:creationId xmlns:a16="http://schemas.microsoft.com/office/drawing/2014/main" id="{58AE0DA7-A4A8-748E-C62A-F2007D4413A8}"/>
+              </a:ext>
+            </a:extLst>
+          </p:cNvPr>
+          <p:cNvSpPr>
+            <a:spLocks noGrp="1"/>
+          </p:cNvSpPr>
+          <p:nvPr>
+            <p:ph idx="1"/>
+          </p:nvPr>
+        </p:nvSpPr>
+        <p:spPr/>
+        <p:txBody>
+          <a:bodyPr/>
+          <a:lstStyle/>
+          <a:p>
+            <a:endParaRPr lang="en-US"/>
+          </a:p>
+        </p:txBody>
+      </p:sp>
+    </p:spTree>
+    <p:extLst>
+      <p:ext uri="{BB962C8B-B14F-4D97-AF65-F5344CB8AC3E}">
+        <p14:creationId xmlns:p14="http://schemas.microsoft.com/office/powerpoint/2010/main" val="1957389500"/>
+      </p:ext>
+    </p:extLst>
+  </p:cSld>
+  <p:clrMapOvr>
+    <a:masterClrMapping/>
+  </p:clrMapOvr>
+</p:sld>
+</file>
+
+<file path=ppt/slides/slide7.xml><?xml version="1.0" encoding="utf-8"?>
+<p:sld xmlns:a="http://schemas.openxmlformats.org/drawingml/2006/main" xmlns:r="http://schemas.openxmlformats.org/officeDocument/2006/relationships" xmlns:p="http://schemas.openxmlformats.org/presentationml/2006/main">
+  <p:cSld>
+    <p:spTree>
+      <p:nvGrpSpPr>
+        <p:cNvPr id="1" name=""/>
+        <p:cNvGrpSpPr/>
+        <p:nvPr/>
+      </p:nvGrpSpPr>
+      <p:grpSpPr>
+        <a:xfrm>
+          <a:off x="0" y="0"/>
+          <a:ext cx="0" cy="0"/>
+          <a:chOff x="0" y="0"/>
+          <a:chExt cx="0" cy="0"/>
+        </a:xfrm>
+      </p:grpSpPr>
+      <p:sp>
+        <p:nvSpPr>
+          <p:cNvPr id="2" name="Title 1">
+            <a:extLst>
+              <a:ext uri="{FF2B5EF4-FFF2-40B4-BE49-F238E27FC236}">
+                <a16:creationId xmlns:a16="http://schemas.microsoft.com/office/drawing/2014/main" id="{DEAEC964-6F24-D922-CE82-5E315F7A8E01}"/>
+              </a:ext>
+            </a:extLst>
+          </p:cNvPr>
+          <p:cNvSpPr>
+            <a:spLocks noGrp="1"/>
+          </p:cNvSpPr>
+          <p:nvPr>
+            <p:ph type="title"/>
+          </p:nvPr>
+        </p:nvSpPr>
+        <p:spPr/>
+        <p:txBody>
+          <a:bodyPr/>
+          <a:lstStyle/>
+          <a:p>
+            <a:r>
+              <a:rPr lang="en-US" dirty="0"/>
+              <a:t>Key Terraform Terminology</a:t>
+            </a:r>
+          </a:p>
+        </p:txBody>
+      </p:sp>
+      <p:sp>
+        <p:nvSpPr>
+          <p:cNvPr id="3" name="Content Placeholder 2">
+            <a:extLst>
+              <a:ext uri="{FF2B5EF4-FFF2-40B4-BE49-F238E27FC236}">
+                <a16:creationId xmlns:a16="http://schemas.microsoft.com/office/drawing/2014/main" id="{FB727E98-EB87-779F-FF70-C124F72F8290}"/>
+              </a:ext>
+            </a:extLst>
+          </p:cNvPr>
+          <p:cNvSpPr>
+            <a:spLocks noGrp="1"/>
+          </p:cNvSpPr>
+          <p:nvPr>
+            <p:ph idx="1"/>
+          </p:nvPr>
+        </p:nvSpPr>
+        <p:spPr/>
+        <p:txBody>
+          <a:bodyPr/>
+          <a:lstStyle/>
+          <a:p>
+            <a:endParaRPr lang="en-US"/>
+          </a:p>
+        </p:txBody>
+      </p:sp>
+    </p:spTree>
+    <p:extLst>
+      <p:ext uri="{BB962C8B-B14F-4D97-AF65-F5344CB8AC3E}">
+        <p14:creationId xmlns:p14="http://schemas.microsoft.com/office/powerpoint/2010/main" val="1026674321"/>
+      </p:ext>
+    </p:extLst>
+  </p:cSld>
+  <p:clrMapOvr>
+    <a:masterClrMapping/>
+  </p:clrMapOvr>
+</p:sld>
+</file>
+
 <file path=ppt/theme/theme1.xml><?xml version="1.0" encoding="utf-8"?>
-<a:theme xmlns:a="http://schemas.openxmlformats.org/drawingml/2006/main" name="Retrospect">
+<a:theme xmlns:a="http://schemas.openxmlformats.org/drawingml/2006/main" name="Parcel">
   <a:themeElements>
-    <a:clrScheme name="Retrospect">
+    <a:clrScheme name="Grayscale">
       <a:dk1>
         <a:sysClr val="windowText" lastClr="000000"/>
       </a:dk1>
@@ -3875,81 +3829,48 @@
         <a:sysClr val="window" lastClr="FFFFFF"/>
       </a:lt1>
       <a:dk2>
-        <a:srgbClr val="514949"/>
+        <a:srgbClr val="000000"/>
       </a:dk2>
       <a:lt2>
-        <a:srgbClr val="E1E1DB"/>
+        <a:srgbClr val="F8F8F8"/>
       </a:lt2>
       <a:accent1>
-        <a:srgbClr val="9DBFBE"/>
+        <a:srgbClr val="DDDDDD"/>
       </a:accent1>
       <a:accent2>
-        <a:srgbClr val="DB8631"/>
+        <a:srgbClr val="B2B2B2"/>
       </a:accent2>
       <a:accent3>
-        <a:srgbClr val="E3CC5A"/>
+        <a:srgbClr val="969696"/>
       </a:accent3>
       <a:accent4>
-        <a:srgbClr val="ACADA8"/>
+        <a:srgbClr val="808080"/>
       </a:accent4>
       <a:accent5>
-        <a:srgbClr val="927C61"/>
+        <a:srgbClr val="5F5F5F"/>
       </a:accent5>
       <a:accent6>
-        <a:srgbClr val="B3B435"/>
+        <a:srgbClr val="4D4D4D"/>
       </a:accent6>
       <a:hlink>
-        <a:srgbClr val="0000FF"/>
+        <a:srgbClr val="5F5F5F"/>
       </a:hlink>
       <a:folHlink>
-        <a:srgbClr val="800080"/>
+        <a:srgbClr val="919191"/>
       </a:folHlink>
     </a:clrScheme>
-    <a:fontScheme name="Retrospect">
+    <a:fontScheme name="Parcel">
       <a:majorFont>
-        <a:latin typeface="Calibri Light" panose="020F0302020204030204"/>
+        <a:latin typeface="Gill Sans MT" panose="020B0502020104020203"/>
         <a:ea typeface=""/>
         <a:cs typeface=""/>
-        <a:font script="Jpan" typeface="ＭＳ Ｐゴシック"/>
-        <a:font script="Hang" typeface="맑은 고딕"/>
-        <a:font script="Hans" typeface="宋体"/>
-        <a:font script="Hant" typeface="新細明體"/>
-        <a:font script="Arab" typeface="Times New Roman"/>
-        <a:font script="Hebr" typeface="Times New Roman"/>
-        <a:font script="Thai" typeface="Angsana New"/>
-        <a:font script="Ethi" typeface="Nyala"/>
-        <a:font script="Beng" typeface="Vrinda"/>
-        <a:font script="Gujr" typeface="Shruti"/>
-        <a:font script="Khmr" typeface="MoolBoran"/>
-        <a:font script="Knda" typeface="Tunga"/>
-        <a:font script="Guru" typeface="Raavi"/>
-        <a:font script="Cans" typeface="Euphemia"/>
-        <a:font script="Cher" typeface="Plantagenet Cherokee"/>
-        <a:font script="Yiii" typeface="Microsoft Yi Baiti"/>
-        <a:font script="Tibt" typeface="Microsoft Himalaya"/>
-        <a:font script="Thaa" typeface="MV Boli"/>
-        <a:font script="Deva" typeface="Mangal"/>
-        <a:font script="Telu" typeface="Gautami"/>
-        <a:font script="Taml" typeface="Latha"/>
-        <a:font script="Syrc" typeface="Estrangelo Edessa"/>
-        <a:font script="Orya" typeface="Kalinga"/>
-        <a:font script="Mlym" typeface="Kartika"/>
-        <a:font script="Laoo" typeface="DokChampa"/>
-        <a:font script="Sinh" typeface="Iskoola Pota"/>
-        <a:font script="Mong" typeface="Mongolian Baiti"/>
-        <a:font script="Viet" typeface="Times New Roman"/>
-        <a:font script="Uigh" typeface="Microsoft Uighur"/>
-        <a:font script="Geor" typeface="Sylfaen"/>
-      </a:majorFont>
-      <a:minorFont>
-        <a:latin typeface="Calibri" panose="020F0502020204030204"/>
-        <a:ea typeface=""/>
-        <a:cs typeface=""/>
-        <a:font script="Jpan" typeface="ＭＳ Ｐゴシック"/>
-        <a:font script="Hang" typeface="맑은 고딕"/>
-        <a:font script="Hans" typeface="宋体"/>
-        <a:font script="Hant" typeface="新細明體"/>
-        <a:font script="Arab" typeface="Arial"/>
+        <a:font script="Grek" typeface="Corbel"/>
+        <a:font script="Cyrl" typeface="Corbel"/>
+        <a:font script="Jpan" typeface="HGｺﾞｼｯｸE"/>
+        <a:font script="Hang" typeface="휴먼매직체"/>
+        <a:font script="Hans" typeface="华文中宋"/>
+        <a:font script="Hant" typeface="微軟正黑體"/>
+        <a:font script="Arab" typeface="Majalla UI"/>
         <a:font script="Hebr" typeface="Arial"/>
         <a:font script="Thai" typeface="Cordia New"/>
         <a:font script="Ethi" typeface="Nyala"/>
@@ -3972,12 +3893,49 @@
         <a:font script="Laoo" typeface="DokChampa"/>
         <a:font script="Sinh" typeface="Iskoola Pota"/>
         <a:font script="Mong" typeface="Mongolian Baiti"/>
-        <a:font script="Viet" typeface="Arial"/>
+        <a:font script="Viet" typeface="Tahoma"/>
+        <a:font script="Uigh" typeface="Microsoft Uighur"/>
+        <a:font script="Geor" typeface="Sylfaen"/>
+      </a:majorFont>
+      <a:minorFont>
+        <a:latin typeface="Gill Sans MT" panose="020B0502020104020203"/>
+        <a:ea typeface=""/>
+        <a:cs typeface=""/>
+        <a:font script="Grek" typeface="Corbel"/>
+        <a:font script="Cyrl" typeface="Corbel"/>
+        <a:font script="Jpan" typeface="HGｺﾞｼｯｸE"/>
+        <a:font script="Hang" typeface="휴먼매직체"/>
+        <a:font script="Hans" typeface="华文中宋"/>
+        <a:font script="Hant" typeface="微軟正黑體"/>
+        <a:font script="Arab" typeface="Majalla UI"/>
+        <a:font script="Hebr" typeface="Arial"/>
+        <a:font script="Thai" typeface="Cordia New"/>
+        <a:font script="Ethi" typeface="Nyala"/>
+        <a:font script="Beng" typeface="Vrinda"/>
+        <a:font script="Gujr" typeface="Shruti"/>
+        <a:font script="Khmr" typeface="DaunPenh"/>
+        <a:font script="Knda" typeface="Tunga"/>
+        <a:font script="Guru" typeface="Raavi"/>
+        <a:font script="Cans" typeface="Euphemia"/>
+        <a:font script="Cher" typeface="Plantagenet Cherokee"/>
+        <a:font script="Yiii" typeface="Microsoft Yi Baiti"/>
+        <a:font script="Tibt" typeface="Microsoft Himalaya"/>
+        <a:font script="Thaa" typeface="MV Boli"/>
+        <a:font script="Deva" typeface="Mangal"/>
+        <a:font script="Telu" typeface="Gautami"/>
+        <a:font script="Taml" typeface="Latha"/>
+        <a:font script="Syrc" typeface="Estrangelo Edessa"/>
+        <a:font script="Orya" typeface="Kalinga"/>
+        <a:font script="Mlym" typeface="Kartika"/>
+        <a:font script="Laoo" typeface="DokChampa"/>
+        <a:font script="Sinh" typeface="Iskoola Pota"/>
+        <a:font script="Mong" typeface="Mongolian Baiti"/>
+        <a:font script="Viet" typeface="Tahoma"/>
         <a:font script="Uigh" typeface="Microsoft Uighur"/>
         <a:font script="Geor" typeface="Sylfaen"/>
       </a:minorFont>
     </a:fontScheme>
-    <a:fmtScheme name="Retrospect">
+    <a:fmtScheme name="Parcel">
       <a:fillStyleLst>
         <a:solidFill>
           <a:schemeClr val="phClr"/>
@@ -3986,77 +3944,62 @@
           <a:gsLst>
             <a:gs pos="0">
               <a:schemeClr val="phClr">
-                <a:tint val="65000"/>
-                <a:shade val="92000"/>
-                <a:satMod val="130000"/>
-              </a:schemeClr>
-            </a:gs>
-            <a:gs pos="45000">
-              <a:schemeClr val="phClr">
-                <a:tint val="60000"/>
-                <a:shade val="99000"/>
-                <a:satMod val="120000"/>
+                <a:tint val="80000"/>
+                <a:satMod val="107000"/>
+                <a:lumMod val="103000"/>
               </a:schemeClr>
             </a:gs>
             <a:gs pos="100000">
               <a:schemeClr val="phClr">
-                <a:tint val="55000"/>
-                <a:satMod val="140000"/>
+                <a:tint val="82000"/>
+                <a:satMod val="109000"/>
+                <a:lumMod val="103000"/>
               </a:schemeClr>
             </a:gs>
           </a:gsLst>
-          <a:path path="circle">
-            <a:fillToRect l="100000" t="100000" r="100000" b="100000"/>
-          </a:path>
+          <a:lin ang="5400000" scaled="0"/>
         </a:gradFill>
         <a:gradFill rotWithShape="1">
           <a:gsLst>
             <a:gs pos="0">
               <a:schemeClr val="phClr">
-                <a:shade val="85000"/>
-                <a:satMod val="130000"/>
+                <a:tint val="97000"/>
+                <a:satMod val="100000"/>
+                <a:lumMod val="102000"/>
               </a:schemeClr>
             </a:gs>
-            <a:gs pos="34000">
+            <a:gs pos="50000">
               <a:schemeClr val="phClr">
-                <a:shade val="87000"/>
-                <a:satMod val="125000"/>
-              </a:schemeClr>
-            </a:gs>
-            <a:gs pos="70000">
-              <a:schemeClr val="phClr">
-                <a:tint val="100000"/>
-                <a:shade val="90000"/>
-                <a:satMod val="130000"/>
+                <a:shade val="100000"/>
+                <a:satMod val="103000"/>
+                <a:lumMod val="100000"/>
               </a:schemeClr>
             </a:gs>
             <a:gs pos="100000">
               <a:schemeClr val="phClr">
-                <a:tint val="100000"/>
-                <a:shade val="100000"/>
+                <a:shade val="93000"/>
                 <a:satMod val="110000"/>
+                <a:lumMod val="99000"/>
               </a:schemeClr>
             </a:gs>
           </a:gsLst>
-          <a:path path="circle">
-            <a:fillToRect l="100000" t="100000" r="100000" b="100000"/>
-          </a:path>
+          <a:lin ang="5400000" scaled="0"/>
         </a:gradFill>
       </a:fillStyleLst>
       <a:lnStyleLst>
+        <a:ln w="6350" cap="flat" cmpd="sng" algn="ctr">
+          <a:solidFill>
+            <a:schemeClr val="phClr"/>
+          </a:solidFill>
+          <a:prstDash val="solid"/>
+        </a:ln>
         <a:ln w="12700" cap="flat" cmpd="sng" algn="ctr">
           <a:solidFill>
             <a:schemeClr val="phClr"/>
           </a:solidFill>
           <a:prstDash val="solid"/>
         </a:ln>
-        <a:ln w="15875" cap="flat" cmpd="sng" algn="ctr">
-          <a:solidFill>
-            <a:schemeClr val="phClr"/>
-          </a:solidFill>
-          <a:prstDash val="solid"/>
-        </a:ln>
-        <a:ln w="25400" cap="flat" cmpd="sng" algn="ctr">
+        <a:ln w="31750" cap="flat" cmpd="sng" algn="ctr">
           <a:solidFill>
             <a:schemeClr val="phClr"/>
           </a:solidFill>
@@ -4068,19 +4011,13 @@
           <a:effectLst/>
         </a:effectStyle>
         <a:effectStyle>
-          <a:effectLst>
-            <a:outerShdw blurRad="38100" dist="25400" dir="2700000" algn="br" rotWithShape="0">
-              <a:srgbClr val="000000">
-                <a:alpha val="60000"/>
-              </a:srgbClr>
-            </a:outerShdw>
-          </a:effectLst>
+          <a:effectLst/>
         </a:effectStyle>
         <a:effectStyle>
           <a:effectLst>
-            <a:outerShdw blurRad="44450" dist="25400" dir="2700000" algn="br" rotWithShape="0">
+            <a:outerShdw blurRad="55880" dist="15240" dir="5400000" algn="ctr" rotWithShape="0">
               <a:srgbClr val="000000">
-                <a:alpha val="60000"/>
+                <a:alpha val="45000"/>
               </a:srgbClr>
             </a:outerShdw>
           </a:effectLst>
@@ -4088,12 +4025,10 @@
             <a:camera prst="orthographicFront">
               <a:rot lat="0" lon="0" rev="0"/>
             </a:camera>
-            <a:lightRig rig="threePt" dir="t">
-              <a:rot lat="0" lon="0" rev="19800000"/>
-            </a:lightRig>
+            <a:lightRig rig="brightRoom" dir="tl"/>
           </a:scene3d>
-          <a:sp3d prstMaterial="flat">
-            <a:bevelT w="25400" h="31750"/>
+          <a:sp3d prstMaterial="dkEdge">
+            <a:bevelT w="0" h="0"/>
           </a:sp3d>
         </a:effectStyle>
       </a:effectStyleLst>
@@ -4103,36 +4038,32 @@
         </a:solidFill>
         <a:solidFill>
           <a:schemeClr val="phClr">
-            <a:tint val="90000"/>
-            <a:shade val="97000"/>
-            <a:satMod val="130000"/>
+            <a:tint val="95000"/>
+            <a:satMod val="170000"/>
           </a:schemeClr>
         </a:solidFill>
         <a:gradFill rotWithShape="1">
           <a:gsLst>
             <a:gs pos="0">
               <a:schemeClr val="phClr">
-                <a:tint val="96000"/>
-                <a:shade val="99000"/>
-                <a:satMod val="140000"/>
-              </a:schemeClr>
-            </a:gs>
-            <a:gs pos="65000">
-              <a:schemeClr val="phClr">
-                <a:tint val="100000"/>
-                <a:shade val="80000"/>
-                <a:satMod val="130000"/>
+                <a:tint val="97000"/>
+                <a:shade val="100000"/>
+                <a:satMod val="185000"/>
+                <a:lumMod val="120000"/>
               </a:schemeClr>
             </a:gs>
             <a:gs pos="100000">
               <a:schemeClr val="phClr">
-                <a:tint val="100000"/>
-                <a:shade val="48000"/>
-                <a:satMod val="120000"/>
+                <a:tint val="96000"/>
+                <a:shade val="95000"/>
+                <a:satMod val="215000"/>
+                <a:lumMod val="80000"/>
               </a:schemeClr>
             </a:gs>
           </a:gsLst>
-          <a:lin ang="16200000" scaled="0"/>
+          <a:path path="circle">
+            <a:fillToRect l="50000" t="55000" r="125000" b="100000"/>
+          </a:path>
         </a:gradFill>
       </a:bgFillStyleLst>
     </a:fmtScheme>
@@ -4141,7 +4072,7 @@
   <a:extraClrSchemeLst/>
   <a:extLst>
     <a:ext uri="{05A4C25C-085E-4340-85A3-A5531E510DB2}">
-      <thm15:themeFamily xmlns:thm15="http://schemas.microsoft.com/office/thememl/2012/main" name="Retrospect" id="{5F128B03-DCCA-4EEB-AB3B-CF2899314A46}" vid="{243AF7DC-D15B-41C0-AE81-23980D1B9FC4}"/>
+      <thm15:themeFamily xmlns:thm15="http://schemas.microsoft.com/office/thememl/2012/main" name="Parcel" id="{8BEC4385-4EB9-4D53-BFB5-0EA123736B6D}" vid="{71C241A9-A460-4AD1-916F-25308628A5BC}"/>
     </a:ext>
   </a:extLst>
 </a:theme>

--- a/slides/0-Introduction to Terraform.pptx
+++ b/slides/0-Introduction to Terraform.pptx
@@ -2612,11 +2612,11 @@
 </file>
 
 <file path=ppt/diagrams/colors4.xml><?xml version="1.0" encoding="utf-8"?>
-<dgm:colorsDef xmlns:dgm="http://schemas.openxmlformats.org/drawingml/2006/diagram" xmlns:a="http://schemas.openxmlformats.org/drawingml/2006/main" uniqueId="urn:microsoft.com/office/officeart/2018/5/colors/Iconchunking_neutralicontext_colorful1">
+<dgm:colorsDef xmlns:dgm="http://schemas.openxmlformats.org/drawingml/2006/diagram" xmlns:a="http://schemas.openxmlformats.org/drawingml/2006/main" uniqueId="urn:microsoft.com/office/officeart/2005/8/colors/accent1_2">
   <dgm:title val=""/>
   <dgm:desc val=""/>
   <dgm:catLst>
-    <dgm:cat type="colorful" pri="10100"/>
+    <dgm:cat type="accent1" pri="11200"/>
   </dgm:catLst>
   <dgm:styleLbl name="node0">
     <dgm:fillClrLst meth="repeat">
@@ -2630,36 +2630,24 @@
     <dgm:txFillClrLst/>
     <dgm:txEffectClrLst/>
   </dgm:styleLbl>
+  <dgm:styleLbl name="alignNode1">
+    <dgm:fillClrLst meth="repeat">
+      <a:schemeClr val="accent1"/>
+    </dgm:fillClrLst>
+    <dgm:linClrLst meth="repeat">
+      <a:schemeClr val="accent1"/>
+    </dgm:linClrLst>
+    <dgm:effectClrLst/>
+    <dgm:txLinClrLst/>
+    <dgm:txFillClrLst/>
+    <dgm:txEffectClrLst/>
+  </dgm:styleLbl>
   <dgm:styleLbl name="node1">
     <dgm:fillClrLst meth="repeat">
-      <a:schemeClr val="bg1"/>
+      <a:schemeClr val="accent1"/>
     </dgm:fillClrLst>
     <dgm:linClrLst meth="repeat">
-      <a:schemeClr val="lt1">
-        <a:alpha val="0"/>
-      </a:schemeClr>
-    </dgm:linClrLst>
-    <dgm:effectClrLst/>
-    <dgm:txLinClrLst/>
-    <dgm:txFillClrLst meth="repeat">
-      <a:schemeClr val="dk1"/>
-    </dgm:txFillClrLst>
-    <dgm:txEffectClrLst/>
-  </dgm:styleLbl>
-  <dgm:styleLbl name="alignNode1">
-    <dgm:fillClrLst meth="repeat">
-      <a:schemeClr val="accent2"/>
-      <a:schemeClr val="accent3"/>
-      <a:schemeClr val="accent4"/>
-      <a:schemeClr val="accent5"/>
-      <a:schemeClr val="accent6"/>
-    </dgm:fillClrLst>
-    <dgm:linClrLst meth="repeat">
-      <a:schemeClr val="accent2"/>
-      <a:schemeClr val="accent3"/>
-      <a:schemeClr val="accent4"/>
-      <a:schemeClr val="accent5"/>
-      <a:schemeClr val="accent6"/>
+      <a:schemeClr val="lt1"/>
     </dgm:linClrLst>
     <dgm:effectClrLst/>
     <dgm:txLinClrLst/>
@@ -2668,11 +2656,7 @@
   </dgm:styleLbl>
   <dgm:styleLbl name="lnNode1">
     <dgm:fillClrLst meth="repeat">
-      <a:schemeClr val="accent2"/>
-      <a:schemeClr val="accent3"/>
-      <a:schemeClr val="accent4"/>
-      <a:schemeClr val="accent5"/>
-      <a:schemeClr val="accent6"/>
+      <a:schemeClr val="accent1"/>
     </dgm:fillClrLst>
     <dgm:linClrLst meth="repeat">
       <a:schemeClr val="lt1"/>
@@ -2684,19 +2668,7 @@
   </dgm:styleLbl>
   <dgm:styleLbl name="vennNode1">
     <dgm:fillClrLst meth="repeat">
-      <a:schemeClr val="accent2">
-        <a:alpha val="50000"/>
-      </a:schemeClr>
-      <a:schemeClr val="accent3">
-        <a:alpha val="50000"/>
-      </a:schemeClr>
-      <a:schemeClr val="accent4">
-        <a:alpha val="50000"/>
-      </a:schemeClr>
-      <a:schemeClr val="accent5">
-        <a:alpha val="50000"/>
-      </a:schemeClr>
-      <a:schemeClr val="accent6">
+      <a:schemeClr val="accent1">
         <a:alpha val="50000"/>
       </a:schemeClr>
     </dgm:fillClrLst>
@@ -2709,8 +2681,8 @@
     <dgm:txEffectClrLst/>
   </dgm:styleLbl>
   <dgm:styleLbl name="node2">
-    <dgm:fillClrLst>
-      <a:schemeClr val="accent2"/>
+    <dgm:fillClrLst meth="repeat">
+      <a:schemeClr val="accent1"/>
     </dgm:fillClrLst>
     <dgm:linClrLst meth="repeat">
       <a:schemeClr val="lt1"/>
@@ -2721,8 +2693,8 @@
     <dgm:txEffectClrLst/>
   </dgm:styleLbl>
   <dgm:styleLbl name="node3">
-    <dgm:fillClrLst>
-      <a:schemeClr val="accent3"/>
+    <dgm:fillClrLst meth="repeat">
+      <a:schemeClr val="accent1"/>
     </dgm:fillClrLst>
     <dgm:linClrLst meth="repeat">
       <a:schemeClr val="lt1"/>
@@ -2733,8 +2705,8 @@
     <dgm:txEffectClrLst/>
   </dgm:styleLbl>
   <dgm:styleLbl name="node4">
-    <dgm:fillClrLst>
-      <a:schemeClr val="accent4"/>
+    <dgm:fillClrLst meth="repeat">
+      <a:schemeClr val="accent1"/>
     </dgm:fillClrLst>
     <dgm:linClrLst meth="repeat">
       <a:schemeClr val="lt1"/>
@@ -2746,19 +2718,7 @@
   </dgm:styleLbl>
   <dgm:styleLbl name="fgImgPlace1">
     <dgm:fillClrLst meth="repeat">
-      <a:schemeClr val="accent2">
-        <a:tint val="50000"/>
-      </a:schemeClr>
-      <a:schemeClr val="accent3">
-        <a:tint val="50000"/>
-      </a:schemeClr>
-      <a:schemeClr val="accent4">
-        <a:tint val="50000"/>
-      </a:schemeClr>
-      <a:schemeClr val="accent5">
-        <a:tint val="50000"/>
-      </a:schemeClr>
-      <a:schemeClr val="accent6">
+      <a:schemeClr val="accent1">
         <a:tint val="50000"/>
       </a:schemeClr>
     </dgm:fillClrLst>
@@ -2773,12 +2733,9 @@
     <dgm:txEffectClrLst/>
   </dgm:styleLbl>
   <dgm:styleLbl name="alignImgPlace1">
-    <dgm:fillClrLst>
+    <dgm:fillClrLst meth="repeat">
       <a:schemeClr val="accent1">
         <a:tint val="50000"/>
-      </a:schemeClr>
-      <a:schemeClr val="accent2">
-        <a:tint val="20000"/>
       </a:schemeClr>
     </dgm:fillClrLst>
     <dgm:linClrLst meth="repeat">
@@ -2792,12 +2749,9 @@
     <dgm:txEffectClrLst/>
   </dgm:styleLbl>
   <dgm:styleLbl name="bgImgPlace1">
-    <dgm:fillClrLst>
+    <dgm:fillClrLst meth="repeat">
       <a:schemeClr val="accent1">
         <a:tint val="50000"/>
-      </a:schemeClr>
-      <a:schemeClr val="accent2">
-        <a:tint val="20000"/>
       </a:schemeClr>
     </dgm:fillClrLst>
     <dgm:linClrLst meth="repeat">
@@ -2812,14 +2766,14 @@
   </dgm:styleLbl>
   <dgm:styleLbl name="sibTrans2D1">
     <dgm:fillClrLst meth="repeat">
-      <a:schemeClr val="accent2"/>
-      <a:schemeClr val="accent3"/>
-      <a:schemeClr val="accent4"/>
-      <a:schemeClr val="accent5"/>
-      <a:schemeClr val="accent6"/>
-    </dgm:fillClrLst>
-    <dgm:linClrLst meth="cycle">
-      <a:schemeClr val="lt1"/>
+      <a:schemeClr val="accent1">
+        <a:tint val="60000"/>
+      </a:schemeClr>
+    </dgm:fillClrLst>
+    <dgm:linClrLst meth="repeat">
+      <a:schemeClr val="accent1">
+        <a:tint val="60000"/>
+      </a:schemeClr>
     </dgm:linClrLst>
     <dgm:effectClrLst/>
     <dgm:txLinClrLst/>
@@ -2828,14 +2782,136 @@
   </dgm:styleLbl>
   <dgm:styleLbl name="fgSibTrans2D1">
     <dgm:fillClrLst meth="repeat">
-      <a:schemeClr val="accent2"/>
-      <a:schemeClr val="accent3"/>
-      <a:schemeClr val="accent4"/>
-      <a:schemeClr val="accent5"/>
-      <a:schemeClr val="accent6"/>
-    </dgm:fillClrLst>
-    <dgm:linClrLst meth="cycle">
+      <a:schemeClr val="accent1">
+        <a:tint val="60000"/>
+      </a:schemeClr>
+    </dgm:fillClrLst>
+    <dgm:linClrLst meth="repeat">
+      <a:schemeClr val="accent1">
+        <a:tint val="60000"/>
+      </a:schemeClr>
+    </dgm:linClrLst>
+    <dgm:effectClrLst/>
+    <dgm:txLinClrLst/>
+    <dgm:txFillClrLst/>
+    <dgm:txEffectClrLst/>
+  </dgm:styleLbl>
+  <dgm:styleLbl name="bgSibTrans2D1">
+    <dgm:fillClrLst meth="repeat">
+      <a:schemeClr val="accent1">
+        <a:tint val="60000"/>
+      </a:schemeClr>
+    </dgm:fillClrLst>
+    <dgm:linClrLst meth="repeat">
+      <a:schemeClr val="accent1">
+        <a:tint val="60000"/>
+      </a:schemeClr>
+    </dgm:linClrLst>
+    <dgm:effectClrLst/>
+    <dgm:txLinClrLst/>
+    <dgm:txFillClrLst/>
+    <dgm:txEffectClrLst/>
+  </dgm:styleLbl>
+  <dgm:styleLbl name="sibTrans1D1">
+    <dgm:fillClrLst meth="repeat">
+      <a:schemeClr val="accent1"/>
+    </dgm:fillClrLst>
+    <dgm:linClrLst meth="repeat">
+      <a:schemeClr val="accent1"/>
+    </dgm:linClrLst>
+    <dgm:effectClrLst/>
+    <dgm:txLinClrLst/>
+    <dgm:txFillClrLst meth="repeat">
+      <a:schemeClr val="tx1"/>
+    </dgm:txFillClrLst>
+    <dgm:txEffectClrLst/>
+  </dgm:styleLbl>
+  <dgm:styleLbl name="callout">
+    <dgm:fillClrLst meth="repeat">
+      <a:schemeClr val="accent1"/>
+    </dgm:fillClrLst>
+    <dgm:linClrLst meth="repeat">
+      <a:schemeClr val="accent1">
+        <a:tint val="50000"/>
+      </a:schemeClr>
+    </dgm:linClrLst>
+    <dgm:effectClrLst/>
+    <dgm:txLinClrLst/>
+    <dgm:txFillClrLst meth="repeat">
+      <a:schemeClr val="tx1"/>
+    </dgm:txFillClrLst>
+    <dgm:txEffectClrLst/>
+  </dgm:styleLbl>
+  <dgm:styleLbl name="asst0">
+    <dgm:fillClrLst meth="repeat">
+      <a:schemeClr val="accent1"/>
+    </dgm:fillClrLst>
+    <dgm:linClrLst meth="repeat">
       <a:schemeClr val="lt1"/>
+    </dgm:linClrLst>
+    <dgm:effectClrLst/>
+    <dgm:txLinClrLst/>
+    <dgm:txFillClrLst/>
+    <dgm:txEffectClrLst/>
+  </dgm:styleLbl>
+  <dgm:styleLbl name="asst1">
+    <dgm:fillClrLst meth="repeat">
+      <a:schemeClr val="accent1"/>
+    </dgm:fillClrLst>
+    <dgm:linClrLst meth="repeat">
+      <a:schemeClr val="lt1"/>
+    </dgm:linClrLst>
+    <dgm:effectClrLst/>
+    <dgm:txLinClrLst/>
+    <dgm:txFillClrLst/>
+    <dgm:txEffectClrLst/>
+  </dgm:styleLbl>
+  <dgm:styleLbl name="asst2">
+    <dgm:fillClrLst meth="repeat">
+      <a:schemeClr val="accent1"/>
+    </dgm:fillClrLst>
+    <dgm:linClrLst meth="repeat">
+      <a:schemeClr val="lt1"/>
+    </dgm:linClrLst>
+    <dgm:effectClrLst/>
+    <dgm:txLinClrLst/>
+    <dgm:txFillClrLst/>
+    <dgm:txEffectClrLst/>
+  </dgm:styleLbl>
+  <dgm:styleLbl name="asst3">
+    <dgm:fillClrLst meth="repeat">
+      <a:schemeClr val="accent1"/>
+    </dgm:fillClrLst>
+    <dgm:linClrLst meth="repeat">
+      <a:schemeClr val="lt1"/>
+    </dgm:linClrLst>
+    <dgm:effectClrLst/>
+    <dgm:txLinClrLst/>
+    <dgm:txFillClrLst/>
+    <dgm:txEffectClrLst/>
+  </dgm:styleLbl>
+  <dgm:styleLbl name="asst4">
+    <dgm:fillClrLst meth="repeat">
+      <a:schemeClr val="accent1"/>
+    </dgm:fillClrLst>
+    <dgm:linClrLst meth="repeat">
+      <a:schemeClr val="lt1"/>
+    </dgm:linClrLst>
+    <dgm:effectClrLst/>
+    <dgm:txLinClrLst/>
+    <dgm:txFillClrLst/>
+    <dgm:txEffectClrLst/>
+  </dgm:styleLbl>
+  <dgm:styleLbl name="parChTrans2D1">
+    <dgm:fillClrLst meth="repeat">
+      <a:schemeClr val="accent1">
+        <a:tint val="60000"/>
+      </a:schemeClr>
+    </dgm:fillClrLst>
+    <dgm:linClrLst meth="repeat">
+      <a:schemeClr val="accent1">
+        <a:tint val="60000"/>
+      </a:schemeClr>
     </dgm:linClrLst>
     <dgm:effectClrLst/>
     <dgm:txLinClrLst/>
@@ -2844,16 +2920,12 @@
     </dgm:txFillClrLst>
     <dgm:txEffectClrLst/>
   </dgm:styleLbl>
-  <dgm:styleLbl name="bgSibTrans2D1">
+  <dgm:styleLbl name="parChTrans2D2">
     <dgm:fillClrLst meth="repeat">
-      <a:schemeClr val="accent2"/>
-      <a:schemeClr val="accent3"/>
-      <a:schemeClr val="accent4"/>
-      <a:schemeClr val="accent5"/>
-      <a:schemeClr val="accent6"/>
-    </dgm:fillClrLst>
-    <dgm:linClrLst meth="cycle">
-      <a:schemeClr val="lt1"/>
+      <a:schemeClr val="accent1"/>
+    </dgm:fillClrLst>
+    <dgm:linClrLst meth="repeat">
+      <a:schemeClr val="accent1"/>
     </dgm:linClrLst>
     <dgm:effectClrLst/>
     <dgm:txLinClrLst/>
@@ -2862,20 +2934,42 @@
     </dgm:txFillClrLst>
     <dgm:txEffectClrLst/>
   </dgm:styleLbl>
-  <dgm:styleLbl name="sibTrans1D1">
+  <dgm:styleLbl name="parChTrans2D3">
     <dgm:fillClrLst meth="repeat">
-      <a:schemeClr val="accent2"/>
-      <a:schemeClr val="accent3"/>
-      <a:schemeClr val="accent4"/>
-      <a:schemeClr val="accent5"/>
-      <a:schemeClr val="accent6"/>
+      <a:schemeClr val="accent1"/>
     </dgm:fillClrLst>
     <dgm:linClrLst meth="repeat">
-      <a:schemeClr val="accent2"/>
-      <a:schemeClr val="accent3"/>
-      <a:schemeClr val="accent4"/>
-      <a:schemeClr val="accent5"/>
-      <a:schemeClr val="accent6"/>
+      <a:schemeClr val="accent1"/>
+    </dgm:linClrLst>
+    <dgm:effectClrLst/>
+    <dgm:txLinClrLst/>
+    <dgm:txFillClrLst meth="repeat">
+      <a:schemeClr val="lt1"/>
+    </dgm:txFillClrLst>
+    <dgm:txEffectClrLst/>
+  </dgm:styleLbl>
+  <dgm:styleLbl name="parChTrans2D4">
+    <dgm:fillClrLst meth="repeat">
+      <a:schemeClr val="accent1"/>
+    </dgm:fillClrLst>
+    <dgm:linClrLst meth="repeat">
+      <a:schemeClr val="accent1"/>
+    </dgm:linClrLst>
+    <dgm:effectClrLst/>
+    <dgm:txLinClrLst/>
+    <dgm:txFillClrLst meth="repeat">
+      <a:schemeClr val="lt1"/>
+    </dgm:txFillClrLst>
+    <dgm:txEffectClrLst/>
+  </dgm:styleLbl>
+  <dgm:styleLbl name="parChTrans1D1">
+    <dgm:fillClrLst meth="repeat">
+      <a:schemeClr val="accent1"/>
+    </dgm:fillClrLst>
+    <dgm:linClrLst meth="repeat">
+      <a:schemeClr val="accent1">
+        <a:shade val="60000"/>
+      </a:schemeClr>
     </dgm:linClrLst>
     <dgm:effectClrLst/>
     <dgm:txLinClrLst/>
@@ -2884,13 +2978,13 @@
     </dgm:txFillClrLst>
     <dgm:txEffectClrLst/>
   </dgm:styleLbl>
-  <dgm:styleLbl name="callout">
+  <dgm:styleLbl name="parChTrans1D2">
     <dgm:fillClrLst meth="repeat">
-      <a:schemeClr val="accent2"/>
+      <a:schemeClr val="accent1"/>
     </dgm:fillClrLst>
     <dgm:linClrLst meth="repeat">
-      <a:schemeClr val="accent2">
-        <a:tint val="50000"/>
+      <a:schemeClr val="accent1">
+        <a:shade val="60000"/>
       </a:schemeClr>
     </dgm:linClrLst>
     <dgm:effectClrLst/>
@@ -2900,124 +2994,14 @@
     </dgm:txFillClrLst>
     <dgm:txEffectClrLst/>
   </dgm:styleLbl>
-  <dgm:styleLbl name="asst0">
+  <dgm:styleLbl name="parChTrans1D3">
     <dgm:fillClrLst meth="repeat">
       <a:schemeClr val="accent1"/>
     </dgm:fillClrLst>
     <dgm:linClrLst meth="repeat">
-      <a:schemeClr val="lt1"/>
-    </dgm:linClrLst>
-    <dgm:effectClrLst/>
-    <dgm:txLinClrLst/>
-    <dgm:txFillClrLst/>
-    <dgm:txEffectClrLst/>
-  </dgm:styleLbl>
-  <dgm:styleLbl name="asst1">
-    <dgm:fillClrLst meth="repeat">
-      <a:schemeClr val="accent2"/>
-    </dgm:fillClrLst>
-    <dgm:linClrLst meth="repeat">
-      <a:schemeClr val="lt1"/>
-    </dgm:linClrLst>
-    <dgm:effectClrLst/>
-    <dgm:txLinClrLst/>
-    <dgm:txFillClrLst/>
-    <dgm:txEffectClrLst/>
-  </dgm:styleLbl>
-  <dgm:styleLbl name="asst2">
-    <dgm:fillClrLst>
-      <a:schemeClr val="accent3"/>
-    </dgm:fillClrLst>
-    <dgm:linClrLst meth="repeat">
-      <a:schemeClr val="lt1"/>
-    </dgm:linClrLst>
-    <dgm:effectClrLst/>
-    <dgm:txLinClrLst/>
-    <dgm:txFillClrLst/>
-    <dgm:txEffectClrLst/>
-  </dgm:styleLbl>
-  <dgm:styleLbl name="asst3">
-    <dgm:fillClrLst>
-      <a:schemeClr val="accent4"/>
-    </dgm:fillClrLst>
-    <dgm:linClrLst meth="repeat">
-      <a:schemeClr val="lt1"/>
-    </dgm:linClrLst>
-    <dgm:effectClrLst/>
-    <dgm:txLinClrLst/>
-    <dgm:txFillClrLst/>
-    <dgm:txEffectClrLst/>
-  </dgm:styleLbl>
-  <dgm:styleLbl name="asst4">
-    <dgm:fillClrLst>
-      <a:schemeClr val="accent5"/>
-    </dgm:fillClrLst>
-    <dgm:linClrLst meth="repeat">
-      <a:schemeClr val="lt1"/>
-    </dgm:linClrLst>
-    <dgm:effectClrLst/>
-    <dgm:txLinClrLst/>
-    <dgm:txFillClrLst/>
-    <dgm:txEffectClrLst/>
-  </dgm:styleLbl>
-  <dgm:styleLbl name="parChTrans2D1">
-    <dgm:fillClrLst meth="repeat">
-      <a:schemeClr val="accent2"/>
-    </dgm:fillClrLst>
-    <dgm:linClrLst meth="repeat">
-      <a:schemeClr val="lt1"/>
-    </dgm:linClrLst>
-    <dgm:effectClrLst/>
-    <dgm:txLinClrLst/>
-    <dgm:txFillClrLst meth="repeat">
-      <a:schemeClr val="lt1"/>
-    </dgm:txFillClrLst>
-    <dgm:txEffectClrLst/>
-  </dgm:styleLbl>
-  <dgm:styleLbl name="parChTrans2D2">
-    <dgm:fillClrLst meth="repeat">
-      <a:schemeClr val="accent3"/>
-    </dgm:fillClrLst>
-    <dgm:linClrLst meth="repeat">
-      <a:schemeClr val="lt1"/>
-    </dgm:linClrLst>
-    <dgm:effectClrLst/>
-    <dgm:txLinClrLst/>
-    <dgm:txFillClrLst/>
-    <dgm:txEffectClrLst/>
-  </dgm:styleLbl>
-  <dgm:styleLbl name="parChTrans2D3">
-    <dgm:fillClrLst meth="repeat">
-      <a:schemeClr val="accent4"/>
-    </dgm:fillClrLst>
-    <dgm:linClrLst meth="repeat">
-      <a:schemeClr val="lt1"/>
-    </dgm:linClrLst>
-    <dgm:effectClrLst/>
-    <dgm:txLinClrLst/>
-    <dgm:txFillClrLst/>
-    <dgm:txEffectClrLst/>
-  </dgm:styleLbl>
-  <dgm:styleLbl name="parChTrans2D4">
-    <dgm:fillClrLst meth="repeat">
-      <a:schemeClr val="accent5"/>
-    </dgm:fillClrLst>
-    <dgm:linClrLst meth="repeat">
-      <a:schemeClr val="lt1"/>
-    </dgm:linClrLst>
-    <dgm:effectClrLst/>
-    <dgm:txLinClrLst/>
-    <dgm:txFillClrLst meth="repeat">
-      <a:schemeClr val="lt1"/>
-    </dgm:txFillClrLst>
-    <dgm:txEffectClrLst/>
-  </dgm:styleLbl>
-  <dgm:styleLbl name="parChTrans1D1">
-    <dgm:fillClrLst meth="repeat">
-      <a:schemeClr val="accent2"/>
-    </dgm:fillClrLst>
-    <dgm:linClrLst meth="repeat">
-      <a:schemeClr val="accent1"/>
+      <a:schemeClr val="accent1">
+        <a:shade val="80000"/>
+      </a:schemeClr>
     </dgm:linClrLst>
     <dgm:effectClrLst/>
     <dgm:txLinClrLst/>
@@ -3026,46 +3010,14 @@
     </dgm:txFillClrLst>
     <dgm:txEffectClrLst/>
   </dgm:styleLbl>
-  <dgm:styleLbl name="parChTrans1D2">
-    <dgm:fillClrLst meth="repeat">
-      <a:schemeClr val="accent3">
-        <a:tint val="90000"/>
-      </a:schemeClr>
-    </dgm:fillClrLst>
-    <dgm:linClrLst meth="repeat">
-      <a:schemeClr val="accent2"/>
-    </dgm:linClrLst>
-    <dgm:effectClrLst/>
-    <dgm:txLinClrLst/>
-    <dgm:txFillClrLst meth="repeat">
-      <a:schemeClr val="tx1"/>
-    </dgm:txFillClrLst>
-    <dgm:txEffectClrLst/>
-  </dgm:styleLbl>
-  <dgm:styleLbl name="parChTrans1D3">
-    <dgm:fillClrLst meth="repeat">
-      <a:schemeClr val="accent4">
-        <a:tint val="70000"/>
-      </a:schemeClr>
-    </dgm:fillClrLst>
-    <dgm:linClrLst meth="repeat">
-      <a:schemeClr val="accent3"/>
-    </dgm:linClrLst>
-    <dgm:effectClrLst/>
-    <dgm:txLinClrLst/>
-    <dgm:txFillClrLst meth="repeat">
-      <a:schemeClr val="tx1"/>
-    </dgm:txFillClrLst>
-    <dgm:txEffectClrLst/>
-  </dgm:styleLbl>
   <dgm:styleLbl name="parChTrans1D4">
     <dgm:fillClrLst meth="repeat">
-      <a:schemeClr val="accent5">
-        <a:tint val="50000"/>
-      </a:schemeClr>
+      <a:schemeClr val="accent1"/>
     </dgm:fillClrLst>
     <dgm:linClrLst meth="repeat">
-      <a:schemeClr val="accent4"/>
+      <a:schemeClr val="accent1">
+        <a:shade val="80000"/>
+      </a:schemeClr>
     </dgm:linClrLst>
     <dgm:effectClrLst/>
     <dgm:txLinClrLst/>
@@ -3081,11 +3033,7 @@
       </a:schemeClr>
     </dgm:fillClrLst>
     <dgm:linClrLst meth="repeat">
-      <a:schemeClr val="accent2"/>
-      <a:schemeClr val="accent3"/>
-      <a:schemeClr val="accent4"/>
-      <a:schemeClr val="accent5"/>
-      <a:schemeClr val="accent6"/>
+      <a:schemeClr val="accent1"/>
     </dgm:linClrLst>
     <dgm:effectClrLst/>
     <dgm:txLinClrLst/>
@@ -3101,11 +3049,7 @@
       </a:schemeClr>
     </dgm:fillClrLst>
     <dgm:linClrLst meth="repeat">
-      <a:schemeClr val="accent2"/>
-      <a:schemeClr val="accent3"/>
-      <a:schemeClr val="accent4"/>
-      <a:schemeClr val="accent5"/>
-      <a:schemeClr val="accent6"/>
+      <a:schemeClr val="accent1"/>
     </dgm:linClrLst>
     <dgm:effectClrLst/>
     <dgm:txLinClrLst/>
@@ -3121,11 +3065,7 @@
       </a:schemeClr>
     </dgm:fillClrLst>
     <dgm:linClrLst meth="repeat">
-      <a:schemeClr val="accent2"/>
-      <a:schemeClr val="accent3"/>
-      <a:schemeClr val="accent4"/>
-      <a:schemeClr val="accent5"/>
-      <a:schemeClr val="accent6"/>
+      <a:schemeClr val="accent1"/>
     </dgm:linClrLst>
     <dgm:effectClrLst/>
     <dgm:txLinClrLst/>
@@ -3157,11 +3097,7 @@
       </a:schemeClr>
     </dgm:fillClrLst>
     <dgm:linClrLst meth="repeat">
-      <a:schemeClr val="accent2"/>
-      <a:schemeClr val="accent3"/>
-      <a:schemeClr val="accent4"/>
-      <a:schemeClr val="accent5"/>
-      <a:schemeClr val="accent6"/>
+      <a:schemeClr val="accent1"/>
     </dgm:linClrLst>
     <dgm:effectClrLst/>
     <dgm:txLinClrLst/>
@@ -3175,11 +3111,7 @@
       <a:schemeClr val="lt1"/>
     </dgm:fillClrLst>
     <dgm:linClrLst meth="repeat">
-      <a:schemeClr val="accent2"/>
-      <a:schemeClr val="accent3"/>
-      <a:schemeClr val="accent4"/>
-      <a:schemeClr val="accent5"/>
-      <a:schemeClr val="accent6"/>
+      <a:schemeClr val="accent1"/>
     </dgm:linClrLst>
     <dgm:effectClrLst/>
     <dgm:txLinClrLst/>
@@ -3193,11 +3125,7 @@
       <a:schemeClr val="lt1"/>
     </dgm:fillClrLst>
     <dgm:linClrLst meth="repeat">
-      <a:schemeClr val="accent2"/>
-      <a:schemeClr val="accent3"/>
-      <a:schemeClr val="accent4"/>
-      <a:schemeClr val="accent5"/>
-      <a:schemeClr val="accent6"/>
+      <a:schemeClr val="accent1"/>
     </dgm:linClrLst>
     <dgm:effectClrLst/>
     <dgm:txLinClrLst/>
@@ -3211,11 +3139,7 @@
       <a:schemeClr val="lt1"/>
     </dgm:fillClrLst>
     <dgm:linClrLst meth="repeat">
-      <a:schemeClr val="accent2"/>
-      <a:schemeClr val="accent3"/>
-      <a:schemeClr val="accent4"/>
-      <a:schemeClr val="accent5"/>
-      <a:schemeClr val="accent6"/>
+      <a:schemeClr val="accent1"/>
     </dgm:linClrLst>
     <dgm:effectClrLst/>
     <dgm:txLinClrLst/>
@@ -3226,47 +3150,15 @@
   </dgm:styleLbl>
   <dgm:styleLbl name="fgAccFollowNode1">
     <dgm:fillClrLst meth="repeat">
-      <a:schemeClr val="accent2">
+      <a:schemeClr val="accent1">
+        <a:alpha val="90000"/>
         <a:tint val="40000"/>
+      </a:schemeClr>
+    </dgm:fillClrLst>
+    <dgm:linClrLst meth="repeat">
+      <a:schemeClr val="accent1">
         <a:alpha val="90000"/>
-      </a:schemeClr>
-      <a:schemeClr val="accent3">
         <a:tint val="40000"/>
-        <a:alpha val="90000"/>
-      </a:schemeClr>
-      <a:schemeClr val="accent4">
-        <a:tint val="40000"/>
-        <a:alpha val="90000"/>
-      </a:schemeClr>
-      <a:schemeClr val="accent5">
-        <a:tint val="40000"/>
-        <a:alpha val="90000"/>
-      </a:schemeClr>
-      <a:schemeClr val="accent6">
-        <a:tint val="40000"/>
-        <a:alpha val="90000"/>
-      </a:schemeClr>
-    </dgm:fillClrLst>
-    <dgm:linClrLst meth="repeat">
-      <a:schemeClr val="accent2">
-        <a:tint val="40000"/>
-        <a:alpha val="90000"/>
-      </a:schemeClr>
-      <a:schemeClr val="accent3">
-        <a:tint val="40000"/>
-        <a:alpha val="90000"/>
-      </a:schemeClr>
-      <a:schemeClr val="accent4">
-        <a:tint val="40000"/>
-        <a:alpha val="90000"/>
-      </a:schemeClr>
-      <a:schemeClr val="accent5">
-        <a:tint val="40000"/>
-        <a:alpha val="90000"/>
-      </a:schemeClr>
-      <a:schemeClr val="accent6">
-        <a:tint val="40000"/>
-        <a:alpha val="90000"/>
       </a:schemeClr>
     </dgm:linClrLst>
     <dgm:effectClrLst/>
@@ -3278,47 +3170,15 @@
   </dgm:styleLbl>
   <dgm:styleLbl name="alignAccFollowNode1">
     <dgm:fillClrLst meth="repeat">
-      <a:schemeClr val="accent2">
+      <a:schemeClr val="accent1">
+        <a:alpha val="90000"/>
         <a:tint val="40000"/>
+      </a:schemeClr>
+    </dgm:fillClrLst>
+    <dgm:linClrLst meth="repeat">
+      <a:schemeClr val="accent1">
         <a:alpha val="90000"/>
-      </a:schemeClr>
-      <a:schemeClr val="accent3">
         <a:tint val="40000"/>
-        <a:alpha val="90000"/>
-      </a:schemeClr>
-      <a:schemeClr val="accent4">
-        <a:tint val="40000"/>
-        <a:alpha val="90000"/>
-      </a:schemeClr>
-      <a:schemeClr val="accent5">
-        <a:tint val="40000"/>
-        <a:alpha val="90000"/>
-      </a:schemeClr>
-      <a:schemeClr val="accent6">
-        <a:tint val="40000"/>
-        <a:alpha val="90000"/>
-      </a:schemeClr>
-    </dgm:fillClrLst>
-    <dgm:linClrLst meth="repeat">
-      <a:schemeClr val="accent2">
-        <a:tint val="40000"/>
-        <a:alpha val="90000"/>
-      </a:schemeClr>
-      <a:schemeClr val="accent3">
-        <a:tint val="40000"/>
-        <a:alpha val="90000"/>
-      </a:schemeClr>
-      <a:schemeClr val="accent4">
-        <a:tint val="40000"/>
-        <a:alpha val="90000"/>
-      </a:schemeClr>
-      <a:schemeClr val="accent5">
-        <a:tint val="40000"/>
-        <a:alpha val="90000"/>
-      </a:schemeClr>
-      <a:schemeClr val="accent6">
-        <a:tint val="40000"/>
-        <a:alpha val="90000"/>
       </a:schemeClr>
     </dgm:linClrLst>
     <dgm:effectClrLst/>
@@ -3330,47 +3190,15 @@
   </dgm:styleLbl>
   <dgm:styleLbl name="bgAccFollowNode1">
     <dgm:fillClrLst meth="repeat">
-      <a:schemeClr val="accent2">
+      <a:schemeClr val="accent1">
+        <a:alpha val="90000"/>
         <a:tint val="40000"/>
+      </a:schemeClr>
+    </dgm:fillClrLst>
+    <dgm:linClrLst meth="repeat">
+      <a:schemeClr val="accent1">
         <a:alpha val="90000"/>
-      </a:schemeClr>
-      <a:schemeClr val="accent3">
         <a:tint val="40000"/>
-        <a:alpha val="90000"/>
-      </a:schemeClr>
-      <a:schemeClr val="accent4">
-        <a:tint val="40000"/>
-        <a:alpha val="90000"/>
-      </a:schemeClr>
-      <a:schemeClr val="accent5">
-        <a:tint val="40000"/>
-        <a:alpha val="90000"/>
-      </a:schemeClr>
-      <a:schemeClr val="accent6">
-        <a:tint val="40000"/>
-        <a:alpha val="90000"/>
-      </a:schemeClr>
-    </dgm:fillClrLst>
-    <dgm:linClrLst meth="repeat">
-      <a:schemeClr val="accent2">
-        <a:tint val="40000"/>
-        <a:alpha val="90000"/>
-      </a:schemeClr>
-      <a:schemeClr val="accent3">
-        <a:tint val="40000"/>
-        <a:alpha val="90000"/>
-      </a:schemeClr>
-      <a:schemeClr val="accent4">
-        <a:tint val="40000"/>
-        <a:alpha val="90000"/>
-      </a:schemeClr>
-      <a:schemeClr val="accent5">
-        <a:tint val="40000"/>
-        <a:alpha val="90000"/>
-      </a:schemeClr>
-      <a:schemeClr val="accent6">
-        <a:tint val="40000"/>
-        <a:alpha val="90000"/>
       </a:schemeClr>
     </dgm:linClrLst>
     <dgm:effectClrLst/>
@@ -3386,7 +3214,7 @@
         <a:alpha val="90000"/>
       </a:schemeClr>
     </dgm:fillClrLst>
-    <dgm:linClrLst>
+    <dgm:linClrLst meth="repeat">
       <a:schemeClr val="accent1"/>
     </dgm:linClrLst>
     <dgm:effectClrLst/>
@@ -3402,8 +3230,8 @@
         <a:alpha val="90000"/>
       </a:schemeClr>
     </dgm:fillClrLst>
-    <dgm:linClrLst>
-      <a:schemeClr val="accent2"/>
+    <dgm:linClrLst meth="repeat">
+      <a:schemeClr val="accent1"/>
     </dgm:linClrLst>
     <dgm:effectClrLst/>
     <dgm:txLinClrLst/>
@@ -3418,8 +3246,8 @@
         <a:alpha val="90000"/>
       </a:schemeClr>
     </dgm:fillClrLst>
-    <dgm:linClrLst>
-      <a:schemeClr val="accent3"/>
+    <dgm:linClrLst meth="repeat">
+      <a:schemeClr val="accent1"/>
     </dgm:linClrLst>
     <dgm:effectClrLst/>
     <dgm:txLinClrLst/>
@@ -3434,8 +3262,8 @@
         <a:alpha val="90000"/>
       </a:schemeClr>
     </dgm:fillClrLst>
-    <dgm:linClrLst>
-      <a:schemeClr val="accent4"/>
+    <dgm:linClrLst meth="repeat">
+      <a:schemeClr val="accent1"/>
     </dgm:linClrLst>
     <dgm:effectClrLst/>
     <dgm:txLinClrLst/>
@@ -3446,30 +3274,28 @@
   </dgm:styleLbl>
   <dgm:styleLbl name="bgShp">
     <dgm:fillClrLst meth="repeat">
-      <a:schemeClr val="accent2"/>
-      <a:schemeClr val="accent3"/>
-      <a:schemeClr val="accent4"/>
-      <a:schemeClr val="accent5"/>
-      <a:schemeClr val="accent6"/>
+      <a:schemeClr val="accent1">
+        <a:tint val="40000"/>
+      </a:schemeClr>
     </dgm:fillClrLst>
     <dgm:linClrLst meth="repeat">
-      <a:schemeClr val="lt1">
-        <a:alpha val="0"/>
-      </a:schemeClr>
-    </dgm:linClrLst>
-    <dgm:effectClrLst/>
-    <dgm:txLinClrLst/>
-    <dgm:txFillClrLst/>
+      <a:schemeClr val="accent1"/>
+    </dgm:linClrLst>
+    <dgm:effectClrLst/>
+    <dgm:txLinClrLst/>
+    <dgm:txFillClrLst meth="repeat">
+      <a:schemeClr val="dk1"/>
+    </dgm:txFillClrLst>
     <dgm:txEffectClrLst/>
   </dgm:styleLbl>
   <dgm:styleLbl name="dkBgShp">
     <dgm:fillClrLst meth="repeat">
-      <a:schemeClr val="accent2">
-        <a:shade val="90000"/>
+      <a:schemeClr val="accent1">
+        <a:shade val="80000"/>
       </a:schemeClr>
     </dgm:fillClrLst>
     <dgm:linClrLst meth="repeat">
-      <a:schemeClr val="dk1"/>
+      <a:schemeClr val="accent1"/>
     </dgm:linClrLst>
     <dgm:effectClrLst/>
     <dgm:txLinClrLst/>
@@ -3486,7 +3312,7 @@
       </a:schemeClr>
     </dgm:fillClrLst>
     <dgm:linClrLst meth="repeat">
-      <a:schemeClr val="accent2"/>
+      <a:schemeClr val="accent1"/>
     </dgm:linClrLst>
     <dgm:effectClrLst/>
     <dgm:txLinClrLst/>
@@ -3497,8 +3323,8 @@
   </dgm:styleLbl>
   <dgm:styleLbl name="fgShp">
     <dgm:fillClrLst meth="repeat">
-      <a:schemeClr val="accent2">
-        <a:tint val="40000"/>
+      <a:schemeClr val="accent1">
+        <a:tint val="60000"/>
       </a:schemeClr>
     </dgm:fillClrLst>
     <dgm:linClrLst meth="repeat">
@@ -3525,7 +3351,7 @@
     <dgm:effectClrLst/>
     <dgm:txLinClrLst/>
     <dgm:txFillClrLst meth="repeat">
-      <a:schemeClr val="bg1"/>
+      <a:schemeClr val="tx1"/>
     </dgm:txFillClrLst>
     <dgm:txEffectClrLst/>
   </dgm:styleLbl>
@@ -4454,6 +4280,927 @@
 </file>
 
 <file path=ppt/diagrams/colors6.xml><?xml version="1.0" encoding="utf-8"?>
+<dgm:colorsDef xmlns:dgm="http://schemas.openxmlformats.org/drawingml/2006/diagram" xmlns:a="http://schemas.openxmlformats.org/drawingml/2006/main" uniqueId="urn:microsoft.com/office/officeart/2018/5/colors/Iconchunking_neutralicontext_colorful1">
+  <dgm:title val=""/>
+  <dgm:desc val=""/>
+  <dgm:catLst>
+    <dgm:cat type="colorful" pri="10100"/>
+  </dgm:catLst>
+  <dgm:styleLbl name="node0">
+    <dgm:fillClrLst meth="repeat">
+      <a:schemeClr val="accent1"/>
+    </dgm:fillClrLst>
+    <dgm:linClrLst meth="repeat">
+      <a:schemeClr val="lt1"/>
+    </dgm:linClrLst>
+    <dgm:effectClrLst/>
+    <dgm:txLinClrLst/>
+    <dgm:txFillClrLst/>
+    <dgm:txEffectClrLst/>
+  </dgm:styleLbl>
+  <dgm:styleLbl name="node1">
+    <dgm:fillClrLst meth="repeat">
+      <a:schemeClr val="bg1"/>
+    </dgm:fillClrLst>
+    <dgm:linClrLst meth="repeat">
+      <a:schemeClr val="lt1">
+        <a:alpha val="0"/>
+      </a:schemeClr>
+    </dgm:linClrLst>
+    <dgm:effectClrLst/>
+    <dgm:txLinClrLst/>
+    <dgm:txFillClrLst meth="repeat">
+      <a:schemeClr val="dk1"/>
+    </dgm:txFillClrLst>
+    <dgm:txEffectClrLst/>
+  </dgm:styleLbl>
+  <dgm:styleLbl name="alignNode1">
+    <dgm:fillClrLst meth="repeat">
+      <a:schemeClr val="accent2"/>
+      <a:schemeClr val="accent3"/>
+      <a:schemeClr val="accent4"/>
+      <a:schemeClr val="accent5"/>
+      <a:schemeClr val="accent6"/>
+    </dgm:fillClrLst>
+    <dgm:linClrLst meth="repeat">
+      <a:schemeClr val="accent2"/>
+      <a:schemeClr val="accent3"/>
+      <a:schemeClr val="accent4"/>
+      <a:schemeClr val="accent5"/>
+      <a:schemeClr val="accent6"/>
+    </dgm:linClrLst>
+    <dgm:effectClrLst/>
+    <dgm:txLinClrLst/>
+    <dgm:txFillClrLst/>
+    <dgm:txEffectClrLst/>
+  </dgm:styleLbl>
+  <dgm:styleLbl name="lnNode1">
+    <dgm:fillClrLst meth="repeat">
+      <a:schemeClr val="accent2"/>
+      <a:schemeClr val="accent3"/>
+      <a:schemeClr val="accent4"/>
+      <a:schemeClr val="accent5"/>
+      <a:schemeClr val="accent6"/>
+    </dgm:fillClrLst>
+    <dgm:linClrLst meth="repeat">
+      <a:schemeClr val="lt1"/>
+    </dgm:linClrLst>
+    <dgm:effectClrLst/>
+    <dgm:txLinClrLst/>
+    <dgm:txFillClrLst/>
+    <dgm:txEffectClrLst/>
+  </dgm:styleLbl>
+  <dgm:styleLbl name="vennNode1">
+    <dgm:fillClrLst meth="repeat">
+      <a:schemeClr val="accent2">
+        <a:alpha val="50000"/>
+      </a:schemeClr>
+      <a:schemeClr val="accent3">
+        <a:alpha val="50000"/>
+      </a:schemeClr>
+      <a:schemeClr val="accent4">
+        <a:alpha val="50000"/>
+      </a:schemeClr>
+      <a:schemeClr val="accent5">
+        <a:alpha val="50000"/>
+      </a:schemeClr>
+      <a:schemeClr val="accent6">
+        <a:alpha val="50000"/>
+      </a:schemeClr>
+    </dgm:fillClrLst>
+    <dgm:linClrLst meth="repeat">
+      <a:schemeClr val="lt1"/>
+    </dgm:linClrLst>
+    <dgm:effectClrLst/>
+    <dgm:txLinClrLst/>
+    <dgm:txFillClrLst/>
+    <dgm:txEffectClrLst/>
+  </dgm:styleLbl>
+  <dgm:styleLbl name="node2">
+    <dgm:fillClrLst>
+      <a:schemeClr val="accent2"/>
+    </dgm:fillClrLst>
+    <dgm:linClrLst meth="repeat">
+      <a:schemeClr val="lt1"/>
+    </dgm:linClrLst>
+    <dgm:effectClrLst/>
+    <dgm:txLinClrLst/>
+    <dgm:txFillClrLst/>
+    <dgm:txEffectClrLst/>
+  </dgm:styleLbl>
+  <dgm:styleLbl name="node3">
+    <dgm:fillClrLst>
+      <a:schemeClr val="accent3"/>
+    </dgm:fillClrLst>
+    <dgm:linClrLst meth="repeat">
+      <a:schemeClr val="lt1"/>
+    </dgm:linClrLst>
+    <dgm:effectClrLst/>
+    <dgm:txLinClrLst/>
+    <dgm:txFillClrLst/>
+    <dgm:txEffectClrLst/>
+  </dgm:styleLbl>
+  <dgm:styleLbl name="node4">
+    <dgm:fillClrLst>
+      <a:schemeClr val="accent4"/>
+    </dgm:fillClrLst>
+    <dgm:linClrLst meth="repeat">
+      <a:schemeClr val="lt1"/>
+    </dgm:linClrLst>
+    <dgm:effectClrLst/>
+    <dgm:txLinClrLst/>
+    <dgm:txFillClrLst/>
+    <dgm:txEffectClrLst/>
+  </dgm:styleLbl>
+  <dgm:styleLbl name="fgImgPlace1">
+    <dgm:fillClrLst meth="repeat">
+      <a:schemeClr val="accent2">
+        <a:tint val="50000"/>
+      </a:schemeClr>
+      <a:schemeClr val="accent3">
+        <a:tint val="50000"/>
+      </a:schemeClr>
+      <a:schemeClr val="accent4">
+        <a:tint val="50000"/>
+      </a:schemeClr>
+      <a:schemeClr val="accent5">
+        <a:tint val="50000"/>
+      </a:schemeClr>
+      <a:schemeClr val="accent6">
+        <a:tint val="50000"/>
+      </a:schemeClr>
+    </dgm:fillClrLst>
+    <dgm:linClrLst meth="repeat">
+      <a:schemeClr val="lt1"/>
+    </dgm:linClrLst>
+    <dgm:effectClrLst/>
+    <dgm:txLinClrLst/>
+    <dgm:txFillClrLst meth="repeat">
+      <a:schemeClr val="lt1"/>
+    </dgm:txFillClrLst>
+    <dgm:txEffectClrLst/>
+  </dgm:styleLbl>
+  <dgm:styleLbl name="alignImgPlace1">
+    <dgm:fillClrLst>
+      <a:schemeClr val="accent1">
+        <a:tint val="50000"/>
+      </a:schemeClr>
+      <a:schemeClr val="accent2">
+        <a:tint val="20000"/>
+      </a:schemeClr>
+    </dgm:fillClrLst>
+    <dgm:linClrLst meth="repeat">
+      <a:schemeClr val="lt1"/>
+    </dgm:linClrLst>
+    <dgm:effectClrLst/>
+    <dgm:txLinClrLst/>
+    <dgm:txFillClrLst meth="repeat">
+      <a:schemeClr val="lt1"/>
+    </dgm:txFillClrLst>
+    <dgm:txEffectClrLst/>
+  </dgm:styleLbl>
+  <dgm:styleLbl name="bgImgPlace1">
+    <dgm:fillClrLst>
+      <a:schemeClr val="accent1">
+        <a:tint val="50000"/>
+      </a:schemeClr>
+      <a:schemeClr val="accent2">
+        <a:tint val="20000"/>
+      </a:schemeClr>
+    </dgm:fillClrLst>
+    <dgm:linClrLst meth="repeat">
+      <a:schemeClr val="lt1"/>
+    </dgm:linClrLst>
+    <dgm:effectClrLst/>
+    <dgm:txLinClrLst/>
+    <dgm:txFillClrLst meth="repeat">
+      <a:schemeClr val="lt1"/>
+    </dgm:txFillClrLst>
+    <dgm:txEffectClrLst/>
+  </dgm:styleLbl>
+  <dgm:styleLbl name="sibTrans2D1">
+    <dgm:fillClrLst meth="repeat">
+      <a:schemeClr val="accent2"/>
+      <a:schemeClr val="accent3"/>
+      <a:schemeClr val="accent4"/>
+      <a:schemeClr val="accent5"/>
+      <a:schemeClr val="accent6"/>
+    </dgm:fillClrLst>
+    <dgm:linClrLst meth="cycle">
+      <a:schemeClr val="lt1"/>
+    </dgm:linClrLst>
+    <dgm:effectClrLst/>
+    <dgm:txLinClrLst/>
+    <dgm:txFillClrLst/>
+    <dgm:txEffectClrLst/>
+  </dgm:styleLbl>
+  <dgm:styleLbl name="fgSibTrans2D1">
+    <dgm:fillClrLst meth="repeat">
+      <a:schemeClr val="accent2"/>
+      <a:schemeClr val="accent3"/>
+      <a:schemeClr val="accent4"/>
+      <a:schemeClr val="accent5"/>
+      <a:schemeClr val="accent6"/>
+    </dgm:fillClrLst>
+    <dgm:linClrLst meth="cycle">
+      <a:schemeClr val="lt1"/>
+    </dgm:linClrLst>
+    <dgm:effectClrLst/>
+    <dgm:txLinClrLst/>
+    <dgm:txFillClrLst meth="repeat">
+      <a:schemeClr val="lt1"/>
+    </dgm:txFillClrLst>
+    <dgm:txEffectClrLst/>
+  </dgm:styleLbl>
+  <dgm:styleLbl name="bgSibTrans2D1">
+    <dgm:fillClrLst meth="repeat">
+      <a:schemeClr val="accent2"/>
+      <a:schemeClr val="accent3"/>
+      <a:schemeClr val="accent4"/>
+      <a:schemeClr val="accent5"/>
+      <a:schemeClr val="accent6"/>
+    </dgm:fillClrLst>
+    <dgm:linClrLst meth="cycle">
+      <a:schemeClr val="lt1"/>
+    </dgm:linClrLst>
+    <dgm:effectClrLst/>
+    <dgm:txLinClrLst/>
+    <dgm:txFillClrLst meth="repeat">
+      <a:schemeClr val="lt1"/>
+    </dgm:txFillClrLst>
+    <dgm:txEffectClrLst/>
+  </dgm:styleLbl>
+  <dgm:styleLbl name="sibTrans1D1">
+    <dgm:fillClrLst meth="repeat">
+      <a:schemeClr val="accent2"/>
+      <a:schemeClr val="accent3"/>
+      <a:schemeClr val="accent4"/>
+      <a:schemeClr val="accent5"/>
+      <a:schemeClr val="accent6"/>
+    </dgm:fillClrLst>
+    <dgm:linClrLst meth="repeat">
+      <a:schemeClr val="accent2"/>
+      <a:schemeClr val="accent3"/>
+      <a:schemeClr val="accent4"/>
+      <a:schemeClr val="accent5"/>
+      <a:schemeClr val="accent6"/>
+    </dgm:linClrLst>
+    <dgm:effectClrLst/>
+    <dgm:txLinClrLst/>
+    <dgm:txFillClrLst meth="repeat">
+      <a:schemeClr val="tx1"/>
+    </dgm:txFillClrLst>
+    <dgm:txEffectClrLst/>
+  </dgm:styleLbl>
+  <dgm:styleLbl name="callout">
+    <dgm:fillClrLst meth="repeat">
+      <a:schemeClr val="accent2"/>
+    </dgm:fillClrLst>
+    <dgm:linClrLst meth="repeat">
+      <a:schemeClr val="accent2">
+        <a:tint val="50000"/>
+      </a:schemeClr>
+    </dgm:linClrLst>
+    <dgm:effectClrLst/>
+    <dgm:txLinClrLst/>
+    <dgm:txFillClrLst meth="repeat">
+      <a:schemeClr val="tx1"/>
+    </dgm:txFillClrLst>
+    <dgm:txEffectClrLst/>
+  </dgm:styleLbl>
+  <dgm:styleLbl name="asst0">
+    <dgm:fillClrLst meth="repeat">
+      <a:schemeClr val="accent1"/>
+    </dgm:fillClrLst>
+    <dgm:linClrLst meth="repeat">
+      <a:schemeClr val="lt1"/>
+    </dgm:linClrLst>
+    <dgm:effectClrLst/>
+    <dgm:txLinClrLst/>
+    <dgm:txFillClrLst/>
+    <dgm:txEffectClrLst/>
+  </dgm:styleLbl>
+  <dgm:styleLbl name="asst1">
+    <dgm:fillClrLst meth="repeat">
+      <a:schemeClr val="accent2"/>
+    </dgm:fillClrLst>
+    <dgm:linClrLst meth="repeat">
+      <a:schemeClr val="lt1"/>
+    </dgm:linClrLst>
+    <dgm:effectClrLst/>
+    <dgm:txLinClrLst/>
+    <dgm:txFillClrLst/>
+    <dgm:txEffectClrLst/>
+  </dgm:styleLbl>
+  <dgm:styleLbl name="asst2">
+    <dgm:fillClrLst>
+      <a:schemeClr val="accent3"/>
+    </dgm:fillClrLst>
+    <dgm:linClrLst meth="repeat">
+      <a:schemeClr val="lt1"/>
+    </dgm:linClrLst>
+    <dgm:effectClrLst/>
+    <dgm:txLinClrLst/>
+    <dgm:txFillClrLst/>
+    <dgm:txEffectClrLst/>
+  </dgm:styleLbl>
+  <dgm:styleLbl name="asst3">
+    <dgm:fillClrLst>
+      <a:schemeClr val="accent4"/>
+    </dgm:fillClrLst>
+    <dgm:linClrLst meth="repeat">
+      <a:schemeClr val="lt1"/>
+    </dgm:linClrLst>
+    <dgm:effectClrLst/>
+    <dgm:txLinClrLst/>
+    <dgm:txFillClrLst/>
+    <dgm:txEffectClrLst/>
+  </dgm:styleLbl>
+  <dgm:styleLbl name="asst4">
+    <dgm:fillClrLst>
+      <a:schemeClr val="accent5"/>
+    </dgm:fillClrLst>
+    <dgm:linClrLst meth="repeat">
+      <a:schemeClr val="lt1"/>
+    </dgm:linClrLst>
+    <dgm:effectClrLst/>
+    <dgm:txLinClrLst/>
+    <dgm:txFillClrLst/>
+    <dgm:txEffectClrLst/>
+  </dgm:styleLbl>
+  <dgm:styleLbl name="parChTrans2D1">
+    <dgm:fillClrLst meth="repeat">
+      <a:schemeClr val="accent2"/>
+    </dgm:fillClrLst>
+    <dgm:linClrLst meth="repeat">
+      <a:schemeClr val="lt1"/>
+    </dgm:linClrLst>
+    <dgm:effectClrLst/>
+    <dgm:txLinClrLst/>
+    <dgm:txFillClrLst meth="repeat">
+      <a:schemeClr val="lt1"/>
+    </dgm:txFillClrLst>
+    <dgm:txEffectClrLst/>
+  </dgm:styleLbl>
+  <dgm:styleLbl name="parChTrans2D2">
+    <dgm:fillClrLst meth="repeat">
+      <a:schemeClr val="accent3"/>
+    </dgm:fillClrLst>
+    <dgm:linClrLst meth="repeat">
+      <a:schemeClr val="lt1"/>
+    </dgm:linClrLst>
+    <dgm:effectClrLst/>
+    <dgm:txLinClrLst/>
+    <dgm:txFillClrLst/>
+    <dgm:txEffectClrLst/>
+  </dgm:styleLbl>
+  <dgm:styleLbl name="parChTrans2D3">
+    <dgm:fillClrLst meth="repeat">
+      <a:schemeClr val="accent4"/>
+    </dgm:fillClrLst>
+    <dgm:linClrLst meth="repeat">
+      <a:schemeClr val="lt1"/>
+    </dgm:linClrLst>
+    <dgm:effectClrLst/>
+    <dgm:txLinClrLst/>
+    <dgm:txFillClrLst/>
+    <dgm:txEffectClrLst/>
+  </dgm:styleLbl>
+  <dgm:styleLbl name="parChTrans2D4">
+    <dgm:fillClrLst meth="repeat">
+      <a:schemeClr val="accent5"/>
+    </dgm:fillClrLst>
+    <dgm:linClrLst meth="repeat">
+      <a:schemeClr val="lt1"/>
+    </dgm:linClrLst>
+    <dgm:effectClrLst/>
+    <dgm:txLinClrLst/>
+    <dgm:txFillClrLst meth="repeat">
+      <a:schemeClr val="lt1"/>
+    </dgm:txFillClrLst>
+    <dgm:txEffectClrLst/>
+  </dgm:styleLbl>
+  <dgm:styleLbl name="parChTrans1D1">
+    <dgm:fillClrLst meth="repeat">
+      <a:schemeClr val="accent2"/>
+    </dgm:fillClrLst>
+    <dgm:linClrLst meth="repeat">
+      <a:schemeClr val="accent1"/>
+    </dgm:linClrLst>
+    <dgm:effectClrLst/>
+    <dgm:txLinClrLst/>
+    <dgm:txFillClrLst meth="repeat">
+      <a:schemeClr val="tx1"/>
+    </dgm:txFillClrLst>
+    <dgm:txEffectClrLst/>
+  </dgm:styleLbl>
+  <dgm:styleLbl name="parChTrans1D2">
+    <dgm:fillClrLst meth="repeat">
+      <a:schemeClr val="accent3">
+        <a:tint val="90000"/>
+      </a:schemeClr>
+    </dgm:fillClrLst>
+    <dgm:linClrLst meth="repeat">
+      <a:schemeClr val="accent2"/>
+    </dgm:linClrLst>
+    <dgm:effectClrLst/>
+    <dgm:txLinClrLst/>
+    <dgm:txFillClrLst meth="repeat">
+      <a:schemeClr val="tx1"/>
+    </dgm:txFillClrLst>
+    <dgm:txEffectClrLst/>
+  </dgm:styleLbl>
+  <dgm:styleLbl name="parChTrans1D3">
+    <dgm:fillClrLst meth="repeat">
+      <a:schemeClr val="accent4">
+        <a:tint val="70000"/>
+      </a:schemeClr>
+    </dgm:fillClrLst>
+    <dgm:linClrLst meth="repeat">
+      <a:schemeClr val="accent3"/>
+    </dgm:linClrLst>
+    <dgm:effectClrLst/>
+    <dgm:txLinClrLst/>
+    <dgm:txFillClrLst meth="repeat">
+      <a:schemeClr val="tx1"/>
+    </dgm:txFillClrLst>
+    <dgm:txEffectClrLst/>
+  </dgm:styleLbl>
+  <dgm:styleLbl name="parChTrans1D4">
+    <dgm:fillClrLst meth="repeat">
+      <a:schemeClr val="accent5">
+        <a:tint val="50000"/>
+      </a:schemeClr>
+    </dgm:fillClrLst>
+    <dgm:linClrLst meth="repeat">
+      <a:schemeClr val="accent4"/>
+    </dgm:linClrLst>
+    <dgm:effectClrLst/>
+    <dgm:txLinClrLst/>
+    <dgm:txFillClrLst meth="repeat">
+      <a:schemeClr val="tx1"/>
+    </dgm:txFillClrLst>
+    <dgm:txEffectClrLst/>
+  </dgm:styleLbl>
+  <dgm:styleLbl name="fgAcc1">
+    <dgm:fillClrLst meth="repeat">
+      <a:schemeClr val="lt1">
+        <a:alpha val="90000"/>
+      </a:schemeClr>
+    </dgm:fillClrLst>
+    <dgm:linClrLst meth="repeat">
+      <a:schemeClr val="accent2"/>
+      <a:schemeClr val="accent3"/>
+      <a:schemeClr val="accent4"/>
+      <a:schemeClr val="accent5"/>
+      <a:schemeClr val="accent6"/>
+    </dgm:linClrLst>
+    <dgm:effectClrLst/>
+    <dgm:txLinClrLst/>
+    <dgm:txFillClrLst meth="repeat">
+      <a:schemeClr val="dk1"/>
+    </dgm:txFillClrLst>
+    <dgm:txEffectClrLst/>
+  </dgm:styleLbl>
+  <dgm:styleLbl name="conFgAcc1">
+    <dgm:fillClrLst meth="repeat">
+      <a:schemeClr val="lt1">
+        <a:alpha val="90000"/>
+      </a:schemeClr>
+    </dgm:fillClrLst>
+    <dgm:linClrLst meth="repeat">
+      <a:schemeClr val="accent2"/>
+      <a:schemeClr val="accent3"/>
+      <a:schemeClr val="accent4"/>
+      <a:schemeClr val="accent5"/>
+      <a:schemeClr val="accent6"/>
+    </dgm:linClrLst>
+    <dgm:effectClrLst/>
+    <dgm:txLinClrLst/>
+    <dgm:txFillClrLst meth="repeat">
+      <a:schemeClr val="dk1"/>
+    </dgm:txFillClrLst>
+    <dgm:txEffectClrLst/>
+  </dgm:styleLbl>
+  <dgm:styleLbl name="alignAcc1">
+    <dgm:fillClrLst meth="repeat">
+      <a:schemeClr val="lt1">
+        <a:alpha val="90000"/>
+      </a:schemeClr>
+    </dgm:fillClrLst>
+    <dgm:linClrLst meth="repeat">
+      <a:schemeClr val="accent2"/>
+      <a:schemeClr val="accent3"/>
+      <a:schemeClr val="accent4"/>
+      <a:schemeClr val="accent5"/>
+      <a:schemeClr val="accent6"/>
+    </dgm:linClrLst>
+    <dgm:effectClrLst/>
+    <dgm:txLinClrLst/>
+    <dgm:txFillClrLst meth="repeat">
+      <a:schemeClr val="dk1"/>
+    </dgm:txFillClrLst>
+    <dgm:txEffectClrLst/>
+  </dgm:styleLbl>
+  <dgm:styleLbl name="trAlignAcc1">
+    <dgm:fillClrLst meth="repeat">
+      <a:schemeClr val="lt1">
+        <a:alpha val="40000"/>
+      </a:schemeClr>
+    </dgm:fillClrLst>
+    <dgm:linClrLst meth="repeat">
+      <a:schemeClr val="accent1"/>
+    </dgm:linClrLst>
+    <dgm:effectClrLst/>
+    <dgm:txLinClrLst/>
+    <dgm:txFillClrLst meth="repeat">
+      <a:schemeClr val="dk1"/>
+    </dgm:txFillClrLst>
+    <dgm:txEffectClrLst/>
+  </dgm:styleLbl>
+  <dgm:styleLbl name="bgAcc1">
+    <dgm:fillClrLst meth="repeat">
+      <a:schemeClr val="lt1">
+        <a:alpha val="90000"/>
+      </a:schemeClr>
+    </dgm:fillClrLst>
+    <dgm:linClrLst meth="repeat">
+      <a:schemeClr val="accent2"/>
+      <a:schemeClr val="accent3"/>
+      <a:schemeClr val="accent4"/>
+      <a:schemeClr val="accent5"/>
+      <a:schemeClr val="accent6"/>
+    </dgm:linClrLst>
+    <dgm:effectClrLst/>
+    <dgm:txLinClrLst/>
+    <dgm:txFillClrLst meth="repeat">
+      <a:schemeClr val="dk1"/>
+    </dgm:txFillClrLst>
+    <dgm:txEffectClrLst/>
+  </dgm:styleLbl>
+  <dgm:styleLbl name="solidFgAcc1">
+    <dgm:fillClrLst meth="repeat">
+      <a:schemeClr val="lt1"/>
+    </dgm:fillClrLst>
+    <dgm:linClrLst meth="repeat">
+      <a:schemeClr val="accent2"/>
+      <a:schemeClr val="accent3"/>
+      <a:schemeClr val="accent4"/>
+      <a:schemeClr val="accent5"/>
+      <a:schemeClr val="accent6"/>
+    </dgm:linClrLst>
+    <dgm:effectClrLst/>
+    <dgm:txLinClrLst/>
+    <dgm:txFillClrLst meth="repeat">
+      <a:schemeClr val="dk1"/>
+    </dgm:txFillClrLst>
+    <dgm:txEffectClrLst/>
+  </dgm:styleLbl>
+  <dgm:styleLbl name="solidAlignAcc1">
+    <dgm:fillClrLst meth="repeat">
+      <a:schemeClr val="lt1"/>
+    </dgm:fillClrLst>
+    <dgm:linClrLst meth="repeat">
+      <a:schemeClr val="accent2"/>
+      <a:schemeClr val="accent3"/>
+      <a:schemeClr val="accent4"/>
+      <a:schemeClr val="accent5"/>
+      <a:schemeClr val="accent6"/>
+    </dgm:linClrLst>
+    <dgm:effectClrLst/>
+    <dgm:txLinClrLst/>
+    <dgm:txFillClrLst meth="repeat">
+      <a:schemeClr val="dk1"/>
+    </dgm:txFillClrLst>
+    <dgm:txEffectClrLst/>
+  </dgm:styleLbl>
+  <dgm:styleLbl name="solidBgAcc1">
+    <dgm:fillClrLst meth="repeat">
+      <a:schemeClr val="lt1"/>
+    </dgm:fillClrLst>
+    <dgm:linClrLst meth="repeat">
+      <a:schemeClr val="accent2"/>
+      <a:schemeClr val="accent3"/>
+      <a:schemeClr val="accent4"/>
+      <a:schemeClr val="accent5"/>
+      <a:schemeClr val="accent6"/>
+    </dgm:linClrLst>
+    <dgm:effectClrLst/>
+    <dgm:txLinClrLst/>
+    <dgm:txFillClrLst meth="repeat">
+      <a:schemeClr val="dk1"/>
+    </dgm:txFillClrLst>
+    <dgm:txEffectClrLst/>
+  </dgm:styleLbl>
+  <dgm:styleLbl name="fgAccFollowNode1">
+    <dgm:fillClrLst meth="repeat">
+      <a:schemeClr val="accent2">
+        <a:tint val="40000"/>
+        <a:alpha val="90000"/>
+      </a:schemeClr>
+      <a:schemeClr val="accent3">
+        <a:tint val="40000"/>
+        <a:alpha val="90000"/>
+      </a:schemeClr>
+      <a:schemeClr val="accent4">
+        <a:tint val="40000"/>
+        <a:alpha val="90000"/>
+      </a:schemeClr>
+      <a:schemeClr val="accent5">
+        <a:tint val="40000"/>
+        <a:alpha val="90000"/>
+      </a:schemeClr>
+      <a:schemeClr val="accent6">
+        <a:tint val="40000"/>
+        <a:alpha val="90000"/>
+      </a:schemeClr>
+    </dgm:fillClrLst>
+    <dgm:linClrLst meth="repeat">
+      <a:schemeClr val="accent2">
+        <a:tint val="40000"/>
+        <a:alpha val="90000"/>
+      </a:schemeClr>
+      <a:schemeClr val="accent3">
+        <a:tint val="40000"/>
+        <a:alpha val="90000"/>
+      </a:schemeClr>
+      <a:schemeClr val="accent4">
+        <a:tint val="40000"/>
+        <a:alpha val="90000"/>
+      </a:schemeClr>
+      <a:schemeClr val="accent5">
+        <a:tint val="40000"/>
+        <a:alpha val="90000"/>
+      </a:schemeClr>
+      <a:schemeClr val="accent6">
+        <a:tint val="40000"/>
+        <a:alpha val="90000"/>
+      </a:schemeClr>
+    </dgm:linClrLst>
+    <dgm:effectClrLst/>
+    <dgm:txLinClrLst/>
+    <dgm:txFillClrLst meth="repeat">
+      <a:schemeClr val="dk1"/>
+    </dgm:txFillClrLst>
+    <dgm:txEffectClrLst/>
+  </dgm:styleLbl>
+  <dgm:styleLbl name="alignAccFollowNode1">
+    <dgm:fillClrLst meth="repeat">
+      <a:schemeClr val="accent2">
+        <a:tint val="40000"/>
+        <a:alpha val="90000"/>
+      </a:schemeClr>
+      <a:schemeClr val="accent3">
+        <a:tint val="40000"/>
+        <a:alpha val="90000"/>
+      </a:schemeClr>
+      <a:schemeClr val="accent4">
+        <a:tint val="40000"/>
+        <a:alpha val="90000"/>
+      </a:schemeClr>
+      <a:schemeClr val="accent5">
+        <a:tint val="40000"/>
+        <a:alpha val="90000"/>
+      </a:schemeClr>
+      <a:schemeClr val="accent6">
+        <a:tint val="40000"/>
+        <a:alpha val="90000"/>
+      </a:schemeClr>
+    </dgm:fillClrLst>
+    <dgm:linClrLst meth="repeat">
+      <a:schemeClr val="accent2">
+        <a:tint val="40000"/>
+        <a:alpha val="90000"/>
+      </a:schemeClr>
+      <a:schemeClr val="accent3">
+        <a:tint val="40000"/>
+        <a:alpha val="90000"/>
+      </a:schemeClr>
+      <a:schemeClr val="accent4">
+        <a:tint val="40000"/>
+        <a:alpha val="90000"/>
+      </a:schemeClr>
+      <a:schemeClr val="accent5">
+        <a:tint val="40000"/>
+        <a:alpha val="90000"/>
+      </a:schemeClr>
+      <a:schemeClr val="accent6">
+        <a:tint val="40000"/>
+        <a:alpha val="90000"/>
+      </a:schemeClr>
+    </dgm:linClrLst>
+    <dgm:effectClrLst/>
+    <dgm:txLinClrLst/>
+    <dgm:txFillClrLst meth="repeat">
+      <a:schemeClr val="dk1"/>
+    </dgm:txFillClrLst>
+    <dgm:txEffectClrLst/>
+  </dgm:styleLbl>
+  <dgm:styleLbl name="bgAccFollowNode1">
+    <dgm:fillClrLst meth="repeat">
+      <a:schemeClr val="accent2">
+        <a:tint val="40000"/>
+        <a:alpha val="90000"/>
+      </a:schemeClr>
+      <a:schemeClr val="accent3">
+        <a:tint val="40000"/>
+        <a:alpha val="90000"/>
+      </a:schemeClr>
+      <a:schemeClr val="accent4">
+        <a:tint val="40000"/>
+        <a:alpha val="90000"/>
+      </a:schemeClr>
+      <a:schemeClr val="accent5">
+        <a:tint val="40000"/>
+        <a:alpha val="90000"/>
+      </a:schemeClr>
+      <a:schemeClr val="accent6">
+        <a:tint val="40000"/>
+        <a:alpha val="90000"/>
+      </a:schemeClr>
+    </dgm:fillClrLst>
+    <dgm:linClrLst meth="repeat">
+      <a:schemeClr val="accent2">
+        <a:tint val="40000"/>
+        <a:alpha val="90000"/>
+      </a:schemeClr>
+      <a:schemeClr val="accent3">
+        <a:tint val="40000"/>
+        <a:alpha val="90000"/>
+      </a:schemeClr>
+      <a:schemeClr val="accent4">
+        <a:tint val="40000"/>
+        <a:alpha val="90000"/>
+      </a:schemeClr>
+      <a:schemeClr val="accent5">
+        <a:tint val="40000"/>
+        <a:alpha val="90000"/>
+      </a:schemeClr>
+      <a:schemeClr val="accent6">
+        <a:tint val="40000"/>
+        <a:alpha val="90000"/>
+      </a:schemeClr>
+    </dgm:linClrLst>
+    <dgm:effectClrLst/>
+    <dgm:txLinClrLst/>
+    <dgm:txFillClrLst meth="repeat">
+      <a:schemeClr val="dk1"/>
+    </dgm:txFillClrLst>
+    <dgm:txEffectClrLst/>
+  </dgm:styleLbl>
+  <dgm:styleLbl name="fgAcc0">
+    <dgm:fillClrLst meth="repeat">
+      <a:schemeClr val="lt1">
+        <a:alpha val="90000"/>
+      </a:schemeClr>
+    </dgm:fillClrLst>
+    <dgm:linClrLst>
+      <a:schemeClr val="accent1"/>
+    </dgm:linClrLst>
+    <dgm:effectClrLst/>
+    <dgm:txLinClrLst/>
+    <dgm:txFillClrLst meth="repeat">
+      <a:schemeClr val="dk1"/>
+    </dgm:txFillClrLst>
+    <dgm:txEffectClrLst/>
+  </dgm:styleLbl>
+  <dgm:styleLbl name="fgAcc2">
+    <dgm:fillClrLst meth="repeat">
+      <a:schemeClr val="lt1">
+        <a:alpha val="90000"/>
+      </a:schemeClr>
+    </dgm:fillClrLst>
+    <dgm:linClrLst>
+      <a:schemeClr val="accent2"/>
+    </dgm:linClrLst>
+    <dgm:effectClrLst/>
+    <dgm:txLinClrLst/>
+    <dgm:txFillClrLst meth="repeat">
+      <a:schemeClr val="dk1"/>
+    </dgm:txFillClrLst>
+    <dgm:txEffectClrLst/>
+  </dgm:styleLbl>
+  <dgm:styleLbl name="fgAcc3">
+    <dgm:fillClrLst meth="repeat">
+      <a:schemeClr val="lt1">
+        <a:alpha val="90000"/>
+      </a:schemeClr>
+    </dgm:fillClrLst>
+    <dgm:linClrLst>
+      <a:schemeClr val="accent3"/>
+    </dgm:linClrLst>
+    <dgm:effectClrLst/>
+    <dgm:txLinClrLst/>
+    <dgm:txFillClrLst meth="repeat">
+      <a:schemeClr val="dk1"/>
+    </dgm:txFillClrLst>
+    <dgm:txEffectClrLst/>
+  </dgm:styleLbl>
+  <dgm:styleLbl name="fgAcc4">
+    <dgm:fillClrLst meth="repeat">
+      <a:schemeClr val="lt1">
+        <a:alpha val="90000"/>
+      </a:schemeClr>
+    </dgm:fillClrLst>
+    <dgm:linClrLst>
+      <a:schemeClr val="accent4"/>
+    </dgm:linClrLst>
+    <dgm:effectClrLst/>
+    <dgm:txLinClrLst/>
+    <dgm:txFillClrLst meth="repeat">
+      <a:schemeClr val="dk1"/>
+    </dgm:txFillClrLst>
+    <dgm:txEffectClrLst/>
+  </dgm:styleLbl>
+  <dgm:styleLbl name="bgShp">
+    <dgm:fillClrLst meth="repeat">
+      <a:schemeClr val="accent2"/>
+      <a:schemeClr val="accent3"/>
+      <a:schemeClr val="accent4"/>
+      <a:schemeClr val="accent5"/>
+      <a:schemeClr val="accent6"/>
+    </dgm:fillClrLst>
+    <dgm:linClrLst meth="repeat">
+      <a:schemeClr val="lt1">
+        <a:alpha val="0"/>
+      </a:schemeClr>
+    </dgm:linClrLst>
+    <dgm:effectClrLst/>
+    <dgm:txLinClrLst/>
+    <dgm:txFillClrLst/>
+    <dgm:txEffectClrLst/>
+  </dgm:styleLbl>
+  <dgm:styleLbl name="dkBgShp">
+    <dgm:fillClrLst meth="repeat">
+      <a:schemeClr val="accent2">
+        <a:shade val="90000"/>
+      </a:schemeClr>
+    </dgm:fillClrLst>
+    <dgm:linClrLst meth="repeat">
+      <a:schemeClr val="dk1"/>
+    </dgm:linClrLst>
+    <dgm:effectClrLst/>
+    <dgm:txLinClrLst/>
+    <dgm:txFillClrLst meth="repeat">
+      <a:schemeClr val="lt1"/>
+    </dgm:txFillClrLst>
+    <dgm:txEffectClrLst/>
+  </dgm:styleLbl>
+  <dgm:styleLbl name="trBgShp">
+    <dgm:fillClrLst meth="repeat">
+      <a:schemeClr val="accent1">
+        <a:tint val="50000"/>
+        <a:alpha val="40000"/>
+      </a:schemeClr>
+    </dgm:fillClrLst>
+    <dgm:linClrLst meth="repeat">
+      <a:schemeClr val="accent2"/>
+    </dgm:linClrLst>
+    <dgm:effectClrLst/>
+    <dgm:txLinClrLst/>
+    <dgm:txFillClrLst meth="repeat">
+      <a:schemeClr val="lt1"/>
+    </dgm:txFillClrLst>
+    <dgm:txEffectClrLst/>
+  </dgm:styleLbl>
+  <dgm:styleLbl name="fgShp">
+    <dgm:fillClrLst meth="repeat">
+      <a:schemeClr val="accent2">
+        <a:tint val="40000"/>
+      </a:schemeClr>
+    </dgm:fillClrLst>
+    <dgm:linClrLst meth="repeat">
+      <a:schemeClr val="lt1"/>
+    </dgm:linClrLst>
+    <dgm:effectClrLst/>
+    <dgm:txLinClrLst/>
+    <dgm:txFillClrLst meth="repeat">
+      <a:schemeClr val="dk1"/>
+    </dgm:txFillClrLst>
+    <dgm:txEffectClrLst/>
+  </dgm:styleLbl>
+  <dgm:styleLbl name="revTx">
+    <dgm:fillClrLst meth="repeat">
+      <a:schemeClr val="lt1">
+        <a:alpha val="0"/>
+      </a:schemeClr>
+    </dgm:fillClrLst>
+    <dgm:linClrLst meth="repeat">
+      <a:schemeClr val="dk1">
+        <a:alpha val="0"/>
+      </a:schemeClr>
+    </dgm:linClrLst>
+    <dgm:effectClrLst/>
+    <dgm:txLinClrLst/>
+    <dgm:txFillClrLst meth="repeat">
+      <a:schemeClr val="bg1"/>
+    </dgm:txFillClrLst>
+    <dgm:txEffectClrLst/>
+  </dgm:styleLbl>
+</dgm:colorsDef>
+</file>
+
+<file path=ppt/diagrams/colors7.xml><?xml version="1.0" encoding="utf-8"?>
 <dgm:colorsDef xmlns:dgm="http://schemas.openxmlformats.org/drawingml/2006/diagram" xmlns:a="http://schemas.openxmlformats.org/drawingml/2006/main" uniqueId="urn:microsoft.com/office/officeart/2005/8/colors/colorful2">
   <dgm:title val=""/>
   <dgm:desc val=""/>
@@ -5235,7 +5982,7 @@
 </dgm:colorsDef>
 </file>
 
-<file path=ppt/diagrams/colors7.xml><?xml version="1.0" encoding="utf-8"?>
+<file path=ppt/diagrams/colors8.xml><?xml version="1.0" encoding="utf-8"?>
 <dgm:colorsDef xmlns:dgm="http://schemas.openxmlformats.org/drawingml/2006/diagram" xmlns:a="http://schemas.openxmlformats.org/drawingml/2006/main" uniqueId="urn:microsoft.com/office/officeart/2018/5/colors/Iconchunking_neutralicon_colorful1">
   <dgm:title val=""/>
   <dgm:desc val=""/>
@@ -6649,11 +7396,11 @@
     <dgm:cxn modelId="{3CAA9331-889D-4A40-A6B2-E4ADB7F7A951}" srcId="{8367C156-9633-FB4C-9F29-117902D669DD}" destId="{404A8E22-59C5-C94D-9410-2319706D2FD9}" srcOrd="6" destOrd="0" parTransId="{4966377F-8A3F-834D-95E0-DF867C3C74E7}" sibTransId="{37A150F2-C171-3648-8089-A9ADAF252A43}"/>
     <dgm:cxn modelId="{1DF0693E-8C4E-574C-9720-F86E96D8BF25}" srcId="{8367C156-9633-FB4C-9F29-117902D669DD}" destId="{E1E5B63F-D7C7-764F-89CF-58E4AB286016}" srcOrd="7" destOrd="0" parTransId="{FDC22B13-2A14-0045-B8E4-17228F81F15E}" sibTransId="{6A2492FF-B071-B44C-931F-018ED3204B7E}"/>
     <dgm:cxn modelId="{8CC7BF44-385F-F240-95BA-41AE410E5CDA}" srcId="{8367C156-9633-FB4C-9F29-117902D669DD}" destId="{2902A470-2D79-814E-81F7-185479562319}" srcOrd="0" destOrd="0" parTransId="{0CAA18C2-F286-1540-85D1-2CB6EA67CBC0}" sibTransId="{38CA5E3F-3664-6349-A06A-B663EC0873E9}"/>
+    <dgm:cxn modelId="{F29D1266-1B72-DD43-96DD-505E01133087}" type="presOf" srcId="{404A8E22-59C5-C94D-9410-2319706D2FD9}" destId="{E583244B-2E19-124A-8FB3-C94DFC17376C}" srcOrd="0" destOrd="0" presId="urn:microsoft.com/office/officeart/2008/layout/VerticalCurvedList"/>
     <dgm:cxn modelId="{86A7A64B-ADE3-904D-9EDA-B7896650A8A5}" type="presOf" srcId="{26D0A912-7CFB-C64C-B85B-BAC512B6552B}" destId="{CD030BE5-2D51-5D48-8A1C-DE9B1CCF0325}" srcOrd="0" destOrd="0" presId="urn:microsoft.com/office/officeart/2008/layout/VerticalCurvedList"/>
-    <dgm:cxn modelId="{A09BEB57-8BBB-1A40-904F-7EFC980855C5}" type="presOf" srcId="{2902A470-2D79-814E-81F7-185479562319}" destId="{FEDE4C59-7625-6E4B-86B8-2FD1506D37DF}" srcOrd="0" destOrd="0" presId="urn:microsoft.com/office/officeart/2008/layout/VerticalCurvedList"/>
-    <dgm:cxn modelId="{F29D1266-1B72-DD43-96DD-505E01133087}" type="presOf" srcId="{404A8E22-59C5-C94D-9410-2319706D2FD9}" destId="{E583244B-2E19-124A-8FB3-C94DFC17376C}" srcOrd="0" destOrd="0" presId="urn:microsoft.com/office/officeart/2008/layout/VerticalCurvedList"/>
     <dgm:cxn modelId="{3244156D-3A9E-B340-AA53-5740F4D1C0D1}" type="presOf" srcId="{B002AAFA-01B2-D042-AA39-83B81C65A6D7}" destId="{B9F63A25-22A7-F94E-8191-389B21DB0548}" srcOrd="0" destOrd="0" presId="urn:microsoft.com/office/officeart/2008/layout/VerticalCurvedList"/>
     <dgm:cxn modelId="{EB94DF76-F12E-0D42-B26B-01273D7D2D86}" type="presOf" srcId="{38CA5E3F-3664-6349-A06A-B663EC0873E9}" destId="{41E6FF86-AFFC-E04C-A3F4-AF6BA412AF6A}" srcOrd="0" destOrd="0" presId="urn:microsoft.com/office/officeart/2008/layout/VerticalCurvedList"/>
+    <dgm:cxn modelId="{A09BEB57-8BBB-1A40-904F-7EFC980855C5}" type="presOf" srcId="{2902A470-2D79-814E-81F7-185479562319}" destId="{FEDE4C59-7625-6E4B-86B8-2FD1506D37DF}" srcOrd="0" destOrd="0" presId="urn:microsoft.com/office/officeart/2008/layout/VerticalCurvedList"/>
     <dgm:cxn modelId="{83845A7F-291F-4548-A2D6-94EDCBC039E9}" type="presOf" srcId="{8367C156-9633-FB4C-9F29-117902D669DD}" destId="{36416D4F-31B4-974B-B6AC-CAB7B69D8A7C}" srcOrd="0" destOrd="0" presId="urn:microsoft.com/office/officeart/2008/layout/VerticalCurvedList"/>
     <dgm:cxn modelId="{83B69096-3858-AF41-AEFE-9263B58641D2}" type="presOf" srcId="{7A34B59D-A66C-4949-BD7B-C6339889F8F9}" destId="{59881BA3-D524-4F43-BACB-1D07C638FBA5}" srcOrd="0" destOrd="0" presId="urn:microsoft.com/office/officeart/2008/layout/VerticalCurvedList"/>
     <dgm:cxn modelId="{CCEEEA96-6E63-EF4D-81C3-EF10AAD4A132}" srcId="{8367C156-9633-FB4C-9F29-117902D669DD}" destId="{B002AAFA-01B2-D042-AA39-83B81C65A6D7}" srcOrd="1" destOrd="0" parTransId="{5AE12768-5DFC-474F-8A15-8048C8743367}" sibTransId="{C048B06F-EC86-5F4C-80E9-309F3C33FA0D}"/>
@@ -7233,9 +7980,9 @@
   <dgm:cxnLst>
     <dgm:cxn modelId="{8BF6220B-3A65-D44C-BADC-86925D2D2434}" type="presOf" srcId="{C7779D15-C52B-45C6-8ECB-CA71B17E8A2E}" destId="{FD38AB59-1D98-2A40-B6A4-B21D42B49954}" srcOrd="0" destOrd="0" presId="urn:microsoft.com/office/officeart/2005/8/layout/vProcess5"/>
     <dgm:cxn modelId="{4234E235-3366-0C4D-A74A-801BE7590556}" type="presOf" srcId="{C7779D15-C52B-45C6-8ECB-CA71B17E8A2E}" destId="{56665AE6-DE92-1F4C-B363-D38CF1EEBB29}" srcOrd="1" destOrd="0" presId="urn:microsoft.com/office/officeart/2005/8/layout/vProcess5"/>
-    <dgm:cxn modelId="{06743055-A175-4879-A547-F903F2005D38}" srcId="{2B92DBA8-C949-480F-9D29-37A67D149A2C}" destId="{C7779D15-C52B-45C6-8ECB-CA71B17E8A2E}" srcOrd="1" destOrd="0" parTransId="{5D40AEB2-67B9-4EC3-B3DE-3F1574019654}" sibTransId="{0E92CAB2-5E82-4241-8F6F-ADECB9530FA8}"/>
     <dgm:cxn modelId="{22362E6D-A2A7-4C40-AD7A-91F2EDCA3EB2}" type="presOf" srcId="{2B92DBA8-C949-480F-9D29-37A67D149A2C}" destId="{B67CEF24-894A-B04D-9266-F7F850BC92BA}" srcOrd="0" destOrd="0" presId="urn:microsoft.com/office/officeart/2005/8/layout/vProcess5"/>
     <dgm:cxn modelId="{33536A6E-1AE5-C849-9963-E33DB9E7ED63}" type="presOf" srcId="{0E92CAB2-5E82-4241-8F6F-ADECB9530FA8}" destId="{D40E291A-3A4A-084C-A9C0-6E85D261E6C4}" srcOrd="0" destOrd="0" presId="urn:microsoft.com/office/officeart/2005/8/layout/vProcess5"/>
+    <dgm:cxn modelId="{06743055-A175-4879-A547-F903F2005D38}" srcId="{2B92DBA8-C949-480F-9D29-37A67D149A2C}" destId="{C7779D15-C52B-45C6-8ECB-CA71B17E8A2E}" srcOrd="1" destOrd="0" parTransId="{5D40AEB2-67B9-4EC3-B3DE-3F1574019654}" sibTransId="{0E92CAB2-5E82-4241-8F6F-ADECB9530FA8}"/>
     <dgm:cxn modelId="{CF87DC7B-AD62-4591-970A-622BA0351AD4}" srcId="{2B92DBA8-C949-480F-9D29-37A67D149A2C}" destId="{8206D25A-75CC-4BAB-A55D-D61791D06A8A}" srcOrd="2" destOrd="0" parTransId="{D11D72E9-C4A8-46E8-9407-DEC2AAE4DE30}" sibTransId="{B77C3745-A936-4764-A277-2FC5E0E04229}"/>
     <dgm:cxn modelId="{7E3F228D-1133-3B45-AA1E-5BDACD8DACC9}" type="presOf" srcId="{F9D679F7-29CD-4C6C-AFBE-F0D07E09EC9B}" destId="{7AE00343-FA6B-8742-85F5-80B6CDF4776D}" srcOrd="0" destOrd="0" presId="urn:microsoft.com/office/officeart/2005/8/layout/vProcess5"/>
     <dgm:cxn modelId="{5AAAA997-FC90-EF46-B891-8BB2528B94C1}" type="presOf" srcId="{C6889D1C-B863-47DD-8302-43CD5117AA99}" destId="{92D420D6-096B-9540-815B-9A1442F1D932}" srcOrd="0" destOrd="0" presId="urn:microsoft.com/office/officeart/2005/8/layout/vProcess5"/>
@@ -7264,6 +8011,360 @@
 </file>
 
 <file path=ppt/diagrams/data4.xml><?xml version="1.0" encoding="utf-8"?>
+<dgm:dataModel xmlns:dgm="http://schemas.openxmlformats.org/drawingml/2006/diagram" xmlns:a="http://schemas.openxmlformats.org/drawingml/2006/main">
+  <dgm:ptLst>
+    <dgm:pt modelId="{922C177D-1C5C-4DDC-A5FF-6CCF39DAA7E1}" type="doc">
+      <dgm:prSet loTypeId="urn:microsoft.com/office/officeart/2018/2/layout/IconVerticalSolidList" loCatId="icon" qsTypeId="urn:microsoft.com/office/officeart/2005/8/quickstyle/simple1" qsCatId="simple" csTypeId="urn:microsoft.com/office/officeart/2005/8/colors/accent1_2" csCatId="accent1" phldr="1"/>
+      <dgm:spPr/>
+      <dgm:t>
+        <a:bodyPr/>
+        <a:lstStyle/>
+        <a:p>
+          <a:endParaRPr lang="en-US"/>
+        </a:p>
+      </dgm:t>
+    </dgm:pt>
+    <dgm:pt modelId="{D2EE9320-13F1-403E-B1FB-C7C90696C83F}">
+      <dgm:prSet/>
+      <dgm:spPr/>
+      <dgm:t>
+        <a:bodyPr/>
+        <a:lstStyle/>
+        <a:p>
+          <a:pPr>
+            <a:lnSpc>
+              <a:spcPct val="100000"/>
+            </a:lnSpc>
+          </a:pPr>
+          <a:r>
+            <a:rPr lang="en-US" b="1" baseline="0" dirty="0"/>
+            <a:t>Cloud-Agnostic</a:t>
+          </a:r>
+          <a:r>
+            <a:rPr lang="en-US" baseline="0" dirty="0"/>
+            <a:t>: Works across multiple cloud providers (Azure, AWS, GCP, etc.), enabling true multi-cloud infrastructure management.</a:t>
+          </a:r>
+          <a:endParaRPr lang="en-US" dirty="0"/>
+        </a:p>
+      </dgm:t>
+    </dgm:pt>
+    <dgm:pt modelId="{DA2DBE35-21C2-4CD1-8468-8901FADE4D7C}" type="parTrans" cxnId="{D3AAA57B-E61B-4B0C-9709-38A28410DEB5}">
+      <dgm:prSet/>
+      <dgm:spPr/>
+      <dgm:t>
+        <a:bodyPr/>
+        <a:lstStyle/>
+        <a:p>
+          <a:endParaRPr lang="en-US"/>
+        </a:p>
+      </dgm:t>
+    </dgm:pt>
+    <dgm:pt modelId="{52CCE115-F196-496B-AA58-8E30B9149E0B}" type="sibTrans" cxnId="{D3AAA57B-E61B-4B0C-9709-38A28410DEB5}">
+      <dgm:prSet/>
+      <dgm:spPr/>
+      <dgm:t>
+        <a:bodyPr/>
+        <a:lstStyle/>
+        <a:p>
+          <a:pPr>
+            <a:lnSpc>
+              <a:spcPct val="100000"/>
+            </a:lnSpc>
+          </a:pPr>
+          <a:endParaRPr lang="en-US"/>
+        </a:p>
+      </dgm:t>
+    </dgm:pt>
+    <dgm:pt modelId="{3010A147-5D67-4A81-AA9A-262676E33CB2}">
+      <dgm:prSet/>
+      <dgm:spPr/>
+      <dgm:t>
+        <a:bodyPr/>
+        <a:lstStyle/>
+        <a:p>
+          <a:pPr>
+            <a:lnSpc>
+              <a:spcPct val="100000"/>
+            </a:lnSpc>
+          </a:pPr>
+          <a:r>
+            <a:rPr lang="en-US" b="1" baseline="0"/>
+            <a:t>Declarative Syntax (HCL)</a:t>
+          </a:r>
+          <a:r>
+            <a:rPr lang="en-US" baseline="0"/>
+            <a:t>: Uses HashiCorp Configuration Language (HCL), which is easy to read and manage.</a:t>
+          </a:r>
+          <a:endParaRPr lang="en-US"/>
+        </a:p>
+      </dgm:t>
+    </dgm:pt>
+    <dgm:pt modelId="{2176029F-D40B-4B71-AB01-255513A32BAB}" type="parTrans" cxnId="{DCE10537-0D6F-4ED0-A6E0-1EE27A0F4BEA}">
+      <dgm:prSet/>
+      <dgm:spPr/>
+      <dgm:t>
+        <a:bodyPr/>
+        <a:lstStyle/>
+        <a:p>
+          <a:endParaRPr lang="en-US"/>
+        </a:p>
+      </dgm:t>
+    </dgm:pt>
+    <dgm:pt modelId="{62A31A57-46C1-4AFF-A789-692C631614D2}" type="sibTrans" cxnId="{DCE10537-0D6F-4ED0-A6E0-1EE27A0F4BEA}">
+      <dgm:prSet/>
+      <dgm:spPr/>
+      <dgm:t>
+        <a:bodyPr/>
+        <a:lstStyle/>
+        <a:p>
+          <a:pPr>
+            <a:lnSpc>
+              <a:spcPct val="100000"/>
+            </a:lnSpc>
+          </a:pPr>
+          <a:endParaRPr lang="en-US"/>
+        </a:p>
+      </dgm:t>
+    </dgm:pt>
+    <dgm:pt modelId="{54EC4385-739D-47D9-818C-AC3217B0B857}">
+      <dgm:prSet/>
+      <dgm:spPr/>
+      <dgm:t>
+        <a:bodyPr/>
+        <a:lstStyle/>
+        <a:p>
+          <a:pPr>
+            <a:lnSpc>
+              <a:spcPct val="100000"/>
+            </a:lnSpc>
+          </a:pPr>
+          <a:r>
+            <a:rPr lang="en-US" b="1" baseline="0"/>
+            <a:t>Strong Community Support and Module Reuse</a:t>
+          </a:r>
+          <a:r>
+            <a:rPr lang="en-US" baseline="0"/>
+            <a:t>: The Terraform Registry offers a wide range of reusable modules.</a:t>
+          </a:r>
+          <a:endParaRPr lang="en-US"/>
+        </a:p>
+      </dgm:t>
+    </dgm:pt>
+    <dgm:pt modelId="{D9B31495-B66F-41AE-94D3-9C1DF444E61F}" type="parTrans" cxnId="{0086FBE3-EA37-41AC-85F3-7EDB8C09C632}">
+      <dgm:prSet/>
+      <dgm:spPr/>
+      <dgm:t>
+        <a:bodyPr/>
+        <a:lstStyle/>
+        <a:p>
+          <a:endParaRPr lang="en-US"/>
+        </a:p>
+      </dgm:t>
+    </dgm:pt>
+    <dgm:pt modelId="{F7B15B5E-465B-4794-B694-02B9CAF71CB0}" type="sibTrans" cxnId="{0086FBE3-EA37-41AC-85F3-7EDB8C09C632}">
+      <dgm:prSet/>
+      <dgm:spPr/>
+      <dgm:t>
+        <a:bodyPr/>
+        <a:lstStyle/>
+        <a:p>
+          <a:endParaRPr lang="en-US"/>
+        </a:p>
+      </dgm:t>
+    </dgm:pt>
+    <dgm:pt modelId="{9B17451A-0425-432E-B9C0-C3EB591EFF52}" type="pres">
+      <dgm:prSet presAssocID="{922C177D-1C5C-4DDC-A5FF-6CCF39DAA7E1}" presName="root" presStyleCnt="0">
+        <dgm:presLayoutVars>
+          <dgm:dir/>
+          <dgm:resizeHandles val="exact"/>
+        </dgm:presLayoutVars>
+      </dgm:prSet>
+      <dgm:spPr/>
+    </dgm:pt>
+    <dgm:pt modelId="{43534843-0424-4B12-A4C8-380F8FC549C5}" type="pres">
+      <dgm:prSet presAssocID="{D2EE9320-13F1-403E-B1FB-C7C90696C83F}" presName="compNode" presStyleCnt="0"/>
+      <dgm:spPr/>
+    </dgm:pt>
+    <dgm:pt modelId="{5193E713-5F93-4340-99BF-8DADADFD41B2}" type="pres">
+      <dgm:prSet presAssocID="{D2EE9320-13F1-403E-B1FB-C7C90696C83F}" presName="bgRect" presStyleLbl="bgShp" presStyleIdx="0" presStyleCnt="3"/>
+      <dgm:spPr/>
+    </dgm:pt>
+    <dgm:pt modelId="{98BA549E-9EA2-4F54-96B6-736E7020656B}" type="pres">
+      <dgm:prSet presAssocID="{D2EE9320-13F1-403E-B1FB-C7C90696C83F}" presName="iconRect" presStyleLbl="node1" presStyleIdx="0" presStyleCnt="3"/>
+      <dgm:spPr>
+        <a:blipFill>
+          <a:blip xmlns:r="http://schemas.openxmlformats.org/officeDocument/2006/relationships" r:embed="rId1">
+            <a:extLst>
+              <a:ext uri="{28A0092B-C50C-407E-A947-70E740481C1C}">
+                <a14:useLocalDpi xmlns:a14="http://schemas.microsoft.com/office/drawing/2010/main" val="0"/>
+              </a:ext>
+              <a:ext uri="{96DAC541-7B7A-43D3-8B79-37D633B846F1}">
+                <asvg:svgBlip xmlns:asvg="http://schemas.microsoft.com/office/drawing/2016/SVG/main" r:embed="rId2"/>
+              </a:ext>
+            </a:extLst>
+          </a:blip>
+          <a:stretch>
+            <a:fillRect/>
+          </a:stretch>
+        </a:blipFill>
+      </dgm:spPr>
+      <dgm:extLst>
+        <a:ext uri="{E40237B7-FDA0-4F09-8148-C483321AD2D9}">
+          <dgm14:cNvPr xmlns:dgm14="http://schemas.microsoft.com/office/drawing/2010/diagram" id="0" name="" descr="Cloud"/>
+        </a:ext>
+      </dgm:extLst>
+    </dgm:pt>
+    <dgm:pt modelId="{FEB9D2DA-04A2-4C66-8367-0649835CC8C1}" type="pres">
+      <dgm:prSet presAssocID="{D2EE9320-13F1-403E-B1FB-C7C90696C83F}" presName="spaceRect" presStyleCnt="0"/>
+      <dgm:spPr/>
+    </dgm:pt>
+    <dgm:pt modelId="{E1762495-39AA-49D9-8AE5-9CC2A682D76C}" type="pres">
+      <dgm:prSet presAssocID="{D2EE9320-13F1-403E-B1FB-C7C90696C83F}" presName="parTx" presStyleLbl="revTx" presStyleIdx="0" presStyleCnt="3">
+        <dgm:presLayoutVars>
+          <dgm:chMax val="0"/>
+          <dgm:chPref val="0"/>
+        </dgm:presLayoutVars>
+      </dgm:prSet>
+      <dgm:spPr/>
+    </dgm:pt>
+    <dgm:pt modelId="{54F89804-0CCC-4298-A8B2-746EEBB2F827}" type="pres">
+      <dgm:prSet presAssocID="{52CCE115-F196-496B-AA58-8E30B9149E0B}" presName="sibTrans" presStyleCnt="0"/>
+      <dgm:spPr/>
+    </dgm:pt>
+    <dgm:pt modelId="{EA233055-6772-42A8-A0FF-B4D83E599B08}" type="pres">
+      <dgm:prSet presAssocID="{3010A147-5D67-4A81-AA9A-262676E33CB2}" presName="compNode" presStyleCnt="0"/>
+      <dgm:spPr/>
+    </dgm:pt>
+    <dgm:pt modelId="{8D2EC7B8-5B62-4A53-A62B-D97EFB55B30D}" type="pres">
+      <dgm:prSet presAssocID="{3010A147-5D67-4A81-AA9A-262676E33CB2}" presName="bgRect" presStyleLbl="bgShp" presStyleIdx="1" presStyleCnt="3"/>
+      <dgm:spPr/>
+    </dgm:pt>
+    <dgm:pt modelId="{4C4D9A10-E246-43DD-A59E-F4FF5707D229}" type="pres">
+      <dgm:prSet presAssocID="{3010A147-5D67-4A81-AA9A-262676E33CB2}" presName="iconRect" presStyleLbl="node1" presStyleIdx="1" presStyleCnt="3"/>
+      <dgm:spPr>
+        <a:blipFill>
+          <a:blip xmlns:r="http://schemas.openxmlformats.org/officeDocument/2006/relationships" r:embed="rId3">
+            <a:extLst>
+              <a:ext uri="{28A0092B-C50C-407E-A947-70E740481C1C}">
+                <a14:useLocalDpi xmlns:a14="http://schemas.microsoft.com/office/drawing/2010/main" val="0"/>
+              </a:ext>
+              <a:ext uri="{96DAC541-7B7A-43D3-8B79-37D633B846F1}">
+                <asvg:svgBlip xmlns:asvg="http://schemas.microsoft.com/office/drawing/2016/SVG/main" r:embed="rId4"/>
+              </a:ext>
+            </a:extLst>
+          </a:blip>
+          <a:stretch>
+            <a:fillRect/>
+          </a:stretch>
+        </a:blipFill>
+      </dgm:spPr>
+      <dgm:extLst>
+        <a:ext uri="{E40237B7-FDA0-4F09-8148-C483321AD2D9}">
+          <dgm14:cNvPr xmlns:dgm14="http://schemas.microsoft.com/office/drawing/2010/diagram" id="0" name="" descr="Irritant"/>
+        </a:ext>
+      </dgm:extLst>
+    </dgm:pt>
+    <dgm:pt modelId="{30368B76-E66A-45CE-905C-86A41C4FAB5F}" type="pres">
+      <dgm:prSet presAssocID="{3010A147-5D67-4A81-AA9A-262676E33CB2}" presName="spaceRect" presStyleCnt="0"/>
+      <dgm:spPr/>
+    </dgm:pt>
+    <dgm:pt modelId="{441E8DE1-1585-4C10-B9AB-5D0D1E00E33C}" type="pres">
+      <dgm:prSet presAssocID="{3010A147-5D67-4A81-AA9A-262676E33CB2}" presName="parTx" presStyleLbl="revTx" presStyleIdx="1" presStyleCnt="3">
+        <dgm:presLayoutVars>
+          <dgm:chMax val="0"/>
+          <dgm:chPref val="0"/>
+        </dgm:presLayoutVars>
+      </dgm:prSet>
+      <dgm:spPr/>
+    </dgm:pt>
+    <dgm:pt modelId="{FF8886DA-EA14-4DB8-B1F4-1A7D6721CD93}" type="pres">
+      <dgm:prSet presAssocID="{62A31A57-46C1-4AFF-A789-692C631614D2}" presName="sibTrans" presStyleCnt="0"/>
+      <dgm:spPr/>
+    </dgm:pt>
+    <dgm:pt modelId="{A2CED97F-C148-46EC-AC45-EC0571F697B2}" type="pres">
+      <dgm:prSet presAssocID="{54EC4385-739D-47D9-818C-AC3217B0B857}" presName="compNode" presStyleCnt="0"/>
+      <dgm:spPr/>
+    </dgm:pt>
+    <dgm:pt modelId="{08E42D6C-AA2F-4527-B514-1558134D3494}" type="pres">
+      <dgm:prSet presAssocID="{54EC4385-739D-47D9-818C-AC3217B0B857}" presName="bgRect" presStyleLbl="bgShp" presStyleIdx="2" presStyleCnt="3"/>
+      <dgm:spPr/>
+    </dgm:pt>
+    <dgm:pt modelId="{F0986770-C99B-43E0-81CB-5F9A647CDC93}" type="pres">
+      <dgm:prSet presAssocID="{54EC4385-739D-47D9-818C-AC3217B0B857}" presName="iconRect" presStyleLbl="node1" presStyleIdx="2" presStyleCnt="3"/>
+      <dgm:spPr>
+        <a:blipFill>
+          <a:blip xmlns:r="http://schemas.openxmlformats.org/officeDocument/2006/relationships" r:embed="rId5">
+            <a:extLst>
+              <a:ext uri="{28A0092B-C50C-407E-A947-70E740481C1C}">
+                <a14:useLocalDpi xmlns:a14="http://schemas.microsoft.com/office/drawing/2010/main" val="0"/>
+              </a:ext>
+              <a:ext uri="{96DAC541-7B7A-43D3-8B79-37D633B846F1}">
+                <asvg:svgBlip xmlns:asvg="http://schemas.microsoft.com/office/drawing/2016/SVG/main" r:embed="rId6"/>
+              </a:ext>
+            </a:extLst>
+          </a:blip>
+          <a:stretch>
+            <a:fillRect/>
+          </a:stretch>
+        </a:blipFill>
+      </dgm:spPr>
+      <dgm:extLst>
+        <a:ext uri="{E40237B7-FDA0-4F09-8148-C483321AD2D9}">
+          <dgm14:cNvPr xmlns:dgm14="http://schemas.microsoft.com/office/drawing/2010/diagram" id="0" name="" descr="Flowchart"/>
+        </a:ext>
+      </dgm:extLst>
+    </dgm:pt>
+    <dgm:pt modelId="{01CB7453-5398-476B-9E2E-65422DCE84ED}" type="pres">
+      <dgm:prSet presAssocID="{54EC4385-739D-47D9-818C-AC3217B0B857}" presName="spaceRect" presStyleCnt="0"/>
+      <dgm:spPr/>
+    </dgm:pt>
+    <dgm:pt modelId="{42DF1F9C-783C-4E0C-A2F3-A6594815AF2D}" type="pres">
+      <dgm:prSet presAssocID="{54EC4385-739D-47D9-818C-AC3217B0B857}" presName="parTx" presStyleLbl="revTx" presStyleIdx="2" presStyleCnt="3">
+        <dgm:presLayoutVars>
+          <dgm:chMax val="0"/>
+          <dgm:chPref val="0"/>
+        </dgm:presLayoutVars>
+      </dgm:prSet>
+      <dgm:spPr/>
+    </dgm:pt>
+  </dgm:ptLst>
+  <dgm:cxnLst>
+    <dgm:cxn modelId="{DCE10537-0D6F-4ED0-A6E0-1EE27A0F4BEA}" srcId="{922C177D-1C5C-4DDC-A5FF-6CCF39DAA7E1}" destId="{3010A147-5D67-4A81-AA9A-262676E33CB2}" srcOrd="1" destOrd="0" parTransId="{2176029F-D40B-4B71-AB01-255513A32BAB}" sibTransId="{62A31A57-46C1-4AFF-A789-692C631614D2}"/>
+    <dgm:cxn modelId="{CEBBD83B-81D1-48CD-8121-2422EC287C96}" type="presOf" srcId="{54EC4385-739D-47D9-818C-AC3217B0B857}" destId="{42DF1F9C-783C-4E0C-A2F3-A6594815AF2D}" srcOrd="0" destOrd="0" presId="urn:microsoft.com/office/officeart/2018/2/layout/IconVerticalSolidList"/>
+    <dgm:cxn modelId="{C5156A67-04BA-4DD5-BA95-CF8F9142645C}" type="presOf" srcId="{922C177D-1C5C-4DDC-A5FF-6CCF39DAA7E1}" destId="{9B17451A-0425-432E-B9C0-C3EB591EFF52}" srcOrd="0" destOrd="0" presId="urn:microsoft.com/office/officeart/2018/2/layout/IconVerticalSolidList"/>
+    <dgm:cxn modelId="{CECB5667-791F-422E-8DF5-CAEDB21580B8}" type="presOf" srcId="{3010A147-5D67-4A81-AA9A-262676E33CB2}" destId="{441E8DE1-1585-4C10-B9AB-5D0D1E00E33C}" srcOrd="0" destOrd="0" presId="urn:microsoft.com/office/officeart/2018/2/layout/IconVerticalSolidList"/>
+    <dgm:cxn modelId="{BA06997B-98FB-444A-A9FD-554DAD3DAB2B}" type="presOf" srcId="{D2EE9320-13F1-403E-B1FB-C7C90696C83F}" destId="{E1762495-39AA-49D9-8AE5-9CC2A682D76C}" srcOrd="0" destOrd="0" presId="urn:microsoft.com/office/officeart/2018/2/layout/IconVerticalSolidList"/>
+    <dgm:cxn modelId="{D3AAA57B-E61B-4B0C-9709-38A28410DEB5}" srcId="{922C177D-1C5C-4DDC-A5FF-6CCF39DAA7E1}" destId="{D2EE9320-13F1-403E-B1FB-C7C90696C83F}" srcOrd="0" destOrd="0" parTransId="{DA2DBE35-21C2-4CD1-8468-8901FADE4D7C}" sibTransId="{52CCE115-F196-496B-AA58-8E30B9149E0B}"/>
+    <dgm:cxn modelId="{0086FBE3-EA37-41AC-85F3-7EDB8C09C632}" srcId="{922C177D-1C5C-4DDC-A5FF-6CCF39DAA7E1}" destId="{54EC4385-739D-47D9-818C-AC3217B0B857}" srcOrd="2" destOrd="0" parTransId="{D9B31495-B66F-41AE-94D3-9C1DF444E61F}" sibTransId="{F7B15B5E-465B-4794-B694-02B9CAF71CB0}"/>
+    <dgm:cxn modelId="{EAE8BB31-E080-4D2A-8F17-32F3EEA24AFE}" type="presParOf" srcId="{9B17451A-0425-432E-B9C0-C3EB591EFF52}" destId="{43534843-0424-4B12-A4C8-380F8FC549C5}" srcOrd="0" destOrd="0" presId="urn:microsoft.com/office/officeart/2018/2/layout/IconVerticalSolidList"/>
+    <dgm:cxn modelId="{25D33B4E-41DB-4030-A1AE-4FFB0B1BF31D}" type="presParOf" srcId="{43534843-0424-4B12-A4C8-380F8FC549C5}" destId="{5193E713-5F93-4340-99BF-8DADADFD41B2}" srcOrd="0" destOrd="0" presId="urn:microsoft.com/office/officeart/2018/2/layout/IconVerticalSolidList"/>
+    <dgm:cxn modelId="{065BE3FD-9B08-41D9-B903-DDDE98E93C5A}" type="presParOf" srcId="{43534843-0424-4B12-A4C8-380F8FC549C5}" destId="{98BA549E-9EA2-4F54-96B6-736E7020656B}" srcOrd="1" destOrd="0" presId="urn:microsoft.com/office/officeart/2018/2/layout/IconVerticalSolidList"/>
+    <dgm:cxn modelId="{5A914416-9B33-4AE5-B8E3-B069E419344D}" type="presParOf" srcId="{43534843-0424-4B12-A4C8-380F8FC549C5}" destId="{FEB9D2DA-04A2-4C66-8367-0649835CC8C1}" srcOrd="2" destOrd="0" presId="urn:microsoft.com/office/officeart/2018/2/layout/IconVerticalSolidList"/>
+    <dgm:cxn modelId="{2F66CDE3-D5C3-4436-A7BB-0552F29BD281}" type="presParOf" srcId="{43534843-0424-4B12-A4C8-380F8FC549C5}" destId="{E1762495-39AA-49D9-8AE5-9CC2A682D76C}" srcOrd="3" destOrd="0" presId="urn:microsoft.com/office/officeart/2018/2/layout/IconVerticalSolidList"/>
+    <dgm:cxn modelId="{88C1258D-2026-40F9-81E0-4A720C36062E}" type="presParOf" srcId="{9B17451A-0425-432E-B9C0-C3EB591EFF52}" destId="{54F89804-0CCC-4298-A8B2-746EEBB2F827}" srcOrd="1" destOrd="0" presId="urn:microsoft.com/office/officeart/2018/2/layout/IconVerticalSolidList"/>
+    <dgm:cxn modelId="{00E9529B-E511-40B4-9C1E-FEE6AF849E7B}" type="presParOf" srcId="{9B17451A-0425-432E-B9C0-C3EB591EFF52}" destId="{EA233055-6772-42A8-A0FF-B4D83E599B08}" srcOrd="2" destOrd="0" presId="urn:microsoft.com/office/officeart/2018/2/layout/IconVerticalSolidList"/>
+    <dgm:cxn modelId="{65F7125F-321D-4A4F-9629-12EFA030A324}" type="presParOf" srcId="{EA233055-6772-42A8-A0FF-B4D83E599B08}" destId="{8D2EC7B8-5B62-4A53-A62B-D97EFB55B30D}" srcOrd="0" destOrd="0" presId="urn:microsoft.com/office/officeart/2018/2/layout/IconVerticalSolidList"/>
+    <dgm:cxn modelId="{DFCF1058-1E45-497F-94AB-41AF67F5BC82}" type="presParOf" srcId="{EA233055-6772-42A8-A0FF-B4D83E599B08}" destId="{4C4D9A10-E246-43DD-A59E-F4FF5707D229}" srcOrd="1" destOrd="0" presId="urn:microsoft.com/office/officeart/2018/2/layout/IconVerticalSolidList"/>
+    <dgm:cxn modelId="{CBD22559-3E70-4369-83DF-32B36BFC2CDD}" type="presParOf" srcId="{EA233055-6772-42A8-A0FF-B4D83E599B08}" destId="{30368B76-E66A-45CE-905C-86A41C4FAB5F}" srcOrd="2" destOrd="0" presId="urn:microsoft.com/office/officeart/2018/2/layout/IconVerticalSolidList"/>
+    <dgm:cxn modelId="{96E24F60-E5B2-408A-84F8-EB637DCE0B86}" type="presParOf" srcId="{EA233055-6772-42A8-A0FF-B4D83E599B08}" destId="{441E8DE1-1585-4C10-B9AB-5D0D1E00E33C}" srcOrd="3" destOrd="0" presId="urn:microsoft.com/office/officeart/2018/2/layout/IconVerticalSolidList"/>
+    <dgm:cxn modelId="{1EDC9D78-10B8-4A30-881E-396A9C144AD7}" type="presParOf" srcId="{9B17451A-0425-432E-B9C0-C3EB591EFF52}" destId="{FF8886DA-EA14-4DB8-B1F4-1A7D6721CD93}" srcOrd="3" destOrd="0" presId="urn:microsoft.com/office/officeart/2018/2/layout/IconVerticalSolidList"/>
+    <dgm:cxn modelId="{D8B64717-B255-4D5C-AA99-39F7B499D70C}" type="presParOf" srcId="{9B17451A-0425-432E-B9C0-C3EB591EFF52}" destId="{A2CED97F-C148-46EC-AC45-EC0571F697B2}" srcOrd="4" destOrd="0" presId="urn:microsoft.com/office/officeart/2018/2/layout/IconVerticalSolidList"/>
+    <dgm:cxn modelId="{17EEE4D9-726F-455B-ADC7-8F300E441440}" type="presParOf" srcId="{A2CED97F-C148-46EC-AC45-EC0571F697B2}" destId="{08E42D6C-AA2F-4527-B514-1558134D3494}" srcOrd="0" destOrd="0" presId="urn:microsoft.com/office/officeart/2018/2/layout/IconVerticalSolidList"/>
+    <dgm:cxn modelId="{3A68F544-4803-4B9C-BAFB-FEF143B81FB7}" type="presParOf" srcId="{A2CED97F-C148-46EC-AC45-EC0571F697B2}" destId="{F0986770-C99B-43E0-81CB-5F9A647CDC93}" srcOrd="1" destOrd="0" presId="urn:microsoft.com/office/officeart/2018/2/layout/IconVerticalSolidList"/>
+    <dgm:cxn modelId="{1D342243-588C-4286-BA9D-75A5F84ED3DD}" type="presParOf" srcId="{A2CED97F-C148-46EC-AC45-EC0571F697B2}" destId="{01CB7453-5398-476B-9E2E-65422DCE84ED}" srcOrd="2" destOrd="0" presId="urn:microsoft.com/office/officeart/2018/2/layout/IconVerticalSolidList"/>
+    <dgm:cxn modelId="{35AD6B09-97F5-4C64-9930-276AC9CB6C46}" type="presParOf" srcId="{A2CED97F-C148-46EC-AC45-EC0571F697B2}" destId="{42DF1F9C-783C-4E0C-A2F3-A6594815AF2D}" srcOrd="3" destOrd="0" presId="urn:microsoft.com/office/officeart/2018/2/layout/IconVerticalSolidList"/>
+  </dgm:cxnLst>
+  <dgm:bg/>
+  <dgm:whole/>
+  <dgm:extLst>
+    <a:ext uri="http://schemas.microsoft.com/office/drawing/2008/diagram">
+      <dsp:dataModelExt xmlns:dsp="http://schemas.microsoft.com/office/drawing/2008/diagram" relId="rId6" minVer="http://schemas.openxmlformats.org/drawingml/2006/diagram"/>
+    </a:ext>
+  </dgm:extLst>
+</dgm:dataModel>
+</file>
+
+<file path=ppt/diagrams/data5.xml><?xml version="1.0" encoding="utf-8"?>
 <dgm:dataModel xmlns:dgm="http://schemas.openxmlformats.org/drawingml/2006/diagram" xmlns:a="http://schemas.openxmlformats.org/drawingml/2006/main">
   <dgm:ptLst>
     <dgm:pt modelId="{F0327394-2926-4D75-B8F7-30F5BFA11285}" type="doc">
@@ -7601,7 +8702,7 @@
 </dgm:dataModel>
 </file>
 
-<file path=ppt/diagrams/data5.xml><?xml version="1.0" encoding="utf-8"?>
+<file path=ppt/diagrams/data6.xml><?xml version="1.0" encoding="utf-8"?>
 <dgm:dataModel xmlns:dgm="http://schemas.openxmlformats.org/drawingml/2006/diagram" xmlns:a="http://schemas.openxmlformats.org/drawingml/2006/main">
   <dgm:ptLst>
     <dgm:pt modelId="{0774BCD6-B492-4B74-BCBA-0EE4A633CF13}" type="doc">
@@ -7935,7 +9036,7 @@
 </dgm:dataModel>
 </file>
 
-<file path=ppt/diagrams/data6.xml><?xml version="1.0" encoding="utf-8"?>
+<file path=ppt/diagrams/data7.xml><?xml version="1.0" encoding="utf-8"?>
 <dgm:dataModel xmlns:dgm="http://schemas.openxmlformats.org/drawingml/2006/diagram" xmlns:a="http://schemas.openxmlformats.org/drawingml/2006/main">
   <dgm:ptLst>
     <dgm:pt modelId="{E241C173-3CAB-48B4-9D7F-B0C06D886B2C}" type="doc">
@@ -8281,10 +9382,10 @@
   </dgm:ptLst>
   <dgm:cxnLst>
     <dgm:cxn modelId="{B2164B27-1314-4FC5-89F8-B9782463575B}" srcId="{E241C173-3CAB-48B4-9D7F-B0C06D886B2C}" destId="{A4C79AFD-130A-4602-BA9A-AF69FB55E6DF}" srcOrd="3" destOrd="0" parTransId="{72F1218D-3680-4E66-98E2-105A1B18C2CE}" sibTransId="{ACE34EE5-5F7A-472C-A4C6-A0822D86118E}"/>
+    <dgm:cxn modelId="{00452D63-65F8-47C0-82D7-55F5D1F16A69}" srcId="{E241C173-3CAB-48B4-9D7F-B0C06D886B2C}" destId="{34400263-0E86-4DCB-9F80-4625CB0C9587}" srcOrd="2" destOrd="0" parTransId="{7040F08A-6A33-40E6-8124-2C5122B09E62}" sibTransId="{AF6247EF-2907-4E06-BDB2-5A0EF6BC1C3B}"/>
     <dgm:cxn modelId="{E4A44C4F-576F-DA4A-AF57-D85FCC0FCA5E}" type="presOf" srcId="{EE57A396-81D2-4BAB-8349-4C72A2C147F2}" destId="{9F82BE43-810E-064F-A7A8-29310BC5C9C6}" srcOrd="1" destOrd="0" presId="urn:microsoft.com/office/officeart/2016/7/layout/BasicLinearProcessNumbered"/>
     <dgm:cxn modelId="{155A0C55-9E6C-1847-AF5C-2FE0D26DB383}" type="presOf" srcId="{9C1AD9B5-F611-4F2F-A340-D5305AEBAF79}" destId="{6D483E69-CE89-304D-8ED2-20209AD55507}" srcOrd="0" destOrd="0" presId="urn:microsoft.com/office/officeart/2016/7/layout/BasicLinearProcessNumbered"/>
     <dgm:cxn modelId="{0A447957-F710-D345-951D-51E30BBED559}" type="presOf" srcId="{E241C173-3CAB-48B4-9D7F-B0C06D886B2C}" destId="{260E6CD4-3204-E043-B06A-AFE73CAD4076}" srcOrd="0" destOrd="0" presId="urn:microsoft.com/office/officeart/2016/7/layout/BasicLinearProcessNumbered"/>
-    <dgm:cxn modelId="{00452D63-65F8-47C0-82D7-55F5D1F16A69}" srcId="{E241C173-3CAB-48B4-9D7F-B0C06D886B2C}" destId="{34400263-0E86-4DCB-9F80-4625CB0C9587}" srcOrd="2" destOrd="0" parTransId="{7040F08A-6A33-40E6-8124-2C5122B09E62}" sibTransId="{AF6247EF-2907-4E06-BDB2-5A0EF6BC1C3B}"/>
     <dgm:cxn modelId="{D086E993-4686-FE42-8191-A47C10726D3C}" type="presOf" srcId="{34400263-0E86-4DCB-9F80-4625CB0C9587}" destId="{5B415DA5-A2BE-5848-B665-E97555D7A28F}" srcOrd="1" destOrd="0" presId="urn:microsoft.com/office/officeart/2016/7/layout/BasicLinearProcessNumbered"/>
     <dgm:cxn modelId="{52878E99-D4BD-4B4F-84CB-A7227DAEE1E6}" srcId="{E241C173-3CAB-48B4-9D7F-B0C06D886B2C}" destId="{9DAB698F-867F-4E12-8587-DC599CA14240}" srcOrd="1" destOrd="0" parTransId="{A5AAC32D-CD85-4F97-9D73-F18B826A302C}" sibTransId="{9C1AD9B5-F611-4F2F-A340-D5305AEBAF79}"/>
     <dgm:cxn modelId="{21A40F9D-99CC-A149-83A8-C5A4A183303A}" type="presOf" srcId="{AF6247EF-2907-4E06-BDB2-5A0EF6BC1C3B}" destId="{0044371D-E6B0-E845-AFB3-675113A4F0EC}" srcOrd="0" destOrd="0" presId="urn:microsoft.com/office/officeart/2016/7/layout/BasicLinearProcessNumbered"/>
@@ -8331,7 +9432,7 @@
 </dgm:dataModel>
 </file>
 
-<file path=ppt/diagrams/data7.xml><?xml version="1.0" encoding="utf-8"?>
+<file path=ppt/diagrams/data8.xml><?xml version="1.0" encoding="utf-8"?>
 <dgm:dataModel xmlns:dgm="http://schemas.openxmlformats.org/drawingml/2006/diagram" xmlns:a="http://schemas.openxmlformats.org/drawingml/2006/main">
   <dgm:ptLst>
     <dgm:pt modelId="{2F9452C3-FE81-4280-BEE3-1DCAF0C7327A}" type="doc">
@@ -8737,8 +9838,8 @@
   </dgm:ptLst>
   <dgm:cxnLst>
     <dgm:cxn modelId="{EC859219-294B-BA4B-8284-698D58B994E8}" type="presOf" srcId="{F23FAB8A-1DCA-4C23-8E13-1E873B0D1EA1}" destId="{B1B202D8-1D7C-4EB8-8CDE-DFD9584BD6D1}" srcOrd="0" destOrd="0" presId="urn:microsoft.com/office/officeart/2018/5/layout/IconCircleLabelList"/>
+    <dgm:cxn modelId="{FE0F8967-9679-294F-9B88-36502043627F}" type="presOf" srcId="{17B2F62A-70A9-44BE-8C30-9128D8A1F06B}" destId="{B71F6D62-76E7-406A-9F5E-19F281A9D561}" srcOrd="0" destOrd="0" presId="urn:microsoft.com/office/officeart/2018/5/layout/IconCircleLabelList"/>
     <dgm:cxn modelId="{ABE8C055-CDB5-43DD-87AA-1DD4E27858D7}" srcId="{2F9452C3-FE81-4280-BEE3-1DCAF0C7327A}" destId="{17B2F62A-70A9-44BE-8C30-9128D8A1F06B}" srcOrd="0" destOrd="0" parTransId="{13C782B5-AC01-4AD2-86F7-7DCBF2D81B24}" sibTransId="{89BD69F0-3089-4DA3-A4DC-96B2D8D41BF3}"/>
-    <dgm:cxn modelId="{FE0F8967-9679-294F-9B88-36502043627F}" type="presOf" srcId="{17B2F62A-70A9-44BE-8C30-9128D8A1F06B}" destId="{B71F6D62-76E7-406A-9F5E-19F281A9D561}" srcOrd="0" destOrd="0" presId="urn:microsoft.com/office/officeart/2018/5/layout/IconCircleLabelList"/>
     <dgm:cxn modelId="{492BE092-01D6-412E-B074-3D0009B1296D}" srcId="{2F9452C3-FE81-4280-BEE3-1DCAF0C7327A}" destId="{5AAD7288-7AE7-41E1-81B9-DC5B9A64DB2A}" srcOrd="3" destOrd="0" parTransId="{415B54A0-FBBD-4F41-A914-6234C1FAB2F4}" sibTransId="{0A654AF6-A96F-4656-BD83-18BD01B9C84A}"/>
     <dgm:cxn modelId="{707FAA9B-E5B1-E745-B983-F938EA4A744A}" type="presOf" srcId="{5AAD7288-7AE7-41E1-81B9-DC5B9A64DB2A}" destId="{A363F719-EEB1-467A-9312-AA8BBCACBF2D}" srcOrd="0" destOrd="0" presId="urn:microsoft.com/office/officeart/2018/5/layout/IconCircleLabelList"/>
     <dgm:cxn modelId="{AF09F1A7-BB91-4224-B9A1-7FC7DE5BEDA5}" srcId="{2F9452C3-FE81-4280-BEE3-1DCAF0C7327A}" destId="{F23FAB8A-1DCA-4C23-8E13-1E873B0D1EA1}" srcOrd="2" destOrd="0" parTransId="{979E6496-8D78-4217-800E-3C286D4898F9}" sibTransId="{8A609E1F-AAA1-42D2-B7E4-FCC7C3C65B4C}"/>
@@ -9240,7 +10341,7 @@
         </a:prstGeom>
         <a:solidFill>
           <a:schemeClr val="accent2">
-            <a:hueOff val="-82826"/>
+            <a:hueOff val="-82827"/>
             <a:satOff val="-27168"/>
             <a:lumOff val="-9901"/>
             <a:alphaOff val="0"/>
@@ -9337,7 +10438,7 @@
         <a:ln w="34925" cap="flat" cmpd="sng" algn="in">
           <a:solidFill>
             <a:schemeClr val="accent2">
-              <a:hueOff val="-82826"/>
+              <a:hueOff val="-82827"/>
               <a:satOff val="-27168"/>
               <a:lumOff val="-9901"/>
               <a:alphaOff val="0"/>
@@ -9375,7 +10476,7 @@
         </a:prstGeom>
         <a:solidFill>
           <a:schemeClr val="accent2">
-            <a:hueOff val="-110435"/>
+            <a:hueOff val="-110436"/>
             <a:satOff val="-36223"/>
             <a:lumOff val="-13202"/>
             <a:alphaOff val="0"/>
@@ -9466,7 +10567,7 @@
         <a:ln w="34925" cap="flat" cmpd="sng" algn="in">
           <a:solidFill>
             <a:schemeClr val="accent2">
-              <a:hueOff val="-110435"/>
+              <a:hueOff val="-110436"/>
               <a:satOff val="-36223"/>
               <a:lumOff val="-13202"/>
               <a:alphaOff val="0"/>
@@ -9504,7 +10605,7 @@
         </a:prstGeom>
         <a:solidFill>
           <a:schemeClr val="accent2">
-            <a:hueOff val="-138044"/>
+            <a:hueOff val="-138045"/>
             <a:satOff val="-45279"/>
             <a:lumOff val="-16502"/>
             <a:alphaOff val="0"/>
@@ -9598,7 +10699,7 @@
         <a:ln w="34925" cap="flat" cmpd="sng" algn="in">
           <a:solidFill>
             <a:schemeClr val="accent2">
-              <a:hueOff val="-138044"/>
+              <a:hueOff val="-138045"/>
               <a:satOff val="-45279"/>
               <a:lumOff val="-16502"/>
               <a:alphaOff val="0"/>
@@ -9636,7 +10737,7 @@
         </a:prstGeom>
         <a:solidFill>
           <a:schemeClr val="accent2">
-            <a:hueOff val="-165653"/>
+            <a:hueOff val="-165654"/>
             <a:satOff val="-54335"/>
             <a:lumOff val="-19803"/>
             <a:alphaOff val="0"/>
@@ -9730,7 +10831,7 @@
         <a:ln w="34925" cap="flat" cmpd="sng" algn="in">
           <a:solidFill>
             <a:schemeClr val="accent2">
-              <a:hueOff val="-165653"/>
+              <a:hueOff val="-165654"/>
               <a:satOff val="-54335"/>
               <a:lumOff val="-19803"/>
               <a:alphaOff val="0"/>
@@ -10569,7 +11670,7 @@
           <a:schemeClr val="accent5">
             <a:tint val="40000"/>
             <a:alpha val="90000"/>
-            <a:hueOff val="8780596"/>
+            <a:hueOff val="8780593"/>
             <a:satOff val="29467"/>
             <a:lumOff val="3014"/>
             <a:alphaOff val="0"/>
@@ -10633,6 +11734,507 @@
 </file>
 
 <file path=ppt/diagrams/drawing4.xml><?xml version="1.0" encoding="utf-8"?>
+<dsp:drawing xmlns:dgm="http://schemas.openxmlformats.org/drawingml/2006/diagram" xmlns:dsp="http://schemas.microsoft.com/office/drawing/2008/diagram" xmlns:a="http://schemas.openxmlformats.org/drawingml/2006/main">
+  <dsp:spTree>
+    <dsp:nvGrpSpPr>
+      <dsp:cNvPr id="0" name=""/>
+      <dsp:cNvGrpSpPr/>
+    </dsp:nvGrpSpPr>
+    <dsp:grpSpPr/>
+    <dsp:sp modelId="{5193E713-5F93-4340-99BF-8DADADFD41B2}">
+      <dsp:nvSpPr>
+        <dsp:cNvPr id="0" name=""/>
+        <dsp:cNvSpPr/>
+      </dsp:nvSpPr>
+      <dsp:spPr>
+        <a:xfrm>
+          <a:off x="0" y="442"/>
+          <a:ext cx="5000400" cy="1034373"/>
+        </a:xfrm>
+        <a:prstGeom prst="roundRect">
+          <a:avLst>
+            <a:gd name="adj" fmla="val 10000"/>
+          </a:avLst>
+        </a:prstGeom>
+        <a:solidFill>
+          <a:schemeClr val="accent1">
+            <a:tint val="40000"/>
+            <a:hueOff val="0"/>
+            <a:satOff val="0"/>
+            <a:lumOff val="0"/>
+            <a:alphaOff val="0"/>
+          </a:schemeClr>
+        </a:solidFill>
+        <a:ln>
+          <a:noFill/>
+        </a:ln>
+        <a:effectLst/>
+      </dsp:spPr>
+      <dsp:style>
+        <a:lnRef idx="0">
+          <a:scrgbClr r="0" g="0" b="0"/>
+        </a:lnRef>
+        <a:fillRef idx="1">
+          <a:scrgbClr r="0" g="0" b="0"/>
+        </a:fillRef>
+        <a:effectRef idx="0">
+          <a:scrgbClr r="0" g="0" b="0"/>
+        </a:effectRef>
+        <a:fontRef idx="minor"/>
+      </dsp:style>
+    </dsp:sp>
+    <dsp:sp modelId="{98BA549E-9EA2-4F54-96B6-736E7020656B}">
+      <dsp:nvSpPr>
+        <dsp:cNvPr id="0" name=""/>
+        <dsp:cNvSpPr/>
+      </dsp:nvSpPr>
+      <dsp:spPr>
+        <a:xfrm>
+          <a:off x="312898" y="233176"/>
+          <a:ext cx="568905" cy="568905"/>
+        </a:xfrm>
+        <a:prstGeom prst="rect">
+          <a:avLst/>
+        </a:prstGeom>
+        <a:blipFill>
+          <a:blip xmlns:r="http://schemas.openxmlformats.org/officeDocument/2006/relationships" r:embed="rId1">
+            <a:extLst>
+              <a:ext uri="{28A0092B-C50C-407E-A947-70E740481C1C}">
+                <a14:useLocalDpi xmlns:a14="http://schemas.microsoft.com/office/drawing/2010/main" val="0"/>
+              </a:ext>
+              <a:ext uri="{96DAC541-7B7A-43D3-8B79-37D633B846F1}">
+                <asvg:svgBlip xmlns:asvg="http://schemas.microsoft.com/office/drawing/2016/SVG/main" r:embed="rId2"/>
+              </a:ext>
+            </a:extLst>
+          </a:blip>
+          <a:stretch>
+            <a:fillRect/>
+          </a:stretch>
+        </a:blipFill>
+        <a:ln w="34925" cap="flat" cmpd="sng" algn="in">
+          <a:solidFill>
+            <a:schemeClr val="lt1">
+              <a:hueOff val="0"/>
+              <a:satOff val="0"/>
+              <a:lumOff val="0"/>
+              <a:alphaOff val="0"/>
+            </a:schemeClr>
+          </a:solidFill>
+          <a:prstDash val="solid"/>
+        </a:ln>
+        <a:effectLst/>
+      </dsp:spPr>
+      <dsp:style>
+        <a:lnRef idx="2">
+          <a:scrgbClr r="0" g="0" b="0"/>
+        </a:lnRef>
+        <a:fillRef idx="1">
+          <a:scrgbClr r="0" g="0" b="0"/>
+        </a:fillRef>
+        <a:effectRef idx="0">
+          <a:scrgbClr r="0" g="0" b="0"/>
+        </a:effectRef>
+        <a:fontRef idx="minor">
+          <a:schemeClr val="lt1"/>
+        </a:fontRef>
+      </dsp:style>
+    </dsp:sp>
+    <dsp:sp modelId="{E1762495-39AA-49D9-8AE5-9CC2A682D76C}">
+      <dsp:nvSpPr>
+        <dsp:cNvPr id="0" name=""/>
+        <dsp:cNvSpPr/>
+      </dsp:nvSpPr>
+      <dsp:spPr>
+        <a:xfrm>
+          <a:off x="1194701" y="442"/>
+          <a:ext cx="3805698" cy="1034373"/>
+        </a:xfrm>
+        <a:prstGeom prst="rect">
+          <a:avLst/>
+        </a:prstGeom>
+        <a:noFill/>
+        <a:ln>
+          <a:noFill/>
+        </a:ln>
+        <a:effectLst/>
+      </dsp:spPr>
+      <dsp:style>
+        <a:lnRef idx="0">
+          <a:scrgbClr r="0" g="0" b="0"/>
+        </a:lnRef>
+        <a:fillRef idx="0">
+          <a:scrgbClr r="0" g="0" b="0"/>
+        </a:fillRef>
+        <a:effectRef idx="0">
+          <a:scrgbClr r="0" g="0" b="0"/>
+        </a:effectRef>
+        <a:fontRef idx="minor"/>
+      </dsp:style>
+      <dsp:txBody>
+        <a:bodyPr spcFirstLastPara="0" vert="horz" wrap="square" lIns="109471" tIns="109471" rIns="109471" bIns="109471" numCol="1" spcCol="1270" anchor="ctr" anchorCtr="0">
+          <a:noAutofit/>
+        </a:bodyPr>
+        <a:lstStyle/>
+        <a:p>
+          <a:pPr marL="0" lvl="0" indent="0" algn="l" defTabSz="622300">
+            <a:lnSpc>
+              <a:spcPct val="100000"/>
+            </a:lnSpc>
+            <a:spcBef>
+              <a:spcPct val="0"/>
+            </a:spcBef>
+            <a:spcAft>
+              <a:spcPct val="35000"/>
+            </a:spcAft>
+            <a:buNone/>
+          </a:pPr>
+          <a:r>
+            <a:rPr lang="en-US" sz="1400" b="1" kern="1200" baseline="0" dirty="0"/>
+            <a:t>Cloud-Agnostic</a:t>
+          </a:r>
+          <a:r>
+            <a:rPr lang="en-US" sz="1400" kern="1200" baseline="0" dirty="0"/>
+            <a:t>: Works across multiple cloud providers (Azure, AWS, GCP, etc.), enabling true multi-cloud infrastructure management.</a:t>
+          </a:r>
+          <a:endParaRPr lang="en-US" sz="1400" kern="1200" dirty="0"/>
+        </a:p>
+      </dsp:txBody>
+      <dsp:txXfrm>
+        <a:off x="1194701" y="442"/>
+        <a:ext cx="3805698" cy="1034373"/>
+      </dsp:txXfrm>
+    </dsp:sp>
+    <dsp:sp modelId="{8D2EC7B8-5B62-4A53-A62B-D97EFB55B30D}">
+      <dsp:nvSpPr>
+        <dsp:cNvPr id="0" name=""/>
+        <dsp:cNvSpPr/>
+      </dsp:nvSpPr>
+      <dsp:spPr>
+        <a:xfrm>
+          <a:off x="0" y="1293409"/>
+          <a:ext cx="5000400" cy="1034373"/>
+        </a:xfrm>
+        <a:prstGeom prst="roundRect">
+          <a:avLst>
+            <a:gd name="adj" fmla="val 10000"/>
+          </a:avLst>
+        </a:prstGeom>
+        <a:solidFill>
+          <a:schemeClr val="accent1">
+            <a:tint val="40000"/>
+            <a:hueOff val="0"/>
+            <a:satOff val="0"/>
+            <a:lumOff val="0"/>
+            <a:alphaOff val="0"/>
+          </a:schemeClr>
+        </a:solidFill>
+        <a:ln>
+          <a:noFill/>
+        </a:ln>
+        <a:effectLst/>
+      </dsp:spPr>
+      <dsp:style>
+        <a:lnRef idx="0">
+          <a:scrgbClr r="0" g="0" b="0"/>
+        </a:lnRef>
+        <a:fillRef idx="1">
+          <a:scrgbClr r="0" g="0" b="0"/>
+        </a:fillRef>
+        <a:effectRef idx="0">
+          <a:scrgbClr r="0" g="0" b="0"/>
+        </a:effectRef>
+        <a:fontRef idx="minor"/>
+      </dsp:style>
+    </dsp:sp>
+    <dsp:sp modelId="{4C4D9A10-E246-43DD-A59E-F4FF5707D229}">
+      <dsp:nvSpPr>
+        <dsp:cNvPr id="0" name=""/>
+        <dsp:cNvSpPr/>
+      </dsp:nvSpPr>
+      <dsp:spPr>
+        <a:xfrm>
+          <a:off x="312898" y="1526143"/>
+          <a:ext cx="568905" cy="568905"/>
+        </a:xfrm>
+        <a:prstGeom prst="rect">
+          <a:avLst/>
+        </a:prstGeom>
+        <a:blipFill>
+          <a:blip xmlns:r="http://schemas.openxmlformats.org/officeDocument/2006/relationships" r:embed="rId3">
+            <a:extLst>
+              <a:ext uri="{28A0092B-C50C-407E-A947-70E740481C1C}">
+                <a14:useLocalDpi xmlns:a14="http://schemas.microsoft.com/office/drawing/2010/main" val="0"/>
+              </a:ext>
+              <a:ext uri="{96DAC541-7B7A-43D3-8B79-37D633B846F1}">
+                <asvg:svgBlip xmlns:asvg="http://schemas.microsoft.com/office/drawing/2016/SVG/main" r:embed="rId4"/>
+              </a:ext>
+            </a:extLst>
+          </a:blip>
+          <a:stretch>
+            <a:fillRect/>
+          </a:stretch>
+        </a:blipFill>
+        <a:ln w="34925" cap="flat" cmpd="sng" algn="in">
+          <a:solidFill>
+            <a:schemeClr val="lt1">
+              <a:hueOff val="0"/>
+              <a:satOff val="0"/>
+              <a:lumOff val="0"/>
+              <a:alphaOff val="0"/>
+            </a:schemeClr>
+          </a:solidFill>
+          <a:prstDash val="solid"/>
+        </a:ln>
+        <a:effectLst/>
+      </dsp:spPr>
+      <dsp:style>
+        <a:lnRef idx="2">
+          <a:scrgbClr r="0" g="0" b="0"/>
+        </a:lnRef>
+        <a:fillRef idx="1">
+          <a:scrgbClr r="0" g="0" b="0"/>
+        </a:fillRef>
+        <a:effectRef idx="0">
+          <a:scrgbClr r="0" g="0" b="0"/>
+        </a:effectRef>
+        <a:fontRef idx="minor">
+          <a:schemeClr val="lt1"/>
+        </a:fontRef>
+      </dsp:style>
+    </dsp:sp>
+    <dsp:sp modelId="{441E8DE1-1585-4C10-B9AB-5D0D1E00E33C}">
+      <dsp:nvSpPr>
+        <dsp:cNvPr id="0" name=""/>
+        <dsp:cNvSpPr/>
+      </dsp:nvSpPr>
+      <dsp:spPr>
+        <a:xfrm>
+          <a:off x="1194701" y="1293409"/>
+          <a:ext cx="3805698" cy="1034373"/>
+        </a:xfrm>
+        <a:prstGeom prst="rect">
+          <a:avLst/>
+        </a:prstGeom>
+        <a:noFill/>
+        <a:ln>
+          <a:noFill/>
+        </a:ln>
+        <a:effectLst/>
+      </dsp:spPr>
+      <dsp:style>
+        <a:lnRef idx="0">
+          <a:scrgbClr r="0" g="0" b="0"/>
+        </a:lnRef>
+        <a:fillRef idx="0">
+          <a:scrgbClr r="0" g="0" b="0"/>
+        </a:fillRef>
+        <a:effectRef idx="0">
+          <a:scrgbClr r="0" g="0" b="0"/>
+        </a:effectRef>
+        <a:fontRef idx="minor"/>
+      </dsp:style>
+      <dsp:txBody>
+        <a:bodyPr spcFirstLastPara="0" vert="horz" wrap="square" lIns="109471" tIns="109471" rIns="109471" bIns="109471" numCol="1" spcCol="1270" anchor="ctr" anchorCtr="0">
+          <a:noAutofit/>
+        </a:bodyPr>
+        <a:lstStyle/>
+        <a:p>
+          <a:pPr marL="0" lvl="0" indent="0" algn="l" defTabSz="622300">
+            <a:lnSpc>
+              <a:spcPct val="100000"/>
+            </a:lnSpc>
+            <a:spcBef>
+              <a:spcPct val="0"/>
+            </a:spcBef>
+            <a:spcAft>
+              <a:spcPct val="35000"/>
+            </a:spcAft>
+            <a:buNone/>
+          </a:pPr>
+          <a:r>
+            <a:rPr lang="en-US" sz="1400" b="1" kern="1200" baseline="0"/>
+            <a:t>Declarative Syntax (HCL)</a:t>
+          </a:r>
+          <a:r>
+            <a:rPr lang="en-US" sz="1400" kern="1200" baseline="0"/>
+            <a:t>: Uses HashiCorp Configuration Language (HCL), which is easy to read and manage.</a:t>
+          </a:r>
+          <a:endParaRPr lang="en-US" sz="1400" kern="1200"/>
+        </a:p>
+      </dsp:txBody>
+      <dsp:txXfrm>
+        <a:off x="1194701" y="1293409"/>
+        <a:ext cx="3805698" cy="1034373"/>
+      </dsp:txXfrm>
+    </dsp:sp>
+    <dsp:sp modelId="{08E42D6C-AA2F-4527-B514-1558134D3494}">
+      <dsp:nvSpPr>
+        <dsp:cNvPr id="0" name=""/>
+        <dsp:cNvSpPr/>
+      </dsp:nvSpPr>
+      <dsp:spPr>
+        <a:xfrm>
+          <a:off x="0" y="2586376"/>
+          <a:ext cx="5000400" cy="1034373"/>
+        </a:xfrm>
+        <a:prstGeom prst="roundRect">
+          <a:avLst>
+            <a:gd name="adj" fmla="val 10000"/>
+          </a:avLst>
+        </a:prstGeom>
+        <a:solidFill>
+          <a:schemeClr val="accent1">
+            <a:tint val="40000"/>
+            <a:hueOff val="0"/>
+            <a:satOff val="0"/>
+            <a:lumOff val="0"/>
+            <a:alphaOff val="0"/>
+          </a:schemeClr>
+        </a:solidFill>
+        <a:ln>
+          <a:noFill/>
+        </a:ln>
+        <a:effectLst/>
+      </dsp:spPr>
+      <dsp:style>
+        <a:lnRef idx="0">
+          <a:scrgbClr r="0" g="0" b="0"/>
+        </a:lnRef>
+        <a:fillRef idx="1">
+          <a:scrgbClr r="0" g="0" b="0"/>
+        </a:fillRef>
+        <a:effectRef idx="0">
+          <a:scrgbClr r="0" g="0" b="0"/>
+        </a:effectRef>
+        <a:fontRef idx="minor"/>
+      </dsp:style>
+    </dsp:sp>
+    <dsp:sp modelId="{F0986770-C99B-43E0-81CB-5F9A647CDC93}">
+      <dsp:nvSpPr>
+        <dsp:cNvPr id="0" name=""/>
+        <dsp:cNvSpPr/>
+      </dsp:nvSpPr>
+      <dsp:spPr>
+        <a:xfrm>
+          <a:off x="312898" y="2819111"/>
+          <a:ext cx="568905" cy="568905"/>
+        </a:xfrm>
+        <a:prstGeom prst="rect">
+          <a:avLst/>
+        </a:prstGeom>
+        <a:blipFill>
+          <a:blip xmlns:r="http://schemas.openxmlformats.org/officeDocument/2006/relationships" r:embed="rId5">
+            <a:extLst>
+              <a:ext uri="{28A0092B-C50C-407E-A947-70E740481C1C}">
+                <a14:useLocalDpi xmlns:a14="http://schemas.microsoft.com/office/drawing/2010/main" val="0"/>
+              </a:ext>
+              <a:ext uri="{96DAC541-7B7A-43D3-8B79-37D633B846F1}">
+                <asvg:svgBlip xmlns:asvg="http://schemas.microsoft.com/office/drawing/2016/SVG/main" r:embed="rId6"/>
+              </a:ext>
+            </a:extLst>
+          </a:blip>
+          <a:stretch>
+            <a:fillRect/>
+          </a:stretch>
+        </a:blipFill>
+        <a:ln w="34925" cap="flat" cmpd="sng" algn="in">
+          <a:solidFill>
+            <a:schemeClr val="lt1">
+              <a:hueOff val="0"/>
+              <a:satOff val="0"/>
+              <a:lumOff val="0"/>
+              <a:alphaOff val="0"/>
+            </a:schemeClr>
+          </a:solidFill>
+          <a:prstDash val="solid"/>
+        </a:ln>
+        <a:effectLst/>
+      </dsp:spPr>
+      <dsp:style>
+        <a:lnRef idx="2">
+          <a:scrgbClr r="0" g="0" b="0"/>
+        </a:lnRef>
+        <a:fillRef idx="1">
+          <a:scrgbClr r="0" g="0" b="0"/>
+        </a:fillRef>
+        <a:effectRef idx="0">
+          <a:scrgbClr r="0" g="0" b="0"/>
+        </a:effectRef>
+        <a:fontRef idx="minor">
+          <a:schemeClr val="lt1"/>
+        </a:fontRef>
+      </dsp:style>
+    </dsp:sp>
+    <dsp:sp modelId="{42DF1F9C-783C-4E0C-A2F3-A6594815AF2D}">
+      <dsp:nvSpPr>
+        <dsp:cNvPr id="0" name=""/>
+        <dsp:cNvSpPr/>
+      </dsp:nvSpPr>
+      <dsp:spPr>
+        <a:xfrm>
+          <a:off x="1194701" y="2586376"/>
+          <a:ext cx="3805698" cy="1034373"/>
+        </a:xfrm>
+        <a:prstGeom prst="rect">
+          <a:avLst/>
+        </a:prstGeom>
+        <a:noFill/>
+        <a:ln>
+          <a:noFill/>
+        </a:ln>
+        <a:effectLst/>
+      </dsp:spPr>
+      <dsp:style>
+        <a:lnRef idx="0">
+          <a:scrgbClr r="0" g="0" b="0"/>
+        </a:lnRef>
+        <a:fillRef idx="0">
+          <a:scrgbClr r="0" g="0" b="0"/>
+        </a:fillRef>
+        <a:effectRef idx="0">
+          <a:scrgbClr r="0" g="0" b="0"/>
+        </a:effectRef>
+        <a:fontRef idx="minor"/>
+      </dsp:style>
+      <dsp:txBody>
+        <a:bodyPr spcFirstLastPara="0" vert="horz" wrap="square" lIns="109471" tIns="109471" rIns="109471" bIns="109471" numCol="1" spcCol="1270" anchor="ctr" anchorCtr="0">
+          <a:noAutofit/>
+        </a:bodyPr>
+        <a:lstStyle/>
+        <a:p>
+          <a:pPr marL="0" lvl="0" indent="0" algn="l" defTabSz="622300">
+            <a:lnSpc>
+              <a:spcPct val="100000"/>
+            </a:lnSpc>
+            <a:spcBef>
+              <a:spcPct val="0"/>
+            </a:spcBef>
+            <a:spcAft>
+              <a:spcPct val="35000"/>
+            </a:spcAft>
+            <a:buNone/>
+          </a:pPr>
+          <a:r>
+            <a:rPr lang="en-US" sz="1400" b="1" kern="1200" baseline="0"/>
+            <a:t>Strong Community Support and Module Reuse</a:t>
+          </a:r>
+          <a:r>
+            <a:rPr lang="en-US" sz="1400" kern="1200" baseline="0"/>
+            <a:t>: The Terraform Registry offers a wide range of reusable modules.</a:t>
+          </a:r>
+          <a:endParaRPr lang="en-US" sz="1400" kern="1200"/>
+        </a:p>
+      </dsp:txBody>
+      <dsp:txXfrm>
+        <a:off x="1194701" y="2586376"/>
+        <a:ext cx="3805698" cy="1034373"/>
+      </dsp:txXfrm>
+    </dsp:sp>
+  </dsp:spTree>
+</dsp:drawing>
+</file>
+
+<file path=ppt/diagrams/drawing5.xml><?xml version="1.0" encoding="utf-8"?>
 <dsp:drawing xmlns:dgm="http://schemas.openxmlformats.org/drawingml/2006/diagram" xmlns:dsp="http://schemas.microsoft.com/office/drawing/2008/diagram" xmlns:a="http://schemas.openxmlformats.org/drawingml/2006/main">
   <dsp:spTree>
     <dsp:nvGrpSpPr>
@@ -11109,7 +12711,7 @@
 </dsp:drawing>
 </file>
 
-<file path=ppt/diagrams/drawing5.xml><?xml version="1.0" encoding="utf-8"?>
+<file path=ppt/diagrams/drawing6.xml><?xml version="1.0" encoding="utf-8"?>
 <dsp:drawing xmlns:dgm="http://schemas.openxmlformats.org/drawingml/2006/diagram" xmlns:dsp="http://schemas.microsoft.com/office/drawing/2008/diagram" xmlns:a="http://schemas.openxmlformats.org/drawingml/2006/main">
   <dsp:spTree>
     <dsp:nvGrpSpPr>
@@ -11582,7 +13184,7 @@
 </dsp:drawing>
 </file>
 
-<file path=ppt/diagrams/drawing6.xml><?xml version="1.0" encoding="utf-8"?>
+<file path=ppt/diagrams/drawing7.xml><?xml version="1.0" encoding="utf-8"?>
 <dsp:drawing xmlns:dgm="http://schemas.openxmlformats.org/drawingml/2006/diagram" xmlns:dsp="http://schemas.microsoft.com/office/drawing/2008/diagram" xmlns:a="http://schemas.openxmlformats.org/drawingml/2006/main">
   <dsp:spTree>
     <dsp:nvGrpSpPr>
@@ -11899,7 +13501,7 @@
         </a:prstGeom>
         <a:solidFill>
           <a:schemeClr val="accent2">
-            <a:hueOff val="-47329"/>
+            <a:hueOff val="-47330"/>
             <a:satOff val="-15524"/>
             <a:lumOff val="-5658"/>
             <a:alphaOff val="0"/>
@@ -11908,7 +13510,7 @@
         <a:ln w="34925" cap="flat" cmpd="sng" algn="in">
           <a:solidFill>
             <a:schemeClr val="accent2">
-              <a:hueOff val="-47329"/>
+              <a:hueOff val="-47330"/>
               <a:satOff val="-15524"/>
               <a:lumOff val="-5658"/>
               <a:alphaOff val="0"/>
@@ -11976,7 +13578,7 @@
         </a:prstGeom>
         <a:solidFill>
           <a:schemeClr val="accent2">
-            <a:hueOff val="-70994"/>
+            <a:hueOff val="-70995"/>
             <a:satOff val="-23286"/>
             <a:lumOff val="-8487"/>
             <a:alphaOff val="0"/>
@@ -11985,7 +13587,7 @@
         <a:ln w="34925" cap="flat" cmpd="sng" algn="in">
           <a:solidFill>
             <a:schemeClr val="accent2">
-              <a:hueOff val="-70994"/>
+              <a:hueOff val="-70995"/>
               <a:satOff val="-23286"/>
               <a:lumOff val="-8487"/>
               <a:alphaOff val="0"/>
@@ -12311,7 +13913,7 @@
         </a:prstGeom>
         <a:solidFill>
           <a:schemeClr val="accent2">
-            <a:hueOff val="-141988"/>
+            <a:hueOff val="-141989"/>
             <a:satOff val="-46573"/>
             <a:lumOff val="-16974"/>
             <a:alphaOff val="0"/>
@@ -12320,7 +13922,7 @@
         <a:ln w="34925" cap="flat" cmpd="sng" algn="in">
           <a:solidFill>
             <a:schemeClr val="accent2">
-              <a:hueOff val="-141988"/>
+              <a:hueOff val="-141989"/>
               <a:satOff val="-46573"/>
               <a:lumOff val="-16974"/>
               <a:alphaOff val="0"/>
@@ -12388,7 +13990,7 @@
         </a:prstGeom>
         <a:solidFill>
           <a:schemeClr val="accent2">
-            <a:hueOff val="-165653"/>
+            <a:hueOff val="-165654"/>
             <a:satOff val="-54335"/>
             <a:lumOff val="-19803"/>
             <a:alphaOff val="0"/>
@@ -12397,7 +13999,7 @@
         <a:ln w="34925" cap="flat" cmpd="sng" algn="in">
           <a:solidFill>
             <a:schemeClr val="accent2">
-              <a:hueOff val="-165653"/>
+              <a:hueOff val="-165654"/>
               <a:satOff val="-54335"/>
               <a:lumOff val="-19803"/>
               <a:alphaOff val="0"/>
@@ -12426,7 +14028,7 @@
 </dsp:drawing>
 </file>
 
-<file path=ppt/diagrams/drawing7.xml><?xml version="1.0" encoding="utf-8"?>
+<file path=ppt/diagrams/drawing8.xml><?xml version="1.0" encoding="utf-8"?>
 <dsp:drawing xmlns:dgm="http://schemas.openxmlformats.org/drawingml/2006/diagram" xmlns:dsp="http://schemas.microsoft.com/office/drawing/2008/diagram" xmlns:a="http://schemas.openxmlformats.org/drawingml/2006/main">
   <dsp:spTree>
     <dsp:nvGrpSpPr>
@@ -16425,6 +18027,300 @@
 </file>
 
 <file path=ppt/diagrams/layout6.xml><?xml version="1.0" encoding="utf-8"?>
+<dgm:layoutDef xmlns:dgm="http://schemas.openxmlformats.org/drawingml/2006/diagram" xmlns:a="http://schemas.openxmlformats.org/drawingml/2006/main" uniqueId="urn:microsoft.com/office/officeart/2018/2/layout/IconVerticalSolidList">
+  <dgm:title val="Icon Vertical Solid List"/>
+  <dgm:desc val="Use to show a series of visuals from top to bottom with Level 1 or Level 1 and Level 2 text grouped in a shape. Works best with icons or small pictures with lengthier descriptions."/>
+  <dgm:catLst>
+    <dgm:cat type="icon" pri="500"/>
+  </dgm:catLst>
+  <dgm:sampData useDef="1">
+    <dgm:dataModel>
+      <dgm:ptLst/>
+      <dgm:bg/>
+      <dgm:whole/>
+    </dgm:dataModel>
+  </dgm:sampData>
+  <dgm:styleData useDef="1">
+    <dgm:dataModel>
+      <dgm:ptLst/>
+      <dgm:bg/>
+      <dgm:whole/>
+    </dgm:dataModel>
+  </dgm:styleData>
+  <dgm:clrData useDef="1">
+    <dgm:dataModel>
+      <dgm:ptLst/>
+      <dgm:bg/>
+      <dgm:whole/>
+    </dgm:dataModel>
+  </dgm:clrData>
+  <dgm:layoutNode name="root">
+    <dgm:varLst>
+      <dgm:dir/>
+      <dgm:resizeHandles val="exact"/>
+    </dgm:varLst>
+    <dgm:choose name="Name0">
+      <dgm:if name="Name1" axis="self" func="var" arg="dir" op="equ" val="norm">
+        <dgm:alg type="lin">
+          <dgm:param type="linDir" val="fromT"/>
+          <dgm:param type="nodeHorzAlign" val="l"/>
+        </dgm:alg>
+      </dgm:if>
+      <dgm:else name="Name2">
+        <dgm:alg type="lin">
+          <dgm:param type="linDir" val="fromT"/>
+          <dgm:param type="nodeHorzAlign" val="r"/>
+        </dgm:alg>
+      </dgm:else>
+    </dgm:choose>
+    <dgm:shape xmlns:r="http://schemas.openxmlformats.org/officeDocument/2006/relationships" r:blip="">
+      <dgm:adjLst/>
+    </dgm:shape>
+    <dgm:presOf/>
+    <dgm:choose name="Name3">
+      <dgm:if name="Name4" axis="ch" ptType="node" func="cnt" op="lte" val="3">
+        <dgm:constrLst>
+          <dgm:constr type="h" for="ch" forName="compNode" refType="h" fact="0.3"/>
+          <dgm:constr type="w" for="ch" forName="compNode" refType="w"/>
+          <dgm:constr type="h" for="ch" forName="sibTrans" refType="h" refFor="ch" refForName="compNode" fact="0.25"/>
+          <dgm:constr type="primFontSz" for="des" forName="parTx" val="25"/>
+          <dgm:constr type="primFontSz" for="des" forName="desTx" refType="primFontSz" refFor="des" refForName="parTx" op="lte" fact="0.75"/>
+          <dgm:constr type="h" for="des" forName="compNode" op="equ"/>
+          <dgm:constr type="h" for="des" forName="bgRect" op="equ"/>
+          <dgm:constr type="h" for="des" forName="iconRect" op="equ"/>
+          <dgm:constr type="w" for="des" forName="iconRect" op="equ"/>
+          <dgm:constr type="h" for="des" forName="spaceRect" op="equ"/>
+          <dgm:constr type="h" for="des" forName="parTx" op="equ"/>
+          <dgm:constr type="h" for="des" forName="desTx" op="equ"/>
+        </dgm:constrLst>
+      </dgm:if>
+      <dgm:if name="Name5" axis="ch" ptType="node" func="cnt" op="lte" val="4">
+        <dgm:constrLst>
+          <dgm:constr type="h" for="ch" forName="compNode" refType="h" fact="0.3"/>
+          <dgm:constr type="w" for="ch" forName="compNode" refType="w"/>
+          <dgm:constr type="h" for="ch" forName="sibTrans" refType="h" refFor="ch" refForName="compNode" fact="0.25"/>
+          <dgm:constr type="primFontSz" for="des" forName="parTx" val="22"/>
+          <dgm:constr type="primFontSz" for="des" forName="desTx" refType="primFontSz" refFor="des" refForName="parTx" op="lte" fact="0.75"/>
+          <dgm:constr type="h" for="des" forName="compNode" op="equ"/>
+          <dgm:constr type="h" for="des" forName="bgRect" op="equ"/>
+          <dgm:constr type="h" for="des" forName="iconRect" op="equ"/>
+          <dgm:constr type="w" for="des" forName="iconRect" op="equ"/>
+          <dgm:constr type="h" for="des" forName="spaceRect" op="equ"/>
+          <dgm:constr type="h" for="des" forName="parTx" op="equ"/>
+          <dgm:constr type="h" for="des" forName="desTx" op="equ"/>
+        </dgm:constrLst>
+      </dgm:if>
+      <dgm:if name="Name6" axis="ch" ptType="node" func="cnt" op="lte" val="6">
+        <dgm:constrLst>
+          <dgm:constr type="h" for="ch" forName="compNode" refType="h" fact="0.3"/>
+          <dgm:constr type="w" for="ch" forName="compNode" refType="w"/>
+          <dgm:constr type="h" for="ch" forName="sibTrans" refType="h" refFor="ch" refForName="compNode" fact="0.25"/>
+          <dgm:constr type="primFontSz" for="des" forName="parTx" val="19"/>
+          <dgm:constr type="primFontSz" for="des" forName="desTx" refType="primFontSz" refFor="des" refForName="parTx" op="lte" fact="0.75"/>
+          <dgm:constr type="h" for="des" forName="compNode" op="equ"/>
+          <dgm:constr type="h" for="des" forName="bgRect" op="equ"/>
+          <dgm:constr type="h" for="des" forName="iconRect" op="equ"/>
+          <dgm:constr type="w" for="des" forName="iconRect" op="equ"/>
+          <dgm:constr type="h" for="des" forName="spaceRect" op="equ"/>
+          <dgm:constr type="h" for="des" forName="parTx" op="equ"/>
+          <dgm:constr type="h" for="des" forName="desTx" op="equ"/>
+        </dgm:constrLst>
+      </dgm:if>
+      <dgm:else name="Name7">
+        <dgm:constrLst>
+          <dgm:constr type="h" for="ch" forName="compNode" refType="h" fact="0.3"/>
+          <dgm:constr type="w" for="ch" forName="compNode" refType="w"/>
+          <dgm:constr type="h" for="ch" forName="sibTrans" refType="h" refFor="ch" refForName="compNode" fact="0.25"/>
+          <dgm:constr type="primFontSz" for="des" forName="parTx" val="16"/>
+          <dgm:constr type="primFontSz" for="des" forName="desTx" refType="primFontSz" refFor="des" refForName="parTx" op="lte" fact="0.75"/>
+          <dgm:constr type="h" for="des" forName="compNode" op="equ"/>
+          <dgm:constr type="h" for="des" forName="bgRect" op="equ"/>
+          <dgm:constr type="h" for="des" forName="iconRect" op="equ"/>
+          <dgm:constr type="w" for="des" forName="iconRect" op="equ"/>
+          <dgm:constr type="h" for="des" forName="spaceRect" op="equ"/>
+          <dgm:constr type="h" for="des" forName="parTx" op="equ"/>
+          <dgm:constr type="h" for="des" forName="desTx" op="equ"/>
+        </dgm:constrLst>
+      </dgm:else>
+    </dgm:choose>
+    <dgm:ruleLst>
+      <dgm:rule type="h" for="ch" forName="compNode" val="0" fact="NaN" max="NaN"/>
+    </dgm:ruleLst>
+    <dgm:forEach name="Name8" axis="ch" ptType="node">
+      <dgm:layoutNode name="compNode">
+        <dgm:alg type="composite"/>
+        <dgm:shape xmlns:r="http://schemas.openxmlformats.org/officeDocument/2006/relationships" r:blip="">
+          <dgm:adjLst/>
+        </dgm:shape>
+        <dgm:presOf axis="self"/>
+        <dgm:choose name="Name9">
+          <dgm:if name="Name10" axis="ch" ptType="node" func="cnt" op="gte" val="1">
+            <dgm:constrLst>
+              <dgm:constr type="w" for="ch" forName="bgRect" refType="w"/>
+              <dgm:constr type="h" for="ch" forName="bgRect" refType="h"/>
+              <dgm:constr type="l" for="ch" forName="bgRect"/>
+              <dgm:constr type="t" for="ch" forName="bgRect"/>
+              <dgm:constr type="h" for="ch" forName="iconRect" refType="h" fact="0.55"/>
+              <dgm:constr type="w" for="ch" forName="iconRect" refType="h" refFor="ch" refForName="iconRect"/>
+              <dgm:constr type="l" for="ch" forName="iconRect" refType="h" refFor="ch" refForName="iconRect" fact="0.55"/>
+              <dgm:constr type="ctrY" for="ch" forName="iconRect" refType="ctrY" refFor="ch" refForName="bgRect"/>
+              <dgm:constr type="w" for="ch" forName="spaceRect" refType="l" refFor="ch" refForName="iconRect"/>
+              <dgm:constr type="h" for="ch" forName="spaceRect" refType="h"/>
+              <dgm:constr type="l" for="ch" forName="spaceRect" refType="r" refFor="ch" refForName="iconRect"/>
+              <dgm:constr type="t" for="ch" forName="spaceRect"/>
+              <dgm:constr type="w" for="ch" forName="parTx" refType="w" fact="0.45"/>
+              <dgm:constr type="h" for="ch" forName="parTx" refType="h"/>
+              <dgm:constr type="l" for="ch" forName="parTx" refType="r" refFor="ch" refForName="spaceRect"/>
+              <dgm:constr type="t" for="ch" forName="parTx"/>
+              <dgm:constr type="h" for="ch" forName="desTx" refType="h"/>
+              <dgm:constr type="l" for="ch" forName="desTx" refType="r" refFor="ch" refForName="parTx"/>
+              <dgm:constr type="t" for="ch" forName="desTx"/>
+            </dgm:constrLst>
+          </dgm:if>
+          <dgm:else name="Name11">
+            <dgm:constrLst>
+              <dgm:constr type="w" for="ch" forName="bgRect" refType="w"/>
+              <dgm:constr type="h" for="ch" forName="bgRect" refType="h"/>
+              <dgm:constr type="l" for="ch" forName="bgRect"/>
+              <dgm:constr type="t" for="ch" forName="bgRect"/>
+              <dgm:constr type="h" for="ch" forName="iconRect" refType="h" fact="0.55"/>
+              <dgm:constr type="w" for="ch" forName="iconRect" refType="h" refFor="ch" refForName="iconRect"/>
+              <dgm:constr type="l" for="ch" forName="iconRect" refType="h" refFor="ch" refForName="iconRect" fact="0.55"/>
+              <dgm:constr type="ctrY" for="ch" forName="iconRect" refType="ctrY" refFor="ch" refForName="bgRect"/>
+              <dgm:constr type="w" for="ch" forName="spaceRect" refType="l" refFor="ch" refForName="iconRect"/>
+              <dgm:constr type="h" for="ch" forName="spaceRect" refType="h"/>
+              <dgm:constr type="l" for="ch" forName="spaceRect" refType="r" refFor="ch" refForName="iconRect"/>
+              <dgm:constr type="t" for="ch" forName="spaceRect"/>
+              <dgm:constr type="h" for="ch" forName="parTx" refType="h"/>
+              <dgm:constr type="l" for="ch" forName="parTx" refType="r" refFor="ch" refForName="spaceRect"/>
+              <dgm:constr type="t" for="ch" forName="parTx"/>
+            </dgm:constrLst>
+          </dgm:else>
+        </dgm:choose>
+        <dgm:ruleLst>
+          <dgm:rule type="h" val="INF" fact="NaN" max="NaN"/>
+        </dgm:ruleLst>
+        <dgm:layoutNode name="bgRect" styleLbl="bgShp">
+          <dgm:alg type="sp"/>
+          <dgm:shape xmlns:r="http://schemas.openxmlformats.org/officeDocument/2006/relationships" type="roundRect" r:blip="">
+            <dgm:adjLst>
+              <dgm:adj idx="1" val="0.1"/>
+            </dgm:adjLst>
+          </dgm:shape>
+          <dgm:presOf/>
+          <dgm:constrLst/>
+          <dgm:ruleLst/>
+        </dgm:layoutNode>
+        <dgm:layoutNode name="iconRect" styleLbl="node1">
+          <dgm:alg type="sp"/>
+          <dgm:shape xmlns:r="http://schemas.openxmlformats.org/officeDocument/2006/relationships" type="rect" r:blip="" blipPhldr="1">
+            <dgm:adjLst/>
+          </dgm:shape>
+          <dgm:presOf/>
+          <dgm:constrLst/>
+          <dgm:ruleLst/>
+        </dgm:layoutNode>
+        <dgm:layoutNode name="spaceRect">
+          <dgm:alg type="sp"/>
+          <dgm:shape xmlns:r="http://schemas.openxmlformats.org/officeDocument/2006/relationships" r:blip="">
+            <dgm:adjLst/>
+          </dgm:shape>
+          <dgm:presOf/>
+          <dgm:constrLst/>
+          <dgm:ruleLst/>
+        </dgm:layoutNode>
+        <dgm:layoutNode name="parTx" styleLbl="revTx">
+          <dgm:varLst>
+            <dgm:chMax val="0"/>
+            <dgm:chPref val="0"/>
+          </dgm:varLst>
+          <dgm:alg type="tx">
+            <dgm:param type="txAnchorVert" val="mid"/>
+            <dgm:param type="parTxLTRAlign" val="l"/>
+            <dgm:param type="shpTxLTRAlignCh" val="l"/>
+            <dgm:param type="parTxRTLAlign" val="r"/>
+            <dgm:param type="shpTxRTLAlignCh" val="r"/>
+          </dgm:alg>
+          <dgm:shape xmlns:r="http://schemas.openxmlformats.org/officeDocument/2006/relationships" type="rect" r:blip="">
+            <dgm:adjLst/>
+          </dgm:shape>
+          <dgm:presOf axis="self" ptType="node"/>
+          <dgm:constrLst>
+            <dgm:constr type="lMarg" refType="h" fact="0.3"/>
+            <dgm:constr type="rMarg" refType="h" fact="0.3"/>
+            <dgm:constr type="tMarg" refType="h" fact="0.3"/>
+            <dgm:constr type="bMarg" refType="h" fact="0.3"/>
+          </dgm:constrLst>
+          <dgm:ruleLst>
+            <dgm:rule type="primFontSz" val="14" fact="NaN" max="NaN"/>
+            <dgm:rule type="h" val="INF" fact="NaN" max="NaN"/>
+          </dgm:ruleLst>
+        </dgm:layoutNode>
+        <dgm:choose name="Name12">
+          <dgm:if name="Name13" axis="ch" ptType="node" func="cnt" op="gte" val="1">
+            <dgm:layoutNode name="desTx" styleLbl="revTx">
+              <dgm:varLst/>
+              <dgm:alg type="tx">
+                <dgm:param type="txAnchorVertCh" val="mid"/>
+                <dgm:param type="parTxLTRAlign" val="l"/>
+                <dgm:param type="shpTxLTRAlignCh" val="l"/>
+                <dgm:param type="parTxRTLAlign" val="r"/>
+                <dgm:param type="shpTxRTLAlignCh" val="r"/>
+                <dgm:param type="stBulletLvl" val="0"/>
+              </dgm:alg>
+              <dgm:shape xmlns:r="http://schemas.openxmlformats.org/officeDocument/2006/relationships" type="rect" r:blip="">
+                <dgm:adjLst/>
+              </dgm:shape>
+              <dgm:presOf axis="des" ptType="node"/>
+              <dgm:constrLst>
+                <dgm:constr type="primFontSz" val="18"/>
+                <dgm:constr type="secFontSz" refType="primFontSz"/>
+                <dgm:constr type="lMarg" refType="h" fact="0.3"/>
+                <dgm:constr type="rMarg" refType="h" fact="0.3"/>
+                <dgm:constr type="tMarg" refType="h" fact="0.3"/>
+                <dgm:constr type="bMarg" refType="h" fact="0.3"/>
+              </dgm:constrLst>
+              <dgm:ruleLst>
+                <dgm:rule type="primFontSz" val="11" fact="NaN" max="NaN"/>
+              </dgm:ruleLst>
+            </dgm:layoutNode>
+          </dgm:if>
+          <dgm:else name="Name14"/>
+        </dgm:choose>
+      </dgm:layoutNode>
+      <dgm:forEach name="Name15" axis="followSib" ptType="sibTrans" cnt="1">
+        <dgm:layoutNode name="sibTrans">
+          <dgm:alg type="sp"/>
+          <dgm:shape xmlns:r="http://schemas.openxmlformats.org/officeDocument/2006/relationships" r:blip="">
+            <dgm:adjLst/>
+          </dgm:shape>
+          <dgm:presOf axis="self"/>
+          <dgm:constrLst/>
+          <dgm:ruleLst/>
+        </dgm:layoutNode>
+      </dgm:forEach>
+    </dgm:forEach>
+  </dgm:layoutNode>
+  <dgm:extLst>
+    <a:ext uri="{68A01E43-0DF5-4B5B-8FA6-DAF915123BFB}">
+      <dgm1612:lstStyle xmlns:dgm1612="http://schemas.microsoft.com/office/drawing/2016/12/diagram">
+        <a:lvl1pPr>
+          <a:lnSpc>
+            <a:spcPct val="100000"/>
+          </a:lnSpc>
+        </a:lvl1pPr>
+        <a:lvl2pPr>
+          <a:lnSpc>
+            <a:spcPct val="100000"/>
+          </a:lnSpc>
+        </a:lvl2pPr>
+      </dgm1612:lstStyle>
+    </a:ext>
+  </dgm:extLst>
+</dgm:layoutDef>
+</file>
+
+<file path=ppt/diagrams/layout7.xml><?xml version="1.0" encoding="utf-8"?>
 <dgm:layoutDef xmlns:dgm="http://schemas.openxmlformats.org/drawingml/2006/diagram" xmlns:a="http://schemas.openxmlformats.org/drawingml/2006/main" uniqueId="urn:microsoft.com/office/officeart/2016/7/layout/BasicLinearProcessNumbered">
   <dgm:title val="Basic Linear Process Numbered"/>
   <dgm:desc val="Used to show a progression; a timeline; sequential steps in a task, process, or workflow; or to emphasize movement or direction. Automatic numbers have been introduced to show the steps of the process which appears in a circle. Level 1 and Level 2 text appear in a rectangle."/>
@@ -16701,7 +18597,7 @@
 </dgm:layoutDef>
 </file>
 
-<file path=ppt/diagrams/layout7.xml><?xml version="1.0" encoding="utf-8"?>
+<file path=ppt/diagrams/layout8.xml><?xml version="1.0" encoding="utf-8"?>
 <dgm:layoutDef xmlns:dgm="http://schemas.openxmlformats.org/drawingml/2006/diagram" xmlns:a="http://schemas.openxmlformats.org/drawingml/2006/main" uniqueId="urn:microsoft.com/office/officeart/2018/5/layout/IconCircleLabelList">
   <dgm:title val="Icon Circle Label List"/>
   <dgm:desc val="Use to show non-sequential or grouped chunks of information accompanied by a related visuals. Works best with icons or small pictures with short text captions."/>
@@ -24154,6 +26050,1040 @@
 </dgm:styleDef>
 </file>
 
+<file path=ppt/diagrams/quickStyle8.xml><?xml version="1.0" encoding="utf-8"?>
+<dgm:styleDef xmlns:dgm="http://schemas.openxmlformats.org/drawingml/2006/diagram" xmlns:a="http://schemas.openxmlformats.org/drawingml/2006/main" uniqueId="urn:microsoft.com/office/officeart/2005/8/quickstyle/simple1">
+  <dgm:title val=""/>
+  <dgm:desc val=""/>
+  <dgm:catLst>
+    <dgm:cat type="simple" pri="10100"/>
+  </dgm:catLst>
+  <dgm:scene3d>
+    <a:camera prst="orthographicFront"/>
+    <a:lightRig rig="threePt" dir="t"/>
+  </dgm:scene3d>
+  <dgm:styleLbl name="node0">
+    <dgm:scene3d>
+      <a:camera prst="orthographicFront"/>
+      <a:lightRig rig="threePt" dir="t"/>
+    </dgm:scene3d>
+    <dgm:sp3d/>
+    <dgm:txPr/>
+    <dgm:style>
+      <a:lnRef idx="2">
+        <a:scrgbClr r="0" g="0" b="0"/>
+      </a:lnRef>
+      <a:fillRef idx="1">
+        <a:scrgbClr r="0" g="0" b="0"/>
+      </a:fillRef>
+      <a:effectRef idx="0">
+        <a:scrgbClr r="0" g="0" b="0"/>
+      </a:effectRef>
+      <a:fontRef idx="minor">
+        <a:schemeClr val="lt1"/>
+      </a:fontRef>
+    </dgm:style>
+  </dgm:styleLbl>
+  <dgm:styleLbl name="lnNode1">
+    <dgm:scene3d>
+      <a:camera prst="orthographicFront"/>
+      <a:lightRig rig="threePt" dir="t"/>
+    </dgm:scene3d>
+    <dgm:sp3d/>
+    <dgm:txPr/>
+    <dgm:style>
+      <a:lnRef idx="2">
+        <a:scrgbClr r="0" g="0" b="0"/>
+      </a:lnRef>
+      <a:fillRef idx="1">
+        <a:scrgbClr r="0" g="0" b="0"/>
+      </a:fillRef>
+      <a:effectRef idx="0">
+        <a:scrgbClr r="0" g="0" b="0"/>
+      </a:effectRef>
+      <a:fontRef idx="minor">
+        <a:schemeClr val="lt1"/>
+      </a:fontRef>
+    </dgm:style>
+  </dgm:styleLbl>
+  <dgm:styleLbl name="vennNode1">
+    <dgm:scene3d>
+      <a:camera prst="orthographicFront"/>
+      <a:lightRig rig="threePt" dir="t"/>
+    </dgm:scene3d>
+    <dgm:sp3d/>
+    <dgm:txPr/>
+    <dgm:style>
+      <a:lnRef idx="2">
+        <a:scrgbClr r="0" g="0" b="0"/>
+      </a:lnRef>
+      <a:fillRef idx="1">
+        <a:scrgbClr r="0" g="0" b="0"/>
+      </a:fillRef>
+      <a:effectRef idx="0">
+        <a:scrgbClr r="0" g="0" b="0"/>
+      </a:effectRef>
+      <a:fontRef idx="minor">
+        <a:schemeClr val="tx1"/>
+      </a:fontRef>
+    </dgm:style>
+  </dgm:styleLbl>
+  <dgm:styleLbl name="alignNode1">
+    <dgm:scene3d>
+      <a:camera prst="orthographicFront"/>
+      <a:lightRig rig="threePt" dir="t"/>
+    </dgm:scene3d>
+    <dgm:sp3d/>
+    <dgm:txPr/>
+    <dgm:style>
+      <a:lnRef idx="2">
+        <a:scrgbClr r="0" g="0" b="0"/>
+      </a:lnRef>
+      <a:fillRef idx="1">
+        <a:scrgbClr r="0" g="0" b="0"/>
+      </a:fillRef>
+      <a:effectRef idx="0">
+        <a:scrgbClr r="0" g="0" b="0"/>
+      </a:effectRef>
+      <a:fontRef idx="minor">
+        <a:schemeClr val="lt1"/>
+      </a:fontRef>
+    </dgm:style>
+  </dgm:styleLbl>
+  <dgm:styleLbl name="node1">
+    <dgm:scene3d>
+      <a:camera prst="orthographicFront"/>
+      <a:lightRig rig="threePt" dir="t"/>
+    </dgm:scene3d>
+    <dgm:sp3d/>
+    <dgm:txPr/>
+    <dgm:style>
+      <a:lnRef idx="2">
+        <a:scrgbClr r="0" g="0" b="0"/>
+      </a:lnRef>
+      <a:fillRef idx="1">
+        <a:scrgbClr r="0" g="0" b="0"/>
+      </a:fillRef>
+      <a:effectRef idx="0">
+        <a:scrgbClr r="0" g="0" b="0"/>
+      </a:effectRef>
+      <a:fontRef idx="minor">
+        <a:schemeClr val="lt1"/>
+      </a:fontRef>
+    </dgm:style>
+  </dgm:styleLbl>
+  <dgm:styleLbl name="node2">
+    <dgm:scene3d>
+      <a:camera prst="orthographicFront"/>
+      <a:lightRig rig="threePt" dir="t"/>
+    </dgm:scene3d>
+    <dgm:sp3d/>
+    <dgm:txPr/>
+    <dgm:style>
+      <a:lnRef idx="2">
+        <a:scrgbClr r="0" g="0" b="0"/>
+      </a:lnRef>
+      <a:fillRef idx="1">
+        <a:scrgbClr r="0" g="0" b="0"/>
+      </a:fillRef>
+      <a:effectRef idx="0">
+        <a:scrgbClr r="0" g="0" b="0"/>
+      </a:effectRef>
+      <a:fontRef idx="minor">
+        <a:schemeClr val="lt1"/>
+      </a:fontRef>
+    </dgm:style>
+  </dgm:styleLbl>
+  <dgm:styleLbl name="node3">
+    <dgm:scene3d>
+      <a:camera prst="orthographicFront"/>
+      <a:lightRig rig="threePt" dir="t"/>
+    </dgm:scene3d>
+    <dgm:sp3d/>
+    <dgm:txPr/>
+    <dgm:style>
+      <a:lnRef idx="2">
+        <a:scrgbClr r="0" g="0" b="0"/>
+      </a:lnRef>
+      <a:fillRef idx="1">
+        <a:scrgbClr r="0" g="0" b="0"/>
+      </a:fillRef>
+      <a:effectRef idx="0">
+        <a:scrgbClr r="0" g="0" b="0"/>
+      </a:effectRef>
+      <a:fontRef idx="minor">
+        <a:schemeClr val="lt1"/>
+      </a:fontRef>
+    </dgm:style>
+  </dgm:styleLbl>
+  <dgm:styleLbl name="node4">
+    <dgm:scene3d>
+      <a:camera prst="orthographicFront"/>
+      <a:lightRig rig="threePt" dir="t"/>
+    </dgm:scene3d>
+    <dgm:sp3d/>
+    <dgm:txPr/>
+    <dgm:style>
+      <a:lnRef idx="2">
+        <a:scrgbClr r="0" g="0" b="0"/>
+      </a:lnRef>
+      <a:fillRef idx="1">
+        <a:scrgbClr r="0" g="0" b="0"/>
+      </a:fillRef>
+      <a:effectRef idx="0">
+        <a:scrgbClr r="0" g="0" b="0"/>
+      </a:effectRef>
+      <a:fontRef idx="minor">
+        <a:schemeClr val="lt1"/>
+      </a:fontRef>
+    </dgm:style>
+  </dgm:styleLbl>
+  <dgm:styleLbl name="fgImgPlace1">
+    <dgm:scene3d>
+      <a:camera prst="orthographicFront"/>
+      <a:lightRig rig="threePt" dir="t"/>
+    </dgm:scene3d>
+    <dgm:sp3d/>
+    <dgm:txPr/>
+    <dgm:style>
+      <a:lnRef idx="2">
+        <a:scrgbClr r="0" g="0" b="0"/>
+      </a:lnRef>
+      <a:fillRef idx="1">
+        <a:scrgbClr r="0" g="0" b="0"/>
+      </a:fillRef>
+      <a:effectRef idx="0">
+        <a:scrgbClr r="0" g="0" b="0"/>
+      </a:effectRef>
+      <a:fontRef idx="minor"/>
+    </dgm:style>
+  </dgm:styleLbl>
+  <dgm:styleLbl name="alignImgPlace1">
+    <dgm:scene3d>
+      <a:camera prst="orthographicFront"/>
+      <a:lightRig rig="threePt" dir="t"/>
+    </dgm:scene3d>
+    <dgm:sp3d/>
+    <dgm:txPr/>
+    <dgm:style>
+      <a:lnRef idx="2">
+        <a:scrgbClr r="0" g="0" b="0"/>
+      </a:lnRef>
+      <a:fillRef idx="1">
+        <a:scrgbClr r="0" g="0" b="0"/>
+      </a:fillRef>
+      <a:effectRef idx="0">
+        <a:scrgbClr r="0" g="0" b="0"/>
+      </a:effectRef>
+      <a:fontRef idx="minor"/>
+    </dgm:style>
+  </dgm:styleLbl>
+  <dgm:styleLbl name="bgImgPlace1">
+    <dgm:scene3d>
+      <a:camera prst="orthographicFront"/>
+      <a:lightRig rig="threePt" dir="t"/>
+    </dgm:scene3d>
+    <dgm:sp3d/>
+    <dgm:txPr/>
+    <dgm:style>
+      <a:lnRef idx="2">
+        <a:scrgbClr r="0" g="0" b="0"/>
+      </a:lnRef>
+      <a:fillRef idx="1">
+        <a:scrgbClr r="0" g="0" b="0"/>
+      </a:fillRef>
+      <a:effectRef idx="0">
+        <a:scrgbClr r="0" g="0" b="0"/>
+      </a:effectRef>
+      <a:fontRef idx="minor"/>
+    </dgm:style>
+  </dgm:styleLbl>
+  <dgm:styleLbl name="sibTrans2D1">
+    <dgm:scene3d>
+      <a:camera prst="orthographicFront"/>
+      <a:lightRig rig="threePt" dir="t"/>
+    </dgm:scene3d>
+    <dgm:sp3d/>
+    <dgm:txPr/>
+    <dgm:style>
+      <a:lnRef idx="0">
+        <a:scrgbClr r="0" g="0" b="0"/>
+      </a:lnRef>
+      <a:fillRef idx="1">
+        <a:scrgbClr r="0" g="0" b="0"/>
+      </a:fillRef>
+      <a:effectRef idx="0">
+        <a:scrgbClr r="0" g="0" b="0"/>
+      </a:effectRef>
+      <a:fontRef idx="minor">
+        <a:schemeClr val="lt1"/>
+      </a:fontRef>
+    </dgm:style>
+  </dgm:styleLbl>
+  <dgm:styleLbl name="fgSibTrans2D1">
+    <dgm:scene3d>
+      <a:camera prst="orthographicFront"/>
+      <a:lightRig rig="threePt" dir="t"/>
+    </dgm:scene3d>
+    <dgm:sp3d/>
+    <dgm:txPr/>
+    <dgm:style>
+      <a:lnRef idx="0">
+        <a:scrgbClr r="0" g="0" b="0"/>
+      </a:lnRef>
+      <a:fillRef idx="1">
+        <a:scrgbClr r="0" g="0" b="0"/>
+      </a:fillRef>
+      <a:effectRef idx="0">
+        <a:scrgbClr r="0" g="0" b="0"/>
+      </a:effectRef>
+      <a:fontRef idx="minor">
+        <a:schemeClr val="lt1"/>
+      </a:fontRef>
+    </dgm:style>
+  </dgm:styleLbl>
+  <dgm:styleLbl name="bgSibTrans2D1">
+    <dgm:scene3d>
+      <a:camera prst="orthographicFront"/>
+      <a:lightRig rig="threePt" dir="t"/>
+    </dgm:scene3d>
+    <dgm:sp3d/>
+    <dgm:txPr/>
+    <dgm:style>
+      <a:lnRef idx="0">
+        <a:scrgbClr r="0" g="0" b="0"/>
+      </a:lnRef>
+      <a:fillRef idx="1">
+        <a:scrgbClr r="0" g="0" b="0"/>
+      </a:fillRef>
+      <a:effectRef idx="0">
+        <a:scrgbClr r="0" g="0" b="0"/>
+      </a:effectRef>
+      <a:fontRef idx="minor">
+        <a:schemeClr val="lt1"/>
+      </a:fontRef>
+    </dgm:style>
+  </dgm:styleLbl>
+  <dgm:styleLbl name="sibTrans1D1">
+    <dgm:scene3d>
+      <a:camera prst="orthographicFront"/>
+      <a:lightRig rig="threePt" dir="t"/>
+    </dgm:scene3d>
+    <dgm:sp3d/>
+    <dgm:txPr/>
+    <dgm:style>
+      <a:lnRef idx="1">
+        <a:scrgbClr r="0" g="0" b="0"/>
+      </a:lnRef>
+      <a:fillRef idx="0">
+        <a:scrgbClr r="0" g="0" b="0"/>
+      </a:fillRef>
+      <a:effectRef idx="0">
+        <a:scrgbClr r="0" g="0" b="0"/>
+      </a:effectRef>
+      <a:fontRef idx="minor"/>
+    </dgm:style>
+  </dgm:styleLbl>
+  <dgm:styleLbl name="callout">
+    <dgm:scene3d>
+      <a:camera prst="orthographicFront"/>
+      <a:lightRig rig="threePt" dir="t"/>
+    </dgm:scene3d>
+    <dgm:sp3d/>
+    <dgm:txPr/>
+    <dgm:style>
+      <a:lnRef idx="2">
+        <a:scrgbClr r="0" g="0" b="0"/>
+      </a:lnRef>
+      <a:fillRef idx="1">
+        <a:scrgbClr r="0" g="0" b="0"/>
+      </a:fillRef>
+      <a:effectRef idx="0">
+        <a:scrgbClr r="0" g="0" b="0"/>
+      </a:effectRef>
+      <a:fontRef idx="minor"/>
+    </dgm:style>
+  </dgm:styleLbl>
+  <dgm:styleLbl name="asst0">
+    <dgm:scene3d>
+      <a:camera prst="orthographicFront"/>
+      <a:lightRig rig="threePt" dir="t"/>
+    </dgm:scene3d>
+    <dgm:sp3d/>
+    <dgm:txPr/>
+    <dgm:style>
+      <a:lnRef idx="2">
+        <a:scrgbClr r="0" g="0" b="0"/>
+      </a:lnRef>
+      <a:fillRef idx="1">
+        <a:scrgbClr r="0" g="0" b="0"/>
+      </a:fillRef>
+      <a:effectRef idx="0">
+        <a:scrgbClr r="0" g="0" b="0"/>
+      </a:effectRef>
+      <a:fontRef idx="minor">
+        <a:schemeClr val="lt1"/>
+      </a:fontRef>
+    </dgm:style>
+  </dgm:styleLbl>
+  <dgm:styleLbl name="asst1">
+    <dgm:scene3d>
+      <a:camera prst="orthographicFront"/>
+      <a:lightRig rig="threePt" dir="t"/>
+    </dgm:scene3d>
+    <dgm:sp3d/>
+    <dgm:txPr/>
+    <dgm:style>
+      <a:lnRef idx="2">
+        <a:scrgbClr r="0" g="0" b="0"/>
+      </a:lnRef>
+      <a:fillRef idx="1">
+        <a:scrgbClr r="0" g="0" b="0"/>
+      </a:fillRef>
+      <a:effectRef idx="0">
+        <a:scrgbClr r="0" g="0" b="0"/>
+      </a:effectRef>
+      <a:fontRef idx="minor">
+        <a:schemeClr val="lt1"/>
+      </a:fontRef>
+    </dgm:style>
+  </dgm:styleLbl>
+  <dgm:styleLbl name="asst2">
+    <dgm:scene3d>
+      <a:camera prst="orthographicFront"/>
+      <a:lightRig rig="threePt" dir="t"/>
+    </dgm:scene3d>
+    <dgm:sp3d/>
+    <dgm:txPr/>
+    <dgm:style>
+      <a:lnRef idx="2">
+        <a:scrgbClr r="0" g="0" b="0"/>
+      </a:lnRef>
+      <a:fillRef idx="1">
+        <a:scrgbClr r="0" g="0" b="0"/>
+      </a:fillRef>
+      <a:effectRef idx="0">
+        <a:scrgbClr r="0" g="0" b="0"/>
+      </a:effectRef>
+      <a:fontRef idx="minor">
+        <a:schemeClr val="lt1"/>
+      </a:fontRef>
+    </dgm:style>
+  </dgm:styleLbl>
+  <dgm:styleLbl name="asst3">
+    <dgm:scene3d>
+      <a:camera prst="orthographicFront"/>
+      <a:lightRig rig="threePt" dir="t"/>
+    </dgm:scene3d>
+    <dgm:sp3d/>
+    <dgm:txPr/>
+    <dgm:style>
+      <a:lnRef idx="2">
+        <a:scrgbClr r="0" g="0" b="0"/>
+      </a:lnRef>
+      <a:fillRef idx="1">
+        <a:scrgbClr r="0" g="0" b="0"/>
+      </a:fillRef>
+      <a:effectRef idx="0">
+        <a:scrgbClr r="0" g="0" b="0"/>
+      </a:effectRef>
+      <a:fontRef idx="minor">
+        <a:schemeClr val="lt1"/>
+      </a:fontRef>
+    </dgm:style>
+  </dgm:styleLbl>
+  <dgm:styleLbl name="asst4">
+    <dgm:scene3d>
+      <a:camera prst="orthographicFront"/>
+      <a:lightRig rig="threePt" dir="t"/>
+    </dgm:scene3d>
+    <dgm:sp3d/>
+    <dgm:txPr/>
+    <dgm:style>
+      <a:lnRef idx="2">
+        <a:scrgbClr r="0" g="0" b="0"/>
+      </a:lnRef>
+      <a:fillRef idx="1">
+        <a:scrgbClr r="0" g="0" b="0"/>
+      </a:fillRef>
+      <a:effectRef idx="0">
+        <a:scrgbClr r="0" g="0" b="0"/>
+      </a:effectRef>
+      <a:fontRef idx="minor">
+        <a:schemeClr val="lt1"/>
+      </a:fontRef>
+    </dgm:style>
+  </dgm:styleLbl>
+  <dgm:styleLbl name="parChTrans2D1">
+    <dgm:scene3d>
+      <a:camera prst="orthographicFront"/>
+      <a:lightRig rig="threePt" dir="t"/>
+    </dgm:scene3d>
+    <dgm:sp3d/>
+    <dgm:txPr/>
+    <dgm:style>
+      <a:lnRef idx="2">
+        <a:scrgbClr r="0" g="0" b="0"/>
+      </a:lnRef>
+      <a:fillRef idx="1">
+        <a:scrgbClr r="0" g="0" b="0"/>
+      </a:fillRef>
+      <a:effectRef idx="0">
+        <a:scrgbClr r="0" g="0" b="0"/>
+      </a:effectRef>
+      <a:fontRef idx="minor">
+        <a:schemeClr val="lt1"/>
+      </a:fontRef>
+    </dgm:style>
+  </dgm:styleLbl>
+  <dgm:styleLbl name="parChTrans2D2">
+    <dgm:scene3d>
+      <a:camera prst="orthographicFront"/>
+      <a:lightRig rig="threePt" dir="t"/>
+    </dgm:scene3d>
+    <dgm:sp3d/>
+    <dgm:txPr/>
+    <dgm:style>
+      <a:lnRef idx="2">
+        <a:scrgbClr r="0" g="0" b="0"/>
+      </a:lnRef>
+      <a:fillRef idx="1">
+        <a:scrgbClr r="0" g="0" b="0"/>
+      </a:fillRef>
+      <a:effectRef idx="0">
+        <a:scrgbClr r="0" g="0" b="0"/>
+      </a:effectRef>
+      <a:fontRef idx="minor">
+        <a:schemeClr val="lt1"/>
+      </a:fontRef>
+    </dgm:style>
+  </dgm:styleLbl>
+  <dgm:styleLbl name="parChTrans2D3">
+    <dgm:scene3d>
+      <a:camera prst="orthographicFront"/>
+      <a:lightRig rig="threePt" dir="t"/>
+    </dgm:scene3d>
+    <dgm:sp3d/>
+    <dgm:txPr/>
+    <dgm:style>
+      <a:lnRef idx="2">
+        <a:scrgbClr r="0" g="0" b="0"/>
+      </a:lnRef>
+      <a:fillRef idx="1">
+        <a:scrgbClr r="0" g="0" b="0"/>
+      </a:fillRef>
+      <a:effectRef idx="0">
+        <a:scrgbClr r="0" g="0" b="0"/>
+      </a:effectRef>
+      <a:fontRef idx="minor">
+        <a:schemeClr val="lt1"/>
+      </a:fontRef>
+    </dgm:style>
+  </dgm:styleLbl>
+  <dgm:styleLbl name="parChTrans2D4">
+    <dgm:scene3d>
+      <a:camera prst="orthographicFront"/>
+      <a:lightRig rig="threePt" dir="t"/>
+    </dgm:scene3d>
+    <dgm:sp3d/>
+    <dgm:txPr/>
+    <dgm:style>
+      <a:lnRef idx="2">
+        <a:scrgbClr r="0" g="0" b="0"/>
+      </a:lnRef>
+      <a:fillRef idx="1">
+        <a:scrgbClr r="0" g="0" b="0"/>
+      </a:fillRef>
+      <a:effectRef idx="0">
+        <a:scrgbClr r="0" g="0" b="0"/>
+      </a:effectRef>
+      <a:fontRef idx="minor">
+        <a:schemeClr val="lt1"/>
+      </a:fontRef>
+    </dgm:style>
+  </dgm:styleLbl>
+  <dgm:styleLbl name="parChTrans1D1">
+    <dgm:scene3d>
+      <a:camera prst="orthographicFront"/>
+      <a:lightRig rig="threePt" dir="t"/>
+    </dgm:scene3d>
+    <dgm:sp3d/>
+    <dgm:txPr/>
+    <dgm:style>
+      <a:lnRef idx="2">
+        <a:scrgbClr r="0" g="0" b="0"/>
+      </a:lnRef>
+      <a:fillRef idx="0">
+        <a:scrgbClr r="0" g="0" b="0"/>
+      </a:fillRef>
+      <a:effectRef idx="0">
+        <a:scrgbClr r="0" g="0" b="0"/>
+      </a:effectRef>
+      <a:fontRef idx="minor"/>
+    </dgm:style>
+  </dgm:styleLbl>
+  <dgm:styleLbl name="parChTrans1D2">
+    <dgm:scene3d>
+      <a:camera prst="orthographicFront"/>
+      <a:lightRig rig="threePt" dir="t"/>
+    </dgm:scene3d>
+    <dgm:sp3d/>
+    <dgm:txPr/>
+    <dgm:style>
+      <a:lnRef idx="2">
+        <a:scrgbClr r="0" g="0" b="0"/>
+      </a:lnRef>
+      <a:fillRef idx="0">
+        <a:scrgbClr r="0" g="0" b="0"/>
+      </a:fillRef>
+      <a:effectRef idx="0">
+        <a:scrgbClr r="0" g="0" b="0"/>
+      </a:effectRef>
+      <a:fontRef idx="minor"/>
+    </dgm:style>
+  </dgm:styleLbl>
+  <dgm:styleLbl name="parChTrans1D3">
+    <dgm:scene3d>
+      <a:camera prst="orthographicFront"/>
+      <a:lightRig rig="threePt" dir="t"/>
+    </dgm:scene3d>
+    <dgm:sp3d/>
+    <dgm:txPr/>
+    <dgm:style>
+      <a:lnRef idx="2">
+        <a:scrgbClr r="0" g="0" b="0"/>
+      </a:lnRef>
+      <a:fillRef idx="0">
+        <a:scrgbClr r="0" g="0" b="0"/>
+      </a:fillRef>
+      <a:effectRef idx="0">
+        <a:scrgbClr r="0" g="0" b="0"/>
+      </a:effectRef>
+      <a:fontRef idx="minor"/>
+    </dgm:style>
+  </dgm:styleLbl>
+  <dgm:styleLbl name="parChTrans1D4">
+    <dgm:scene3d>
+      <a:camera prst="orthographicFront"/>
+      <a:lightRig rig="threePt" dir="t"/>
+    </dgm:scene3d>
+    <dgm:sp3d/>
+    <dgm:txPr/>
+    <dgm:style>
+      <a:lnRef idx="2">
+        <a:scrgbClr r="0" g="0" b="0"/>
+      </a:lnRef>
+      <a:fillRef idx="0">
+        <a:scrgbClr r="0" g="0" b="0"/>
+      </a:fillRef>
+      <a:effectRef idx="0">
+        <a:scrgbClr r="0" g="0" b="0"/>
+      </a:effectRef>
+      <a:fontRef idx="minor"/>
+    </dgm:style>
+  </dgm:styleLbl>
+  <dgm:styleLbl name="fgAcc1">
+    <dgm:scene3d>
+      <a:camera prst="orthographicFront"/>
+      <a:lightRig rig="threePt" dir="t"/>
+    </dgm:scene3d>
+    <dgm:sp3d/>
+    <dgm:txPr/>
+    <dgm:style>
+      <a:lnRef idx="2">
+        <a:scrgbClr r="0" g="0" b="0"/>
+      </a:lnRef>
+      <a:fillRef idx="1">
+        <a:scrgbClr r="0" g="0" b="0"/>
+      </a:fillRef>
+      <a:effectRef idx="0">
+        <a:scrgbClr r="0" g="0" b="0"/>
+      </a:effectRef>
+      <a:fontRef idx="minor"/>
+    </dgm:style>
+  </dgm:styleLbl>
+  <dgm:styleLbl name="conFgAcc1">
+    <dgm:scene3d>
+      <a:camera prst="orthographicFront"/>
+      <a:lightRig rig="threePt" dir="t"/>
+    </dgm:scene3d>
+    <dgm:sp3d/>
+    <dgm:txPr/>
+    <dgm:style>
+      <a:lnRef idx="2">
+        <a:scrgbClr r="0" g="0" b="0"/>
+      </a:lnRef>
+      <a:fillRef idx="1">
+        <a:scrgbClr r="0" g="0" b="0"/>
+      </a:fillRef>
+      <a:effectRef idx="0">
+        <a:scrgbClr r="0" g="0" b="0"/>
+      </a:effectRef>
+      <a:fontRef idx="minor"/>
+    </dgm:style>
+  </dgm:styleLbl>
+  <dgm:styleLbl name="alignAcc1">
+    <dgm:scene3d>
+      <a:camera prst="orthographicFront"/>
+      <a:lightRig rig="threePt" dir="t"/>
+    </dgm:scene3d>
+    <dgm:sp3d/>
+    <dgm:txPr/>
+    <dgm:style>
+      <a:lnRef idx="2">
+        <a:scrgbClr r="0" g="0" b="0"/>
+      </a:lnRef>
+      <a:fillRef idx="1">
+        <a:scrgbClr r="0" g="0" b="0"/>
+      </a:fillRef>
+      <a:effectRef idx="0">
+        <a:scrgbClr r="0" g="0" b="0"/>
+      </a:effectRef>
+      <a:fontRef idx="minor"/>
+    </dgm:style>
+  </dgm:styleLbl>
+  <dgm:styleLbl name="trAlignAcc1">
+    <dgm:scene3d>
+      <a:camera prst="orthographicFront"/>
+      <a:lightRig rig="threePt" dir="t"/>
+    </dgm:scene3d>
+    <dgm:sp3d/>
+    <dgm:txPr/>
+    <dgm:style>
+      <a:lnRef idx="1">
+        <a:scrgbClr r="0" g="0" b="0"/>
+      </a:lnRef>
+      <a:fillRef idx="1">
+        <a:scrgbClr r="0" g="0" b="0"/>
+      </a:fillRef>
+      <a:effectRef idx="0">
+        <a:scrgbClr r="0" g="0" b="0"/>
+      </a:effectRef>
+      <a:fontRef idx="minor"/>
+    </dgm:style>
+  </dgm:styleLbl>
+  <dgm:styleLbl name="bgAcc1">
+    <dgm:scene3d>
+      <a:camera prst="orthographicFront"/>
+      <a:lightRig rig="threePt" dir="t"/>
+    </dgm:scene3d>
+    <dgm:sp3d/>
+    <dgm:txPr/>
+    <dgm:style>
+      <a:lnRef idx="2">
+        <a:scrgbClr r="0" g="0" b="0"/>
+      </a:lnRef>
+      <a:fillRef idx="1">
+        <a:scrgbClr r="0" g="0" b="0"/>
+      </a:fillRef>
+      <a:effectRef idx="0">
+        <a:scrgbClr r="0" g="0" b="0"/>
+      </a:effectRef>
+      <a:fontRef idx="minor"/>
+    </dgm:style>
+  </dgm:styleLbl>
+  <dgm:styleLbl name="solidFgAcc1">
+    <dgm:scene3d>
+      <a:camera prst="orthographicFront"/>
+      <a:lightRig rig="threePt" dir="t"/>
+    </dgm:scene3d>
+    <dgm:sp3d/>
+    <dgm:txPr/>
+    <dgm:style>
+      <a:lnRef idx="2">
+        <a:scrgbClr r="0" g="0" b="0"/>
+      </a:lnRef>
+      <a:fillRef idx="1">
+        <a:scrgbClr r="0" g="0" b="0"/>
+      </a:fillRef>
+      <a:effectRef idx="0">
+        <a:scrgbClr r="0" g="0" b="0"/>
+      </a:effectRef>
+      <a:fontRef idx="minor"/>
+    </dgm:style>
+  </dgm:styleLbl>
+  <dgm:styleLbl name="solidAlignAcc1">
+    <dgm:scene3d>
+      <a:camera prst="orthographicFront"/>
+      <a:lightRig rig="threePt" dir="t"/>
+    </dgm:scene3d>
+    <dgm:sp3d/>
+    <dgm:txPr/>
+    <dgm:style>
+      <a:lnRef idx="2">
+        <a:scrgbClr r="0" g="0" b="0"/>
+      </a:lnRef>
+      <a:fillRef idx="1">
+        <a:scrgbClr r="0" g="0" b="0"/>
+      </a:fillRef>
+      <a:effectRef idx="0">
+        <a:scrgbClr r="0" g="0" b="0"/>
+      </a:effectRef>
+      <a:fontRef idx="minor"/>
+    </dgm:style>
+  </dgm:styleLbl>
+  <dgm:styleLbl name="solidBgAcc1">
+    <dgm:scene3d>
+      <a:camera prst="orthographicFront"/>
+      <a:lightRig rig="threePt" dir="t"/>
+    </dgm:scene3d>
+    <dgm:sp3d/>
+    <dgm:txPr/>
+    <dgm:style>
+      <a:lnRef idx="2">
+        <a:scrgbClr r="0" g="0" b="0"/>
+      </a:lnRef>
+      <a:fillRef idx="1">
+        <a:scrgbClr r="0" g="0" b="0"/>
+      </a:fillRef>
+      <a:effectRef idx="0">
+        <a:scrgbClr r="0" g="0" b="0"/>
+      </a:effectRef>
+      <a:fontRef idx="minor"/>
+    </dgm:style>
+  </dgm:styleLbl>
+  <dgm:styleLbl name="fgAccFollowNode1">
+    <dgm:scene3d>
+      <a:camera prst="orthographicFront"/>
+      <a:lightRig rig="threePt" dir="t"/>
+    </dgm:scene3d>
+    <dgm:sp3d/>
+    <dgm:txPr/>
+    <dgm:style>
+      <a:lnRef idx="2">
+        <a:scrgbClr r="0" g="0" b="0"/>
+      </a:lnRef>
+      <a:fillRef idx="1">
+        <a:scrgbClr r="0" g="0" b="0"/>
+      </a:fillRef>
+      <a:effectRef idx="0">
+        <a:scrgbClr r="0" g="0" b="0"/>
+      </a:effectRef>
+      <a:fontRef idx="minor"/>
+    </dgm:style>
+  </dgm:styleLbl>
+  <dgm:styleLbl name="alignAccFollowNode1">
+    <dgm:scene3d>
+      <a:camera prst="orthographicFront"/>
+      <a:lightRig rig="threePt" dir="t"/>
+    </dgm:scene3d>
+    <dgm:sp3d/>
+    <dgm:txPr/>
+    <dgm:style>
+      <a:lnRef idx="2">
+        <a:scrgbClr r="0" g="0" b="0"/>
+      </a:lnRef>
+      <a:fillRef idx="1">
+        <a:scrgbClr r="0" g="0" b="0"/>
+      </a:fillRef>
+      <a:effectRef idx="0">
+        <a:scrgbClr r="0" g="0" b="0"/>
+      </a:effectRef>
+      <a:fontRef idx="minor"/>
+    </dgm:style>
+  </dgm:styleLbl>
+  <dgm:styleLbl name="bgAccFollowNode1">
+    <dgm:scene3d>
+      <a:camera prst="orthographicFront"/>
+      <a:lightRig rig="threePt" dir="t"/>
+    </dgm:scene3d>
+    <dgm:sp3d/>
+    <dgm:txPr/>
+    <dgm:style>
+      <a:lnRef idx="2">
+        <a:scrgbClr r="0" g="0" b="0"/>
+      </a:lnRef>
+      <a:fillRef idx="1">
+        <a:scrgbClr r="0" g="0" b="0"/>
+      </a:fillRef>
+      <a:effectRef idx="0">
+        <a:scrgbClr r="0" g="0" b="0"/>
+      </a:effectRef>
+      <a:fontRef idx="minor"/>
+    </dgm:style>
+  </dgm:styleLbl>
+  <dgm:styleLbl name="fgAcc0">
+    <dgm:scene3d>
+      <a:camera prst="orthographicFront"/>
+      <a:lightRig rig="threePt" dir="t"/>
+    </dgm:scene3d>
+    <dgm:sp3d/>
+    <dgm:txPr/>
+    <dgm:style>
+      <a:lnRef idx="2">
+        <a:scrgbClr r="0" g="0" b="0"/>
+      </a:lnRef>
+      <a:fillRef idx="1">
+        <a:scrgbClr r="0" g="0" b="0"/>
+      </a:fillRef>
+      <a:effectRef idx="0">
+        <a:scrgbClr r="0" g="0" b="0"/>
+      </a:effectRef>
+      <a:fontRef idx="minor"/>
+    </dgm:style>
+  </dgm:styleLbl>
+  <dgm:styleLbl name="fgAcc2">
+    <dgm:scene3d>
+      <a:camera prst="orthographicFront"/>
+      <a:lightRig rig="threePt" dir="t"/>
+    </dgm:scene3d>
+    <dgm:sp3d/>
+    <dgm:txPr/>
+    <dgm:style>
+      <a:lnRef idx="2">
+        <a:scrgbClr r="0" g="0" b="0"/>
+      </a:lnRef>
+      <a:fillRef idx="1">
+        <a:scrgbClr r="0" g="0" b="0"/>
+      </a:fillRef>
+      <a:effectRef idx="0">
+        <a:scrgbClr r="0" g="0" b="0"/>
+      </a:effectRef>
+      <a:fontRef idx="minor"/>
+    </dgm:style>
+  </dgm:styleLbl>
+  <dgm:styleLbl name="fgAcc3">
+    <dgm:scene3d>
+      <a:camera prst="orthographicFront"/>
+      <a:lightRig rig="threePt" dir="t"/>
+    </dgm:scene3d>
+    <dgm:sp3d/>
+    <dgm:txPr/>
+    <dgm:style>
+      <a:lnRef idx="2">
+        <a:scrgbClr r="0" g="0" b="0"/>
+      </a:lnRef>
+      <a:fillRef idx="1">
+        <a:scrgbClr r="0" g="0" b="0"/>
+      </a:fillRef>
+      <a:effectRef idx="0">
+        <a:scrgbClr r="0" g="0" b="0"/>
+      </a:effectRef>
+      <a:fontRef idx="minor"/>
+    </dgm:style>
+  </dgm:styleLbl>
+  <dgm:styleLbl name="fgAcc4">
+    <dgm:scene3d>
+      <a:camera prst="orthographicFront"/>
+      <a:lightRig rig="threePt" dir="t"/>
+    </dgm:scene3d>
+    <dgm:sp3d/>
+    <dgm:txPr/>
+    <dgm:style>
+      <a:lnRef idx="2">
+        <a:scrgbClr r="0" g="0" b="0"/>
+      </a:lnRef>
+      <a:fillRef idx="1">
+        <a:scrgbClr r="0" g="0" b="0"/>
+      </a:fillRef>
+      <a:effectRef idx="0">
+        <a:scrgbClr r="0" g="0" b="0"/>
+      </a:effectRef>
+      <a:fontRef idx="minor"/>
+    </dgm:style>
+  </dgm:styleLbl>
+  <dgm:styleLbl name="bgShp">
+    <dgm:scene3d>
+      <a:camera prst="orthographicFront"/>
+      <a:lightRig rig="threePt" dir="t"/>
+    </dgm:scene3d>
+    <dgm:sp3d/>
+    <dgm:txPr/>
+    <dgm:style>
+      <a:lnRef idx="0">
+        <a:scrgbClr r="0" g="0" b="0"/>
+      </a:lnRef>
+      <a:fillRef idx="1">
+        <a:scrgbClr r="0" g="0" b="0"/>
+      </a:fillRef>
+      <a:effectRef idx="0">
+        <a:scrgbClr r="0" g="0" b="0"/>
+      </a:effectRef>
+      <a:fontRef idx="minor"/>
+    </dgm:style>
+  </dgm:styleLbl>
+  <dgm:styleLbl name="dkBgShp">
+    <dgm:scene3d>
+      <a:camera prst="orthographicFront"/>
+      <a:lightRig rig="threePt" dir="t"/>
+    </dgm:scene3d>
+    <dgm:sp3d/>
+    <dgm:txPr/>
+    <dgm:style>
+      <a:lnRef idx="0">
+        <a:scrgbClr r="0" g="0" b="0"/>
+      </a:lnRef>
+      <a:fillRef idx="1">
+        <a:scrgbClr r="0" g="0" b="0"/>
+      </a:fillRef>
+      <a:effectRef idx="0">
+        <a:scrgbClr r="0" g="0" b="0"/>
+      </a:effectRef>
+      <a:fontRef idx="minor"/>
+    </dgm:style>
+  </dgm:styleLbl>
+  <dgm:styleLbl name="trBgShp">
+    <dgm:scene3d>
+      <a:camera prst="orthographicFront"/>
+      <a:lightRig rig="threePt" dir="t"/>
+    </dgm:scene3d>
+    <dgm:sp3d/>
+    <dgm:txPr/>
+    <dgm:style>
+      <a:lnRef idx="0">
+        <a:scrgbClr r="0" g="0" b="0"/>
+      </a:lnRef>
+      <a:fillRef idx="1">
+        <a:scrgbClr r="0" g="0" b="0"/>
+      </a:fillRef>
+      <a:effectRef idx="0">
+        <a:scrgbClr r="0" g="0" b="0"/>
+      </a:effectRef>
+      <a:fontRef idx="minor"/>
+    </dgm:style>
+  </dgm:styleLbl>
+  <dgm:styleLbl name="fgShp">
+    <dgm:scene3d>
+      <a:camera prst="orthographicFront"/>
+      <a:lightRig rig="threePt" dir="t"/>
+    </dgm:scene3d>
+    <dgm:sp3d/>
+    <dgm:txPr/>
+    <dgm:style>
+      <a:lnRef idx="2">
+        <a:scrgbClr r="0" g="0" b="0"/>
+      </a:lnRef>
+      <a:fillRef idx="1">
+        <a:scrgbClr r="0" g="0" b="0"/>
+      </a:fillRef>
+      <a:effectRef idx="0">
+        <a:scrgbClr r="0" g="0" b="0"/>
+      </a:effectRef>
+      <a:fontRef idx="minor"/>
+    </dgm:style>
+  </dgm:styleLbl>
+  <dgm:styleLbl name="revTx">
+    <dgm:scene3d>
+      <a:camera prst="orthographicFront"/>
+      <a:lightRig rig="threePt" dir="t"/>
+    </dgm:scene3d>
+    <dgm:sp3d/>
+    <dgm:txPr/>
+    <dgm:style>
+      <a:lnRef idx="0">
+        <a:scrgbClr r="0" g="0" b="0"/>
+      </a:lnRef>
+      <a:fillRef idx="0">
+        <a:scrgbClr r="0" g="0" b="0"/>
+      </a:fillRef>
+      <a:effectRef idx="0">
+        <a:scrgbClr r="0" g="0" b="0"/>
+      </a:effectRef>
+      <a:fontRef idx="minor"/>
+    </dgm:style>
+  </dgm:styleLbl>
+</dgm:styleDef>
+</file>
+
 <file path=ppt/slideLayouts/slideLayout1.xml><?xml version="1.0" encoding="utf-8"?>
 <p:sldLayout xmlns:a="http://schemas.openxmlformats.org/drawingml/2006/main" xmlns:r="http://schemas.openxmlformats.org/officeDocument/2006/relationships" xmlns:p="http://schemas.openxmlformats.org/presentationml/2006/main" showMasterSp="0" type="title" preserve="1">
   <p:cSld name="Title Slide">
@@ -24323,7 +27253,7 @@
           <a:p>
             <a:fld id="{1B0DC123-0C88-43B7-8634-E2A69F402E90}" type="datetimeFigureOut">
               <a:rPr lang="en-US" smtClean="0"/>
-              <a:t>10/29/24</a:t>
+              <a:t>11/6/2024</a:t>
             </a:fld>
             <a:endParaRPr lang="en-US"/>
           </a:p>
@@ -24653,7 +27583,7 @@
           <a:p>
             <a:fld id="{1B0DC123-0C88-43B7-8634-E2A69F402E90}" type="datetimeFigureOut">
               <a:rPr lang="en-US" smtClean="0"/>
-              <a:t>10/29/24</a:t>
+              <a:t>11/6/2024</a:t>
             </a:fld>
             <a:endParaRPr lang="en-US"/>
           </a:p>
@@ -24833,7 +27763,7 @@
           <a:p>
             <a:fld id="{1B0DC123-0C88-43B7-8634-E2A69F402E90}" type="datetimeFigureOut">
               <a:rPr lang="en-US" smtClean="0"/>
-              <a:t>10/29/24</a:t>
+              <a:t>11/6/2024</a:t>
             </a:fld>
             <a:endParaRPr lang="en-US"/>
           </a:p>
@@ -25003,7 +27933,7 @@
           <a:p>
             <a:fld id="{1B0DC123-0C88-43B7-8634-E2A69F402E90}" type="datetimeFigureOut">
               <a:rPr lang="en-US" smtClean="0"/>
-              <a:t>10/29/24</a:t>
+              <a:t>11/6/2024</a:t>
             </a:fld>
             <a:endParaRPr lang="en-US"/>
           </a:p>
@@ -25280,7 +28210,7 @@
           <a:p>
             <a:fld id="{1B0DC123-0C88-43B7-8634-E2A69F402E90}" type="datetimeFigureOut">
               <a:rPr lang="en-US" smtClean="0"/>
-              <a:t>10/29/24</a:t>
+              <a:t>11/6/2024</a:t>
             </a:fld>
             <a:endParaRPr lang="en-US"/>
           </a:p>
@@ -25674,7 +28604,7 @@
           <a:p>
             <a:fld id="{1B0DC123-0C88-43B7-8634-E2A69F402E90}" type="datetimeFigureOut">
               <a:rPr lang="en-US" smtClean="0"/>
-              <a:t>10/29/24</a:t>
+              <a:t>11/6/2024</a:t>
             </a:fld>
             <a:endParaRPr lang="en-US"/>
           </a:p>
@@ -26151,7 +29081,7 @@
           <a:p>
             <a:fld id="{1B0DC123-0C88-43B7-8634-E2A69F402E90}" type="datetimeFigureOut">
               <a:rPr lang="en-US" smtClean="0"/>
-              <a:t>10/29/24</a:t>
+              <a:t>11/6/2024</a:t>
             </a:fld>
             <a:endParaRPr lang="en-US"/>
           </a:p>
@@ -26269,7 +29199,7 @@
           <a:p>
             <a:fld id="{1B0DC123-0C88-43B7-8634-E2A69F402E90}" type="datetimeFigureOut">
               <a:rPr lang="en-US" smtClean="0"/>
-              <a:t>10/29/24</a:t>
+              <a:t>11/6/2024</a:t>
             </a:fld>
             <a:endParaRPr lang="en-US"/>
           </a:p>
@@ -26364,7 +29294,7 @@
           <a:p>
             <a:fld id="{1B0DC123-0C88-43B7-8634-E2A69F402E90}" type="datetimeFigureOut">
               <a:rPr lang="en-US" smtClean="0"/>
-              <a:t>10/29/24</a:t>
+              <a:t>11/6/2024</a:t>
             </a:fld>
             <a:endParaRPr lang="en-US"/>
           </a:p>
@@ -26710,7 +29640,7 @@
           <a:p>
             <a:fld id="{1B0DC123-0C88-43B7-8634-E2A69F402E90}" type="datetimeFigureOut">
               <a:rPr lang="en-US" smtClean="0"/>
-              <a:t>10/29/24</a:t>
+              <a:t>11/6/2024</a:t>
             </a:fld>
             <a:endParaRPr lang="en-US"/>
           </a:p>
@@ -27098,7 +30028,7 @@
           <a:p>
             <a:fld id="{1B0DC123-0C88-43B7-8634-E2A69F402E90}" type="datetimeFigureOut">
               <a:rPr lang="en-US" smtClean="0"/>
-              <a:t>10/29/24</a:t>
+              <a:t>11/6/2024</a:t>
             </a:fld>
             <a:endParaRPr lang="en-US"/>
           </a:p>
@@ -27376,7 +30306,7 @@
           <a:p>
             <a:fld id="{1B0DC123-0C88-43B7-8634-E2A69F402E90}" type="datetimeFigureOut">
               <a:rPr lang="en-US" smtClean="0"/>
-              <a:t>10/29/24</a:t>
+              <a:t>11/6/2024</a:t>
             </a:fld>
             <a:endParaRPr lang="en-US"/>
           </a:p>
@@ -29521,6 +32451,14 @@
 <file path=ppt/slides/slide3.xml><?xml version="1.0" encoding="utf-8"?>
 <p:sld xmlns:a="http://schemas.openxmlformats.org/drawingml/2006/main" xmlns:r="http://schemas.openxmlformats.org/officeDocument/2006/relationships" xmlns:p="http://schemas.openxmlformats.org/presentationml/2006/main">
   <p:cSld>
+    <p:bg>
+      <p:bgPr>
+        <a:solidFill>
+          <a:schemeClr val="bg2"/>
+        </a:solidFill>
+        <a:effectLst/>
+      </p:bgPr>
+    </p:bg>
     <p:spTree>
       <p:nvGrpSpPr>
         <p:cNvPr id="1" name=""/>
@@ -29537,6 +32475,68 @@
       </p:grpSpPr>
       <p:sp>
         <p:nvSpPr>
+          <p:cNvPr id="12" name="Rectangle 11">
+            <a:extLst>
+              <a:ext uri="{FF2B5EF4-FFF2-40B4-BE49-F238E27FC236}">
+                <a16:creationId xmlns:a16="http://schemas.microsoft.com/office/drawing/2014/main" id="{2793B903-AB42-42A0-AE97-93D366679CA2}"/>
+              </a:ext>
+              <a:ext uri="{C183D7F6-B498-43B3-948B-1728B52AA6E4}">
+                <adec:decorative xmlns:adec="http://schemas.microsoft.com/office/drawing/2017/decorative" val="1"/>
+              </a:ext>
+            </a:extLst>
+          </p:cNvPr>
+          <p:cNvSpPr>
+            <a:spLocks noGrp="1" noRot="1" noChangeAspect="1" noMove="1" noResize="1" noEditPoints="1" noAdjustHandles="1" noChangeArrowheads="1" noChangeShapeType="1" noTextEdit="1"/>
+          </p:cNvSpPr>
+          <p:nvPr>
+            <p:extLst>
+              <p:ext uri="{386F3935-93C4-4BCD-93E2-E3B085C9AB24}">
+                <p16:designElem xmlns:p16="http://schemas.microsoft.com/office/powerpoint/2015/main" val="1"/>
+              </p:ext>
+            </p:extLst>
+          </p:nvPr>
+        </p:nvSpPr>
+        <p:spPr>
+          <a:xfrm>
+            <a:off x="478095" y="376"/>
+            <a:ext cx="228600" cy="6858000"/>
+          </a:xfrm>
+          <a:prstGeom prst="rect">
+            <a:avLst/>
+          </a:prstGeom>
+          <a:solidFill>
+            <a:schemeClr val="tx2"/>
+          </a:solidFill>
+          <a:ln>
+            <a:noFill/>
+          </a:ln>
+        </p:spPr>
+        <p:style>
+          <a:lnRef idx="2">
+            <a:schemeClr val="accent1">
+              <a:shade val="50000"/>
+            </a:schemeClr>
+          </a:lnRef>
+          <a:fillRef idx="1">
+            <a:schemeClr val="accent1"/>
+          </a:fillRef>
+          <a:effectRef idx="0">
+            <a:schemeClr val="accent1"/>
+          </a:effectRef>
+          <a:fontRef idx="minor">
+            <a:schemeClr val="lt1"/>
+          </a:fontRef>
+        </p:style>
+        <p:txBody>
+          <a:bodyPr/>
+          <a:lstStyle/>
+          <a:p>
+            <a:endParaRPr lang="en-US"/>
+          </a:p>
+        </p:txBody>
+      </p:sp>
+      <p:sp>
+        <p:nvSpPr>
           <p:cNvPr id="4" name="Title 3">
             <a:extLst>
               <a:ext uri="{FF2B5EF4-FFF2-40B4-BE49-F238E27FC236}">
@@ -29551,13 +32551,25 @@
             <p:ph type="title"/>
           </p:nvPr>
         </p:nvSpPr>
-        <p:spPr/>
+        <p:spPr>
+          <a:xfrm>
+            <a:off x="7860667" y="685800"/>
+            <a:ext cx="3656419" cy="1485900"/>
+          </a:xfrm>
+        </p:spPr>
         <p:txBody>
-          <a:bodyPr/>
+          <a:bodyPr vert="horz" lIns="91440" tIns="45720" rIns="91440" bIns="45720" rtlCol="0" anchor="t">
+            <a:normAutofit/>
+          </a:bodyPr>
           <a:lstStyle/>
           <a:p>
+            <a:pPr>
+              <a:lnSpc>
+                <a:spcPct val="89000"/>
+              </a:lnSpc>
+            </a:pPr>
             <a:r>
-              <a:rPr lang="en-US" dirty="0"/>
+              <a:rPr lang="en-US" sz="4400" dirty="0"/>
               <a:t>About me</a:t>
             </a:r>
           </a:p>
@@ -29565,10 +32577,110 @@
       </p:sp>
       <p:sp>
         <p:nvSpPr>
-          <p:cNvPr id="5" name="Content Placeholder 4">
+          <p:cNvPr id="14" name="Rectangle 13">
             <a:extLst>
               <a:ext uri="{FF2B5EF4-FFF2-40B4-BE49-F238E27FC236}">
-                <a16:creationId xmlns:a16="http://schemas.microsoft.com/office/drawing/2014/main" id="{35C68A88-6CEB-930A-B5F0-8B9E2322EE17}"/>
+                <a16:creationId xmlns:a16="http://schemas.microsoft.com/office/drawing/2014/main" id="{BEC9E7FA-3295-45ED-8253-D23F9E44E1DA}"/>
+              </a:ext>
+              <a:ext uri="{C183D7F6-B498-43B3-948B-1728B52AA6E4}">
+                <adec:decorative xmlns:adec="http://schemas.microsoft.com/office/drawing/2017/decorative" val="1"/>
+              </a:ext>
+            </a:extLst>
+          </p:cNvPr>
+          <p:cNvSpPr>
+            <a:spLocks noGrp="1" noRot="1" noChangeAspect="1" noMove="1" noResize="1" noEditPoints="1" noAdjustHandles="1" noChangeArrowheads="1" noChangeShapeType="1" noTextEdit="1"/>
+          </p:cNvSpPr>
+          <p:nvPr>
+            <p:extLst>
+              <p:ext uri="{386F3935-93C4-4BCD-93E2-E3B085C9AB24}">
+                <p16:designElem xmlns:p16="http://schemas.microsoft.com/office/powerpoint/2015/main" val="1"/>
+              </p:ext>
+            </p:extLst>
+          </p:nvPr>
+        </p:nvSpPr>
+        <p:spPr>
+          <a:xfrm>
+            <a:off x="478095" y="376"/>
+            <a:ext cx="228600" cy="6858000"/>
+          </a:xfrm>
+          <a:prstGeom prst="rect">
+            <a:avLst/>
+          </a:prstGeom>
+          <a:solidFill>
+            <a:schemeClr val="tx2"/>
+          </a:solidFill>
+          <a:ln>
+            <a:noFill/>
+          </a:ln>
+        </p:spPr>
+        <p:style>
+          <a:lnRef idx="2">
+            <a:schemeClr val="accent1">
+              <a:shade val="50000"/>
+            </a:schemeClr>
+          </a:lnRef>
+          <a:fillRef idx="1">
+            <a:schemeClr val="accent1"/>
+          </a:fillRef>
+          <a:effectRef idx="0">
+            <a:schemeClr val="accent1"/>
+          </a:effectRef>
+          <a:fontRef idx="minor">
+            <a:schemeClr val="lt1"/>
+          </a:fontRef>
+        </p:style>
+        <p:txBody>
+          <a:bodyPr/>
+          <a:lstStyle/>
+          <a:p>
+            <a:endParaRPr lang="en-US"/>
+          </a:p>
+        </p:txBody>
+      </p:sp>
+      <p:pic>
+        <p:nvPicPr>
+          <p:cNvPr id="7" name="Content Placeholder 6" descr="A person with a magnifying glass&#10;&#10;Description automatically generated">
+            <a:extLst>
+              <a:ext uri="{FF2B5EF4-FFF2-40B4-BE49-F238E27FC236}">
+                <a16:creationId xmlns:a16="http://schemas.microsoft.com/office/drawing/2014/main" id="{79B03506-2518-A27B-4716-BFA63952B55F}"/>
+              </a:ext>
+            </a:extLst>
+          </p:cNvPr>
+          <p:cNvPicPr>
+            <a:picLocks noGrp="1" noChangeAspect="1"/>
+          </p:cNvPicPr>
+          <p:nvPr>
+            <p:ph idx="1"/>
+          </p:nvPr>
+        </p:nvPicPr>
+        <p:blipFill>
+          <a:blip r:embed="rId2">
+            <a:extLst>
+              <a:ext uri="{28A0092B-C50C-407E-A947-70E740481C1C}">
+                <a14:useLocalDpi xmlns:a14="http://schemas.microsoft.com/office/drawing/2010/main" val="0"/>
+              </a:ext>
+            </a:extLst>
+          </a:blip>
+          <a:stretch>
+            <a:fillRect/>
+          </a:stretch>
+        </p:blipFill>
+        <p:spPr>
+          <a:xfrm>
+            <a:off x="1658220" y="645106"/>
+            <a:ext cx="5247747" cy="5247747"/>
+          </a:xfrm>
+          <a:prstGeom prst="rect">
+            <a:avLst/>
+          </a:prstGeom>
+        </p:spPr>
+      </p:pic>
+      <p:sp>
+        <p:nvSpPr>
+          <p:cNvPr id="3" name="Text Placeholder 2">
+            <a:extLst>
+              <a:ext uri="{FF2B5EF4-FFF2-40B4-BE49-F238E27FC236}">
+                <a16:creationId xmlns:a16="http://schemas.microsoft.com/office/drawing/2014/main" id="{C879B75C-DE83-2755-ADD4-812E7B608750}"/>
               </a:ext>
             </a:extLst>
           </p:cNvPr>
@@ -29576,14 +32688,82 @@
             <a:spLocks noGrp="1"/>
           </p:cNvSpPr>
           <p:nvPr>
-            <p:ph idx="1"/>
+            <p:ph type="body" sz="half" idx="2"/>
           </p:nvPr>
         </p:nvSpPr>
-        <p:spPr/>
+        <p:spPr>
+          <a:xfrm>
+            <a:off x="7860667" y="2286000"/>
+            <a:ext cx="3656419" cy="3581400"/>
+          </a:xfrm>
+        </p:spPr>
         <p:txBody>
-          <a:bodyPr/>
+          <a:bodyPr vert="horz" lIns="91440" tIns="45720" rIns="91440" bIns="45720" rtlCol="0">
+            <a:normAutofit/>
+          </a:bodyPr>
           <a:lstStyle/>
           <a:p>
+            <a:pPr marL="384048" indent="-384048">
+              <a:lnSpc>
+                <a:spcPct val="94000"/>
+              </a:lnSpc>
+              <a:spcAft>
+                <a:spcPts val="200"/>
+              </a:spcAft>
+            </a:pPr>
+            <a:r>
+              <a:rPr lang="en-US" dirty="0"/>
+              <a:t>Chris Woody Woodruff</a:t>
+            </a:r>
+          </a:p>
+          <a:p>
+            <a:pPr marL="384048" indent="-384048">
+              <a:lnSpc>
+                <a:spcPct val="94000"/>
+              </a:lnSpc>
+              <a:spcAft>
+                <a:spcPts val="200"/>
+              </a:spcAft>
+            </a:pPr>
+            <a:endParaRPr lang="en-US" dirty="0"/>
+          </a:p>
+          <a:p>
+            <a:pPr marL="384048" indent="-384048">
+              <a:lnSpc>
+                <a:spcPct val="94000"/>
+              </a:lnSpc>
+              <a:spcAft>
+                <a:spcPts val="200"/>
+              </a:spcAft>
+            </a:pPr>
+            <a:r>
+              <a:rPr lang="en-US" dirty="0"/>
+              <a:t>cwoodruff@live.com</a:t>
+            </a:r>
+          </a:p>
+          <a:p>
+            <a:pPr marL="384048" indent="-384048">
+              <a:lnSpc>
+                <a:spcPct val="94000"/>
+              </a:lnSpc>
+              <a:spcAft>
+                <a:spcPts val="200"/>
+              </a:spcAft>
+            </a:pPr>
+            <a:r>
+              <a:rPr lang="en-US" dirty="0"/>
+              <a:t>https://woodruff.dev</a:t>
+            </a:r>
+          </a:p>
+          <a:p>
+            <a:pPr marL="384048" indent="-384048">
+              <a:lnSpc>
+                <a:spcPct val="94000"/>
+              </a:lnSpc>
+              <a:spcAft>
+                <a:spcPts val="200"/>
+              </a:spcAft>
+            </a:pPr>
             <a:endParaRPr lang="en-US" dirty="0"/>
           </a:p>
         </p:txBody>
@@ -29596,7 +32776,7 @@
     </p:extLst>
   </p:cSld>
   <p:clrMapOvr>
-    <a:masterClrMapping/>
+    <a:overrideClrMapping bg1="dk1" tx1="lt1" bg2="dk2" tx2="lt2" accent1="accent1" accent2="accent2" accent3="accent3" accent4="accent4" accent5="accent5" accent6="accent6" hlink="hlink" folHlink="folHlink"/>
   </p:clrMapOvr>
 </p:sld>
 </file>
@@ -30810,65 +33990,37 @@
           </a:p>
         </p:txBody>
       </p:sp>
-      <p:sp>
-        <p:nvSpPr>
-          <p:cNvPr id="5" name="Content Placeholder 4">
+      <p:graphicFrame>
+        <p:nvGraphicFramePr>
+          <p:cNvPr id="11" name="Content Placeholder 4">
             <a:extLst>
               <a:ext uri="{FF2B5EF4-FFF2-40B4-BE49-F238E27FC236}">
-                <a16:creationId xmlns:a16="http://schemas.microsoft.com/office/drawing/2014/main" id="{2E72D26E-EBAE-93B2-6C1A-888BDAAA0432}"/>
+                <a16:creationId xmlns:a16="http://schemas.microsoft.com/office/drawing/2014/main" id="{30F792E0-38C2-D0EC-49B4-F70410639E6C}"/>
               </a:ext>
             </a:extLst>
           </p:cNvPr>
-          <p:cNvSpPr>
-            <a:spLocks noGrp="1"/>
-          </p:cNvSpPr>
+          <p:cNvGraphicFramePr>
+            <a:graphicFrameLocks noGrp="1"/>
+          </p:cNvGraphicFramePr>
           <p:nvPr>
             <p:ph sz="half" idx="2"/>
+            <p:extLst>
+              <p:ext uri="{D42A27DB-BD31-4B8C-83A1-F6EECF244321}">
+                <p14:modId xmlns:p14="http://schemas.microsoft.com/office/powerpoint/2010/main" val="1802384291"/>
+              </p:ext>
+            </p:extLst>
           </p:nvPr>
-        </p:nvSpPr>
-        <p:spPr>
-          <a:xfrm>
-            <a:off x="1371600" y="2650007"/>
-            <a:ext cx="5000400" cy="3621193"/>
-          </a:xfrm>
-        </p:spPr>
-        <p:txBody>
-          <a:bodyPr>
-            <a:normAutofit/>
-          </a:bodyPr>
-          <a:lstStyle/>
-          <a:p>
-            <a:r>
-              <a:rPr lang="en-US" b="1" dirty="0"/>
-              <a:t>Cloud-Agnostic</a:t>
-            </a:r>
-            <a:r>
-              <a:rPr lang="en-US" dirty="0"/>
-              <a:t>: Works across multiple cloud providers (Azure, AWS, GCP, etc.), enabling true multi-cloud infrastructure management.</a:t>
-            </a:r>
-          </a:p>
-          <a:p>
-            <a:r>
-              <a:rPr lang="en-US" b="1" dirty="0"/>
-              <a:t>Declarative Syntax (HCL)</a:t>
-            </a:r>
-            <a:r>
-              <a:rPr lang="en-US" dirty="0"/>
-              <a:t>: Uses HashiCorp Configuration Language (HCL), which is easy to read and manage.</a:t>
-            </a:r>
-          </a:p>
-          <a:p>
-            <a:r>
-              <a:rPr lang="en-US" b="1" dirty="0"/>
-              <a:t>Strong Community Support and Module Reuse</a:t>
-            </a:r>
-            <a:r>
-              <a:rPr lang="en-US" dirty="0"/>
-              <a:t>: The Terraform Registry offers a wide range of reusable modules.</a:t>
-            </a:r>
-          </a:p>
-        </p:txBody>
-      </p:sp>
+        </p:nvGraphicFramePr>
+        <p:xfrm>
+          <a:off x="1371600" y="2650007"/>
+          <a:ext cx="5000400" cy="3621193"/>
+        </p:xfrm>
+        <a:graphic>
+          <a:graphicData uri="http://schemas.openxmlformats.org/drawingml/2006/diagram">
+            <dgm:relIds xmlns:dgm="http://schemas.openxmlformats.org/drawingml/2006/diagram" xmlns:r="http://schemas.openxmlformats.org/officeDocument/2006/relationships" r:dm="rId2" r:lo="rId3" r:qs="rId4" r:cs="rId5"/>
+          </a:graphicData>
+        </a:graphic>
+      </p:graphicFrame>
       <p:sp>
         <p:nvSpPr>
           <p:cNvPr id="6" name="Text Placeholder 5">

--- a/slides/0-Introduction to Terraform.pptx
+++ b/slides/0-Introduction to Terraform.pptx
@@ -2612,15 +2612,15 @@
 </file>
 
 <file path=ppt/diagrams/colors4.xml><?xml version="1.0" encoding="utf-8"?>
-<dgm:colorsDef xmlns:dgm="http://schemas.openxmlformats.org/drawingml/2006/diagram" xmlns:a="http://schemas.openxmlformats.org/drawingml/2006/main" uniqueId="urn:microsoft.com/office/officeart/2005/8/colors/accent1_2">
+<dgm:colorsDef xmlns:dgm="http://schemas.openxmlformats.org/drawingml/2006/diagram" xmlns:a="http://schemas.openxmlformats.org/drawingml/2006/main" uniqueId="urn:microsoft.com/office/officeart/2005/8/colors/accent4_2">
   <dgm:title val=""/>
   <dgm:desc val=""/>
   <dgm:catLst>
-    <dgm:cat type="accent1" pri="11200"/>
+    <dgm:cat type="accent4" pri="11200"/>
   </dgm:catLst>
   <dgm:styleLbl name="node0">
     <dgm:fillClrLst meth="repeat">
-      <a:schemeClr val="accent1"/>
+      <a:schemeClr val="accent4"/>
     </dgm:fillClrLst>
     <dgm:linClrLst meth="repeat">
       <a:schemeClr val="lt1"/>
@@ -2630,21 +2630,33 @@
     <dgm:txFillClrLst/>
     <dgm:txEffectClrLst/>
   </dgm:styleLbl>
+  <dgm:styleLbl name="node1">
+    <dgm:fillClrLst meth="repeat">
+      <a:schemeClr val="accent4"/>
+    </dgm:fillClrLst>
+    <dgm:linClrLst meth="repeat">
+      <a:schemeClr val="lt1"/>
+    </dgm:linClrLst>
+    <dgm:effectClrLst/>
+    <dgm:txLinClrLst/>
+    <dgm:txFillClrLst/>
+    <dgm:txEffectClrLst/>
+  </dgm:styleLbl>
   <dgm:styleLbl name="alignNode1">
     <dgm:fillClrLst meth="repeat">
-      <a:schemeClr val="accent1"/>
+      <a:schemeClr val="accent4"/>
     </dgm:fillClrLst>
     <dgm:linClrLst meth="repeat">
-      <a:schemeClr val="accent1"/>
+      <a:schemeClr val="accent4"/>
     </dgm:linClrLst>
     <dgm:effectClrLst/>
     <dgm:txLinClrLst/>
     <dgm:txFillClrLst/>
     <dgm:txEffectClrLst/>
   </dgm:styleLbl>
-  <dgm:styleLbl name="node1">
+  <dgm:styleLbl name="lnNode1">
     <dgm:fillClrLst meth="repeat">
-      <a:schemeClr val="accent1"/>
+      <a:schemeClr val="accent4"/>
     </dgm:fillClrLst>
     <dgm:linClrLst meth="repeat">
       <a:schemeClr val="lt1"/>
@@ -2654,9 +2666,11 @@
     <dgm:txFillClrLst/>
     <dgm:txEffectClrLst/>
   </dgm:styleLbl>
-  <dgm:styleLbl name="lnNode1">
+  <dgm:styleLbl name="vennNode1">
     <dgm:fillClrLst meth="repeat">
-      <a:schemeClr val="accent1"/>
+      <a:schemeClr val="accent4">
+        <a:alpha val="50000"/>
+      </a:schemeClr>
     </dgm:fillClrLst>
     <dgm:linClrLst meth="repeat">
       <a:schemeClr val="lt1"/>
@@ -2666,11 +2680,9 @@
     <dgm:txFillClrLst/>
     <dgm:txEffectClrLst/>
   </dgm:styleLbl>
-  <dgm:styleLbl name="vennNode1">
+  <dgm:styleLbl name="node2">
     <dgm:fillClrLst meth="repeat">
-      <a:schemeClr val="accent1">
-        <a:alpha val="50000"/>
-      </a:schemeClr>
+      <a:schemeClr val="accent4"/>
     </dgm:fillClrLst>
     <dgm:linClrLst meth="repeat">
       <a:schemeClr val="lt1"/>
@@ -2680,9 +2692,9 @@
     <dgm:txFillClrLst/>
     <dgm:txEffectClrLst/>
   </dgm:styleLbl>
-  <dgm:styleLbl name="node2">
+  <dgm:styleLbl name="node3">
     <dgm:fillClrLst meth="repeat">
-      <a:schemeClr val="accent1"/>
+      <a:schemeClr val="accent4"/>
     </dgm:fillClrLst>
     <dgm:linClrLst meth="repeat">
       <a:schemeClr val="lt1"/>
@@ -2692,9 +2704,9 @@
     <dgm:txFillClrLst/>
     <dgm:txEffectClrLst/>
   </dgm:styleLbl>
-  <dgm:styleLbl name="node3">
+  <dgm:styleLbl name="node4">
     <dgm:fillClrLst meth="repeat">
-      <a:schemeClr val="accent1"/>
+      <a:schemeClr val="accent4"/>
     </dgm:fillClrLst>
     <dgm:linClrLst meth="repeat">
       <a:schemeClr val="lt1"/>
@@ -2704,21 +2716,9 @@
     <dgm:txFillClrLst/>
     <dgm:txEffectClrLst/>
   </dgm:styleLbl>
-  <dgm:styleLbl name="node4">
-    <dgm:fillClrLst meth="repeat">
-      <a:schemeClr val="accent1"/>
-    </dgm:fillClrLst>
-    <dgm:linClrLst meth="repeat">
-      <a:schemeClr val="lt1"/>
-    </dgm:linClrLst>
-    <dgm:effectClrLst/>
-    <dgm:txLinClrLst/>
-    <dgm:txFillClrLst/>
-    <dgm:txEffectClrLst/>
-  </dgm:styleLbl>
   <dgm:styleLbl name="fgImgPlace1">
     <dgm:fillClrLst meth="repeat">
-      <a:schemeClr val="accent1">
+      <a:schemeClr val="accent4">
         <a:tint val="50000"/>
       </a:schemeClr>
     </dgm:fillClrLst>
@@ -2734,7 +2734,7 @@
   </dgm:styleLbl>
   <dgm:styleLbl name="alignImgPlace1">
     <dgm:fillClrLst meth="repeat">
-      <a:schemeClr val="accent1">
+      <a:schemeClr val="accent4">
         <a:tint val="50000"/>
       </a:schemeClr>
     </dgm:fillClrLst>
@@ -2750,7 +2750,7 @@
   </dgm:styleLbl>
   <dgm:styleLbl name="bgImgPlace1">
     <dgm:fillClrLst meth="repeat">
-      <a:schemeClr val="accent1">
+      <a:schemeClr val="accent4">
         <a:tint val="50000"/>
       </a:schemeClr>
     </dgm:fillClrLst>
@@ -2766,12 +2766,12 @@
   </dgm:styleLbl>
   <dgm:styleLbl name="sibTrans2D1">
     <dgm:fillClrLst meth="repeat">
-      <a:schemeClr val="accent1">
+      <a:schemeClr val="accent4">
         <a:tint val="60000"/>
       </a:schemeClr>
     </dgm:fillClrLst>
     <dgm:linClrLst meth="repeat">
-      <a:schemeClr val="accent1">
+      <a:schemeClr val="accent4">
         <a:tint val="60000"/>
       </a:schemeClr>
     </dgm:linClrLst>
@@ -2782,12 +2782,12 @@
   </dgm:styleLbl>
   <dgm:styleLbl name="fgSibTrans2D1">
     <dgm:fillClrLst meth="repeat">
-      <a:schemeClr val="accent1">
+      <a:schemeClr val="accent4">
         <a:tint val="60000"/>
       </a:schemeClr>
     </dgm:fillClrLst>
     <dgm:linClrLst meth="repeat">
-      <a:schemeClr val="accent1">
+      <a:schemeClr val="accent4">
         <a:tint val="60000"/>
       </a:schemeClr>
     </dgm:linClrLst>
@@ -2798,12 +2798,12 @@
   </dgm:styleLbl>
   <dgm:styleLbl name="bgSibTrans2D1">
     <dgm:fillClrLst meth="repeat">
-      <a:schemeClr val="accent1">
+      <a:schemeClr val="accent4">
         <a:tint val="60000"/>
       </a:schemeClr>
     </dgm:fillClrLst>
     <dgm:linClrLst meth="repeat">
-      <a:schemeClr val="accent1">
+      <a:schemeClr val="accent4">
         <a:tint val="60000"/>
       </a:schemeClr>
     </dgm:linClrLst>
@@ -2814,10 +2814,10 @@
   </dgm:styleLbl>
   <dgm:styleLbl name="sibTrans1D1">
     <dgm:fillClrLst meth="repeat">
-      <a:schemeClr val="accent1"/>
+      <a:schemeClr val="accent4"/>
     </dgm:fillClrLst>
     <dgm:linClrLst meth="repeat">
-      <a:schemeClr val="accent1"/>
+      <a:schemeClr val="accent4"/>
     </dgm:linClrLst>
     <dgm:effectClrLst/>
     <dgm:txLinClrLst/>
@@ -2828,10 +2828,10 @@
   </dgm:styleLbl>
   <dgm:styleLbl name="callout">
     <dgm:fillClrLst meth="repeat">
-      <a:schemeClr val="accent1"/>
+      <a:schemeClr val="accent4"/>
     </dgm:fillClrLst>
     <dgm:linClrLst meth="repeat">
-      <a:schemeClr val="accent1">
+      <a:schemeClr val="accent4">
         <a:tint val="50000"/>
       </a:schemeClr>
     </dgm:linClrLst>
@@ -2844,7 +2844,7 @@
   </dgm:styleLbl>
   <dgm:styleLbl name="asst0">
     <dgm:fillClrLst meth="repeat">
-      <a:schemeClr val="accent1"/>
+      <a:schemeClr val="accent4"/>
     </dgm:fillClrLst>
     <dgm:linClrLst meth="repeat">
       <a:schemeClr val="lt1"/>
@@ -2856,7 +2856,7 @@
   </dgm:styleLbl>
   <dgm:styleLbl name="asst1">
     <dgm:fillClrLst meth="repeat">
-      <a:schemeClr val="accent1"/>
+      <a:schemeClr val="accent4"/>
     </dgm:fillClrLst>
     <dgm:linClrLst meth="repeat">
       <a:schemeClr val="lt1"/>
@@ -2868,7 +2868,7 @@
   </dgm:styleLbl>
   <dgm:styleLbl name="asst2">
     <dgm:fillClrLst meth="repeat">
-      <a:schemeClr val="accent1"/>
+      <a:schemeClr val="accent4"/>
     </dgm:fillClrLst>
     <dgm:linClrLst meth="repeat">
       <a:schemeClr val="lt1"/>
@@ -2880,7 +2880,7 @@
   </dgm:styleLbl>
   <dgm:styleLbl name="asst3">
     <dgm:fillClrLst meth="repeat">
-      <a:schemeClr val="accent1"/>
+      <a:schemeClr val="accent4"/>
     </dgm:fillClrLst>
     <dgm:linClrLst meth="repeat">
       <a:schemeClr val="lt1"/>
@@ -2892,7 +2892,7 @@
   </dgm:styleLbl>
   <dgm:styleLbl name="asst4">
     <dgm:fillClrLst meth="repeat">
-      <a:schemeClr val="accent1"/>
+      <a:schemeClr val="accent4"/>
     </dgm:fillClrLst>
     <dgm:linClrLst meth="repeat">
       <a:schemeClr val="lt1"/>
@@ -2904,12 +2904,12 @@
   </dgm:styleLbl>
   <dgm:styleLbl name="parChTrans2D1">
     <dgm:fillClrLst meth="repeat">
-      <a:schemeClr val="accent1">
+      <a:schemeClr val="accent4">
         <a:tint val="60000"/>
       </a:schemeClr>
     </dgm:fillClrLst>
     <dgm:linClrLst meth="repeat">
-      <a:schemeClr val="accent1">
+      <a:schemeClr val="accent4">
         <a:tint val="60000"/>
       </a:schemeClr>
     </dgm:linClrLst>
@@ -2922,10 +2922,10 @@
   </dgm:styleLbl>
   <dgm:styleLbl name="parChTrans2D2">
     <dgm:fillClrLst meth="repeat">
-      <a:schemeClr val="accent1"/>
+      <a:schemeClr val="accent4"/>
     </dgm:fillClrLst>
     <dgm:linClrLst meth="repeat">
-      <a:schemeClr val="accent1"/>
+      <a:schemeClr val="accent4"/>
     </dgm:linClrLst>
     <dgm:effectClrLst/>
     <dgm:txLinClrLst/>
@@ -2936,10 +2936,10 @@
   </dgm:styleLbl>
   <dgm:styleLbl name="parChTrans2D3">
     <dgm:fillClrLst meth="repeat">
-      <a:schemeClr val="accent1"/>
+      <a:schemeClr val="accent4"/>
     </dgm:fillClrLst>
     <dgm:linClrLst meth="repeat">
-      <a:schemeClr val="accent1"/>
+      <a:schemeClr val="accent4"/>
     </dgm:linClrLst>
     <dgm:effectClrLst/>
     <dgm:txLinClrLst/>
@@ -2950,10 +2950,10 @@
   </dgm:styleLbl>
   <dgm:styleLbl name="parChTrans2D4">
     <dgm:fillClrLst meth="repeat">
-      <a:schemeClr val="accent1"/>
+      <a:schemeClr val="accent4"/>
     </dgm:fillClrLst>
     <dgm:linClrLst meth="repeat">
-      <a:schemeClr val="accent1"/>
+      <a:schemeClr val="accent4"/>
     </dgm:linClrLst>
     <dgm:effectClrLst/>
     <dgm:txLinClrLst/>
@@ -2964,10 +2964,10 @@
   </dgm:styleLbl>
   <dgm:styleLbl name="parChTrans1D1">
     <dgm:fillClrLst meth="repeat">
-      <a:schemeClr val="accent1"/>
+      <a:schemeClr val="accent4"/>
     </dgm:fillClrLst>
     <dgm:linClrLst meth="repeat">
-      <a:schemeClr val="accent1">
+      <a:schemeClr val="accent4">
         <a:shade val="60000"/>
       </a:schemeClr>
     </dgm:linClrLst>
@@ -2980,10 +2980,10 @@
   </dgm:styleLbl>
   <dgm:styleLbl name="parChTrans1D2">
     <dgm:fillClrLst meth="repeat">
-      <a:schemeClr val="accent1"/>
+      <a:schemeClr val="accent4"/>
     </dgm:fillClrLst>
     <dgm:linClrLst meth="repeat">
-      <a:schemeClr val="accent1">
+      <a:schemeClr val="accent4">
         <a:shade val="60000"/>
       </a:schemeClr>
     </dgm:linClrLst>
@@ -2996,10 +2996,10 @@
   </dgm:styleLbl>
   <dgm:styleLbl name="parChTrans1D3">
     <dgm:fillClrLst meth="repeat">
-      <a:schemeClr val="accent1"/>
+      <a:schemeClr val="accent4"/>
     </dgm:fillClrLst>
     <dgm:linClrLst meth="repeat">
-      <a:schemeClr val="accent1">
+      <a:schemeClr val="accent4">
         <a:shade val="80000"/>
       </a:schemeClr>
     </dgm:linClrLst>
@@ -3012,10 +3012,10 @@
   </dgm:styleLbl>
   <dgm:styleLbl name="parChTrans1D4">
     <dgm:fillClrLst meth="repeat">
-      <a:schemeClr val="accent1"/>
+      <a:schemeClr val="accent4"/>
     </dgm:fillClrLst>
     <dgm:linClrLst meth="repeat">
-      <a:schemeClr val="accent1">
+      <a:schemeClr val="accent4">
         <a:shade val="80000"/>
       </a:schemeClr>
     </dgm:linClrLst>
@@ -3033,7 +3033,7 @@
       </a:schemeClr>
     </dgm:fillClrLst>
     <dgm:linClrLst meth="repeat">
-      <a:schemeClr val="accent1"/>
+      <a:schemeClr val="accent4"/>
     </dgm:linClrLst>
     <dgm:effectClrLst/>
     <dgm:txLinClrLst/>
@@ -3049,7 +3049,7 @@
       </a:schemeClr>
     </dgm:fillClrLst>
     <dgm:linClrLst meth="repeat">
-      <a:schemeClr val="accent1"/>
+      <a:schemeClr val="accent4"/>
     </dgm:linClrLst>
     <dgm:effectClrLst/>
     <dgm:txLinClrLst/>
@@ -3065,7 +3065,7 @@
       </a:schemeClr>
     </dgm:fillClrLst>
     <dgm:linClrLst meth="repeat">
-      <a:schemeClr val="accent1"/>
+      <a:schemeClr val="accent4"/>
     </dgm:linClrLst>
     <dgm:effectClrLst/>
     <dgm:txLinClrLst/>
@@ -3081,7 +3081,7 @@
       </a:schemeClr>
     </dgm:fillClrLst>
     <dgm:linClrLst meth="repeat">
-      <a:schemeClr val="accent1"/>
+      <a:schemeClr val="accent4"/>
     </dgm:linClrLst>
     <dgm:effectClrLst/>
     <dgm:txLinClrLst/>
@@ -3097,7 +3097,7 @@
       </a:schemeClr>
     </dgm:fillClrLst>
     <dgm:linClrLst meth="repeat">
-      <a:schemeClr val="accent1"/>
+      <a:schemeClr val="accent4"/>
     </dgm:linClrLst>
     <dgm:effectClrLst/>
     <dgm:txLinClrLst/>
@@ -3111,7 +3111,7 @@
       <a:schemeClr val="lt1"/>
     </dgm:fillClrLst>
     <dgm:linClrLst meth="repeat">
-      <a:schemeClr val="accent1"/>
+      <a:schemeClr val="accent4"/>
     </dgm:linClrLst>
     <dgm:effectClrLst/>
     <dgm:txLinClrLst/>
@@ -3125,7 +3125,7 @@
       <a:schemeClr val="lt1"/>
     </dgm:fillClrLst>
     <dgm:linClrLst meth="repeat">
-      <a:schemeClr val="accent1"/>
+      <a:schemeClr val="accent4"/>
     </dgm:linClrLst>
     <dgm:effectClrLst/>
     <dgm:txLinClrLst/>
@@ -3139,7 +3139,7 @@
       <a:schemeClr val="lt1"/>
     </dgm:fillClrLst>
     <dgm:linClrLst meth="repeat">
-      <a:schemeClr val="accent1"/>
+      <a:schemeClr val="accent4"/>
     </dgm:linClrLst>
     <dgm:effectClrLst/>
     <dgm:txLinClrLst/>
@@ -3150,13 +3150,13 @@
   </dgm:styleLbl>
   <dgm:styleLbl name="fgAccFollowNode1">
     <dgm:fillClrLst meth="repeat">
-      <a:schemeClr val="accent1">
+      <a:schemeClr val="accent4">
         <a:alpha val="90000"/>
         <a:tint val="40000"/>
       </a:schemeClr>
     </dgm:fillClrLst>
     <dgm:linClrLst meth="repeat">
-      <a:schemeClr val="accent1">
+      <a:schemeClr val="accent4">
         <a:alpha val="90000"/>
         <a:tint val="40000"/>
       </a:schemeClr>
@@ -3170,13 +3170,13 @@
   </dgm:styleLbl>
   <dgm:styleLbl name="alignAccFollowNode1">
     <dgm:fillClrLst meth="repeat">
-      <a:schemeClr val="accent1">
+      <a:schemeClr val="accent4">
         <a:alpha val="90000"/>
         <a:tint val="40000"/>
       </a:schemeClr>
     </dgm:fillClrLst>
     <dgm:linClrLst meth="repeat">
-      <a:schemeClr val="accent1">
+      <a:schemeClr val="accent4">
         <a:alpha val="90000"/>
         <a:tint val="40000"/>
       </a:schemeClr>
@@ -3190,13 +3190,13 @@
   </dgm:styleLbl>
   <dgm:styleLbl name="bgAccFollowNode1">
     <dgm:fillClrLst meth="repeat">
-      <a:schemeClr val="accent1">
+      <a:schemeClr val="accent4">
         <a:alpha val="90000"/>
         <a:tint val="40000"/>
       </a:schemeClr>
     </dgm:fillClrLst>
     <dgm:linClrLst meth="repeat">
-      <a:schemeClr val="accent1">
+      <a:schemeClr val="accent4">
         <a:alpha val="90000"/>
         <a:tint val="40000"/>
       </a:schemeClr>
@@ -3215,7 +3215,7 @@
       </a:schemeClr>
     </dgm:fillClrLst>
     <dgm:linClrLst meth="repeat">
-      <a:schemeClr val="accent1"/>
+      <a:schemeClr val="accent4"/>
     </dgm:linClrLst>
     <dgm:effectClrLst/>
     <dgm:txLinClrLst/>
@@ -3231,7 +3231,7 @@
       </a:schemeClr>
     </dgm:fillClrLst>
     <dgm:linClrLst meth="repeat">
-      <a:schemeClr val="accent1"/>
+      <a:schemeClr val="accent4"/>
     </dgm:linClrLst>
     <dgm:effectClrLst/>
     <dgm:txLinClrLst/>
@@ -3247,7 +3247,7 @@
       </a:schemeClr>
     </dgm:fillClrLst>
     <dgm:linClrLst meth="repeat">
-      <a:schemeClr val="accent1"/>
+      <a:schemeClr val="accent4"/>
     </dgm:linClrLst>
     <dgm:effectClrLst/>
     <dgm:txLinClrLst/>
@@ -3263,7 +3263,7 @@
       </a:schemeClr>
     </dgm:fillClrLst>
     <dgm:linClrLst meth="repeat">
-      <a:schemeClr val="accent1"/>
+      <a:schemeClr val="accent4"/>
     </dgm:linClrLst>
     <dgm:effectClrLst/>
     <dgm:txLinClrLst/>
@@ -3274,12 +3274,12 @@
   </dgm:styleLbl>
   <dgm:styleLbl name="bgShp">
     <dgm:fillClrLst meth="repeat">
-      <a:schemeClr val="accent1">
+      <a:schemeClr val="accent4">
         <a:tint val="40000"/>
       </a:schemeClr>
     </dgm:fillClrLst>
     <dgm:linClrLst meth="repeat">
-      <a:schemeClr val="accent1"/>
+      <a:schemeClr val="accent4"/>
     </dgm:linClrLst>
     <dgm:effectClrLst/>
     <dgm:txLinClrLst/>
@@ -3290,12 +3290,12 @@
   </dgm:styleLbl>
   <dgm:styleLbl name="dkBgShp">
     <dgm:fillClrLst meth="repeat">
-      <a:schemeClr val="accent1">
+      <a:schemeClr val="accent4">
         <a:shade val="80000"/>
       </a:schemeClr>
     </dgm:fillClrLst>
     <dgm:linClrLst meth="repeat">
-      <a:schemeClr val="accent1"/>
+      <a:schemeClr val="accent4"/>
     </dgm:linClrLst>
     <dgm:effectClrLst/>
     <dgm:txLinClrLst/>
@@ -3306,13 +3306,13 @@
   </dgm:styleLbl>
   <dgm:styleLbl name="trBgShp">
     <dgm:fillClrLst meth="repeat">
-      <a:schemeClr val="accent1">
+      <a:schemeClr val="accent4">
         <a:tint val="50000"/>
         <a:alpha val="40000"/>
       </a:schemeClr>
     </dgm:fillClrLst>
     <dgm:linClrLst meth="repeat">
-      <a:schemeClr val="accent1"/>
+      <a:schemeClr val="accent4"/>
     </dgm:linClrLst>
     <dgm:effectClrLst/>
     <dgm:txLinClrLst/>
@@ -3323,7 +3323,7 @@
   </dgm:styleLbl>
   <dgm:styleLbl name="fgShp">
     <dgm:fillClrLst meth="repeat">
-      <a:schemeClr val="accent1">
+      <a:schemeClr val="accent4">
         <a:tint val="60000"/>
       </a:schemeClr>
     </dgm:fillClrLst>
@@ -4280,927 +4280,6 @@
 </file>
 
 <file path=ppt/diagrams/colors6.xml><?xml version="1.0" encoding="utf-8"?>
-<dgm:colorsDef xmlns:dgm="http://schemas.openxmlformats.org/drawingml/2006/diagram" xmlns:a="http://schemas.openxmlformats.org/drawingml/2006/main" uniqueId="urn:microsoft.com/office/officeart/2018/5/colors/Iconchunking_neutralicontext_colorful1">
-  <dgm:title val=""/>
-  <dgm:desc val=""/>
-  <dgm:catLst>
-    <dgm:cat type="colorful" pri="10100"/>
-  </dgm:catLst>
-  <dgm:styleLbl name="node0">
-    <dgm:fillClrLst meth="repeat">
-      <a:schemeClr val="accent1"/>
-    </dgm:fillClrLst>
-    <dgm:linClrLst meth="repeat">
-      <a:schemeClr val="lt1"/>
-    </dgm:linClrLst>
-    <dgm:effectClrLst/>
-    <dgm:txLinClrLst/>
-    <dgm:txFillClrLst/>
-    <dgm:txEffectClrLst/>
-  </dgm:styleLbl>
-  <dgm:styleLbl name="node1">
-    <dgm:fillClrLst meth="repeat">
-      <a:schemeClr val="bg1"/>
-    </dgm:fillClrLst>
-    <dgm:linClrLst meth="repeat">
-      <a:schemeClr val="lt1">
-        <a:alpha val="0"/>
-      </a:schemeClr>
-    </dgm:linClrLst>
-    <dgm:effectClrLst/>
-    <dgm:txLinClrLst/>
-    <dgm:txFillClrLst meth="repeat">
-      <a:schemeClr val="dk1"/>
-    </dgm:txFillClrLst>
-    <dgm:txEffectClrLst/>
-  </dgm:styleLbl>
-  <dgm:styleLbl name="alignNode1">
-    <dgm:fillClrLst meth="repeat">
-      <a:schemeClr val="accent2"/>
-      <a:schemeClr val="accent3"/>
-      <a:schemeClr val="accent4"/>
-      <a:schemeClr val="accent5"/>
-      <a:schemeClr val="accent6"/>
-    </dgm:fillClrLst>
-    <dgm:linClrLst meth="repeat">
-      <a:schemeClr val="accent2"/>
-      <a:schemeClr val="accent3"/>
-      <a:schemeClr val="accent4"/>
-      <a:schemeClr val="accent5"/>
-      <a:schemeClr val="accent6"/>
-    </dgm:linClrLst>
-    <dgm:effectClrLst/>
-    <dgm:txLinClrLst/>
-    <dgm:txFillClrLst/>
-    <dgm:txEffectClrLst/>
-  </dgm:styleLbl>
-  <dgm:styleLbl name="lnNode1">
-    <dgm:fillClrLst meth="repeat">
-      <a:schemeClr val="accent2"/>
-      <a:schemeClr val="accent3"/>
-      <a:schemeClr val="accent4"/>
-      <a:schemeClr val="accent5"/>
-      <a:schemeClr val="accent6"/>
-    </dgm:fillClrLst>
-    <dgm:linClrLst meth="repeat">
-      <a:schemeClr val="lt1"/>
-    </dgm:linClrLst>
-    <dgm:effectClrLst/>
-    <dgm:txLinClrLst/>
-    <dgm:txFillClrLst/>
-    <dgm:txEffectClrLst/>
-  </dgm:styleLbl>
-  <dgm:styleLbl name="vennNode1">
-    <dgm:fillClrLst meth="repeat">
-      <a:schemeClr val="accent2">
-        <a:alpha val="50000"/>
-      </a:schemeClr>
-      <a:schemeClr val="accent3">
-        <a:alpha val="50000"/>
-      </a:schemeClr>
-      <a:schemeClr val="accent4">
-        <a:alpha val="50000"/>
-      </a:schemeClr>
-      <a:schemeClr val="accent5">
-        <a:alpha val="50000"/>
-      </a:schemeClr>
-      <a:schemeClr val="accent6">
-        <a:alpha val="50000"/>
-      </a:schemeClr>
-    </dgm:fillClrLst>
-    <dgm:linClrLst meth="repeat">
-      <a:schemeClr val="lt1"/>
-    </dgm:linClrLst>
-    <dgm:effectClrLst/>
-    <dgm:txLinClrLst/>
-    <dgm:txFillClrLst/>
-    <dgm:txEffectClrLst/>
-  </dgm:styleLbl>
-  <dgm:styleLbl name="node2">
-    <dgm:fillClrLst>
-      <a:schemeClr val="accent2"/>
-    </dgm:fillClrLst>
-    <dgm:linClrLst meth="repeat">
-      <a:schemeClr val="lt1"/>
-    </dgm:linClrLst>
-    <dgm:effectClrLst/>
-    <dgm:txLinClrLst/>
-    <dgm:txFillClrLst/>
-    <dgm:txEffectClrLst/>
-  </dgm:styleLbl>
-  <dgm:styleLbl name="node3">
-    <dgm:fillClrLst>
-      <a:schemeClr val="accent3"/>
-    </dgm:fillClrLst>
-    <dgm:linClrLst meth="repeat">
-      <a:schemeClr val="lt1"/>
-    </dgm:linClrLst>
-    <dgm:effectClrLst/>
-    <dgm:txLinClrLst/>
-    <dgm:txFillClrLst/>
-    <dgm:txEffectClrLst/>
-  </dgm:styleLbl>
-  <dgm:styleLbl name="node4">
-    <dgm:fillClrLst>
-      <a:schemeClr val="accent4"/>
-    </dgm:fillClrLst>
-    <dgm:linClrLst meth="repeat">
-      <a:schemeClr val="lt1"/>
-    </dgm:linClrLst>
-    <dgm:effectClrLst/>
-    <dgm:txLinClrLst/>
-    <dgm:txFillClrLst/>
-    <dgm:txEffectClrLst/>
-  </dgm:styleLbl>
-  <dgm:styleLbl name="fgImgPlace1">
-    <dgm:fillClrLst meth="repeat">
-      <a:schemeClr val="accent2">
-        <a:tint val="50000"/>
-      </a:schemeClr>
-      <a:schemeClr val="accent3">
-        <a:tint val="50000"/>
-      </a:schemeClr>
-      <a:schemeClr val="accent4">
-        <a:tint val="50000"/>
-      </a:schemeClr>
-      <a:schemeClr val="accent5">
-        <a:tint val="50000"/>
-      </a:schemeClr>
-      <a:schemeClr val="accent6">
-        <a:tint val="50000"/>
-      </a:schemeClr>
-    </dgm:fillClrLst>
-    <dgm:linClrLst meth="repeat">
-      <a:schemeClr val="lt1"/>
-    </dgm:linClrLst>
-    <dgm:effectClrLst/>
-    <dgm:txLinClrLst/>
-    <dgm:txFillClrLst meth="repeat">
-      <a:schemeClr val="lt1"/>
-    </dgm:txFillClrLst>
-    <dgm:txEffectClrLst/>
-  </dgm:styleLbl>
-  <dgm:styleLbl name="alignImgPlace1">
-    <dgm:fillClrLst>
-      <a:schemeClr val="accent1">
-        <a:tint val="50000"/>
-      </a:schemeClr>
-      <a:schemeClr val="accent2">
-        <a:tint val="20000"/>
-      </a:schemeClr>
-    </dgm:fillClrLst>
-    <dgm:linClrLst meth="repeat">
-      <a:schemeClr val="lt1"/>
-    </dgm:linClrLst>
-    <dgm:effectClrLst/>
-    <dgm:txLinClrLst/>
-    <dgm:txFillClrLst meth="repeat">
-      <a:schemeClr val="lt1"/>
-    </dgm:txFillClrLst>
-    <dgm:txEffectClrLst/>
-  </dgm:styleLbl>
-  <dgm:styleLbl name="bgImgPlace1">
-    <dgm:fillClrLst>
-      <a:schemeClr val="accent1">
-        <a:tint val="50000"/>
-      </a:schemeClr>
-      <a:schemeClr val="accent2">
-        <a:tint val="20000"/>
-      </a:schemeClr>
-    </dgm:fillClrLst>
-    <dgm:linClrLst meth="repeat">
-      <a:schemeClr val="lt1"/>
-    </dgm:linClrLst>
-    <dgm:effectClrLst/>
-    <dgm:txLinClrLst/>
-    <dgm:txFillClrLst meth="repeat">
-      <a:schemeClr val="lt1"/>
-    </dgm:txFillClrLst>
-    <dgm:txEffectClrLst/>
-  </dgm:styleLbl>
-  <dgm:styleLbl name="sibTrans2D1">
-    <dgm:fillClrLst meth="repeat">
-      <a:schemeClr val="accent2"/>
-      <a:schemeClr val="accent3"/>
-      <a:schemeClr val="accent4"/>
-      <a:schemeClr val="accent5"/>
-      <a:schemeClr val="accent6"/>
-    </dgm:fillClrLst>
-    <dgm:linClrLst meth="cycle">
-      <a:schemeClr val="lt1"/>
-    </dgm:linClrLst>
-    <dgm:effectClrLst/>
-    <dgm:txLinClrLst/>
-    <dgm:txFillClrLst/>
-    <dgm:txEffectClrLst/>
-  </dgm:styleLbl>
-  <dgm:styleLbl name="fgSibTrans2D1">
-    <dgm:fillClrLst meth="repeat">
-      <a:schemeClr val="accent2"/>
-      <a:schemeClr val="accent3"/>
-      <a:schemeClr val="accent4"/>
-      <a:schemeClr val="accent5"/>
-      <a:schemeClr val="accent6"/>
-    </dgm:fillClrLst>
-    <dgm:linClrLst meth="cycle">
-      <a:schemeClr val="lt1"/>
-    </dgm:linClrLst>
-    <dgm:effectClrLst/>
-    <dgm:txLinClrLst/>
-    <dgm:txFillClrLst meth="repeat">
-      <a:schemeClr val="lt1"/>
-    </dgm:txFillClrLst>
-    <dgm:txEffectClrLst/>
-  </dgm:styleLbl>
-  <dgm:styleLbl name="bgSibTrans2D1">
-    <dgm:fillClrLst meth="repeat">
-      <a:schemeClr val="accent2"/>
-      <a:schemeClr val="accent3"/>
-      <a:schemeClr val="accent4"/>
-      <a:schemeClr val="accent5"/>
-      <a:schemeClr val="accent6"/>
-    </dgm:fillClrLst>
-    <dgm:linClrLst meth="cycle">
-      <a:schemeClr val="lt1"/>
-    </dgm:linClrLst>
-    <dgm:effectClrLst/>
-    <dgm:txLinClrLst/>
-    <dgm:txFillClrLst meth="repeat">
-      <a:schemeClr val="lt1"/>
-    </dgm:txFillClrLst>
-    <dgm:txEffectClrLst/>
-  </dgm:styleLbl>
-  <dgm:styleLbl name="sibTrans1D1">
-    <dgm:fillClrLst meth="repeat">
-      <a:schemeClr val="accent2"/>
-      <a:schemeClr val="accent3"/>
-      <a:schemeClr val="accent4"/>
-      <a:schemeClr val="accent5"/>
-      <a:schemeClr val="accent6"/>
-    </dgm:fillClrLst>
-    <dgm:linClrLst meth="repeat">
-      <a:schemeClr val="accent2"/>
-      <a:schemeClr val="accent3"/>
-      <a:schemeClr val="accent4"/>
-      <a:schemeClr val="accent5"/>
-      <a:schemeClr val="accent6"/>
-    </dgm:linClrLst>
-    <dgm:effectClrLst/>
-    <dgm:txLinClrLst/>
-    <dgm:txFillClrLst meth="repeat">
-      <a:schemeClr val="tx1"/>
-    </dgm:txFillClrLst>
-    <dgm:txEffectClrLst/>
-  </dgm:styleLbl>
-  <dgm:styleLbl name="callout">
-    <dgm:fillClrLst meth="repeat">
-      <a:schemeClr val="accent2"/>
-    </dgm:fillClrLst>
-    <dgm:linClrLst meth="repeat">
-      <a:schemeClr val="accent2">
-        <a:tint val="50000"/>
-      </a:schemeClr>
-    </dgm:linClrLst>
-    <dgm:effectClrLst/>
-    <dgm:txLinClrLst/>
-    <dgm:txFillClrLst meth="repeat">
-      <a:schemeClr val="tx1"/>
-    </dgm:txFillClrLst>
-    <dgm:txEffectClrLst/>
-  </dgm:styleLbl>
-  <dgm:styleLbl name="asst0">
-    <dgm:fillClrLst meth="repeat">
-      <a:schemeClr val="accent1"/>
-    </dgm:fillClrLst>
-    <dgm:linClrLst meth="repeat">
-      <a:schemeClr val="lt1"/>
-    </dgm:linClrLst>
-    <dgm:effectClrLst/>
-    <dgm:txLinClrLst/>
-    <dgm:txFillClrLst/>
-    <dgm:txEffectClrLst/>
-  </dgm:styleLbl>
-  <dgm:styleLbl name="asst1">
-    <dgm:fillClrLst meth="repeat">
-      <a:schemeClr val="accent2"/>
-    </dgm:fillClrLst>
-    <dgm:linClrLst meth="repeat">
-      <a:schemeClr val="lt1"/>
-    </dgm:linClrLst>
-    <dgm:effectClrLst/>
-    <dgm:txLinClrLst/>
-    <dgm:txFillClrLst/>
-    <dgm:txEffectClrLst/>
-  </dgm:styleLbl>
-  <dgm:styleLbl name="asst2">
-    <dgm:fillClrLst>
-      <a:schemeClr val="accent3"/>
-    </dgm:fillClrLst>
-    <dgm:linClrLst meth="repeat">
-      <a:schemeClr val="lt1"/>
-    </dgm:linClrLst>
-    <dgm:effectClrLst/>
-    <dgm:txLinClrLst/>
-    <dgm:txFillClrLst/>
-    <dgm:txEffectClrLst/>
-  </dgm:styleLbl>
-  <dgm:styleLbl name="asst3">
-    <dgm:fillClrLst>
-      <a:schemeClr val="accent4"/>
-    </dgm:fillClrLst>
-    <dgm:linClrLst meth="repeat">
-      <a:schemeClr val="lt1"/>
-    </dgm:linClrLst>
-    <dgm:effectClrLst/>
-    <dgm:txLinClrLst/>
-    <dgm:txFillClrLst/>
-    <dgm:txEffectClrLst/>
-  </dgm:styleLbl>
-  <dgm:styleLbl name="asst4">
-    <dgm:fillClrLst>
-      <a:schemeClr val="accent5"/>
-    </dgm:fillClrLst>
-    <dgm:linClrLst meth="repeat">
-      <a:schemeClr val="lt1"/>
-    </dgm:linClrLst>
-    <dgm:effectClrLst/>
-    <dgm:txLinClrLst/>
-    <dgm:txFillClrLst/>
-    <dgm:txEffectClrLst/>
-  </dgm:styleLbl>
-  <dgm:styleLbl name="parChTrans2D1">
-    <dgm:fillClrLst meth="repeat">
-      <a:schemeClr val="accent2"/>
-    </dgm:fillClrLst>
-    <dgm:linClrLst meth="repeat">
-      <a:schemeClr val="lt1"/>
-    </dgm:linClrLst>
-    <dgm:effectClrLst/>
-    <dgm:txLinClrLst/>
-    <dgm:txFillClrLst meth="repeat">
-      <a:schemeClr val="lt1"/>
-    </dgm:txFillClrLst>
-    <dgm:txEffectClrLst/>
-  </dgm:styleLbl>
-  <dgm:styleLbl name="parChTrans2D2">
-    <dgm:fillClrLst meth="repeat">
-      <a:schemeClr val="accent3"/>
-    </dgm:fillClrLst>
-    <dgm:linClrLst meth="repeat">
-      <a:schemeClr val="lt1"/>
-    </dgm:linClrLst>
-    <dgm:effectClrLst/>
-    <dgm:txLinClrLst/>
-    <dgm:txFillClrLst/>
-    <dgm:txEffectClrLst/>
-  </dgm:styleLbl>
-  <dgm:styleLbl name="parChTrans2D3">
-    <dgm:fillClrLst meth="repeat">
-      <a:schemeClr val="accent4"/>
-    </dgm:fillClrLst>
-    <dgm:linClrLst meth="repeat">
-      <a:schemeClr val="lt1"/>
-    </dgm:linClrLst>
-    <dgm:effectClrLst/>
-    <dgm:txLinClrLst/>
-    <dgm:txFillClrLst/>
-    <dgm:txEffectClrLst/>
-  </dgm:styleLbl>
-  <dgm:styleLbl name="parChTrans2D4">
-    <dgm:fillClrLst meth="repeat">
-      <a:schemeClr val="accent5"/>
-    </dgm:fillClrLst>
-    <dgm:linClrLst meth="repeat">
-      <a:schemeClr val="lt1"/>
-    </dgm:linClrLst>
-    <dgm:effectClrLst/>
-    <dgm:txLinClrLst/>
-    <dgm:txFillClrLst meth="repeat">
-      <a:schemeClr val="lt1"/>
-    </dgm:txFillClrLst>
-    <dgm:txEffectClrLst/>
-  </dgm:styleLbl>
-  <dgm:styleLbl name="parChTrans1D1">
-    <dgm:fillClrLst meth="repeat">
-      <a:schemeClr val="accent2"/>
-    </dgm:fillClrLst>
-    <dgm:linClrLst meth="repeat">
-      <a:schemeClr val="accent1"/>
-    </dgm:linClrLst>
-    <dgm:effectClrLst/>
-    <dgm:txLinClrLst/>
-    <dgm:txFillClrLst meth="repeat">
-      <a:schemeClr val="tx1"/>
-    </dgm:txFillClrLst>
-    <dgm:txEffectClrLst/>
-  </dgm:styleLbl>
-  <dgm:styleLbl name="parChTrans1D2">
-    <dgm:fillClrLst meth="repeat">
-      <a:schemeClr val="accent3">
-        <a:tint val="90000"/>
-      </a:schemeClr>
-    </dgm:fillClrLst>
-    <dgm:linClrLst meth="repeat">
-      <a:schemeClr val="accent2"/>
-    </dgm:linClrLst>
-    <dgm:effectClrLst/>
-    <dgm:txLinClrLst/>
-    <dgm:txFillClrLst meth="repeat">
-      <a:schemeClr val="tx1"/>
-    </dgm:txFillClrLst>
-    <dgm:txEffectClrLst/>
-  </dgm:styleLbl>
-  <dgm:styleLbl name="parChTrans1D3">
-    <dgm:fillClrLst meth="repeat">
-      <a:schemeClr val="accent4">
-        <a:tint val="70000"/>
-      </a:schemeClr>
-    </dgm:fillClrLst>
-    <dgm:linClrLst meth="repeat">
-      <a:schemeClr val="accent3"/>
-    </dgm:linClrLst>
-    <dgm:effectClrLst/>
-    <dgm:txLinClrLst/>
-    <dgm:txFillClrLst meth="repeat">
-      <a:schemeClr val="tx1"/>
-    </dgm:txFillClrLst>
-    <dgm:txEffectClrLst/>
-  </dgm:styleLbl>
-  <dgm:styleLbl name="parChTrans1D4">
-    <dgm:fillClrLst meth="repeat">
-      <a:schemeClr val="accent5">
-        <a:tint val="50000"/>
-      </a:schemeClr>
-    </dgm:fillClrLst>
-    <dgm:linClrLst meth="repeat">
-      <a:schemeClr val="accent4"/>
-    </dgm:linClrLst>
-    <dgm:effectClrLst/>
-    <dgm:txLinClrLst/>
-    <dgm:txFillClrLst meth="repeat">
-      <a:schemeClr val="tx1"/>
-    </dgm:txFillClrLst>
-    <dgm:txEffectClrLst/>
-  </dgm:styleLbl>
-  <dgm:styleLbl name="fgAcc1">
-    <dgm:fillClrLst meth="repeat">
-      <a:schemeClr val="lt1">
-        <a:alpha val="90000"/>
-      </a:schemeClr>
-    </dgm:fillClrLst>
-    <dgm:linClrLst meth="repeat">
-      <a:schemeClr val="accent2"/>
-      <a:schemeClr val="accent3"/>
-      <a:schemeClr val="accent4"/>
-      <a:schemeClr val="accent5"/>
-      <a:schemeClr val="accent6"/>
-    </dgm:linClrLst>
-    <dgm:effectClrLst/>
-    <dgm:txLinClrLst/>
-    <dgm:txFillClrLst meth="repeat">
-      <a:schemeClr val="dk1"/>
-    </dgm:txFillClrLst>
-    <dgm:txEffectClrLst/>
-  </dgm:styleLbl>
-  <dgm:styleLbl name="conFgAcc1">
-    <dgm:fillClrLst meth="repeat">
-      <a:schemeClr val="lt1">
-        <a:alpha val="90000"/>
-      </a:schemeClr>
-    </dgm:fillClrLst>
-    <dgm:linClrLst meth="repeat">
-      <a:schemeClr val="accent2"/>
-      <a:schemeClr val="accent3"/>
-      <a:schemeClr val="accent4"/>
-      <a:schemeClr val="accent5"/>
-      <a:schemeClr val="accent6"/>
-    </dgm:linClrLst>
-    <dgm:effectClrLst/>
-    <dgm:txLinClrLst/>
-    <dgm:txFillClrLst meth="repeat">
-      <a:schemeClr val="dk1"/>
-    </dgm:txFillClrLst>
-    <dgm:txEffectClrLst/>
-  </dgm:styleLbl>
-  <dgm:styleLbl name="alignAcc1">
-    <dgm:fillClrLst meth="repeat">
-      <a:schemeClr val="lt1">
-        <a:alpha val="90000"/>
-      </a:schemeClr>
-    </dgm:fillClrLst>
-    <dgm:linClrLst meth="repeat">
-      <a:schemeClr val="accent2"/>
-      <a:schemeClr val="accent3"/>
-      <a:schemeClr val="accent4"/>
-      <a:schemeClr val="accent5"/>
-      <a:schemeClr val="accent6"/>
-    </dgm:linClrLst>
-    <dgm:effectClrLst/>
-    <dgm:txLinClrLst/>
-    <dgm:txFillClrLst meth="repeat">
-      <a:schemeClr val="dk1"/>
-    </dgm:txFillClrLst>
-    <dgm:txEffectClrLst/>
-  </dgm:styleLbl>
-  <dgm:styleLbl name="trAlignAcc1">
-    <dgm:fillClrLst meth="repeat">
-      <a:schemeClr val="lt1">
-        <a:alpha val="40000"/>
-      </a:schemeClr>
-    </dgm:fillClrLst>
-    <dgm:linClrLst meth="repeat">
-      <a:schemeClr val="accent1"/>
-    </dgm:linClrLst>
-    <dgm:effectClrLst/>
-    <dgm:txLinClrLst/>
-    <dgm:txFillClrLst meth="repeat">
-      <a:schemeClr val="dk1"/>
-    </dgm:txFillClrLst>
-    <dgm:txEffectClrLst/>
-  </dgm:styleLbl>
-  <dgm:styleLbl name="bgAcc1">
-    <dgm:fillClrLst meth="repeat">
-      <a:schemeClr val="lt1">
-        <a:alpha val="90000"/>
-      </a:schemeClr>
-    </dgm:fillClrLst>
-    <dgm:linClrLst meth="repeat">
-      <a:schemeClr val="accent2"/>
-      <a:schemeClr val="accent3"/>
-      <a:schemeClr val="accent4"/>
-      <a:schemeClr val="accent5"/>
-      <a:schemeClr val="accent6"/>
-    </dgm:linClrLst>
-    <dgm:effectClrLst/>
-    <dgm:txLinClrLst/>
-    <dgm:txFillClrLst meth="repeat">
-      <a:schemeClr val="dk1"/>
-    </dgm:txFillClrLst>
-    <dgm:txEffectClrLst/>
-  </dgm:styleLbl>
-  <dgm:styleLbl name="solidFgAcc1">
-    <dgm:fillClrLst meth="repeat">
-      <a:schemeClr val="lt1"/>
-    </dgm:fillClrLst>
-    <dgm:linClrLst meth="repeat">
-      <a:schemeClr val="accent2"/>
-      <a:schemeClr val="accent3"/>
-      <a:schemeClr val="accent4"/>
-      <a:schemeClr val="accent5"/>
-      <a:schemeClr val="accent6"/>
-    </dgm:linClrLst>
-    <dgm:effectClrLst/>
-    <dgm:txLinClrLst/>
-    <dgm:txFillClrLst meth="repeat">
-      <a:schemeClr val="dk1"/>
-    </dgm:txFillClrLst>
-    <dgm:txEffectClrLst/>
-  </dgm:styleLbl>
-  <dgm:styleLbl name="solidAlignAcc1">
-    <dgm:fillClrLst meth="repeat">
-      <a:schemeClr val="lt1"/>
-    </dgm:fillClrLst>
-    <dgm:linClrLst meth="repeat">
-      <a:schemeClr val="accent2"/>
-      <a:schemeClr val="accent3"/>
-      <a:schemeClr val="accent4"/>
-      <a:schemeClr val="accent5"/>
-      <a:schemeClr val="accent6"/>
-    </dgm:linClrLst>
-    <dgm:effectClrLst/>
-    <dgm:txLinClrLst/>
-    <dgm:txFillClrLst meth="repeat">
-      <a:schemeClr val="dk1"/>
-    </dgm:txFillClrLst>
-    <dgm:txEffectClrLst/>
-  </dgm:styleLbl>
-  <dgm:styleLbl name="solidBgAcc1">
-    <dgm:fillClrLst meth="repeat">
-      <a:schemeClr val="lt1"/>
-    </dgm:fillClrLst>
-    <dgm:linClrLst meth="repeat">
-      <a:schemeClr val="accent2"/>
-      <a:schemeClr val="accent3"/>
-      <a:schemeClr val="accent4"/>
-      <a:schemeClr val="accent5"/>
-      <a:schemeClr val="accent6"/>
-    </dgm:linClrLst>
-    <dgm:effectClrLst/>
-    <dgm:txLinClrLst/>
-    <dgm:txFillClrLst meth="repeat">
-      <a:schemeClr val="dk1"/>
-    </dgm:txFillClrLst>
-    <dgm:txEffectClrLst/>
-  </dgm:styleLbl>
-  <dgm:styleLbl name="fgAccFollowNode1">
-    <dgm:fillClrLst meth="repeat">
-      <a:schemeClr val="accent2">
-        <a:tint val="40000"/>
-        <a:alpha val="90000"/>
-      </a:schemeClr>
-      <a:schemeClr val="accent3">
-        <a:tint val="40000"/>
-        <a:alpha val="90000"/>
-      </a:schemeClr>
-      <a:schemeClr val="accent4">
-        <a:tint val="40000"/>
-        <a:alpha val="90000"/>
-      </a:schemeClr>
-      <a:schemeClr val="accent5">
-        <a:tint val="40000"/>
-        <a:alpha val="90000"/>
-      </a:schemeClr>
-      <a:schemeClr val="accent6">
-        <a:tint val="40000"/>
-        <a:alpha val="90000"/>
-      </a:schemeClr>
-    </dgm:fillClrLst>
-    <dgm:linClrLst meth="repeat">
-      <a:schemeClr val="accent2">
-        <a:tint val="40000"/>
-        <a:alpha val="90000"/>
-      </a:schemeClr>
-      <a:schemeClr val="accent3">
-        <a:tint val="40000"/>
-        <a:alpha val="90000"/>
-      </a:schemeClr>
-      <a:schemeClr val="accent4">
-        <a:tint val="40000"/>
-        <a:alpha val="90000"/>
-      </a:schemeClr>
-      <a:schemeClr val="accent5">
-        <a:tint val="40000"/>
-        <a:alpha val="90000"/>
-      </a:schemeClr>
-      <a:schemeClr val="accent6">
-        <a:tint val="40000"/>
-        <a:alpha val="90000"/>
-      </a:schemeClr>
-    </dgm:linClrLst>
-    <dgm:effectClrLst/>
-    <dgm:txLinClrLst/>
-    <dgm:txFillClrLst meth="repeat">
-      <a:schemeClr val="dk1"/>
-    </dgm:txFillClrLst>
-    <dgm:txEffectClrLst/>
-  </dgm:styleLbl>
-  <dgm:styleLbl name="alignAccFollowNode1">
-    <dgm:fillClrLst meth="repeat">
-      <a:schemeClr val="accent2">
-        <a:tint val="40000"/>
-        <a:alpha val="90000"/>
-      </a:schemeClr>
-      <a:schemeClr val="accent3">
-        <a:tint val="40000"/>
-        <a:alpha val="90000"/>
-      </a:schemeClr>
-      <a:schemeClr val="accent4">
-        <a:tint val="40000"/>
-        <a:alpha val="90000"/>
-      </a:schemeClr>
-      <a:schemeClr val="accent5">
-        <a:tint val="40000"/>
-        <a:alpha val="90000"/>
-      </a:schemeClr>
-      <a:schemeClr val="accent6">
-        <a:tint val="40000"/>
-        <a:alpha val="90000"/>
-      </a:schemeClr>
-    </dgm:fillClrLst>
-    <dgm:linClrLst meth="repeat">
-      <a:schemeClr val="accent2">
-        <a:tint val="40000"/>
-        <a:alpha val="90000"/>
-      </a:schemeClr>
-      <a:schemeClr val="accent3">
-        <a:tint val="40000"/>
-        <a:alpha val="90000"/>
-      </a:schemeClr>
-      <a:schemeClr val="accent4">
-        <a:tint val="40000"/>
-        <a:alpha val="90000"/>
-      </a:schemeClr>
-      <a:schemeClr val="accent5">
-        <a:tint val="40000"/>
-        <a:alpha val="90000"/>
-      </a:schemeClr>
-      <a:schemeClr val="accent6">
-        <a:tint val="40000"/>
-        <a:alpha val="90000"/>
-      </a:schemeClr>
-    </dgm:linClrLst>
-    <dgm:effectClrLst/>
-    <dgm:txLinClrLst/>
-    <dgm:txFillClrLst meth="repeat">
-      <a:schemeClr val="dk1"/>
-    </dgm:txFillClrLst>
-    <dgm:txEffectClrLst/>
-  </dgm:styleLbl>
-  <dgm:styleLbl name="bgAccFollowNode1">
-    <dgm:fillClrLst meth="repeat">
-      <a:schemeClr val="accent2">
-        <a:tint val="40000"/>
-        <a:alpha val="90000"/>
-      </a:schemeClr>
-      <a:schemeClr val="accent3">
-        <a:tint val="40000"/>
-        <a:alpha val="90000"/>
-      </a:schemeClr>
-      <a:schemeClr val="accent4">
-        <a:tint val="40000"/>
-        <a:alpha val="90000"/>
-      </a:schemeClr>
-      <a:schemeClr val="accent5">
-        <a:tint val="40000"/>
-        <a:alpha val="90000"/>
-      </a:schemeClr>
-      <a:schemeClr val="accent6">
-        <a:tint val="40000"/>
-        <a:alpha val="90000"/>
-      </a:schemeClr>
-    </dgm:fillClrLst>
-    <dgm:linClrLst meth="repeat">
-      <a:schemeClr val="accent2">
-        <a:tint val="40000"/>
-        <a:alpha val="90000"/>
-      </a:schemeClr>
-      <a:schemeClr val="accent3">
-        <a:tint val="40000"/>
-        <a:alpha val="90000"/>
-      </a:schemeClr>
-      <a:schemeClr val="accent4">
-        <a:tint val="40000"/>
-        <a:alpha val="90000"/>
-      </a:schemeClr>
-      <a:schemeClr val="accent5">
-        <a:tint val="40000"/>
-        <a:alpha val="90000"/>
-      </a:schemeClr>
-      <a:schemeClr val="accent6">
-        <a:tint val="40000"/>
-        <a:alpha val="90000"/>
-      </a:schemeClr>
-    </dgm:linClrLst>
-    <dgm:effectClrLst/>
-    <dgm:txLinClrLst/>
-    <dgm:txFillClrLst meth="repeat">
-      <a:schemeClr val="dk1"/>
-    </dgm:txFillClrLst>
-    <dgm:txEffectClrLst/>
-  </dgm:styleLbl>
-  <dgm:styleLbl name="fgAcc0">
-    <dgm:fillClrLst meth="repeat">
-      <a:schemeClr val="lt1">
-        <a:alpha val="90000"/>
-      </a:schemeClr>
-    </dgm:fillClrLst>
-    <dgm:linClrLst>
-      <a:schemeClr val="accent1"/>
-    </dgm:linClrLst>
-    <dgm:effectClrLst/>
-    <dgm:txLinClrLst/>
-    <dgm:txFillClrLst meth="repeat">
-      <a:schemeClr val="dk1"/>
-    </dgm:txFillClrLst>
-    <dgm:txEffectClrLst/>
-  </dgm:styleLbl>
-  <dgm:styleLbl name="fgAcc2">
-    <dgm:fillClrLst meth="repeat">
-      <a:schemeClr val="lt1">
-        <a:alpha val="90000"/>
-      </a:schemeClr>
-    </dgm:fillClrLst>
-    <dgm:linClrLst>
-      <a:schemeClr val="accent2"/>
-    </dgm:linClrLst>
-    <dgm:effectClrLst/>
-    <dgm:txLinClrLst/>
-    <dgm:txFillClrLst meth="repeat">
-      <a:schemeClr val="dk1"/>
-    </dgm:txFillClrLst>
-    <dgm:txEffectClrLst/>
-  </dgm:styleLbl>
-  <dgm:styleLbl name="fgAcc3">
-    <dgm:fillClrLst meth="repeat">
-      <a:schemeClr val="lt1">
-        <a:alpha val="90000"/>
-      </a:schemeClr>
-    </dgm:fillClrLst>
-    <dgm:linClrLst>
-      <a:schemeClr val="accent3"/>
-    </dgm:linClrLst>
-    <dgm:effectClrLst/>
-    <dgm:txLinClrLst/>
-    <dgm:txFillClrLst meth="repeat">
-      <a:schemeClr val="dk1"/>
-    </dgm:txFillClrLst>
-    <dgm:txEffectClrLst/>
-  </dgm:styleLbl>
-  <dgm:styleLbl name="fgAcc4">
-    <dgm:fillClrLst meth="repeat">
-      <a:schemeClr val="lt1">
-        <a:alpha val="90000"/>
-      </a:schemeClr>
-    </dgm:fillClrLst>
-    <dgm:linClrLst>
-      <a:schemeClr val="accent4"/>
-    </dgm:linClrLst>
-    <dgm:effectClrLst/>
-    <dgm:txLinClrLst/>
-    <dgm:txFillClrLst meth="repeat">
-      <a:schemeClr val="dk1"/>
-    </dgm:txFillClrLst>
-    <dgm:txEffectClrLst/>
-  </dgm:styleLbl>
-  <dgm:styleLbl name="bgShp">
-    <dgm:fillClrLst meth="repeat">
-      <a:schemeClr val="accent2"/>
-      <a:schemeClr val="accent3"/>
-      <a:schemeClr val="accent4"/>
-      <a:schemeClr val="accent5"/>
-      <a:schemeClr val="accent6"/>
-    </dgm:fillClrLst>
-    <dgm:linClrLst meth="repeat">
-      <a:schemeClr val="lt1">
-        <a:alpha val="0"/>
-      </a:schemeClr>
-    </dgm:linClrLst>
-    <dgm:effectClrLst/>
-    <dgm:txLinClrLst/>
-    <dgm:txFillClrLst/>
-    <dgm:txEffectClrLst/>
-  </dgm:styleLbl>
-  <dgm:styleLbl name="dkBgShp">
-    <dgm:fillClrLst meth="repeat">
-      <a:schemeClr val="accent2">
-        <a:shade val="90000"/>
-      </a:schemeClr>
-    </dgm:fillClrLst>
-    <dgm:linClrLst meth="repeat">
-      <a:schemeClr val="dk1"/>
-    </dgm:linClrLst>
-    <dgm:effectClrLst/>
-    <dgm:txLinClrLst/>
-    <dgm:txFillClrLst meth="repeat">
-      <a:schemeClr val="lt1"/>
-    </dgm:txFillClrLst>
-    <dgm:txEffectClrLst/>
-  </dgm:styleLbl>
-  <dgm:styleLbl name="trBgShp">
-    <dgm:fillClrLst meth="repeat">
-      <a:schemeClr val="accent1">
-        <a:tint val="50000"/>
-        <a:alpha val="40000"/>
-      </a:schemeClr>
-    </dgm:fillClrLst>
-    <dgm:linClrLst meth="repeat">
-      <a:schemeClr val="accent2"/>
-    </dgm:linClrLst>
-    <dgm:effectClrLst/>
-    <dgm:txLinClrLst/>
-    <dgm:txFillClrLst meth="repeat">
-      <a:schemeClr val="lt1"/>
-    </dgm:txFillClrLst>
-    <dgm:txEffectClrLst/>
-  </dgm:styleLbl>
-  <dgm:styleLbl name="fgShp">
-    <dgm:fillClrLst meth="repeat">
-      <a:schemeClr val="accent2">
-        <a:tint val="40000"/>
-      </a:schemeClr>
-    </dgm:fillClrLst>
-    <dgm:linClrLst meth="repeat">
-      <a:schemeClr val="lt1"/>
-    </dgm:linClrLst>
-    <dgm:effectClrLst/>
-    <dgm:txLinClrLst/>
-    <dgm:txFillClrLst meth="repeat">
-      <a:schemeClr val="dk1"/>
-    </dgm:txFillClrLst>
-    <dgm:txEffectClrLst/>
-  </dgm:styleLbl>
-  <dgm:styleLbl name="revTx">
-    <dgm:fillClrLst meth="repeat">
-      <a:schemeClr val="lt1">
-        <a:alpha val="0"/>
-      </a:schemeClr>
-    </dgm:fillClrLst>
-    <dgm:linClrLst meth="repeat">
-      <a:schemeClr val="dk1">
-        <a:alpha val="0"/>
-      </a:schemeClr>
-    </dgm:linClrLst>
-    <dgm:effectClrLst/>
-    <dgm:txLinClrLst/>
-    <dgm:txFillClrLst meth="repeat">
-      <a:schemeClr val="bg1"/>
-    </dgm:txFillClrLst>
-    <dgm:txEffectClrLst/>
-  </dgm:styleLbl>
-</dgm:colorsDef>
-</file>
-
-<file path=ppt/diagrams/colors7.xml><?xml version="1.0" encoding="utf-8"?>
 <dgm:colorsDef xmlns:dgm="http://schemas.openxmlformats.org/drawingml/2006/diagram" xmlns:a="http://schemas.openxmlformats.org/drawingml/2006/main" uniqueId="urn:microsoft.com/office/officeart/2005/8/colors/colorful2">
   <dgm:title val=""/>
   <dgm:desc val=""/>
@@ -5982,7 +5061,7 @@
 </dgm:colorsDef>
 </file>
 
-<file path=ppt/diagrams/colors8.xml><?xml version="1.0" encoding="utf-8"?>
+<file path=ppt/diagrams/colors7.xml><?xml version="1.0" encoding="utf-8"?>
 <dgm:colorsDef xmlns:dgm="http://schemas.openxmlformats.org/drawingml/2006/diagram" xmlns:a="http://schemas.openxmlformats.org/drawingml/2006/main" uniqueId="urn:microsoft.com/office/officeart/2018/5/colors/Iconchunking_neutralicon_colorful1">
   <dgm:title val=""/>
   <dgm:desc val=""/>
@@ -7219,6 +6298,13 @@
     <dgm:pt modelId="{E1E5B63F-D7C7-764F-89CF-58E4AB286016}">
       <dgm:prSet/>
       <dgm:spPr/>
+      <dgm:t>
+        <a:bodyPr/>
+        <a:lstStyle/>
+        <a:p>
+          <a:endParaRPr lang="en-US"/>
+        </a:p>
+      </dgm:t>
     </dgm:pt>
     <dgm:pt modelId="{FDC22B13-2A14-0045-B8E4-17228F81F15E}" type="parTrans" cxnId="{1DF0693E-8C4E-574C-9720-F86E96D8BF25}">
       <dgm:prSet/>
@@ -7396,11 +6482,11 @@
     <dgm:cxn modelId="{3CAA9331-889D-4A40-A6B2-E4ADB7F7A951}" srcId="{8367C156-9633-FB4C-9F29-117902D669DD}" destId="{404A8E22-59C5-C94D-9410-2319706D2FD9}" srcOrd="6" destOrd="0" parTransId="{4966377F-8A3F-834D-95E0-DF867C3C74E7}" sibTransId="{37A150F2-C171-3648-8089-A9ADAF252A43}"/>
     <dgm:cxn modelId="{1DF0693E-8C4E-574C-9720-F86E96D8BF25}" srcId="{8367C156-9633-FB4C-9F29-117902D669DD}" destId="{E1E5B63F-D7C7-764F-89CF-58E4AB286016}" srcOrd="7" destOrd="0" parTransId="{FDC22B13-2A14-0045-B8E4-17228F81F15E}" sibTransId="{6A2492FF-B071-B44C-931F-018ED3204B7E}"/>
     <dgm:cxn modelId="{8CC7BF44-385F-F240-95BA-41AE410E5CDA}" srcId="{8367C156-9633-FB4C-9F29-117902D669DD}" destId="{2902A470-2D79-814E-81F7-185479562319}" srcOrd="0" destOrd="0" parTransId="{0CAA18C2-F286-1540-85D1-2CB6EA67CBC0}" sibTransId="{38CA5E3F-3664-6349-A06A-B663EC0873E9}"/>
+    <dgm:cxn modelId="{86A7A64B-ADE3-904D-9EDA-B7896650A8A5}" type="presOf" srcId="{26D0A912-7CFB-C64C-B85B-BAC512B6552B}" destId="{CD030BE5-2D51-5D48-8A1C-DE9B1CCF0325}" srcOrd="0" destOrd="0" presId="urn:microsoft.com/office/officeart/2008/layout/VerticalCurvedList"/>
+    <dgm:cxn modelId="{A09BEB57-8BBB-1A40-904F-7EFC980855C5}" type="presOf" srcId="{2902A470-2D79-814E-81F7-185479562319}" destId="{FEDE4C59-7625-6E4B-86B8-2FD1506D37DF}" srcOrd="0" destOrd="0" presId="urn:microsoft.com/office/officeart/2008/layout/VerticalCurvedList"/>
     <dgm:cxn modelId="{F29D1266-1B72-DD43-96DD-505E01133087}" type="presOf" srcId="{404A8E22-59C5-C94D-9410-2319706D2FD9}" destId="{E583244B-2E19-124A-8FB3-C94DFC17376C}" srcOrd="0" destOrd="0" presId="urn:microsoft.com/office/officeart/2008/layout/VerticalCurvedList"/>
-    <dgm:cxn modelId="{86A7A64B-ADE3-904D-9EDA-B7896650A8A5}" type="presOf" srcId="{26D0A912-7CFB-C64C-B85B-BAC512B6552B}" destId="{CD030BE5-2D51-5D48-8A1C-DE9B1CCF0325}" srcOrd="0" destOrd="0" presId="urn:microsoft.com/office/officeart/2008/layout/VerticalCurvedList"/>
     <dgm:cxn modelId="{3244156D-3A9E-B340-AA53-5740F4D1C0D1}" type="presOf" srcId="{B002AAFA-01B2-D042-AA39-83B81C65A6D7}" destId="{B9F63A25-22A7-F94E-8191-389B21DB0548}" srcOrd="0" destOrd="0" presId="urn:microsoft.com/office/officeart/2008/layout/VerticalCurvedList"/>
     <dgm:cxn modelId="{EB94DF76-F12E-0D42-B26B-01273D7D2D86}" type="presOf" srcId="{38CA5E3F-3664-6349-A06A-B663EC0873E9}" destId="{41E6FF86-AFFC-E04C-A3F4-AF6BA412AF6A}" srcOrd="0" destOrd="0" presId="urn:microsoft.com/office/officeart/2008/layout/VerticalCurvedList"/>
-    <dgm:cxn modelId="{A09BEB57-8BBB-1A40-904F-7EFC980855C5}" type="presOf" srcId="{2902A470-2D79-814E-81F7-185479562319}" destId="{FEDE4C59-7625-6E4B-86B8-2FD1506D37DF}" srcOrd="0" destOrd="0" presId="urn:microsoft.com/office/officeart/2008/layout/VerticalCurvedList"/>
     <dgm:cxn modelId="{83845A7F-291F-4548-A2D6-94EDCBC039E9}" type="presOf" srcId="{8367C156-9633-FB4C-9F29-117902D669DD}" destId="{36416D4F-31B4-974B-B6AC-CAB7B69D8A7C}" srcOrd="0" destOrd="0" presId="urn:microsoft.com/office/officeart/2008/layout/VerticalCurvedList"/>
     <dgm:cxn modelId="{83B69096-3858-AF41-AEFE-9263B58641D2}" type="presOf" srcId="{7A34B59D-A66C-4949-BD7B-C6339889F8F9}" destId="{59881BA3-D524-4F43-BACB-1D07C638FBA5}" srcOrd="0" destOrd="0" presId="urn:microsoft.com/office/officeart/2008/layout/VerticalCurvedList"/>
     <dgm:cxn modelId="{CCEEEA96-6E63-EF4D-81C3-EF10AAD4A132}" srcId="{8367C156-9633-FB4C-9F29-117902D669DD}" destId="{B002AAFA-01B2-D042-AA39-83B81C65A6D7}" srcOrd="1" destOrd="0" parTransId="{5AE12768-5DFC-474F-8A15-8048C8743367}" sibTransId="{C048B06F-EC86-5F4C-80E9-309F3C33FA0D}"/>
@@ -7980,9 +7066,9 @@
   <dgm:cxnLst>
     <dgm:cxn modelId="{8BF6220B-3A65-D44C-BADC-86925D2D2434}" type="presOf" srcId="{C7779D15-C52B-45C6-8ECB-CA71B17E8A2E}" destId="{FD38AB59-1D98-2A40-B6A4-B21D42B49954}" srcOrd="0" destOrd="0" presId="urn:microsoft.com/office/officeart/2005/8/layout/vProcess5"/>
     <dgm:cxn modelId="{4234E235-3366-0C4D-A74A-801BE7590556}" type="presOf" srcId="{C7779D15-C52B-45C6-8ECB-CA71B17E8A2E}" destId="{56665AE6-DE92-1F4C-B363-D38CF1EEBB29}" srcOrd="1" destOrd="0" presId="urn:microsoft.com/office/officeart/2005/8/layout/vProcess5"/>
+    <dgm:cxn modelId="{06743055-A175-4879-A547-F903F2005D38}" srcId="{2B92DBA8-C949-480F-9D29-37A67D149A2C}" destId="{C7779D15-C52B-45C6-8ECB-CA71B17E8A2E}" srcOrd="1" destOrd="0" parTransId="{5D40AEB2-67B9-4EC3-B3DE-3F1574019654}" sibTransId="{0E92CAB2-5E82-4241-8F6F-ADECB9530FA8}"/>
     <dgm:cxn modelId="{22362E6D-A2A7-4C40-AD7A-91F2EDCA3EB2}" type="presOf" srcId="{2B92DBA8-C949-480F-9D29-37A67D149A2C}" destId="{B67CEF24-894A-B04D-9266-F7F850BC92BA}" srcOrd="0" destOrd="0" presId="urn:microsoft.com/office/officeart/2005/8/layout/vProcess5"/>
     <dgm:cxn modelId="{33536A6E-1AE5-C849-9963-E33DB9E7ED63}" type="presOf" srcId="{0E92CAB2-5E82-4241-8F6F-ADECB9530FA8}" destId="{D40E291A-3A4A-084C-A9C0-6E85D261E6C4}" srcOrd="0" destOrd="0" presId="urn:microsoft.com/office/officeart/2005/8/layout/vProcess5"/>
-    <dgm:cxn modelId="{06743055-A175-4879-A547-F903F2005D38}" srcId="{2B92DBA8-C949-480F-9D29-37A67D149A2C}" destId="{C7779D15-C52B-45C6-8ECB-CA71B17E8A2E}" srcOrd="1" destOrd="0" parTransId="{5D40AEB2-67B9-4EC3-B3DE-3F1574019654}" sibTransId="{0E92CAB2-5E82-4241-8F6F-ADECB9530FA8}"/>
     <dgm:cxn modelId="{CF87DC7B-AD62-4591-970A-622BA0351AD4}" srcId="{2B92DBA8-C949-480F-9D29-37A67D149A2C}" destId="{8206D25A-75CC-4BAB-A55D-D61791D06A8A}" srcOrd="2" destOrd="0" parTransId="{D11D72E9-C4A8-46E8-9407-DEC2AAE4DE30}" sibTransId="{B77C3745-A936-4764-A277-2FC5E0E04229}"/>
     <dgm:cxn modelId="{7E3F228D-1133-3B45-AA1E-5BDACD8DACC9}" type="presOf" srcId="{F9D679F7-29CD-4C6C-AFBE-F0D07E09EC9B}" destId="{7AE00343-FA6B-8742-85F5-80B6CDF4776D}" srcOrd="0" destOrd="0" presId="urn:microsoft.com/office/officeart/2005/8/layout/vProcess5"/>
     <dgm:cxn modelId="{5AAAA997-FC90-EF46-B891-8BB2528B94C1}" type="presOf" srcId="{C6889D1C-B863-47DD-8302-43CD5117AA99}" destId="{92D420D6-096B-9540-815B-9A1442F1D932}" srcOrd="0" destOrd="0" presId="urn:microsoft.com/office/officeart/2005/8/layout/vProcess5"/>
@@ -8013,362 +7099,8 @@
 <file path=ppt/diagrams/data4.xml><?xml version="1.0" encoding="utf-8"?>
 <dgm:dataModel xmlns:dgm="http://schemas.openxmlformats.org/drawingml/2006/diagram" xmlns:a="http://schemas.openxmlformats.org/drawingml/2006/main">
   <dgm:ptLst>
-    <dgm:pt modelId="{922C177D-1C5C-4DDC-A5FF-6CCF39DAA7E1}" type="doc">
-      <dgm:prSet loTypeId="urn:microsoft.com/office/officeart/2018/2/layout/IconVerticalSolidList" loCatId="icon" qsTypeId="urn:microsoft.com/office/officeart/2005/8/quickstyle/simple1" qsCatId="simple" csTypeId="urn:microsoft.com/office/officeart/2005/8/colors/accent1_2" csCatId="accent1" phldr="1"/>
-      <dgm:spPr/>
-      <dgm:t>
-        <a:bodyPr/>
-        <a:lstStyle/>
-        <a:p>
-          <a:endParaRPr lang="en-US"/>
-        </a:p>
-      </dgm:t>
-    </dgm:pt>
-    <dgm:pt modelId="{D2EE9320-13F1-403E-B1FB-C7C90696C83F}">
-      <dgm:prSet/>
-      <dgm:spPr/>
-      <dgm:t>
-        <a:bodyPr/>
-        <a:lstStyle/>
-        <a:p>
-          <a:pPr>
-            <a:lnSpc>
-              <a:spcPct val="100000"/>
-            </a:lnSpc>
-          </a:pPr>
-          <a:r>
-            <a:rPr lang="en-US" b="1" baseline="0" dirty="0"/>
-            <a:t>Cloud-Agnostic</a:t>
-          </a:r>
-          <a:r>
-            <a:rPr lang="en-US" baseline="0" dirty="0"/>
-            <a:t>: Works across multiple cloud providers (Azure, AWS, GCP, etc.), enabling true multi-cloud infrastructure management.</a:t>
-          </a:r>
-          <a:endParaRPr lang="en-US" dirty="0"/>
-        </a:p>
-      </dgm:t>
-    </dgm:pt>
-    <dgm:pt modelId="{DA2DBE35-21C2-4CD1-8468-8901FADE4D7C}" type="parTrans" cxnId="{D3AAA57B-E61B-4B0C-9709-38A28410DEB5}">
-      <dgm:prSet/>
-      <dgm:spPr/>
-      <dgm:t>
-        <a:bodyPr/>
-        <a:lstStyle/>
-        <a:p>
-          <a:endParaRPr lang="en-US"/>
-        </a:p>
-      </dgm:t>
-    </dgm:pt>
-    <dgm:pt modelId="{52CCE115-F196-496B-AA58-8E30B9149E0B}" type="sibTrans" cxnId="{D3AAA57B-E61B-4B0C-9709-38A28410DEB5}">
-      <dgm:prSet/>
-      <dgm:spPr/>
-      <dgm:t>
-        <a:bodyPr/>
-        <a:lstStyle/>
-        <a:p>
-          <a:pPr>
-            <a:lnSpc>
-              <a:spcPct val="100000"/>
-            </a:lnSpc>
-          </a:pPr>
-          <a:endParaRPr lang="en-US"/>
-        </a:p>
-      </dgm:t>
-    </dgm:pt>
-    <dgm:pt modelId="{3010A147-5D67-4A81-AA9A-262676E33CB2}">
-      <dgm:prSet/>
-      <dgm:spPr/>
-      <dgm:t>
-        <a:bodyPr/>
-        <a:lstStyle/>
-        <a:p>
-          <a:pPr>
-            <a:lnSpc>
-              <a:spcPct val="100000"/>
-            </a:lnSpc>
-          </a:pPr>
-          <a:r>
-            <a:rPr lang="en-US" b="1" baseline="0"/>
-            <a:t>Declarative Syntax (HCL)</a:t>
-          </a:r>
-          <a:r>
-            <a:rPr lang="en-US" baseline="0"/>
-            <a:t>: Uses HashiCorp Configuration Language (HCL), which is easy to read and manage.</a:t>
-          </a:r>
-          <a:endParaRPr lang="en-US"/>
-        </a:p>
-      </dgm:t>
-    </dgm:pt>
-    <dgm:pt modelId="{2176029F-D40B-4B71-AB01-255513A32BAB}" type="parTrans" cxnId="{DCE10537-0D6F-4ED0-A6E0-1EE27A0F4BEA}">
-      <dgm:prSet/>
-      <dgm:spPr/>
-      <dgm:t>
-        <a:bodyPr/>
-        <a:lstStyle/>
-        <a:p>
-          <a:endParaRPr lang="en-US"/>
-        </a:p>
-      </dgm:t>
-    </dgm:pt>
-    <dgm:pt modelId="{62A31A57-46C1-4AFF-A789-692C631614D2}" type="sibTrans" cxnId="{DCE10537-0D6F-4ED0-A6E0-1EE27A0F4BEA}">
-      <dgm:prSet/>
-      <dgm:spPr/>
-      <dgm:t>
-        <a:bodyPr/>
-        <a:lstStyle/>
-        <a:p>
-          <a:pPr>
-            <a:lnSpc>
-              <a:spcPct val="100000"/>
-            </a:lnSpc>
-          </a:pPr>
-          <a:endParaRPr lang="en-US"/>
-        </a:p>
-      </dgm:t>
-    </dgm:pt>
-    <dgm:pt modelId="{54EC4385-739D-47D9-818C-AC3217B0B857}">
-      <dgm:prSet/>
-      <dgm:spPr/>
-      <dgm:t>
-        <a:bodyPr/>
-        <a:lstStyle/>
-        <a:p>
-          <a:pPr>
-            <a:lnSpc>
-              <a:spcPct val="100000"/>
-            </a:lnSpc>
-          </a:pPr>
-          <a:r>
-            <a:rPr lang="en-US" b="1" baseline="0"/>
-            <a:t>Strong Community Support and Module Reuse</a:t>
-          </a:r>
-          <a:r>
-            <a:rPr lang="en-US" baseline="0"/>
-            <a:t>: The Terraform Registry offers a wide range of reusable modules.</a:t>
-          </a:r>
-          <a:endParaRPr lang="en-US"/>
-        </a:p>
-      </dgm:t>
-    </dgm:pt>
-    <dgm:pt modelId="{D9B31495-B66F-41AE-94D3-9C1DF444E61F}" type="parTrans" cxnId="{0086FBE3-EA37-41AC-85F3-7EDB8C09C632}">
-      <dgm:prSet/>
-      <dgm:spPr/>
-      <dgm:t>
-        <a:bodyPr/>
-        <a:lstStyle/>
-        <a:p>
-          <a:endParaRPr lang="en-US"/>
-        </a:p>
-      </dgm:t>
-    </dgm:pt>
-    <dgm:pt modelId="{F7B15B5E-465B-4794-B694-02B9CAF71CB0}" type="sibTrans" cxnId="{0086FBE3-EA37-41AC-85F3-7EDB8C09C632}">
-      <dgm:prSet/>
-      <dgm:spPr/>
-      <dgm:t>
-        <a:bodyPr/>
-        <a:lstStyle/>
-        <a:p>
-          <a:endParaRPr lang="en-US"/>
-        </a:p>
-      </dgm:t>
-    </dgm:pt>
-    <dgm:pt modelId="{9B17451A-0425-432E-B9C0-C3EB591EFF52}" type="pres">
-      <dgm:prSet presAssocID="{922C177D-1C5C-4DDC-A5FF-6CCF39DAA7E1}" presName="root" presStyleCnt="0">
-        <dgm:presLayoutVars>
-          <dgm:dir/>
-          <dgm:resizeHandles val="exact"/>
-        </dgm:presLayoutVars>
-      </dgm:prSet>
-      <dgm:spPr/>
-    </dgm:pt>
-    <dgm:pt modelId="{43534843-0424-4B12-A4C8-380F8FC549C5}" type="pres">
-      <dgm:prSet presAssocID="{D2EE9320-13F1-403E-B1FB-C7C90696C83F}" presName="compNode" presStyleCnt="0"/>
-      <dgm:spPr/>
-    </dgm:pt>
-    <dgm:pt modelId="{5193E713-5F93-4340-99BF-8DADADFD41B2}" type="pres">
-      <dgm:prSet presAssocID="{D2EE9320-13F1-403E-B1FB-C7C90696C83F}" presName="bgRect" presStyleLbl="bgShp" presStyleIdx="0" presStyleCnt="3"/>
-      <dgm:spPr/>
-    </dgm:pt>
-    <dgm:pt modelId="{98BA549E-9EA2-4F54-96B6-736E7020656B}" type="pres">
-      <dgm:prSet presAssocID="{D2EE9320-13F1-403E-B1FB-C7C90696C83F}" presName="iconRect" presStyleLbl="node1" presStyleIdx="0" presStyleCnt="3"/>
-      <dgm:spPr>
-        <a:blipFill>
-          <a:blip xmlns:r="http://schemas.openxmlformats.org/officeDocument/2006/relationships" r:embed="rId1">
-            <a:extLst>
-              <a:ext uri="{28A0092B-C50C-407E-A947-70E740481C1C}">
-                <a14:useLocalDpi xmlns:a14="http://schemas.microsoft.com/office/drawing/2010/main" val="0"/>
-              </a:ext>
-              <a:ext uri="{96DAC541-7B7A-43D3-8B79-37D633B846F1}">
-                <asvg:svgBlip xmlns:asvg="http://schemas.microsoft.com/office/drawing/2016/SVG/main" r:embed="rId2"/>
-              </a:ext>
-            </a:extLst>
-          </a:blip>
-          <a:stretch>
-            <a:fillRect/>
-          </a:stretch>
-        </a:blipFill>
-      </dgm:spPr>
-      <dgm:extLst>
-        <a:ext uri="{E40237B7-FDA0-4F09-8148-C483321AD2D9}">
-          <dgm14:cNvPr xmlns:dgm14="http://schemas.microsoft.com/office/drawing/2010/diagram" id="0" name="" descr="Cloud"/>
-        </a:ext>
-      </dgm:extLst>
-    </dgm:pt>
-    <dgm:pt modelId="{FEB9D2DA-04A2-4C66-8367-0649835CC8C1}" type="pres">
-      <dgm:prSet presAssocID="{D2EE9320-13F1-403E-B1FB-C7C90696C83F}" presName="spaceRect" presStyleCnt="0"/>
-      <dgm:spPr/>
-    </dgm:pt>
-    <dgm:pt modelId="{E1762495-39AA-49D9-8AE5-9CC2A682D76C}" type="pres">
-      <dgm:prSet presAssocID="{D2EE9320-13F1-403E-B1FB-C7C90696C83F}" presName="parTx" presStyleLbl="revTx" presStyleIdx="0" presStyleCnt="3">
-        <dgm:presLayoutVars>
-          <dgm:chMax val="0"/>
-          <dgm:chPref val="0"/>
-        </dgm:presLayoutVars>
-      </dgm:prSet>
-      <dgm:spPr/>
-    </dgm:pt>
-    <dgm:pt modelId="{54F89804-0CCC-4298-A8B2-746EEBB2F827}" type="pres">
-      <dgm:prSet presAssocID="{52CCE115-F196-496B-AA58-8E30B9149E0B}" presName="sibTrans" presStyleCnt="0"/>
-      <dgm:spPr/>
-    </dgm:pt>
-    <dgm:pt modelId="{EA233055-6772-42A8-A0FF-B4D83E599B08}" type="pres">
-      <dgm:prSet presAssocID="{3010A147-5D67-4A81-AA9A-262676E33CB2}" presName="compNode" presStyleCnt="0"/>
-      <dgm:spPr/>
-    </dgm:pt>
-    <dgm:pt modelId="{8D2EC7B8-5B62-4A53-A62B-D97EFB55B30D}" type="pres">
-      <dgm:prSet presAssocID="{3010A147-5D67-4A81-AA9A-262676E33CB2}" presName="bgRect" presStyleLbl="bgShp" presStyleIdx="1" presStyleCnt="3"/>
-      <dgm:spPr/>
-    </dgm:pt>
-    <dgm:pt modelId="{4C4D9A10-E246-43DD-A59E-F4FF5707D229}" type="pres">
-      <dgm:prSet presAssocID="{3010A147-5D67-4A81-AA9A-262676E33CB2}" presName="iconRect" presStyleLbl="node1" presStyleIdx="1" presStyleCnt="3"/>
-      <dgm:spPr>
-        <a:blipFill>
-          <a:blip xmlns:r="http://schemas.openxmlformats.org/officeDocument/2006/relationships" r:embed="rId3">
-            <a:extLst>
-              <a:ext uri="{28A0092B-C50C-407E-A947-70E740481C1C}">
-                <a14:useLocalDpi xmlns:a14="http://schemas.microsoft.com/office/drawing/2010/main" val="0"/>
-              </a:ext>
-              <a:ext uri="{96DAC541-7B7A-43D3-8B79-37D633B846F1}">
-                <asvg:svgBlip xmlns:asvg="http://schemas.microsoft.com/office/drawing/2016/SVG/main" r:embed="rId4"/>
-              </a:ext>
-            </a:extLst>
-          </a:blip>
-          <a:stretch>
-            <a:fillRect/>
-          </a:stretch>
-        </a:blipFill>
-      </dgm:spPr>
-      <dgm:extLst>
-        <a:ext uri="{E40237B7-FDA0-4F09-8148-C483321AD2D9}">
-          <dgm14:cNvPr xmlns:dgm14="http://schemas.microsoft.com/office/drawing/2010/diagram" id="0" name="" descr="Irritant"/>
-        </a:ext>
-      </dgm:extLst>
-    </dgm:pt>
-    <dgm:pt modelId="{30368B76-E66A-45CE-905C-86A41C4FAB5F}" type="pres">
-      <dgm:prSet presAssocID="{3010A147-5D67-4A81-AA9A-262676E33CB2}" presName="spaceRect" presStyleCnt="0"/>
-      <dgm:spPr/>
-    </dgm:pt>
-    <dgm:pt modelId="{441E8DE1-1585-4C10-B9AB-5D0D1E00E33C}" type="pres">
-      <dgm:prSet presAssocID="{3010A147-5D67-4A81-AA9A-262676E33CB2}" presName="parTx" presStyleLbl="revTx" presStyleIdx="1" presStyleCnt="3">
-        <dgm:presLayoutVars>
-          <dgm:chMax val="0"/>
-          <dgm:chPref val="0"/>
-        </dgm:presLayoutVars>
-      </dgm:prSet>
-      <dgm:spPr/>
-    </dgm:pt>
-    <dgm:pt modelId="{FF8886DA-EA14-4DB8-B1F4-1A7D6721CD93}" type="pres">
-      <dgm:prSet presAssocID="{62A31A57-46C1-4AFF-A789-692C631614D2}" presName="sibTrans" presStyleCnt="0"/>
-      <dgm:spPr/>
-    </dgm:pt>
-    <dgm:pt modelId="{A2CED97F-C148-46EC-AC45-EC0571F697B2}" type="pres">
-      <dgm:prSet presAssocID="{54EC4385-739D-47D9-818C-AC3217B0B857}" presName="compNode" presStyleCnt="0"/>
-      <dgm:spPr/>
-    </dgm:pt>
-    <dgm:pt modelId="{08E42D6C-AA2F-4527-B514-1558134D3494}" type="pres">
-      <dgm:prSet presAssocID="{54EC4385-739D-47D9-818C-AC3217B0B857}" presName="bgRect" presStyleLbl="bgShp" presStyleIdx="2" presStyleCnt="3"/>
-      <dgm:spPr/>
-    </dgm:pt>
-    <dgm:pt modelId="{F0986770-C99B-43E0-81CB-5F9A647CDC93}" type="pres">
-      <dgm:prSet presAssocID="{54EC4385-739D-47D9-818C-AC3217B0B857}" presName="iconRect" presStyleLbl="node1" presStyleIdx="2" presStyleCnt="3"/>
-      <dgm:spPr>
-        <a:blipFill>
-          <a:blip xmlns:r="http://schemas.openxmlformats.org/officeDocument/2006/relationships" r:embed="rId5">
-            <a:extLst>
-              <a:ext uri="{28A0092B-C50C-407E-A947-70E740481C1C}">
-                <a14:useLocalDpi xmlns:a14="http://schemas.microsoft.com/office/drawing/2010/main" val="0"/>
-              </a:ext>
-              <a:ext uri="{96DAC541-7B7A-43D3-8B79-37D633B846F1}">
-                <asvg:svgBlip xmlns:asvg="http://schemas.microsoft.com/office/drawing/2016/SVG/main" r:embed="rId6"/>
-              </a:ext>
-            </a:extLst>
-          </a:blip>
-          <a:stretch>
-            <a:fillRect/>
-          </a:stretch>
-        </a:blipFill>
-      </dgm:spPr>
-      <dgm:extLst>
-        <a:ext uri="{E40237B7-FDA0-4F09-8148-C483321AD2D9}">
-          <dgm14:cNvPr xmlns:dgm14="http://schemas.microsoft.com/office/drawing/2010/diagram" id="0" name="" descr="Flowchart"/>
-        </a:ext>
-      </dgm:extLst>
-    </dgm:pt>
-    <dgm:pt modelId="{01CB7453-5398-476B-9E2E-65422DCE84ED}" type="pres">
-      <dgm:prSet presAssocID="{54EC4385-739D-47D9-818C-AC3217B0B857}" presName="spaceRect" presStyleCnt="0"/>
-      <dgm:spPr/>
-    </dgm:pt>
-    <dgm:pt modelId="{42DF1F9C-783C-4E0C-A2F3-A6594815AF2D}" type="pres">
-      <dgm:prSet presAssocID="{54EC4385-739D-47D9-818C-AC3217B0B857}" presName="parTx" presStyleLbl="revTx" presStyleIdx="2" presStyleCnt="3">
-        <dgm:presLayoutVars>
-          <dgm:chMax val="0"/>
-          <dgm:chPref val="0"/>
-        </dgm:presLayoutVars>
-      </dgm:prSet>
-      <dgm:spPr/>
-    </dgm:pt>
-  </dgm:ptLst>
-  <dgm:cxnLst>
-    <dgm:cxn modelId="{DCE10537-0D6F-4ED0-A6E0-1EE27A0F4BEA}" srcId="{922C177D-1C5C-4DDC-A5FF-6CCF39DAA7E1}" destId="{3010A147-5D67-4A81-AA9A-262676E33CB2}" srcOrd="1" destOrd="0" parTransId="{2176029F-D40B-4B71-AB01-255513A32BAB}" sibTransId="{62A31A57-46C1-4AFF-A789-692C631614D2}"/>
-    <dgm:cxn modelId="{CEBBD83B-81D1-48CD-8121-2422EC287C96}" type="presOf" srcId="{54EC4385-739D-47D9-818C-AC3217B0B857}" destId="{42DF1F9C-783C-4E0C-A2F3-A6594815AF2D}" srcOrd="0" destOrd="0" presId="urn:microsoft.com/office/officeart/2018/2/layout/IconVerticalSolidList"/>
-    <dgm:cxn modelId="{C5156A67-04BA-4DD5-BA95-CF8F9142645C}" type="presOf" srcId="{922C177D-1C5C-4DDC-A5FF-6CCF39DAA7E1}" destId="{9B17451A-0425-432E-B9C0-C3EB591EFF52}" srcOrd="0" destOrd="0" presId="urn:microsoft.com/office/officeart/2018/2/layout/IconVerticalSolidList"/>
-    <dgm:cxn modelId="{CECB5667-791F-422E-8DF5-CAEDB21580B8}" type="presOf" srcId="{3010A147-5D67-4A81-AA9A-262676E33CB2}" destId="{441E8DE1-1585-4C10-B9AB-5D0D1E00E33C}" srcOrd="0" destOrd="0" presId="urn:microsoft.com/office/officeart/2018/2/layout/IconVerticalSolidList"/>
-    <dgm:cxn modelId="{BA06997B-98FB-444A-A9FD-554DAD3DAB2B}" type="presOf" srcId="{D2EE9320-13F1-403E-B1FB-C7C90696C83F}" destId="{E1762495-39AA-49D9-8AE5-9CC2A682D76C}" srcOrd="0" destOrd="0" presId="urn:microsoft.com/office/officeart/2018/2/layout/IconVerticalSolidList"/>
-    <dgm:cxn modelId="{D3AAA57B-E61B-4B0C-9709-38A28410DEB5}" srcId="{922C177D-1C5C-4DDC-A5FF-6CCF39DAA7E1}" destId="{D2EE9320-13F1-403E-B1FB-C7C90696C83F}" srcOrd="0" destOrd="0" parTransId="{DA2DBE35-21C2-4CD1-8468-8901FADE4D7C}" sibTransId="{52CCE115-F196-496B-AA58-8E30B9149E0B}"/>
-    <dgm:cxn modelId="{0086FBE3-EA37-41AC-85F3-7EDB8C09C632}" srcId="{922C177D-1C5C-4DDC-A5FF-6CCF39DAA7E1}" destId="{54EC4385-739D-47D9-818C-AC3217B0B857}" srcOrd="2" destOrd="0" parTransId="{D9B31495-B66F-41AE-94D3-9C1DF444E61F}" sibTransId="{F7B15B5E-465B-4794-B694-02B9CAF71CB0}"/>
-    <dgm:cxn modelId="{EAE8BB31-E080-4D2A-8F17-32F3EEA24AFE}" type="presParOf" srcId="{9B17451A-0425-432E-B9C0-C3EB591EFF52}" destId="{43534843-0424-4B12-A4C8-380F8FC549C5}" srcOrd="0" destOrd="0" presId="urn:microsoft.com/office/officeart/2018/2/layout/IconVerticalSolidList"/>
-    <dgm:cxn modelId="{25D33B4E-41DB-4030-A1AE-4FFB0B1BF31D}" type="presParOf" srcId="{43534843-0424-4B12-A4C8-380F8FC549C5}" destId="{5193E713-5F93-4340-99BF-8DADADFD41B2}" srcOrd="0" destOrd="0" presId="urn:microsoft.com/office/officeart/2018/2/layout/IconVerticalSolidList"/>
-    <dgm:cxn modelId="{065BE3FD-9B08-41D9-B903-DDDE98E93C5A}" type="presParOf" srcId="{43534843-0424-4B12-A4C8-380F8FC549C5}" destId="{98BA549E-9EA2-4F54-96B6-736E7020656B}" srcOrd="1" destOrd="0" presId="urn:microsoft.com/office/officeart/2018/2/layout/IconVerticalSolidList"/>
-    <dgm:cxn modelId="{5A914416-9B33-4AE5-B8E3-B069E419344D}" type="presParOf" srcId="{43534843-0424-4B12-A4C8-380F8FC549C5}" destId="{FEB9D2DA-04A2-4C66-8367-0649835CC8C1}" srcOrd="2" destOrd="0" presId="urn:microsoft.com/office/officeart/2018/2/layout/IconVerticalSolidList"/>
-    <dgm:cxn modelId="{2F66CDE3-D5C3-4436-A7BB-0552F29BD281}" type="presParOf" srcId="{43534843-0424-4B12-A4C8-380F8FC549C5}" destId="{E1762495-39AA-49D9-8AE5-9CC2A682D76C}" srcOrd="3" destOrd="0" presId="urn:microsoft.com/office/officeart/2018/2/layout/IconVerticalSolidList"/>
-    <dgm:cxn modelId="{88C1258D-2026-40F9-81E0-4A720C36062E}" type="presParOf" srcId="{9B17451A-0425-432E-B9C0-C3EB591EFF52}" destId="{54F89804-0CCC-4298-A8B2-746EEBB2F827}" srcOrd="1" destOrd="0" presId="urn:microsoft.com/office/officeart/2018/2/layout/IconVerticalSolidList"/>
-    <dgm:cxn modelId="{00E9529B-E511-40B4-9C1E-FEE6AF849E7B}" type="presParOf" srcId="{9B17451A-0425-432E-B9C0-C3EB591EFF52}" destId="{EA233055-6772-42A8-A0FF-B4D83E599B08}" srcOrd="2" destOrd="0" presId="urn:microsoft.com/office/officeart/2018/2/layout/IconVerticalSolidList"/>
-    <dgm:cxn modelId="{65F7125F-321D-4A4F-9629-12EFA030A324}" type="presParOf" srcId="{EA233055-6772-42A8-A0FF-B4D83E599B08}" destId="{8D2EC7B8-5B62-4A53-A62B-D97EFB55B30D}" srcOrd="0" destOrd="0" presId="urn:microsoft.com/office/officeart/2018/2/layout/IconVerticalSolidList"/>
-    <dgm:cxn modelId="{DFCF1058-1E45-497F-94AB-41AF67F5BC82}" type="presParOf" srcId="{EA233055-6772-42A8-A0FF-B4D83E599B08}" destId="{4C4D9A10-E246-43DD-A59E-F4FF5707D229}" srcOrd="1" destOrd="0" presId="urn:microsoft.com/office/officeart/2018/2/layout/IconVerticalSolidList"/>
-    <dgm:cxn modelId="{CBD22559-3E70-4369-83DF-32B36BFC2CDD}" type="presParOf" srcId="{EA233055-6772-42A8-A0FF-B4D83E599B08}" destId="{30368B76-E66A-45CE-905C-86A41C4FAB5F}" srcOrd="2" destOrd="0" presId="urn:microsoft.com/office/officeart/2018/2/layout/IconVerticalSolidList"/>
-    <dgm:cxn modelId="{96E24F60-E5B2-408A-84F8-EB637DCE0B86}" type="presParOf" srcId="{EA233055-6772-42A8-A0FF-B4D83E599B08}" destId="{441E8DE1-1585-4C10-B9AB-5D0D1E00E33C}" srcOrd="3" destOrd="0" presId="urn:microsoft.com/office/officeart/2018/2/layout/IconVerticalSolidList"/>
-    <dgm:cxn modelId="{1EDC9D78-10B8-4A30-881E-396A9C144AD7}" type="presParOf" srcId="{9B17451A-0425-432E-B9C0-C3EB591EFF52}" destId="{FF8886DA-EA14-4DB8-B1F4-1A7D6721CD93}" srcOrd="3" destOrd="0" presId="urn:microsoft.com/office/officeart/2018/2/layout/IconVerticalSolidList"/>
-    <dgm:cxn modelId="{D8B64717-B255-4D5C-AA99-39F7B499D70C}" type="presParOf" srcId="{9B17451A-0425-432E-B9C0-C3EB591EFF52}" destId="{A2CED97F-C148-46EC-AC45-EC0571F697B2}" srcOrd="4" destOrd="0" presId="urn:microsoft.com/office/officeart/2018/2/layout/IconVerticalSolidList"/>
-    <dgm:cxn modelId="{17EEE4D9-726F-455B-ADC7-8F300E441440}" type="presParOf" srcId="{A2CED97F-C148-46EC-AC45-EC0571F697B2}" destId="{08E42D6C-AA2F-4527-B514-1558134D3494}" srcOrd="0" destOrd="0" presId="urn:microsoft.com/office/officeart/2018/2/layout/IconVerticalSolidList"/>
-    <dgm:cxn modelId="{3A68F544-4803-4B9C-BAFB-FEF143B81FB7}" type="presParOf" srcId="{A2CED97F-C148-46EC-AC45-EC0571F697B2}" destId="{F0986770-C99B-43E0-81CB-5F9A647CDC93}" srcOrd="1" destOrd="0" presId="urn:microsoft.com/office/officeart/2018/2/layout/IconVerticalSolidList"/>
-    <dgm:cxn modelId="{1D342243-588C-4286-BA9D-75A5F84ED3DD}" type="presParOf" srcId="{A2CED97F-C148-46EC-AC45-EC0571F697B2}" destId="{01CB7453-5398-476B-9E2E-65422DCE84ED}" srcOrd="2" destOrd="0" presId="urn:microsoft.com/office/officeart/2018/2/layout/IconVerticalSolidList"/>
-    <dgm:cxn modelId="{35AD6B09-97F5-4C64-9930-276AC9CB6C46}" type="presParOf" srcId="{A2CED97F-C148-46EC-AC45-EC0571F697B2}" destId="{42DF1F9C-783C-4E0C-A2F3-A6594815AF2D}" srcOrd="3" destOrd="0" presId="urn:microsoft.com/office/officeart/2018/2/layout/IconVerticalSolidList"/>
-  </dgm:cxnLst>
-  <dgm:bg/>
-  <dgm:whole/>
-  <dgm:extLst>
-    <a:ext uri="http://schemas.microsoft.com/office/drawing/2008/diagram">
-      <dsp:dataModelExt xmlns:dsp="http://schemas.microsoft.com/office/drawing/2008/diagram" relId="rId6" minVer="http://schemas.openxmlformats.org/drawingml/2006/diagram"/>
-    </a:ext>
-  </dgm:extLst>
-</dgm:dataModel>
-</file>
-
-<file path=ppt/diagrams/data5.xml><?xml version="1.0" encoding="utf-8"?>
-<dgm:dataModel xmlns:dgm="http://schemas.openxmlformats.org/drawingml/2006/diagram" xmlns:a="http://schemas.openxmlformats.org/drawingml/2006/main">
-  <dgm:ptLst>
     <dgm:pt modelId="{F0327394-2926-4D75-B8F7-30F5BFA11285}" type="doc">
-      <dgm:prSet loTypeId="urn:microsoft.com/office/officeart/2018/2/layout/IconVerticalSolidList" loCatId="icon" qsTypeId="urn:microsoft.com/office/officeart/2005/8/quickstyle/simple1" qsCatId="simple" csTypeId="urn:microsoft.com/office/officeart/2018/5/colors/Iconchunking_neutralicontext_colorful1" csCatId="colorful" phldr="1"/>
+      <dgm:prSet loTypeId="urn:microsoft.com/office/officeart/2018/2/layout/IconVerticalSolidList" loCatId="icon" qsTypeId="urn:microsoft.com/office/officeart/2005/8/quickstyle/simple1" qsCatId="simple" csTypeId="urn:microsoft.com/office/officeart/2005/8/colors/accent4_2" csCatId="accent4" phldr="1"/>
       <dgm:spPr/>
       <dgm:t>
         <a:bodyPr/>
@@ -8385,6 +7117,11 @@
         <a:bodyPr/>
         <a:lstStyle/>
         <a:p>
+          <a:pPr>
+            <a:lnSpc>
+              <a:spcPct val="100000"/>
+            </a:lnSpc>
+          </a:pPr>
           <a:r>
             <a:rPr lang="en-US" sz="1800" b="1" baseline="0" dirty="0"/>
             <a:t>Scope</a:t>
@@ -8426,6 +7163,11 @@
         <a:bodyPr/>
         <a:lstStyle/>
         <a:p>
+          <a:pPr>
+            <a:lnSpc>
+              <a:spcPct val="100000"/>
+            </a:lnSpc>
+          </a:pPr>
           <a:r>
             <a:rPr lang="en-US" sz="2400" b="1" baseline="0" dirty="0"/>
             <a:t>Cloud Support</a:t>
@@ -8467,6 +7209,11 @@
         <a:bodyPr/>
         <a:lstStyle/>
         <a:p>
+          <a:pPr>
+            <a:lnSpc>
+              <a:spcPct val="100000"/>
+            </a:lnSpc>
+          </a:pPr>
           <a:r>
             <a:rPr lang="en-US" sz="2400" b="1" baseline="0" dirty="0"/>
             <a:t>Syntax</a:t>
@@ -8515,7 +7262,7 @@
       <dgm:spPr/>
     </dgm:pt>
     <dgm:pt modelId="{37450864-07BC-4DF4-9A76-E27B29E63612}" type="pres">
-      <dgm:prSet presAssocID="{DD036B6F-3521-4D76-9092-0D6C68D504F2}" presName="bgRect" presStyleLbl="bgShp" presStyleIdx="0" presStyleCnt="3"/>
+      <dgm:prSet presAssocID="{DD036B6F-3521-4D76-9092-0D6C68D504F2}" presName="bgRect" presStyleLbl="bgShp" presStyleIdx="0" presStyleCnt="3" custScaleY="107145"/>
       <dgm:spPr/>
     </dgm:pt>
     <dgm:pt modelId="{55E32FFD-53C8-48F6-8885-6B3E4BB14A09}" type="pres">
@@ -8536,9 +7283,6 @@
             <a:fillRect/>
           </a:stretch>
         </a:blipFill>
-        <a:ln>
-          <a:noFill/>
-        </a:ln>
       </dgm:spPr>
       <dgm:extLst>
         <a:ext uri="{E40237B7-FDA0-4F09-8148-C483321AD2D9}">
@@ -8589,9 +7333,6 @@
             <a:fillRect/>
           </a:stretch>
         </a:blipFill>
-        <a:ln>
-          <a:noFill/>
-        </a:ln>
       </dgm:spPr>
       <dgm:extLst>
         <a:ext uri="{E40237B7-FDA0-4F09-8148-C483321AD2D9}">
@@ -8642,9 +7383,6 @@
             <a:fillRect/>
           </a:stretch>
         </a:blipFill>
-        <a:ln>
-          <a:noFill/>
-        </a:ln>
       </dgm:spPr>
       <dgm:extLst>
         <a:ext uri="{E40237B7-FDA0-4F09-8148-C483321AD2D9}">
@@ -8702,7 +7440,7 @@
 </dgm:dataModel>
 </file>
 
-<file path=ppt/diagrams/data6.xml><?xml version="1.0" encoding="utf-8"?>
+<file path=ppt/diagrams/data5.xml><?xml version="1.0" encoding="utf-8"?>
 <dgm:dataModel xmlns:dgm="http://schemas.openxmlformats.org/drawingml/2006/diagram" xmlns:a="http://schemas.openxmlformats.org/drawingml/2006/main">
   <dgm:ptLst>
     <dgm:pt modelId="{0774BCD6-B492-4B74-BCBA-0EE4A633CF13}" type="doc">
@@ -9036,7 +7774,7 @@
 </dgm:dataModel>
 </file>
 
-<file path=ppt/diagrams/data7.xml><?xml version="1.0" encoding="utf-8"?>
+<file path=ppt/diagrams/data6.xml><?xml version="1.0" encoding="utf-8"?>
 <dgm:dataModel xmlns:dgm="http://schemas.openxmlformats.org/drawingml/2006/diagram" xmlns:a="http://schemas.openxmlformats.org/drawingml/2006/main">
   <dgm:ptLst>
     <dgm:pt modelId="{E241C173-3CAB-48B4-9D7F-B0C06D886B2C}" type="doc">
@@ -9382,10 +8120,10 @@
   </dgm:ptLst>
   <dgm:cxnLst>
     <dgm:cxn modelId="{B2164B27-1314-4FC5-89F8-B9782463575B}" srcId="{E241C173-3CAB-48B4-9D7F-B0C06D886B2C}" destId="{A4C79AFD-130A-4602-BA9A-AF69FB55E6DF}" srcOrd="3" destOrd="0" parTransId="{72F1218D-3680-4E66-98E2-105A1B18C2CE}" sibTransId="{ACE34EE5-5F7A-472C-A4C6-A0822D86118E}"/>
-    <dgm:cxn modelId="{00452D63-65F8-47C0-82D7-55F5D1F16A69}" srcId="{E241C173-3CAB-48B4-9D7F-B0C06D886B2C}" destId="{34400263-0E86-4DCB-9F80-4625CB0C9587}" srcOrd="2" destOrd="0" parTransId="{7040F08A-6A33-40E6-8124-2C5122B09E62}" sibTransId="{AF6247EF-2907-4E06-BDB2-5A0EF6BC1C3B}"/>
     <dgm:cxn modelId="{E4A44C4F-576F-DA4A-AF57-D85FCC0FCA5E}" type="presOf" srcId="{EE57A396-81D2-4BAB-8349-4C72A2C147F2}" destId="{9F82BE43-810E-064F-A7A8-29310BC5C9C6}" srcOrd="1" destOrd="0" presId="urn:microsoft.com/office/officeart/2016/7/layout/BasicLinearProcessNumbered"/>
     <dgm:cxn modelId="{155A0C55-9E6C-1847-AF5C-2FE0D26DB383}" type="presOf" srcId="{9C1AD9B5-F611-4F2F-A340-D5305AEBAF79}" destId="{6D483E69-CE89-304D-8ED2-20209AD55507}" srcOrd="0" destOrd="0" presId="urn:microsoft.com/office/officeart/2016/7/layout/BasicLinearProcessNumbered"/>
     <dgm:cxn modelId="{0A447957-F710-D345-951D-51E30BBED559}" type="presOf" srcId="{E241C173-3CAB-48B4-9D7F-B0C06D886B2C}" destId="{260E6CD4-3204-E043-B06A-AFE73CAD4076}" srcOrd="0" destOrd="0" presId="urn:microsoft.com/office/officeart/2016/7/layout/BasicLinearProcessNumbered"/>
+    <dgm:cxn modelId="{00452D63-65F8-47C0-82D7-55F5D1F16A69}" srcId="{E241C173-3CAB-48B4-9D7F-B0C06D886B2C}" destId="{34400263-0E86-4DCB-9F80-4625CB0C9587}" srcOrd="2" destOrd="0" parTransId="{7040F08A-6A33-40E6-8124-2C5122B09E62}" sibTransId="{AF6247EF-2907-4E06-BDB2-5A0EF6BC1C3B}"/>
     <dgm:cxn modelId="{D086E993-4686-FE42-8191-A47C10726D3C}" type="presOf" srcId="{34400263-0E86-4DCB-9F80-4625CB0C9587}" destId="{5B415DA5-A2BE-5848-B665-E97555D7A28F}" srcOrd="1" destOrd="0" presId="urn:microsoft.com/office/officeart/2016/7/layout/BasicLinearProcessNumbered"/>
     <dgm:cxn modelId="{52878E99-D4BD-4B4F-84CB-A7227DAEE1E6}" srcId="{E241C173-3CAB-48B4-9D7F-B0C06D886B2C}" destId="{9DAB698F-867F-4E12-8587-DC599CA14240}" srcOrd="1" destOrd="0" parTransId="{A5AAC32D-CD85-4F97-9D73-F18B826A302C}" sibTransId="{9C1AD9B5-F611-4F2F-A340-D5305AEBAF79}"/>
     <dgm:cxn modelId="{21A40F9D-99CC-A149-83A8-C5A4A183303A}" type="presOf" srcId="{AF6247EF-2907-4E06-BDB2-5A0EF6BC1C3B}" destId="{0044371D-E6B0-E845-AFB3-675113A4F0EC}" srcOrd="0" destOrd="0" presId="urn:microsoft.com/office/officeart/2016/7/layout/BasicLinearProcessNumbered"/>
@@ -9432,7 +8170,7 @@
 </dgm:dataModel>
 </file>
 
-<file path=ppt/diagrams/data8.xml><?xml version="1.0" encoding="utf-8"?>
+<file path=ppt/diagrams/data7.xml><?xml version="1.0" encoding="utf-8"?>
 <dgm:dataModel xmlns:dgm="http://schemas.openxmlformats.org/drawingml/2006/diagram" xmlns:a="http://schemas.openxmlformats.org/drawingml/2006/main">
   <dgm:ptLst>
     <dgm:pt modelId="{2F9452C3-FE81-4280-BEE3-1DCAF0C7327A}" type="doc">
@@ -9838,8 +8576,8 @@
   </dgm:ptLst>
   <dgm:cxnLst>
     <dgm:cxn modelId="{EC859219-294B-BA4B-8284-698D58B994E8}" type="presOf" srcId="{F23FAB8A-1DCA-4C23-8E13-1E873B0D1EA1}" destId="{B1B202D8-1D7C-4EB8-8CDE-DFD9584BD6D1}" srcOrd="0" destOrd="0" presId="urn:microsoft.com/office/officeart/2018/5/layout/IconCircleLabelList"/>
+    <dgm:cxn modelId="{ABE8C055-CDB5-43DD-87AA-1DD4E27858D7}" srcId="{2F9452C3-FE81-4280-BEE3-1DCAF0C7327A}" destId="{17B2F62A-70A9-44BE-8C30-9128D8A1F06B}" srcOrd="0" destOrd="0" parTransId="{13C782B5-AC01-4AD2-86F7-7DCBF2D81B24}" sibTransId="{89BD69F0-3089-4DA3-A4DC-96B2D8D41BF3}"/>
     <dgm:cxn modelId="{FE0F8967-9679-294F-9B88-36502043627F}" type="presOf" srcId="{17B2F62A-70A9-44BE-8C30-9128D8A1F06B}" destId="{B71F6D62-76E7-406A-9F5E-19F281A9D561}" srcOrd="0" destOrd="0" presId="urn:microsoft.com/office/officeart/2018/5/layout/IconCircleLabelList"/>
-    <dgm:cxn modelId="{ABE8C055-CDB5-43DD-87AA-1DD4E27858D7}" srcId="{2F9452C3-FE81-4280-BEE3-1DCAF0C7327A}" destId="{17B2F62A-70A9-44BE-8C30-9128D8A1F06B}" srcOrd="0" destOrd="0" parTransId="{13C782B5-AC01-4AD2-86F7-7DCBF2D81B24}" sibTransId="{89BD69F0-3089-4DA3-A4DC-96B2D8D41BF3}"/>
     <dgm:cxn modelId="{492BE092-01D6-412E-B074-3D0009B1296D}" srcId="{2F9452C3-FE81-4280-BEE3-1DCAF0C7327A}" destId="{5AAD7288-7AE7-41E1-81B9-DC5B9A64DB2A}" srcOrd="3" destOrd="0" parTransId="{415B54A0-FBBD-4F41-A914-6234C1FAB2F4}" sibTransId="{0A654AF6-A96F-4656-BD83-18BD01B9C84A}"/>
     <dgm:cxn modelId="{707FAA9B-E5B1-E745-B983-F938EA4A744A}" type="presOf" srcId="{5AAD7288-7AE7-41E1-81B9-DC5B9A64DB2A}" destId="{A363F719-EEB1-467A-9312-AA8BBCACBF2D}" srcOrd="0" destOrd="0" presId="urn:microsoft.com/office/officeart/2018/5/layout/IconCircleLabelList"/>
     <dgm:cxn modelId="{AF09F1A7-BB91-4224-B9A1-7FC7DE5BEDA5}" srcId="{2F9452C3-FE81-4280-BEE3-1DCAF0C7327A}" destId="{F23FAB8A-1DCA-4C23-8E13-1E873B0D1EA1}" srcOrd="2" destOrd="0" parTransId="{979E6496-8D78-4217-800E-3C286D4898F9}" sibTransId="{8A609E1F-AAA1-42D2-B7E4-FCC7C3C65B4C}"/>
@@ -10341,7 +9079,7 @@
         </a:prstGeom>
         <a:solidFill>
           <a:schemeClr val="accent2">
-            <a:hueOff val="-82827"/>
+            <a:hueOff val="-82826"/>
             <a:satOff val="-27168"/>
             <a:lumOff val="-9901"/>
             <a:alphaOff val="0"/>
@@ -10438,7 +9176,7 @@
         <a:ln w="34925" cap="flat" cmpd="sng" algn="in">
           <a:solidFill>
             <a:schemeClr val="accent2">
-              <a:hueOff val="-82827"/>
+              <a:hueOff val="-82826"/>
               <a:satOff val="-27168"/>
               <a:lumOff val="-9901"/>
               <a:alphaOff val="0"/>
@@ -10476,7 +9214,7 @@
         </a:prstGeom>
         <a:solidFill>
           <a:schemeClr val="accent2">
-            <a:hueOff val="-110436"/>
+            <a:hueOff val="-110435"/>
             <a:satOff val="-36223"/>
             <a:lumOff val="-13202"/>
             <a:alphaOff val="0"/>
@@ -10567,7 +9305,7 @@
         <a:ln w="34925" cap="flat" cmpd="sng" algn="in">
           <a:solidFill>
             <a:schemeClr val="accent2">
-              <a:hueOff val="-110436"/>
+              <a:hueOff val="-110435"/>
               <a:satOff val="-36223"/>
               <a:lumOff val="-13202"/>
               <a:alphaOff val="0"/>
@@ -10605,7 +9343,7 @@
         </a:prstGeom>
         <a:solidFill>
           <a:schemeClr val="accent2">
-            <a:hueOff val="-138045"/>
+            <a:hueOff val="-138044"/>
             <a:satOff val="-45279"/>
             <a:lumOff val="-16502"/>
             <a:alphaOff val="0"/>
@@ -10699,7 +9437,7 @@
         <a:ln w="34925" cap="flat" cmpd="sng" algn="in">
           <a:solidFill>
             <a:schemeClr val="accent2">
-              <a:hueOff val="-138045"/>
+              <a:hueOff val="-138044"/>
               <a:satOff val="-45279"/>
               <a:lumOff val="-16502"/>
               <a:alphaOff val="0"/>
@@ -10737,7 +9475,7 @@
         </a:prstGeom>
         <a:solidFill>
           <a:schemeClr val="accent2">
-            <a:hueOff val="-165654"/>
+            <a:hueOff val="-165653"/>
             <a:satOff val="-54335"/>
             <a:lumOff val="-19803"/>
             <a:alphaOff val="0"/>
@@ -10831,7 +9569,7 @@
         <a:ln w="34925" cap="flat" cmpd="sng" algn="in">
           <a:solidFill>
             <a:schemeClr val="accent2">
-              <a:hueOff val="-165654"/>
+              <a:hueOff val="-165653"/>
               <a:satOff val="-54335"/>
               <a:lumOff val="-19803"/>
               <a:alphaOff val="0"/>
@@ -11670,7 +10408,7 @@
           <a:schemeClr val="accent5">
             <a:tint val="40000"/>
             <a:alpha val="90000"/>
-            <a:hueOff val="8780593"/>
+            <a:hueOff val="8780596"/>
             <a:satOff val="29467"/>
             <a:lumOff val="3014"/>
             <a:alphaOff val="0"/>
@@ -11741,15 +10479,15 @@
       <dsp:cNvGrpSpPr/>
     </dsp:nvGrpSpPr>
     <dsp:grpSpPr/>
-    <dsp:sp modelId="{5193E713-5F93-4340-99BF-8DADADFD41B2}">
+    <dsp:sp modelId="{37450864-07BC-4DF4-9A76-E27B29E63612}">
       <dsp:nvSpPr>
         <dsp:cNvPr id="0" name=""/>
         <dsp:cNvSpPr/>
       </dsp:nvSpPr>
       <dsp:spPr>
         <a:xfrm>
-          <a:off x="0" y="442"/>
-          <a:ext cx="5000400" cy="1034373"/>
+          <a:off x="0" y="3042"/>
+          <a:ext cx="6506304" cy="1612946"/>
         </a:xfrm>
         <a:prstGeom prst="roundRect">
           <a:avLst>
@@ -11757,7 +10495,7 @@
           </a:avLst>
         </a:prstGeom>
         <a:solidFill>
-          <a:schemeClr val="accent1">
+          <a:schemeClr val="accent4">
             <a:tint val="40000"/>
             <a:hueOff val="0"/>
             <a:satOff val="0"/>
@@ -11783,15 +10521,15 @@
         <a:fontRef idx="minor"/>
       </dsp:style>
     </dsp:sp>
-    <dsp:sp modelId="{98BA549E-9EA2-4F54-96B6-736E7020656B}">
+    <dsp:sp modelId="{55E32FFD-53C8-48F6-8885-6B3E4BB14A09}">
       <dsp:nvSpPr>
         <dsp:cNvPr id="0" name=""/>
         <dsp:cNvSpPr/>
       </dsp:nvSpPr>
       <dsp:spPr>
         <a:xfrm>
-          <a:off x="312898" y="233176"/>
-          <a:ext cx="568905" cy="568905"/>
+          <a:off x="487439" y="366388"/>
+          <a:ext cx="887120" cy="886254"/>
         </a:xfrm>
         <a:prstGeom prst="rect">
           <a:avLst/>
@@ -11839,15 +10577,15 @@
         </a:fontRef>
       </dsp:style>
     </dsp:sp>
-    <dsp:sp modelId="{E1762495-39AA-49D9-8AE5-9CC2A682D76C}">
+    <dsp:sp modelId="{BF70760C-3A49-45E0-B1BD-E9152E641B8C}">
       <dsp:nvSpPr>
         <dsp:cNvPr id="0" name=""/>
         <dsp:cNvSpPr/>
       </dsp:nvSpPr>
       <dsp:spPr>
         <a:xfrm>
-          <a:off x="1194701" y="442"/>
-          <a:ext cx="3805698" cy="1034373"/>
+          <a:off x="1862000" y="56822"/>
+          <a:ext cx="4436609" cy="1612946"/>
         </a:xfrm>
         <a:prstGeom prst="rect">
           <a:avLst/>
@@ -11871,12 +10609,12 @@
         <a:fontRef idx="minor"/>
       </dsp:style>
       <dsp:txBody>
-        <a:bodyPr spcFirstLastPara="0" vert="horz" wrap="square" lIns="109471" tIns="109471" rIns="109471" bIns="109471" numCol="1" spcCol="1270" anchor="ctr" anchorCtr="0">
+        <a:bodyPr spcFirstLastPara="0" vert="horz" wrap="square" lIns="170704" tIns="170704" rIns="170704" bIns="170704" numCol="1" spcCol="1270" anchor="ctr" anchorCtr="0">
           <a:noAutofit/>
         </a:bodyPr>
         <a:lstStyle/>
         <a:p>
-          <a:pPr marL="0" lvl="0" indent="0" algn="l" defTabSz="622300">
+          <a:pPr marL="0" lvl="0" indent="0" algn="l" defTabSz="800100">
             <a:lnSpc>
               <a:spcPct val="100000"/>
             </a:lnSpc>
@@ -11889,30 +10627,30 @@
             <a:buNone/>
           </a:pPr>
           <a:r>
-            <a:rPr lang="en-US" sz="1400" b="1" kern="1200" baseline="0" dirty="0"/>
-            <a:t>Cloud-Agnostic</a:t>
+            <a:rPr lang="en-US" sz="1800" b="1" kern="1200" baseline="0" dirty="0"/>
+            <a:t>Scope</a:t>
           </a:r>
           <a:r>
-            <a:rPr lang="en-US" sz="1400" kern="1200" baseline="0" dirty="0"/>
-            <a:t>: Works across multiple cloud providers (Azure, AWS, GCP, etc.), enabling true multi-cloud infrastructure management.</a:t>
+            <a:rPr lang="en-US" sz="1800" kern="1200" baseline="0" dirty="0"/>
+            <a:t>: Terraform, ARM, and CloudFormation are primarily IaC tools, while Chef, Puppet, and Ansible are configuration management tools, which means that they are designed to install and manage software on existing servers.</a:t>
           </a:r>
-          <a:endParaRPr lang="en-US" sz="1400" kern="1200" dirty="0"/>
+          <a:endParaRPr lang="en-US" sz="1800" kern="1200" dirty="0"/>
         </a:p>
       </dsp:txBody>
       <dsp:txXfrm>
-        <a:off x="1194701" y="442"/>
-        <a:ext cx="3805698" cy="1034373"/>
+        <a:off x="1862000" y="56822"/>
+        <a:ext cx="4436609" cy="1612946"/>
       </dsp:txXfrm>
     </dsp:sp>
-    <dsp:sp modelId="{8D2EC7B8-5B62-4A53-A62B-D97EFB55B30D}">
+    <dsp:sp modelId="{FF3E79E6-96EC-4B21-8ACA-D4AE8B270D74}">
       <dsp:nvSpPr>
         <dsp:cNvPr id="0" name=""/>
         <dsp:cNvSpPr/>
       </dsp:nvSpPr>
       <dsp:spPr>
         <a:xfrm>
-          <a:off x="0" y="1293409"/>
-          <a:ext cx="5000400" cy="1034373"/>
+          <a:off x="0" y="2009336"/>
+          <a:ext cx="6506304" cy="1505386"/>
         </a:xfrm>
         <a:prstGeom prst="roundRect">
           <a:avLst>
@@ -11920,7 +10658,7 @@
           </a:avLst>
         </a:prstGeom>
         <a:solidFill>
-          <a:schemeClr val="accent1">
+          <a:schemeClr val="accent4">
             <a:tint val="40000"/>
             <a:hueOff val="0"/>
             <a:satOff val="0"/>
@@ -11946,15 +10684,15 @@
         <a:fontRef idx="minor"/>
       </dsp:style>
     </dsp:sp>
-    <dsp:sp modelId="{4C4D9A10-E246-43DD-A59E-F4FF5707D229}">
+    <dsp:sp modelId="{6D40A941-4A99-443A-B21D-B78FD56203E5}">
       <dsp:nvSpPr>
         <dsp:cNvPr id="0" name=""/>
         <dsp:cNvSpPr/>
       </dsp:nvSpPr>
       <dsp:spPr>
         <a:xfrm>
-          <a:off x="312898" y="1526143"/>
-          <a:ext cx="568905" cy="568905"/>
+          <a:off x="487439" y="2318902"/>
+          <a:ext cx="887120" cy="886254"/>
         </a:xfrm>
         <a:prstGeom prst="rect">
           <a:avLst/>
@@ -12002,15 +10740,15 @@
         </a:fontRef>
       </dsp:style>
     </dsp:sp>
-    <dsp:sp modelId="{441E8DE1-1585-4C10-B9AB-5D0D1E00E33C}">
+    <dsp:sp modelId="{3855DB26-5C8A-48A1-A078-47D30AF7E63A}">
       <dsp:nvSpPr>
         <dsp:cNvPr id="0" name=""/>
         <dsp:cNvSpPr/>
       </dsp:nvSpPr>
       <dsp:spPr>
         <a:xfrm>
-          <a:off x="1194701" y="1293409"/>
-          <a:ext cx="3805698" cy="1034373"/>
+          <a:off x="1862000" y="2009336"/>
+          <a:ext cx="4436609" cy="1612946"/>
         </a:xfrm>
         <a:prstGeom prst="rect">
           <a:avLst/>
@@ -12034,12 +10772,12 @@
         <a:fontRef idx="minor"/>
       </dsp:style>
       <dsp:txBody>
-        <a:bodyPr spcFirstLastPara="0" vert="horz" wrap="square" lIns="109471" tIns="109471" rIns="109471" bIns="109471" numCol="1" spcCol="1270" anchor="ctr" anchorCtr="0">
+        <a:bodyPr spcFirstLastPara="0" vert="horz" wrap="square" lIns="170704" tIns="170704" rIns="170704" bIns="170704" numCol="1" spcCol="1270" anchor="ctr" anchorCtr="0">
           <a:noAutofit/>
         </a:bodyPr>
         <a:lstStyle/>
         <a:p>
-          <a:pPr marL="0" lvl="0" indent="0" algn="l" defTabSz="622300">
+          <a:pPr marL="0" lvl="0" indent="0" algn="l" defTabSz="1066800">
             <a:lnSpc>
               <a:spcPct val="100000"/>
             </a:lnSpc>
@@ -12052,30 +10790,30 @@
             <a:buNone/>
           </a:pPr>
           <a:r>
-            <a:rPr lang="en-US" sz="1400" b="1" kern="1200" baseline="0"/>
-            <a:t>Declarative Syntax (HCL)</a:t>
+            <a:rPr lang="en-US" sz="2400" b="1" kern="1200" baseline="0" dirty="0"/>
+            <a:t>Cloud Support</a:t>
           </a:r>
           <a:r>
-            <a:rPr lang="en-US" sz="1400" kern="1200" baseline="0"/>
-            <a:t>: Uses HashiCorp Configuration Language (HCL), which is easy to read and manage.</a:t>
+            <a:rPr lang="en-US" sz="2400" kern="1200" baseline="0" dirty="0"/>
+            <a:t>: Terraform is multi-cloud, while ARM and CloudFormation are limited to Azure and AWS, respectively.</a:t>
           </a:r>
-          <a:endParaRPr lang="en-US" sz="1400" kern="1200"/>
+          <a:endParaRPr lang="en-US" sz="2400" kern="1200" dirty="0"/>
         </a:p>
       </dsp:txBody>
       <dsp:txXfrm>
-        <a:off x="1194701" y="1293409"/>
-        <a:ext cx="3805698" cy="1034373"/>
+        <a:off x="1862000" y="2009336"/>
+        <a:ext cx="4436609" cy="1612946"/>
       </dsp:txXfrm>
     </dsp:sp>
-    <dsp:sp modelId="{08E42D6C-AA2F-4527-B514-1558134D3494}">
+    <dsp:sp modelId="{FE2C36A2-63A1-46D4-865A-24BEC2623BC6}">
       <dsp:nvSpPr>
         <dsp:cNvPr id="0" name=""/>
         <dsp:cNvSpPr/>
       </dsp:nvSpPr>
       <dsp:spPr>
         <a:xfrm>
-          <a:off x="0" y="2586376"/>
-          <a:ext cx="5000400" cy="1034373"/>
+          <a:off x="0" y="3961850"/>
+          <a:ext cx="6506304" cy="1505386"/>
         </a:xfrm>
         <a:prstGeom prst="roundRect">
           <a:avLst>
@@ -12083,7 +10821,7 @@
           </a:avLst>
         </a:prstGeom>
         <a:solidFill>
-          <a:schemeClr val="accent1">
+          <a:schemeClr val="accent4">
             <a:tint val="40000"/>
             <a:hueOff val="0"/>
             <a:satOff val="0"/>
@@ -12109,15 +10847,15 @@
         <a:fontRef idx="minor"/>
       </dsp:style>
     </dsp:sp>
-    <dsp:sp modelId="{F0986770-C99B-43E0-81CB-5F9A647CDC93}">
+    <dsp:sp modelId="{E6534BEF-2370-479B-837D-16D841BF91AE}">
       <dsp:nvSpPr>
         <dsp:cNvPr id="0" name=""/>
         <dsp:cNvSpPr/>
       </dsp:nvSpPr>
       <dsp:spPr>
         <a:xfrm>
-          <a:off x="312898" y="2819111"/>
-          <a:ext cx="568905" cy="568905"/>
+          <a:off x="487439" y="4271417"/>
+          <a:ext cx="887120" cy="886254"/>
         </a:xfrm>
         <a:prstGeom prst="rect">
           <a:avLst/>
@@ -12165,15 +10903,15 @@
         </a:fontRef>
       </dsp:style>
     </dsp:sp>
-    <dsp:sp modelId="{42DF1F9C-783C-4E0C-A2F3-A6594815AF2D}">
+    <dsp:sp modelId="{FBB41797-4A98-445A-9A7C-9A4C5AB18FD5}">
       <dsp:nvSpPr>
         <dsp:cNvPr id="0" name=""/>
         <dsp:cNvSpPr/>
       </dsp:nvSpPr>
       <dsp:spPr>
         <a:xfrm>
-          <a:off x="1194701" y="2586376"/>
-          <a:ext cx="3805698" cy="1034373"/>
+          <a:off x="1862000" y="3961850"/>
+          <a:ext cx="4436609" cy="1612946"/>
         </a:xfrm>
         <a:prstGeom prst="rect">
           <a:avLst/>
@@ -12197,491 +10935,14 @@
         <a:fontRef idx="minor"/>
       </dsp:style>
       <dsp:txBody>
-        <a:bodyPr spcFirstLastPara="0" vert="horz" wrap="square" lIns="109471" tIns="109471" rIns="109471" bIns="109471" numCol="1" spcCol="1270" anchor="ctr" anchorCtr="0">
-          <a:noAutofit/>
-        </a:bodyPr>
-        <a:lstStyle/>
-        <a:p>
-          <a:pPr marL="0" lvl="0" indent="0" algn="l" defTabSz="622300">
-            <a:lnSpc>
-              <a:spcPct val="100000"/>
-            </a:lnSpc>
-            <a:spcBef>
-              <a:spcPct val="0"/>
-            </a:spcBef>
-            <a:spcAft>
-              <a:spcPct val="35000"/>
-            </a:spcAft>
-            <a:buNone/>
-          </a:pPr>
-          <a:r>
-            <a:rPr lang="en-US" sz="1400" b="1" kern="1200" baseline="0"/>
-            <a:t>Strong Community Support and Module Reuse</a:t>
-          </a:r>
-          <a:r>
-            <a:rPr lang="en-US" sz="1400" kern="1200" baseline="0"/>
-            <a:t>: The Terraform Registry offers a wide range of reusable modules.</a:t>
-          </a:r>
-          <a:endParaRPr lang="en-US" sz="1400" kern="1200"/>
-        </a:p>
-      </dsp:txBody>
-      <dsp:txXfrm>
-        <a:off x="1194701" y="2586376"/>
-        <a:ext cx="3805698" cy="1034373"/>
-      </dsp:txXfrm>
-    </dsp:sp>
-  </dsp:spTree>
-</dsp:drawing>
-</file>
-
-<file path=ppt/diagrams/drawing5.xml><?xml version="1.0" encoding="utf-8"?>
-<dsp:drawing xmlns:dgm="http://schemas.openxmlformats.org/drawingml/2006/diagram" xmlns:dsp="http://schemas.microsoft.com/office/drawing/2008/diagram" xmlns:a="http://schemas.openxmlformats.org/drawingml/2006/main">
-  <dsp:spTree>
-    <dsp:nvGrpSpPr>
-      <dsp:cNvPr id="0" name=""/>
-      <dsp:cNvGrpSpPr/>
-    </dsp:nvGrpSpPr>
-    <dsp:grpSpPr/>
-    <dsp:sp modelId="{37450864-07BC-4DF4-9A76-E27B29E63612}">
-      <dsp:nvSpPr>
-        <dsp:cNvPr id="0" name=""/>
-        <dsp:cNvSpPr/>
-      </dsp:nvSpPr>
-      <dsp:spPr>
-        <a:xfrm>
-          <a:off x="0" y="4679"/>
-          <a:ext cx="6506304" cy="1602910"/>
-        </a:xfrm>
-        <a:prstGeom prst="roundRect">
-          <a:avLst>
-            <a:gd name="adj" fmla="val 10000"/>
-          </a:avLst>
-        </a:prstGeom>
-        <a:solidFill>
-          <a:schemeClr val="accent2">
-            <a:hueOff val="0"/>
-            <a:satOff val="0"/>
-            <a:lumOff val="0"/>
-            <a:alphaOff val="0"/>
-          </a:schemeClr>
-        </a:solidFill>
-        <a:ln>
-          <a:noFill/>
-        </a:ln>
-        <a:effectLst/>
-      </dsp:spPr>
-      <dsp:style>
-        <a:lnRef idx="0">
-          <a:scrgbClr r="0" g="0" b="0"/>
-        </a:lnRef>
-        <a:fillRef idx="1">
-          <a:scrgbClr r="0" g="0" b="0"/>
-        </a:fillRef>
-        <a:effectRef idx="0">
-          <a:scrgbClr r="0" g="0" b="0"/>
-        </a:effectRef>
-        <a:fontRef idx="minor"/>
-      </dsp:style>
-    </dsp:sp>
-    <dsp:sp modelId="{55E32FFD-53C8-48F6-8885-6B3E4BB14A09}">
-      <dsp:nvSpPr>
-        <dsp:cNvPr id="0" name=""/>
-        <dsp:cNvSpPr/>
-      </dsp:nvSpPr>
-      <dsp:spPr>
-        <a:xfrm>
-          <a:off x="484880" y="365334"/>
-          <a:ext cx="882462" cy="881600"/>
-        </a:xfrm>
-        <a:prstGeom prst="rect">
-          <a:avLst/>
-        </a:prstGeom>
-        <a:blipFill>
-          <a:blip xmlns:r="http://schemas.openxmlformats.org/officeDocument/2006/relationships" r:embed="rId1">
-            <a:extLst>
-              <a:ext uri="{28A0092B-C50C-407E-A947-70E740481C1C}">
-                <a14:useLocalDpi xmlns:a14="http://schemas.microsoft.com/office/drawing/2010/main" val="0"/>
-              </a:ext>
-              <a:ext uri="{96DAC541-7B7A-43D3-8B79-37D633B846F1}">
-                <asvg:svgBlip xmlns:asvg="http://schemas.microsoft.com/office/drawing/2016/SVG/main" r:embed="rId2"/>
-              </a:ext>
-            </a:extLst>
-          </a:blip>
-          <a:stretch>
-            <a:fillRect/>
-          </a:stretch>
-        </a:blipFill>
-        <a:ln w="34925" cap="flat" cmpd="sng" algn="in">
-          <a:noFill/>
-          <a:prstDash val="solid"/>
-        </a:ln>
-        <a:effectLst/>
-      </dsp:spPr>
-      <dsp:style>
-        <a:lnRef idx="2">
-          <a:scrgbClr r="0" g="0" b="0"/>
-        </a:lnRef>
-        <a:fillRef idx="1">
-          <a:scrgbClr r="0" g="0" b="0"/>
-        </a:fillRef>
-        <a:effectRef idx="0">
-          <a:scrgbClr r="0" g="0" b="0"/>
-        </a:effectRef>
-        <a:fontRef idx="minor">
-          <a:schemeClr val="lt1"/>
-        </a:fontRef>
-      </dsp:style>
-    </dsp:sp>
-    <dsp:sp modelId="{BF70760C-3A49-45E0-B1BD-E9152E641B8C}">
-      <dsp:nvSpPr>
-        <dsp:cNvPr id="0" name=""/>
-        <dsp:cNvSpPr/>
-      </dsp:nvSpPr>
-      <dsp:spPr>
-        <a:xfrm>
-          <a:off x="1852223" y="4679"/>
-          <a:ext cx="4556781" cy="1604477"/>
-        </a:xfrm>
-        <a:prstGeom prst="rect">
-          <a:avLst/>
-        </a:prstGeom>
-        <a:noFill/>
-        <a:ln>
-          <a:noFill/>
-        </a:ln>
-        <a:effectLst/>
-      </dsp:spPr>
-      <dsp:style>
-        <a:lnRef idx="0">
-          <a:scrgbClr r="0" g="0" b="0"/>
-        </a:lnRef>
-        <a:fillRef idx="0">
-          <a:scrgbClr r="0" g="0" b="0"/>
-        </a:fillRef>
-        <a:effectRef idx="0">
-          <a:scrgbClr r="0" g="0" b="0"/>
-        </a:effectRef>
-        <a:fontRef idx="minor"/>
-      </dsp:style>
-      <dsp:txBody>
-        <a:bodyPr spcFirstLastPara="0" vert="horz" wrap="square" lIns="169807" tIns="169807" rIns="169807" bIns="169807" numCol="1" spcCol="1270" anchor="ctr" anchorCtr="0">
-          <a:noAutofit/>
-        </a:bodyPr>
-        <a:lstStyle/>
-        <a:p>
-          <a:pPr marL="0" lvl="0" indent="0" algn="l" defTabSz="800100">
-            <a:lnSpc>
-              <a:spcPct val="90000"/>
-            </a:lnSpc>
-            <a:spcBef>
-              <a:spcPct val="0"/>
-            </a:spcBef>
-            <a:spcAft>
-              <a:spcPct val="35000"/>
-            </a:spcAft>
-            <a:buNone/>
-          </a:pPr>
-          <a:r>
-            <a:rPr lang="en-US" sz="1800" b="1" kern="1200" baseline="0" dirty="0"/>
-            <a:t>Scope</a:t>
-          </a:r>
-          <a:r>
-            <a:rPr lang="en-US" sz="1800" kern="1200" baseline="0" dirty="0"/>
-            <a:t>: Terraform, ARM, and CloudFormation are primarily IaC tools, while Chef, Puppet, and Ansible are configuration management tools, which means that they are designed to install and manage software on existing servers.</a:t>
-          </a:r>
-          <a:endParaRPr lang="en-US" sz="1800" kern="1200" dirty="0"/>
-        </a:p>
-      </dsp:txBody>
-      <dsp:txXfrm>
-        <a:off x="1852223" y="4679"/>
-        <a:ext cx="4556781" cy="1604477"/>
-      </dsp:txXfrm>
-    </dsp:sp>
-    <dsp:sp modelId="{FF3E79E6-96EC-4B21-8ACA-D4AE8B270D74}">
-      <dsp:nvSpPr>
-        <dsp:cNvPr id="0" name=""/>
-        <dsp:cNvSpPr/>
-      </dsp:nvSpPr>
-      <dsp:spPr>
-        <a:xfrm>
-          <a:off x="0" y="1986681"/>
-          <a:ext cx="6506304" cy="1602910"/>
-        </a:xfrm>
-        <a:prstGeom prst="roundRect">
-          <a:avLst>
-            <a:gd name="adj" fmla="val 10000"/>
-          </a:avLst>
-        </a:prstGeom>
-        <a:solidFill>
-          <a:schemeClr val="accent3">
-            <a:hueOff val="0"/>
-            <a:satOff val="0"/>
-            <a:lumOff val="0"/>
-            <a:alphaOff val="0"/>
-          </a:schemeClr>
-        </a:solidFill>
-        <a:ln>
-          <a:noFill/>
-        </a:ln>
-        <a:effectLst/>
-      </dsp:spPr>
-      <dsp:style>
-        <a:lnRef idx="0">
-          <a:scrgbClr r="0" g="0" b="0"/>
-        </a:lnRef>
-        <a:fillRef idx="1">
-          <a:scrgbClr r="0" g="0" b="0"/>
-        </a:fillRef>
-        <a:effectRef idx="0">
-          <a:scrgbClr r="0" g="0" b="0"/>
-        </a:effectRef>
-        <a:fontRef idx="minor"/>
-      </dsp:style>
-    </dsp:sp>
-    <dsp:sp modelId="{6D40A941-4A99-443A-B21D-B78FD56203E5}">
-      <dsp:nvSpPr>
-        <dsp:cNvPr id="0" name=""/>
-        <dsp:cNvSpPr/>
-      </dsp:nvSpPr>
-      <dsp:spPr>
-        <a:xfrm>
-          <a:off x="484880" y="2347336"/>
-          <a:ext cx="882462" cy="881600"/>
-        </a:xfrm>
-        <a:prstGeom prst="rect">
-          <a:avLst/>
-        </a:prstGeom>
-        <a:blipFill>
-          <a:blip xmlns:r="http://schemas.openxmlformats.org/officeDocument/2006/relationships" r:embed="rId3">
-            <a:extLst>
-              <a:ext uri="{28A0092B-C50C-407E-A947-70E740481C1C}">
-                <a14:useLocalDpi xmlns:a14="http://schemas.microsoft.com/office/drawing/2010/main" val="0"/>
-              </a:ext>
-              <a:ext uri="{96DAC541-7B7A-43D3-8B79-37D633B846F1}">
-                <asvg:svgBlip xmlns:asvg="http://schemas.microsoft.com/office/drawing/2016/SVG/main" r:embed="rId4"/>
-              </a:ext>
-            </a:extLst>
-          </a:blip>
-          <a:stretch>
-            <a:fillRect/>
-          </a:stretch>
-        </a:blipFill>
-        <a:ln w="34925" cap="flat" cmpd="sng" algn="in">
-          <a:noFill/>
-          <a:prstDash val="solid"/>
-        </a:ln>
-        <a:effectLst/>
-      </dsp:spPr>
-      <dsp:style>
-        <a:lnRef idx="2">
-          <a:scrgbClr r="0" g="0" b="0"/>
-        </a:lnRef>
-        <a:fillRef idx="1">
-          <a:scrgbClr r="0" g="0" b="0"/>
-        </a:fillRef>
-        <a:effectRef idx="0">
-          <a:scrgbClr r="0" g="0" b="0"/>
-        </a:effectRef>
-        <a:fontRef idx="minor">
-          <a:schemeClr val="lt1"/>
-        </a:fontRef>
-      </dsp:style>
-    </dsp:sp>
-    <dsp:sp modelId="{3855DB26-5C8A-48A1-A078-47D30AF7E63A}">
-      <dsp:nvSpPr>
-        <dsp:cNvPr id="0" name=""/>
-        <dsp:cNvSpPr/>
-      </dsp:nvSpPr>
-      <dsp:spPr>
-        <a:xfrm>
-          <a:off x="1852223" y="1986681"/>
-          <a:ext cx="4556781" cy="1604477"/>
-        </a:xfrm>
-        <a:prstGeom prst="rect">
-          <a:avLst/>
-        </a:prstGeom>
-        <a:noFill/>
-        <a:ln>
-          <a:noFill/>
-        </a:ln>
-        <a:effectLst/>
-      </dsp:spPr>
-      <dsp:style>
-        <a:lnRef idx="0">
-          <a:scrgbClr r="0" g="0" b="0"/>
-        </a:lnRef>
-        <a:fillRef idx="0">
-          <a:scrgbClr r="0" g="0" b="0"/>
-        </a:fillRef>
-        <a:effectRef idx="0">
-          <a:scrgbClr r="0" g="0" b="0"/>
-        </a:effectRef>
-        <a:fontRef idx="minor"/>
-      </dsp:style>
-      <dsp:txBody>
-        <a:bodyPr spcFirstLastPara="0" vert="horz" wrap="square" lIns="169807" tIns="169807" rIns="169807" bIns="169807" numCol="1" spcCol="1270" anchor="ctr" anchorCtr="0">
+        <a:bodyPr spcFirstLastPara="0" vert="horz" wrap="square" lIns="170704" tIns="170704" rIns="170704" bIns="170704" numCol="1" spcCol="1270" anchor="ctr" anchorCtr="0">
           <a:noAutofit/>
         </a:bodyPr>
         <a:lstStyle/>
         <a:p>
           <a:pPr marL="0" lvl="0" indent="0" algn="l" defTabSz="1066800">
             <a:lnSpc>
-              <a:spcPct val="90000"/>
-            </a:lnSpc>
-            <a:spcBef>
-              <a:spcPct val="0"/>
-            </a:spcBef>
-            <a:spcAft>
-              <a:spcPct val="35000"/>
-            </a:spcAft>
-            <a:buNone/>
-          </a:pPr>
-          <a:r>
-            <a:rPr lang="en-US" sz="2400" b="1" kern="1200" baseline="0" dirty="0"/>
-            <a:t>Cloud Support</a:t>
-          </a:r>
-          <a:r>
-            <a:rPr lang="en-US" sz="2400" kern="1200" baseline="0" dirty="0"/>
-            <a:t>: Terraform is multi-cloud, while ARM and CloudFormation are limited to Azure and AWS, respectively.</a:t>
-          </a:r>
-          <a:endParaRPr lang="en-US" sz="2400" kern="1200" dirty="0"/>
-        </a:p>
-      </dsp:txBody>
-      <dsp:txXfrm>
-        <a:off x="1852223" y="1986681"/>
-        <a:ext cx="4556781" cy="1604477"/>
-      </dsp:txXfrm>
-    </dsp:sp>
-    <dsp:sp modelId="{FE2C36A2-63A1-46D4-865A-24BEC2623BC6}">
-      <dsp:nvSpPr>
-        <dsp:cNvPr id="0" name=""/>
-        <dsp:cNvSpPr/>
-      </dsp:nvSpPr>
-      <dsp:spPr>
-        <a:xfrm>
-          <a:off x="0" y="3968683"/>
-          <a:ext cx="6506304" cy="1602910"/>
-        </a:xfrm>
-        <a:prstGeom prst="roundRect">
-          <a:avLst>
-            <a:gd name="adj" fmla="val 10000"/>
-          </a:avLst>
-        </a:prstGeom>
-        <a:solidFill>
-          <a:schemeClr val="accent4">
-            <a:hueOff val="0"/>
-            <a:satOff val="0"/>
-            <a:lumOff val="0"/>
-            <a:alphaOff val="0"/>
-          </a:schemeClr>
-        </a:solidFill>
-        <a:ln>
-          <a:noFill/>
-        </a:ln>
-        <a:effectLst/>
-      </dsp:spPr>
-      <dsp:style>
-        <a:lnRef idx="0">
-          <a:scrgbClr r="0" g="0" b="0"/>
-        </a:lnRef>
-        <a:fillRef idx="1">
-          <a:scrgbClr r="0" g="0" b="0"/>
-        </a:fillRef>
-        <a:effectRef idx="0">
-          <a:scrgbClr r="0" g="0" b="0"/>
-        </a:effectRef>
-        <a:fontRef idx="minor"/>
-      </dsp:style>
-    </dsp:sp>
-    <dsp:sp modelId="{E6534BEF-2370-479B-837D-16D841BF91AE}">
-      <dsp:nvSpPr>
-        <dsp:cNvPr id="0" name=""/>
-        <dsp:cNvSpPr/>
-      </dsp:nvSpPr>
-      <dsp:spPr>
-        <a:xfrm>
-          <a:off x="484880" y="4329337"/>
-          <a:ext cx="882462" cy="881600"/>
-        </a:xfrm>
-        <a:prstGeom prst="rect">
-          <a:avLst/>
-        </a:prstGeom>
-        <a:blipFill>
-          <a:blip xmlns:r="http://schemas.openxmlformats.org/officeDocument/2006/relationships" r:embed="rId5">
-            <a:extLst>
-              <a:ext uri="{28A0092B-C50C-407E-A947-70E740481C1C}">
-                <a14:useLocalDpi xmlns:a14="http://schemas.microsoft.com/office/drawing/2010/main" val="0"/>
-              </a:ext>
-              <a:ext uri="{96DAC541-7B7A-43D3-8B79-37D633B846F1}">
-                <asvg:svgBlip xmlns:asvg="http://schemas.microsoft.com/office/drawing/2016/SVG/main" r:embed="rId6"/>
-              </a:ext>
-            </a:extLst>
-          </a:blip>
-          <a:stretch>
-            <a:fillRect/>
-          </a:stretch>
-        </a:blipFill>
-        <a:ln w="34925" cap="flat" cmpd="sng" algn="in">
-          <a:noFill/>
-          <a:prstDash val="solid"/>
-        </a:ln>
-        <a:effectLst/>
-      </dsp:spPr>
-      <dsp:style>
-        <a:lnRef idx="2">
-          <a:scrgbClr r="0" g="0" b="0"/>
-        </a:lnRef>
-        <a:fillRef idx="1">
-          <a:scrgbClr r="0" g="0" b="0"/>
-        </a:fillRef>
-        <a:effectRef idx="0">
-          <a:scrgbClr r="0" g="0" b="0"/>
-        </a:effectRef>
-        <a:fontRef idx="minor">
-          <a:schemeClr val="lt1"/>
-        </a:fontRef>
-      </dsp:style>
-    </dsp:sp>
-    <dsp:sp modelId="{FBB41797-4A98-445A-9A7C-9A4C5AB18FD5}">
-      <dsp:nvSpPr>
-        <dsp:cNvPr id="0" name=""/>
-        <dsp:cNvSpPr/>
-      </dsp:nvSpPr>
-      <dsp:spPr>
-        <a:xfrm>
-          <a:off x="1852223" y="3968683"/>
-          <a:ext cx="4556781" cy="1604477"/>
-        </a:xfrm>
-        <a:prstGeom prst="rect">
-          <a:avLst/>
-        </a:prstGeom>
-        <a:noFill/>
-        <a:ln>
-          <a:noFill/>
-        </a:ln>
-        <a:effectLst/>
-      </dsp:spPr>
-      <dsp:style>
-        <a:lnRef idx="0">
-          <a:scrgbClr r="0" g="0" b="0"/>
-        </a:lnRef>
-        <a:fillRef idx="0">
-          <a:scrgbClr r="0" g="0" b="0"/>
-        </a:fillRef>
-        <a:effectRef idx="0">
-          <a:scrgbClr r="0" g="0" b="0"/>
-        </a:effectRef>
-        <a:fontRef idx="minor"/>
-      </dsp:style>
-      <dsp:txBody>
-        <a:bodyPr spcFirstLastPara="0" vert="horz" wrap="square" lIns="169807" tIns="169807" rIns="169807" bIns="169807" numCol="1" spcCol="1270" anchor="ctr" anchorCtr="0">
-          <a:noAutofit/>
-        </a:bodyPr>
-        <a:lstStyle/>
-        <a:p>
-          <a:pPr marL="0" lvl="0" indent="0" algn="l" defTabSz="1066800">
-            <a:lnSpc>
-              <a:spcPct val="90000"/>
+              <a:spcPct val="100000"/>
             </a:lnSpc>
             <a:spcBef>
               <a:spcPct val="0"/>
@@ -12703,15 +10964,15 @@
         </a:p>
       </dsp:txBody>
       <dsp:txXfrm>
-        <a:off x="1852223" y="3968683"/>
-        <a:ext cx="4556781" cy="1604477"/>
+        <a:off x="1862000" y="3961850"/>
+        <a:ext cx="4436609" cy="1612946"/>
       </dsp:txXfrm>
     </dsp:sp>
   </dsp:spTree>
 </dsp:drawing>
 </file>
 
-<file path=ppt/diagrams/drawing6.xml><?xml version="1.0" encoding="utf-8"?>
+<file path=ppt/diagrams/drawing5.xml><?xml version="1.0" encoding="utf-8"?>
 <dsp:drawing xmlns:dgm="http://schemas.openxmlformats.org/drawingml/2006/diagram" xmlns:dsp="http://schemas.microsoft.com/office/drawing/2008/diagram" xmlns:a="http://schemas.openxmlformats.org/drawingml/2006/main">
   <dsp:spTree>
     <dsp:nvGrpSpPr>
@@ -13184,7 +11445,7 @@
 </dsp:drawing>
 </file>
 
-<file path=ppt/diagrams/drawing7.xml><?xml version="1.0" encoding="utf-8"?>
+<file path=ppt/diagrams/drawing6.xml><?xml version="1.0" encoding="utf-8"?>
 <dsp:drawing xmlns:dgm="http://schemas.openxmlformats.org/drawingml/2006/diagram" xmlns:dsp="http://schemas.microsoft.com/office/drawing/2008/diagram" xmlns:a="http://schemas.openxmlformats.org/drawingml/2006/main">
   <dsp:spTree>
     <dsp:nvGrpSpPr>
@@ -13501,7 +11762,7 @@
         </a:prstGeom>
         <a:solidFill>
           <a:schemeClr val="accent2">
-            <a:hueOff val="-47330"/>
+            <a:hueOff val="-47329"/>
             <a:satOff val="-15524"/>
             <a:lumOff val="-5658"/>
             <a:alphaOff val="0"/>
@@ -13510,7 +11771,7 @@
         <a:ln w="34925" cap="flat" cmpd="sng" algn="in">
           <a:solidFill>
             <a:schemeClr val="accent2">
-              <a:hueOff val="-47330"/>
+              <a:hueOff val="-47329"/>
               <a:satOff val="-15524"/>
               <a:lumOff val="-5658"/>
               <a:alphaOff val="0"/>
@@ -13578,7 +11839,7 @@
         </a:prstGeom>
         <a:solidFill>
           <a:schemeClr val="accent2">
-            <a:hueOff val="-70995"/>
+            <a:hueOff val="-70994"/>
             <a:satOff val="-23286"/>
             <a:lumOff val="-8487"/>
             <a:alphaOff val="0"/>
@@ -13587,7 +11848,7 @@
         <a:ln w="34925" cap="flat" cmpd="sng" algn="in">
           <a:solidFill>
             <a:schemeClr val="accent2">
-              <a:hueOff val="-70995"/>
+              <a:hueOff val="-70994"/>
               <a:satOff val="-23286"/>
               <a:lumOff val="-8487"/>
               <a:alphaOff val="0"/>
@@ -13913,7 +12174,7 @@
         </a:prstGeom>
         <a:solidFill>
           <a:schemeClr val="accent2">
-            <a:hueOff val="-141989"/>
+            <a:hueOff val="-141988"/>
             <a:satOff val="-46573"/>
             <a:lumOff val="-16974"/>
             <a:alphaOff val="0"/>
@@ -13922,7 +12183,7 @@
         <a:ln w="34925" cap="flat" cmpd="sng" algn="in">
           <a:solidFill>
             <a:schemeClr val="accent2">
-              <a:hueOff val="-141989"/>
+              <a:hueOff val="-141988"/>
               <a:satOff val="-46573"/>
               <a:lumOff val="-16974"/>
               <a:alphaOff val="0"/>
@@ -13990,7 +12251,7 @@
         </a:prstGeom>
         <a:solidFill>
           <a:schemeClr val="accent2">
-            <a:hueOff val="-165654"/>
+            <a:hueOff val="-165653"/>
             <a:satOff val="-54335"/>
             <a:lumOff val="-19803"/>
             <a:alphaOff val="0"/>
@@ -13999,7 +12260,7 @@
         <a:ln w="34925" cap="flat" cmpd="sng" algn="in">
           <a:solidFill>
             <a:schemeClr val="accent2">
-              <a:hueOff val="-165654"/>
+              <a:hueOff val="-165653"/>
               <a:satOff val="-54335"/>
               <a:lumOff val="-19803"/>
               <a:alphaOff val="0"/>
@@ -14028,7 +12289,7 @@
 </dsp:drawing>
 </file>
 
-<file path=ppt/diagrams/drawing8.xml><?xml version="1.0" encoding="utf-8"?>
+<file path=ppt/diagrams/drawing7.xml><?xml version="1.0" encoding="utf-8"?>
 <dsp:drawing xmlns:dgm="http://schemas.openxmlformats.org/drawingml/2006/diagram" xmlns:dsp="http://schemas.microsoft.com/office/drawing/2008/diagram" xmlns:a="http://schemas.openxmlformats.org/drawingml/2006/main">
   <dsp:spTree>
     <dsp:nvGrpSpPr>
@@ -18027,300 +16288,6 @@
 </file>
 
 <file path=ppt/diagrams/layout6.xml><?xml version="1.0" encoding="utf-8"?>
-<dgm:layoutDef xmlns:dgm="http://schemas.openxmlformats.org/drawingml/2006/diagram" xmlns:a="http://schemas.openxmlformats.org/drawingml/2006/main" uniqueId="urn:microsoft.com/office/officeart/2018/2/layout/IconVerticalSolidList">
-  <dgm:title val="Icon Vertical Solid List"/>
-  <dgm:desc val="Use to show a series of visuals from top to bottom with Level 1 or Level 1 and Level 2 text grouped in a shape. Works best with icons or small pictures with lengthier descriptions."/>
-  <dgm:catLst>
-    <dgm:cat type="icon" pri="500"/>
-  </dgm:catLst>
-  <dgm:sampData useDef="1">
-    <dgm:dataModel>
-      <dgm:ptLst/>
-      <dgm:bg/>
-      <dgm:whole/>
-    </dgm:dataModel>
-  </dgm:sampData>
-  <dgm:styleData useDef="1">
-    <dgm:dataModel>
-      <dgm:ptLst/>
-      <dgm:bg/>
-      <dgm:whole/>
-    </dgm:dataModel>
-  </dgm:styleData>
-  <dgm:clrData useDef="1">
-    <dgm:dataModel>
-      <dgm:ptLst/>
-      <dgm:bg/>
-      <dgm:whole/>
-    </dgm:dataModel>
-  </dgm:clrData>
-  <dgm:layoutNode name="root">
-    <dgm:varLst>
-      <dgm:dir/>
-      <dgm:resizeHandles val="exact"/>
-    </dgm:varLst>
-    <dgm:choose name="Name0">
-      <dgm:if name="Name1" axis="self" func="var" arg="dir" op="equ" val="norm">
-        <dgm:alg type="lin">
-          <dgm:param type="linDir" val="fromT"/>
-          <dgm:param type="nodeHorzAlign" val="l"/>
-        </dgm:alg>
-      </dgm:if>
-      <dgm:else name="Name2">
-        <dgm:alg type="lin">
-          <dgm:param type="linDir" val="fromT"/>
-          <dgm:param type="nodeHorzAlign" val="r"/>
-        </dgm:alg>
-      </dgm:else>
-    </dgm:choose>
-    <dgm:shape xmlns:r="http://schemas.openxmlformats.org/officeDocument/2006/relationships" r:blip="">
-      <dgm:adjLst/>
-    </dgm:shape>
-    <dgm:presOf/>
-    <dgm:choose name="Name3">
-      <dgm:if name="Name4" axis="ch" ptType="node" func="cnt" op="lte" val="3">
-        <dgm:constrLst>
-          <dgm:constr type="h" for="ch" forName="compNode" refType="h" fact="0.3"/>
-          <dgm:constr type="w" for="ch" forName="compNode" refType="w"/>
-          <dgm:constr type="h" for="ch" forName="sibTrans" refType="h" refFor="ch" refForName="compNode" fact="0.25"/>
-          <dgm:constr type="primFontSz" for="des" forName="parTx" val="25"/>
-          <dgm:constr type="primFontSz" for="des" forName="desTx" refType="primFontSz" refFor="des" refForName="parTx" op="lte" fact="0.75"/>
-          <dgm:constr type="h" for="des" forName="compNode" op="equ"/>
-          <dgm:constr type="h" for="des" forName="bgRect" op="equ"/>
-          <dgm:constr type="h" for="des" forName="iconRect" op="equ"/>
-          <dgm:constr type="w" for="des" forName="iconRect" op="equ"/>
-          <dgm:constr type="h" for="des" forName="spaceRect" op="equ"/>
-          <dgm:constr type="h" for="des" forName="parTx" op="equ"/>
-          <dgm:constr type="h" for="des" forName="desTx" op="equ"/>
-        </dgm:constrLst>
-      </dgm:if>
-      <dgm:if name="Name5" axis="ch" ptType="node" func="cnt" op="lte" val="4">
-        <dgm:constrLst>
-          <dgm:constr type="h" for="ch" forName="compNode" refType="h" fact="0.3"/>
-          <dgm:constr type="w" for="ch" forName="compNode" refType="w"/>
-          <dgm:constr type="h" for="ch" forName="sibTrans" refType="h" refFor="ch" refForName="compNode" fact="0.25"/>
-          <dgm:constr type="primFontSz" for="des" forName="parTx" val="22"/>
-          <dgm:constr type="primFontSz" for="des" forName="desTx" refType="primFontSz" refFor="des" refForName="parTx" op="lte" fact="0.75"/>
-          <dgm:constr type="h" for="des" forName="compNode" op="equ"/>
-          <dgm:constr type="h" for="des" forName="bgRect" op="equ"/>
-          <dgm:constr type="h" for="des" forName="iconRect" op="equ"/>
-          <dgm:constr type="w" for="des" forName="iconRect" op="equ"/>
-          <dgm:constr type="h" for="des" forName="spaceRect" op="equ"/>
-          <dgm:constr type="h" for="des" forName="parTx" op="equ"/>
-          <dgm:constr type="h" for="des" forName="desTx" op="equ"/>
-        </dgm:constrLst>
-      </dgm:if>
-      <dgm:if name="Name6" axis="ch" ptType="node" func="cnt" op="lte" val="6">
-        <dgm:constrLst>
-          <dgm:constr type="h" for="ch" forName="compNode" refType="h" fact="0.3"/>
-          <dgm:constr type="w" for="ch" forName="compNode" refType="w"/>
-          <dgm:constr type="h" for="ch" forName="sibTrans" refType="h" refFor="ch" refForName="compNode" fact="0.25"/>
-          <dgm:constr type="primFontSz" for="des" forName="parTx" val="19"/>
-          <dgm:constr type="primFontSz" for="des" forName="desTx" refType="primFontSz" refFor="des" refForName="parTx" op="lte" fact="0.75"/>
-          <dgm:constr type="h" for="des" forName="compNode" op="equ"/>
-          <dgm:constr type="h" for="des" forName="bgRect" op="equ"/>
-          <dgm:constr type="h" for="des" forName="iconRect" op="equ"/>
-          <dgm:constr type="w" for="des" forName="iconRect" op="equ"/>
-          <dgm:constr type="h" for="des" forName="spaceRect" op="equ"/>
-          <dgm:constr type="h" for="des" forName="parTx" op="equ"/>
-          <dgm:constr type="h" for="des" forName="desTx" op="equ"/>
-        </dgm:constrLst>
-      </dgm:if>
-      <dgm:else name="Name7">
-        <dgm:constrLst>
-          <dgm:constr type="h" for="ch" forName="compNode" refType="h" fact="0.3"/>
-          <dgm:constr type="w" for="ch" forName="compNode" refType="w"/>
-          <dgm:constr type="h" for="ch" forName="sibTrans" refType="h" refFor="ch" refForName="compNode" fact="0.25"/>
-          <dgm:constr type="primFontSz" for="des" forName="parTx" val="16"/>
-          <dgm:constr type="primFontSz" for="des" forName="desTx" refType="primFontSz" refFor="des" refForName="parTx" op="lte" fact="0.75"/>
-          <dgm:constr type="h" for="des" forName="compNode" op="equ"/>
-          <dgm:constr type="h" for="des" forName="bgRect" op="equ"/>
-          <dgm:constr type="h" for="des" forName="iconRect" op="equ"/>
-          <dgm:constr type="w" for="des" forName="iconRect" op="equ"/>
-          <dgm:constr type="h" for="des" forName="spaceRect" op="equ"/>
-          <dgm:constr type="h" for="des" forName="parTx" op="equ"/>
-          <dgm:constr type="h" for="des" forName="desTx" op="equ"/>
-        </dgm:constrLst>
-      </dgm:else>
-    </dgm:choose>
-    <dgm:ruleLst>
-      <dgm:rule type="h" for="ch" forName="compNode" val="0" fact="NaN" max="NaN"/>
-    </dgm:ruleLst>
-    <dgm:forEach name="Name8" axis="ch" ptType="node">
-      <dgm:layoutNode name="compNode">
-        <dgm:alg type="composite"/>
-        <dgm:shape xmlns:r="http://schemas.openxmlformats.org/officeDocument/2006/relationships" r:blip="">
-          <dgm:adjLst/>
-        </dgm:shape>
-        <dgm:presOf axis="self"/>
-        <dgm:choose name="Name9">
-          <dgm:if name="Name10" axis="ch" ptType="node" func="cnt" op="gte" val="1">
-            <dgm:constrLst>
-              <dgm:constr type="w" for="ch" forName="bgRect" refType="w"/>
-              <dgm:constr type="h" for="ch" forName="bgRect" refType="h"/>
-              <dgm:constr type="l" for="ch" forName="bgRect"/>
-              <dgm:constr type="t" for="ch" forName="bgRect"/>
-              <dgm:constr type="h" for="ch" forName="iconRect" refType="h" fact="0.55"/>
-              <dgm:constr type="w" for="ch" forName="iconRect" refType="h" refFor="ch" refForName="iconRect"/>
-              <dgm:constr type="l" for="ch" forName="iconRect" refType="h" refFor="ch" refForName="iconRect" fact="0.55"/>
-              <dgm:constr type="ctrY" for="ch" forName="iconRect" refType="ctrY" refFor="ch" refForName="bgRect"/>
-              <dgm:constr type="w" for="ch" forName="spaceRect" refType="l" refFor="ch" refForName="iconRect"/>
-              <dgm:constr type="h" for="ch" forName="spaceRect" refType="h"/>
-              <dgm:constr type="l" for="ch" forName="spaceRect" refType="r" refFor="ch" refForName="iconRect"/>
-              <dgm:constr type="t" for="ch" forName="spaceRect"/>
-              <dgm:constr type="w" for="ch" forName="parTx" refType="w" fact="0.45"/>
-              <dgm:constr type="h" for="ch" forName="parTx" refType="h"/>
-              <dgm:constr type="l" for="ch" forName="parTx" refType="r" refFor="ch" refForName="spaceRect"/>
-              <dgm:constr type="t" for="ch" forName="parTx"/>
-              <dgm:constr type="h" for="ch" forName="desTx" refType="h"/>
-              <dgm:constr type="l" for="ch" forName="desTx" refType="r" refFor="ch" refForName="parTx"/>
-              <dgm:constr type="t" for="ch" forName="desTx"/>
-            </dgm:constrLst>
-          </dgm:if>
-          <dgm:else name="Name11">
-            <dgm:constrLst>
-              <dgm:constr type="w" for="ch" forName="bgRect" refType="w"/>
-              <dgm:constr type="h" for="ch" forName="bgRect" refType="h"/>
-              <dgm:constr type="l" for="ch" forName="bgRect"/>
-              <dgm:constr type="t" for="ch" forName="bgRect"/>
-              <dgm:constr type="h" for="ch" forName="iconRect" refType="h" fact="0.55"/>
-              <dgm:constr type="w" for="ch" forName="iconRect" refType="h" refFor="ch" refForName="iconRect"/>
-              <dgm:constr type="l" for="ch" forName="iconRect" refType="h" refFor="ch" refForName="iconRect" fact="0.55"/>
-              <dgm:constr type="ctrY" for="ch" forName="iconRect" refType="ctrY" refFor="ch" refForName="bgRect"/>
-              <dgm:constr type="w" for="ch" forName="spaceRect" refType="l" refFor="ch" refForName="iconRect"/>
-              <dgm:constr type="h" for="ch" forName="spaceRect" refType="h"/>
-              <dgm:constr type="l" for="ch" forName="spaceRect" refType="r" refFor="ch" refForName="iconRect"/>
-              <dgm:constr type="t" for="ch" forName="spaceRect"/>
-              <dgm:constr type="h" for="ch" forName="parTx" refType="h"/>
-              <dgm:constr type="l" for="ch" forName="parTx" refType="r" refFor="ch" refForName="spaceRect"/>
-              <dgm:constr type="t" for="ch" forName="parTx"/>
-            </dgm:constrLst>
-          </dgm:else>
-        </dgm:choose>
-        <dgm:ruleLst>
-          <dgm:rule type="h" val="INF" fact="NaN" max="NaN"/>
-        </dgm:ruleLst>
-        <dgm:layoutNode name="bgRect" styleLbl="bgShp">
-          <dgm:alg type="sp"/>
-          <dgm:shape xmlns:r="http://schemas.openxmlformats.org/officeDocument/2006/relationships" type="roundRect" r:blip="">
-            <dgm:adjLst>
-              <dgm:adj idx="1" val="0.1"/>
-            </dgm:adjLst>
-          </dgm:shape>
-          <dgm:presOf/>
-          <dgm:constrLst/>
-          <dgm:ruleLst/>
-        </dgm:layoutNode>
-        <dgm:layoutNode name="iconRect" styleLbl="node1">
-          <dgm:alg type="sp"/>
-          <dgm:shape xmlns:r="http://schemas.openxmlformats.org/officeDocument/2006/relationships" type="rect" r:blip="" blipPhldr="1">
-            <dgm:adjLst/>
-          </dgm:shape>
-          <dgm:presOf/>
-          <dgm:constrLst/>
-          <dgm:ruleLst/>
-        </dgm:layoutNode>
-        <dgm:layoutNode name="spaceRect">
-          <dgm:alg type="sp"/>
-          <dgm:shape xmlns:r="http://schemas.openxmlformats.org/officeDocument/2006/relationships" r:blip="">
-            <dgm:adjLst/>
-          </dgm:shape>
-          <dgm:presOf/>
-          <dgm:constrLst/>
-          <dgm:ruleLst/>
-        </dgm:layoutNode>
-        <dgm:layoutNode name="parTx" styleLbl="revTx">
-          <dgm:varLst>
-            <dgm:chMax val="0"/>
-            <dgm:chPref val="0"/>
-          </dgm:varLst>
-          <dgm:alg type="tx">
-            <dgm:param type="txAnchorVert" val="mid"/>
-            <dgm:param type="parTxLTRAlign" val="l"/>
-            <dgm:param type="shpTxLTRAlignCh" val="l"/>
-            <dgm:param type="parTxRTLAlign" val="r"/>
-            <dgm:param type="shpTxRTLAlignCh" val="r"/>
-          </dgm:alg>
-          <dgm:shape xmlns:r="http://schemas.openxmlformats.org/officeDocument/2006/relationships" type="rect" r:blip="">
-            <dgm:adjLst/>
-          </dgm:shape>
-          <dgm:presOf axis="self" ptType="node"/>
-          <dgm:constrLst>
-            <dgm:constr type="lMarg" refType="h" fact="0.3"/>
-            <dgm:constr type="rMarg" refType="h" fact="0.3"/>
-            <dgm:constr type="tMarg" refType="h" fact="0.3"/>
-            <dgm:constr type="bMarg" refType="h" fact="0.3"/>
-          </dgm:constrLst>
-          <dgm:ruleLst>
-            <dgm:rule type="primFontSz" val="14" fact="NaN" max="NaN"/>
-            <dgm:rule type="h" val="INF" fact="NaN" max="NaN"/>
-          </dgm:ruleLst>
-        </dgm:layoutNode>
-        <dgm:choose name="Name12">
-          <dgm:if name="Name13" axis="ch" ptType="node" func="cnt" op="gte" val="1">
-            <dgm:layoutNode name="desTx" styleLbl="revTx">
-              <dgm:varLst/>
-              <dgm:alg type="tx">
-                <dgm:param type="txAnchorVertCh" val="mid"/>
-                <dgm:param type="parTxLTRAlign" val="l"/>
-                <dgm:param type="shpTxLTRAlignCh" val="l"/>
-                <dgm:param type="parTxRTLAlign" val="r"/>
-                <dgm:param type="shpTxRTLAlignCh" val="r"/>
-                <dgm:param type="stBulletLvl" val="0"/>
-              </dgm:alg>
-              <dgm:shape xmlns:r="http://schemas.openxmlformats.org/officeDocument/2006/relationships" type="rect" r:blip="">
-                <dgm:adjLst/>
-              </dgm:shape>
-              <dgm:presOf axis="des" ptType="node"/>
-              <dgm:constrLst>
-                <dgm:constr type="primFontSz" val="18"/>
-                <dgm:constr type="secFontSz" refType="primFontSz"/>
-                <dgm:constr type="lMarg" refType="h" fact="0.3"/>
-                <dgm:constr type="rMarg" refType="h" fact="0.3"/>
-                <dgm:constr type="tMarg" refType="h" fact="0.3"/>
-                <dgm:constr type="bMarg" refType="h" fact="0.3"/>
-              </dgm:constrLst>
-              <dgm:ruleLst>
-                <dgm:rule type="primFontSz" val="11" fact="NaN" max="NaN"/>
-              </dgm:ruleLst>
-            </dgm:layoutNode>
-          </dgm:if>
-          <dgm:else name="Name14"/>
-        </dgm:choose>
-      </dgm:layoutNode>
-      <dgm:forEach name="Name15" axis="followSib" ptType="sibTrans" cnt="1">
-        <dgm:layoutNode name="sibTrans">
-          <dgm:alg type="sp"/>
-          <dgm:shape xmlns:r="http://schemas.openxmlformats.org/officeDocument/2006/relationships" r:blip="">
-            <dgm:adjLst/>
-          </dgm:shape>
-          <dgm:presOf axis="self"/>
-          <dgm:constrLst/>
-          <dgm:ruleLst/>
-        </dgm:layoutNode>
-      </dgm:forEach>
-    </dgm:forEach>
-  </dgm:layoutNode>
-  <dgm:extLst>
-    <a:ext uri="{68A01E43-0DF5-4B5B-8FA6-DAF915123BFB}">
-      <dgm1612:lstStyle xmlns:dgm1612="http://schemas.microsoft.com/office/drawing/2016/12/diagram">
-        <a:lvl1pPr>
-          <a:lnSpc>
-            <a:spcPct val="100000"/>
-          </a:lnSpc>
-        </a:lvl1pPr>
-        <a:lvl2pPr>
-          <a:lnSpc>
-            <a:spcPct val="100000"/>
-          </a:lnSpc>
-        </a:lvl2pPr>
-      </dgm1612:lstStyle>
-    </a:ext>
-  </dgm:extLst>
-</dgm:layoutDef>
-</file>
-
-<file path=ppt/diagrams/layout7.xml><?xml version="1.0" encoding="utf-8"?>
 <dgm:layoutDef xmlns:dgm="http://schemas.openxmlformats.org/drawingml/2006/diagram" xmlns:a="http://schemas.openxmlformats.org/drawingml/2006/main" uniqueId="urn:microsoft.com/office/officeart/2016/7/layout/BasicLinearProcessNumbered">
   <dgm:title val="Basic Linear Process Numbered"/>
   <dgm:desc val="Used to show a progression; a timeline; sequential steps in a task, process, or workflow; or to emphasize movement or direction. Automatic numbers have been introduced to show the steps of the process which appears in a circle. Level 1 and Level 2 text appear in a rectangle."/>
@@ -18597,7 +16564,7 @@
 </dgm:layoutDef>
 </file>
 
-<file path=ppt/diagrams/layout8.xml><?xml version="1.0" encoding="utf-8"?>
+<file path=ppt/diagrams/layout7.xml><?xml version="1.0" encoding="utf-8"?>
 <dgm:layoutDef xmlns:dgm="http://schemas.openxmlformats.org/drawingml/2006/diagram" xmlns:a="http://schemas.openxmlformats.org/drawingml/2006/main" uniqueId="urn:microsoft.com/office/officeart/2018/5/layout/IconCircleLabelList">
   <dgm:title val="Icon Circle Label List"/>
   <dgm:desc val="Use to show non-sequential or grouped chunks of information accompanied by a related visuals. Works best with icons or small pictures with short text captions."/>
@@ -26050,1040 +24017,6 @@
 </dgm:styleDef>
 </file>
 
-<file path=ppt/diagrams/quickStyle8.xml><?xml version="1.0" encoding="utf-8"?>
-<dgm:styleDef xmlns:dgm="http://schemas.openxmlformats.org/drawingml/2006/diagram" xmlns:a="http://schemas.openxmlformats.org/drawingml/2006/main" uniqueId="urn:microsoft.com/office/officeart/2005/8/quickstyle/simple1">
-  <dgm:title val=""/>
-  <dgm:desc val=""/>
-  <dgm:catLst>
-    <dgm:cat type="simple" pri="10100"/>
-  </dgm:catLst>
-  <dgm:scene3d>
-    <a:camera prst="orthographicFront"/>
-    <a:lightRig rig="threePt" dir="t"/>
-  </dgm:scene3d>
-  <dgm:styleLbl name="node0">
-    <dgm:scene3d>
-      <a:camera prst="orthographicFront"/>
-      <a:lightRig rig="threePt" dir="t"/>
-    </dgm:scene3d>
-    <dgm:sp3d/>
-    <dgm:txPr/>
-    <dgm:style>
-      <a:lnRef idx="2">
-        <a:scrgbClr r="0" g="0" b="0"/>
-      </a:lnRef>
-      <a:fillRef idx="1">
-        <a:scrgbClr r="0" g="0" b="0"/>
-      </a:fillRef>
-      <a:effectRef idx="0">
-        <a:scrgbClr r="0" g="0" b="0"/>
-      </a:effectRef>
-      <a:fontRef idx="minor">
-        <a:schemeClr val="lt1"/>
-      </a:fontRef>
-    </dgm:style>
-  </dgm:styleLbl>
-  <dgm:styleLbl name="lnNode1">
-    <dgm:scene3d>
-      <a:camera prst="orthographicFront"/>
-      <a:lightRig rig="threePt" dir="t"/>
-    </dgm:scene3d>
-    <dgm:sp3d/>
-    <dgm:txPr/>
-    <dgm:style>
-      <a:lnRef idx="2">
-        <a:scrgbClr r="0" g="0" b="0"/>
-      </a:lnRef>
-      <a:fillRef idx="1">
-        <a:scrgbClr r="0" g="0" b="0"/>
-      </a:fillRef>
-      <a:effectRef idx="0">
-        <a:scrgbClr r="0" g="0" b="0"/>
-      </a:effectRef>
-      <a:fontRef idx="minor">
-        <a:schemeClr val="lt1"/>
-      </a:fontRef>
-    </dgm:style>
-  </dgm:styleLbl>
-  <dgm:styleLbl name="vennNode1">
-    <dgm:scene3d>
-      <a:camera prst="orthographicFront"/>
-      <a:lightRig rig="threePt" dir="t"/>
-    </dgm:scene3d>
-    <dgm:sp3d/>
-    <dgm:txPr/>
-    <dgm:style>
-      <a:lnRef idx="2">
-        <a:scrgbClr r="0" g="0" b="0"/>
-      </a:lnRef>
-      <a:fillRef idx="1">
-        <a:scrgbClr r="0" g="0" b="0"/>
-      </a:fillRef>
-      <a:effectRef idx="0">
-        <a:scrgbClr r="0" g="0" b="0"/>
-      </a:effectRef>
-      <a:fontRef idx="minor">
-        <a:schemeClr val="tx1"/>
-      </a:fontRef>
-    </dgm:style>
-  </dgm:styleLbl>
-  <dgm:styleLbl name="alignNode1">
-    <dgm:scene3d>
-      <a:camera prst="orthographicFront"/>
-      <a:lightRig rig="threePt" dir="t"/>
-    </dgm:scene3d>
-    <dgm:sp3d/>
-    <dgm:txPr/>
-    <dgm:style>
-      <a:lnRef idx="2">
-        <a:scrgbClr r="0" g="0" b="0"/>
-      </a:lnRef>
-      <a:fillRef idx="1">
-        <a:scrgbClr r="0" g="0" b="0"/>
-      </a:fillRef>
-      <a:effectRef idx="0">
-        <a:scrgbClr r="0" g="0" b="0"/>
-      </a:effectRef>
-      <a:fontRef idx="minor">
-        <a:schemeClr val="lt1"/>
-      </a:fontRef>
-    </dgm:style>
-  </dgm:styleLbl>
-  <dgm:styleLbl name="node1">
-    <dgm:scene3d>
-      <a:camera prst="orthographicFront"/>
-      <a:lightRig rig="threePt" dir="t"/>
-    </dgm:scene3d>
-    <dgm:sp3d/>
-    <dgm:txPr/>
-    <dgm:style>
-      <a:lnRef idx="2">
-        <a:scrgbClr r="0" g="0" b="0"/>
-      </a:lnRef>
-      <a:fillRef idx="1">
-        <a:scrgbClr r="0" g="0" b="0"/>
-      </a:fillRef>
-      <a:effectRef idx="0">
-        <a:scrgbClr r="0" g="0" b="0"/>
-      </a:effectRef>
-      <a:fontRef idx="minor">
-        <a:schemeClr val="lt1"/>
-      </a:fontRef>
-    </dgm:style>
-  </dgm:styleLbl>
-  <dgm:styleLbl name="node2">
-    <dgm:scene3d>
-      <a:camera prst="orthographicFront"/>
-      <a:lightRig rig="threePt" dir="t"/>
-    </dgm:scene3d>
-    <dgm:sp3d/>
-    <dgm:txPr/>
-    <dgm:style>
-      <a:lnRef idx="2">
-        <a:scrgbClr r="0" g="0" b="0"/>
-      </a:lnRef>
-      <a:fillRef idx="1">
-        <a:scrgbClr r="0" g="0" b="0"/>
-      </a:fillRef>
-      <a:effectRef idx="0">
-        <a:scrgbClr r="0" g="0" b="0"/>
-      </a:effectRef>
-      <a:fontRef idx="minor">
-        <a:schemeClr val="lt1"/>
-      </a:fontRef>
-    </dgm:style>
-  </dgm:styleLbl>
-  <dgm:styleLbl name="node3">
-    <dgm:scene3d>
-      <a:camera prst="orthographicFront"/>
-      <a:lightRig rig="threePt" dir="t"/>
-    </dgm:scene3d>
-    <dgm:sp3d/>
-    <dgm:txPr/>
-    <dgm:style>
-      <a:lnRef idx="2">
-        <a:scrgbClr r="0" g="0" b="0"/>
-      </a:lnRef>
-      <a:fillRef idx="1">
-        <a:scrgbClr r="0" g="0" b="0"/>
-      </a:fillRef>
-      <a:effectRef idx="0">
-        <a:scrgbClr r="0" g="0" b="0"/>
-      </a:effectRef>
-      <a:fontRef idx="minor">
-        <a:schemeClr val="lt1"/>
-      </a:fontRef>
-    </dgm:style>
-  </dgm:styleLbl>
-  <dgm:styleLbl name="node4">
-    <dgm:scene3d>
-      <a:camera prst="orthographicFront"/>
-      <a:lightRig rig="threePt" dir="t"/>
-    </dgm:scene3d>
-    <dgm:sp3d/>
-    <dgm:txPr/>
-    <dgm:style>
-      <a:lnRef idx="2">
-        <a:scrgbClr r="0" g="0" b="0"/>
-      </a:lnRef>
-      <a:fillRef idx="1">
-        <a:scrgbClr r="0" g="0" b="0"/>
-      </a:fillRef>
-      <a:effectRef idx="0">
-        <a:scrgbClr r="0" g="0" b="0"/>
-      </a:effectRef>
-      <a:fontRef idx="minor">
-        <a:schemeClr val="lt1"/>
-      </a:fontRef>
-    </dgm:style>
-  </dgm:styleLbl>
-  <dgm:styleLbl name="fgImgPlace1">
-    <dgm:scene3d>
-      <a:camera prst="orthographicFront"/>
-      <a:lightRig rig="threePt" dir="t"/>
-    </dgm:scene3d>
-    <dgm:sp3d/>
-    <dgm:txPr/>
-    <dgm:style>
-      <a:lnRef idx="2">
-        <a:scrgbClr r="0" g="0" b="0"/>
-      </a:lnRef>
-      <a:fillRef idx="1">
-        <a:scrgbClr r="0" g="0" b="0"/>
-      </a:fillRef>
-      <a:effectRef idx="0">
-        <a:scrgbClr r="0" g="0" b="0"/>
-      </a:effectRef>
-      <a:fontRef idx="minor"/>
-    </dgm:style>
-  </dgm:styleLbl>
-  <dgm:styleLbl name="alignImgPlace1">
-    <dgm:scene3d>
-      <a:camera prst="orthographicFront"/>
-      <a:lightRig rig="threePt" dir="t"/>
-    </dgm:scene3d>
-    <dgm:sp3d/>
-    <dgm:txPr/>
-    <dgm:style>
-      <a:lnRef idx="2">
-        <a:scrgbClr r="0" g="0" b="0"/>
-      </a:lnRef>
-      <a:fillRef idx="1">
-        <a:scrgbClr r="0" g="0" b="0"/>
-      </a:fillRef>
-      <a:effectRef idx="0">
-        <a:scrgbClr r="0" g="0" b="0"/>
-      </a:effectRef>
-      <a:fontRef idx="minor"/>
-    </dgm:style>
-  </dgm:styleLbl>
-  <dgm:styleLbl name="bgImgPlace1">
-    <dgm:scene3d>
-      <a:camera prst="orthographicFront"/>
-      <a:lightRig rig="threePt" dir="t"/>
-    </dgm:scene3d>
-    <dgm:sp3d/>
-    <dgm:txPr/>
-    <dgm:style>
-      <a:lnRef idx="2">
-        <a:scrgbClr r="0" g="0" b="0"/>
-      </a:lnRef>
-      <a:fillRef idx="1">
-        <a:scrgbClr r="0" g="0" b="0"/>
-      </a:fillRef>
-      <a:effectRef idx="0">
-        <a:scrgbClr r="0" g="0" b="0"/>
-      </a:effectRef>
-      <a:fontRef idx="minor"/>
-    </dgm:style>
-  </dgm:styleLbl>
-  <dgm:styleLbl name="sibTrans2D1">
-    <dgm:scene3d>
-      <a:camera prst="orthographicFront"/>
-      <a:lightRig rig="threePt" dir="t"/>
-    </dgm:scene3d>
-    <dgm:sp3d/>
-    <dgm:txPr/>
-    <dgm:style>
-      <a:lnRef idx="0">
-        <a:scrgbClr r="0" g="0" b="0"/>
-      </a:lnRef>
-      <a:fillRef idx="1">
-        <a:scrgbClr r="0" g="0" b="0"/>
-      </a:fillRef>
-      <a:effectRef idx="0">
-        <a:scrgbClr r="0" g="0" b="0"/>
-      </a:effectRef>
-      <a:fontRef idx="minor">
-        <a:schemeClr val="lt1"/>
-      </a:fontRef>
-    </dgm:style>
-  </dgm:styleLbl>
-  <dgm:styleLbl name="fgSibTrans2D1">
-    <dgm:scene3d>
-      <a:camera prst="orthographicFront"/>
-      <a:lightRig rig="threePt" dir="t"/>
-    </dgm:scene3d>
-    <dgm:sp3d/>
-    <dgm:txPr/>
-    <dgm:style>
-      <a:lnRef idx="0">
-        <a:scrgbClr r="0" g="0" b="0"/>
-      </a:lnRef>
-      <a:fillRef idx="1">
-        <a:scrgbClr r="0" g="0" b="0"/>
-      </a:fillRef>
-      <a:effectRef idx="0">
-        <a:scrgbClr r="0" g="0" b="0"/>
-      </a:effectRef>
-      <a:fontRef idx="minor">
-        <a:schemeClr val="lt1"/>
-      </a:fontRef>
-    </dgm:style>
-  </dgm:styleLbl>
-  <dgm:styleLbl name="bgSibTrans2D1">
-    <dgm:scene3d>
-      <a:camera prst="orthographicFront"/>
-      <a:lightRig rig="threePt" dir="t"/>
-    </dgm:scene3d>
-    <dgm:sp3d/>
-    <dgm:txPr/>
-    <dgm:style>
-      <a:lnRef idx="0">
-        <a:scrgbClr r="0" g="0" b="0"/>
-      </a:lnRef>
-      <a:fillRef idx="1">
-        <a:scrgbClr r="0" g="0" b="0"/>
-      </a:fillRef>
-      <a:effectRef idx="0">
-        <a:scrgbClr r="0" g="0" b="0"/>
-      </a:effectRef>
-      <a:fontRef idx="minor">
-        <a:schemeClr val="lt1"/>
-      </a:fontRef>
-    </dgm:style>
-  </dgm:styleLbl>
-  <dgm:styleLbl name="sibTrans1D1">
-    <dgm:scene3d>
-      <a:camera prst="orthographicFront"/>
-      <a:lightRig rig="threePt" dir="t"/>
-    </dgm:scene3d>
-    <dgm:sp3d/>
-    <dgm:txPr/>
-    <dgm:style>
-      <a:lnRef idx="1">
-        <a:scrgbClr r="0" g="0" b="0"/>
-      </a:lnRef>
-      <a:fillRef idx="0">
-        <a:scrgbClr r="0" g="0" b="0"/>
-      </a:fillRef>
-      <a:effectRef idx="0">
-        <a:scrgbClr r="0" g="0" b="0"/>
-      </a:effectRef>
-      <a:fontRef idx="minor"/>
-    </dgm:style>
-  </dgm:styleLbl>
-  <dgm:styleLbl name="callout">
-    <dgm:scene3d>
-      <a:camera prst="orthographicFront"/>
-      <a:lightRig rig="threePt" dir="t"/>
-    </dgm:scene3d>
-    <dgm:sp3d/>
-    <dgm:txPr/>
-    <dgm:style>
-      <a:lnRef idx="2">
-        <a:scrgbClr r="0" g="0" b="0"/>
-      </a:lnRef>
-      <a:fillRef idx="1">
-        <a:scrgbClr r="0" g="0" b="0"/>
-      </a:fillRef>
-      <a:effectRef idx="0">
-        <a:scrgbClr r="0" g="0" b="0"/>
-      </a:effectRef>
-      <a:fontRef idx="minor"/>
-    </dgm:style>
-  </dgm:styleLbl>
-  <dgm:styleLbl name="asst0">
-    <dgm:scene3d>
-      <a:camera prst="orthographicFront"/>
-      <a:lightRig rig="threePt" dir="t"/>
-    </dgm:scene3d>
-    <dgm:sp3d/>
-    <dgm:txPr/>
-    <dgm:style>
-      <a:lnRef idx="2">
-        <a:scrgbClr r="0" g="0" b="0"/>
-      </a:lnRef>
-      <a:fillRef idx="1">
-        <a:scrgbClr r="0" g="0" b="0"/>
-      </a:fillRef>
-      <a:effectRef idx="0">
-        <a:scrgbClr r="0" g="0" b="0"/>
-      </a:effectRef>
-      <a:fontRef idx="minor">
-        <a:schemeClr val="lt1"/>
-      </a:fontRef>
-    </dgm:style>
-  </dgm:styleLbl>
-  <dgm:styleLbl name="asst1">
-    <dgm:scene3d>
-      <a:camera prst="orthographicFront"/>
-      <a:lightRig rig="threePt" dir="t"/>
-    </dgm:scene3d>
-    <dgm:sp3d/>
-    <dgm:txPr/>
-    <dgm:style>
-      <a:lnRef idx="2">
-        <a:scrgbClr r="0" g="0" b="0"/>
-      </a:lnRef>
-      <a:fillRef idx="1">
-        <a:scrgbClr r="0" g="0" b="0"/>
-      </a:fillRef>
-      <a:effectRef idx="0">
-        <a:scrgbClr r="0" g="0" b="0"/>
-      </a:effectRef>
-      <a:fontRef idx="minor">
-        <a:schemeClr val="lt1"/>
-      </a:fontRef>
-    </dgm:style>
-  </dgm:styleLbl>
-  <dgm:styleLbl name="asst2">
-    <dgm:scene3d>
-      <a:camera prst="orthographicFront"/>
-      <a:lightRig rig="threePt" dir="t"/>
-    </dgm:scene3d>
-    <dgm:sp3d/>
-    <dgm:txPr/>
-    <dgm:style>
-      <a:lnRef idx="2">
-        <a:scrgbClr r="0" g="0" b="0"/>
-      </a:lnRef>
-      <a:fillRef idx="1">
-        <a:scrgbClr r="0" g="0" b="0"/>
-      </a:fillRef>
-      <a:effectRef idx="0">
-        <a:scrgbClr r="0" g="0" b="0"/>
-      </a:effectRef>
-      <a:fontRef idx="minor">
-        <a:schemeClr val="lt1"/>
-      </a:fontRef>
-    </dgm:style>
-  </dgm:styleLbl>
-  <dgm:styleLbl name="asst3">
-    <dgm:scene3d>
-      <a:camera prst="orthographicFront"/>
-      <a:lightRig rig="threePt" dir="t"/>
-    </dgm:scene3d>
-    <dgm:sp3d/>
-    <dgm:txPr/>
-    <dgm:style>
-      <a:lnRef idx="2">
-        <a:scrgbClr r="0" g="0" b="0"/>
-      </a:lnRef>
-      <a:fillRef idx="1">
-        <a:scrgbClr r="0" g="0" b="0"/>
-      </a:fillRef>
-      <a:effectRef idx="0">
-        <a:scrgbClr r="0" g="0" b="0"/>
-      </a:effectRef>
-      <a:fontRef idx="minor">
-        <a:schemeClr val="lt1"/>
-      </a:fontRef>
-    </dgm:style>
-  </dgm:styleLbl>
-  <dgm:styleLbl name="asst4">
-    <dgm:scene3d>
-      <a:camera prst="orthographicFront"/>
-      <a:lightRig rig="threePt" dir="t"/>
-    </dgm:scene3d>
-    <dgm:sp3d/>
-    <dgm:txPr/>
-    <dgm:style>
-      <a:lnRef idx="2">
-        <a:scrgbClr r="0" g="0" b="0"/>
-      </a:lnRef>
-      <a:fillRef idx="1">
-        <a:scrgbClr r="0" g="0" b="0"/>
-      </a:fillRef>
-      <a:effectRef idx="0">
-        <a:scrgbClr r="0" g="0" b="0"/>
-      </a:effectRef>
-      <a:fontRef idx="minor">
-        <a:schemeClr val="lt1"/>
-      </a:fontRef>
-    </dgm:style>
-  </dgm:styleLbl>
-  <dgm:styleLbl name="parChTrans2D1">
-    <dgm:scene3d>
-      <a:camera prst="orthographicFront"/>
-      <a:lightRig rig="threePt" dir="t"/>
-    </dgm:scene3d>
-    <dgm:sp3d/>
-    <dgm:txPr/>
-    <dgm:style>
-      <a:lnRef idx="2">
-        <a:scrgbClr r="0" g="0" b="0"/>
-      </a:lnRef>
-      <a:fillRef idx="1">
-        <a:scrgbClr r="0" g="0" b="0"/>
-      </a:fillRef>
-      <a:effectRef idx="0">
-        <a:scrgbClr r="0" g="0" b="0"/>
-      </a:effectRef>
-      <a:fontRef idx="minor">
-        <a:schemeClr val="lt1"/>
-      </a:fontRef>
-    </dgm:style>
-  </dgm:styleLbl>
-  <dgm:styleLbl name="parChTrans2D2">
-    <dgm:scene3d>
-      <a:camera prst="orthographicFront"/>
-      <a:lightRig rig="threePt" dir="t"/>
-    </dgm:scene3d>
-    <dgm:sp3d/>
-    <dgm:txPr/>
-    <dgm:style>
-      <a:lnRef idx="2">
-        <a:scrgbClr r="0" g="0" b="0"/>
-      </a:lnRef>
-      <a:fillRef idx="1">
-        <a:scrgbClr r="0" g="0" b="0"/>
-      </a:fillRef>
-      <a:effectRef idx="0">
-        <a:scrgbClr r="0" g="0" b="0"/>
-      </a:effectRef>
-      <a:fontRef idx="minor">
-        <a:schemeClr val="lt1"/>
-      </a:fontRef>
-    </dgm:style>
-  </dgm:styleLbl>
-  <dgm:styleLbl name="parChTrans2D3">
-    <dgm:scene3d>
-      <a:camera prst="orthographicFront"/>
-      <a:lightRig rig="threePt" dir="t"/>
-    </dgm:scene3d>
-    <dgm:sp3d/>
-    <dgm:txPr/>
-    <dgm:style>
-      <a:lnRef idx="2">
-        <a:scrgbClr r="0" g="0" b="0"/>
-      </a:lnRef>
-      <a:fillRef idx="1">
-        <a:scrgbClr r="0" g="0" b="0"/>
-      </a:fillRef>
-      <a:effectRef idx="0">
-        <a:scrgbClr r="0" g="0" b="0"/>
-      </a:effectRef>
-      <a:fontRef idx="minor">
-        <a:schemeClr val="lt1"/>
-      </a:fontRef>
-    </dgm:style>
-  </dgm:styleLbl>
-  <dgm:styleLbl name="parChTrans2D4">
-    <dgm:scene3d>
-      <a:camera prst="orthographicFront"/>
-      <a:lightRig rig="threePt" dir="t"/>
-    </dgm:scene3d>
-    <dgm:sp3d/>
-    <dgm:txPr/>
-    <dgm:style>
-      <a:lnRef idx="2">
-        <a:scrgbClr r="0" g="0" b="0"/>
-      </a:lnRef>
-      <a:fillRef idx="1">
-        <a:scrgbClr r="0" g="0" b="0"/>
-      </a:fillRef>
-      <a:effectRef idx="0">
-        <a:scrgbClr r="0" g="0" b="0"/>
-      </a:effectRef>
-      <a:fontRef idx="minor">
-        <a:schemeClr val="lt1"/>
-      </a:fontRef>
-    </dgm:style>
-  </dgm:styleLbl>
-  <dgm:styleLbl name="parChTrans1D1">
-    <dgm:scene3d>
-      <a:camera prst="orthographicFront"/>
-      <a:lightRig rig="threePt" dir="t"/>
-    </dgm:scene3d>
-    <dgm:sp3d/>
-    <dgm:txPr/>
-    <dgm:style>
-      <a:lnRef idx="2">
-        <a:scrgbClr r="0" g="0" b="0"/>
-      </a:lnRef>
-      <a:fillRef idx="0">
-        <a:scrgbClr r="0" g="0" b="0"/>
-      </a:fillRef>
-      <a:effectRef idx="0">
-        <a:scrgbClr r="0" g="0" b="0"/>
-      </a:effectRef>
-      <a:fontRef idx="minor"/>
-    </dgm:style>
-  </dgm:styleLbl>
-  <dgm:styleLbl name="parChTrans1D2">
-    <dgm:scene3d>
-      <a:camera prst="orthographicFront"/>
-      <a:lightRig rig="threePt" dir="t"/>
-    </dgm:scene3d>
-    <dgm:sp3d/>
-    <dgm:txPr/>
-    <dgm:style>
-      <a:lnRef idx="2">
-        <a:scrgbClr r="0" g="0" b="0"/>
-      </a:lnRef>
-      <a:fillRef idx="0">
-        <a:scrgbClr r="0" g="0" b="0"/>
-      </a:fillRef>
-      <a:effectRef idx="0">
-        <a:scrgbClr r="0" g="0" b="0"/>
-      </a:effectRef>
-      <a:fontRef idx="minor"/>
-    </dgm:style>
-  </dgm:styleLbl>
-  <dgm:styleLbl name="parChTrans1D3">
-    <dgm:scene3d>
-      <a:camera prst="orthographicFront"/>
-      <a:lightRig rig="threePt" dir="t"/>
-    </dgm:scene3d>
-    <dgm:sp3d/>
-    <dgm:txPr/>
-    <dgm:style>
-      <a:lnRef idx="2">
-        <a:scrgbClr r="0" g="0" b="0"/>
-      </a:lnRef>
-      <a:fillRef idx="0">
-        <a:scrgbClr r="0" g="0" b="0"/>
-      </a:fillRef>
-      <a:effectRef idx="0">
-        <a:scrgbClr r="0" g="0" b="0"/>
-      </a:effectRef>
-      <a:fontRef idx="minor"/>
-    </dgm:style>
-  </dgm:styleLbl>
-  <dgm:styleLbl name="parChTrans1D4">
-    <dgm:scene3d>
-      <a:camera prst="orthographicFront"/>
-      <a:lightRig rig="threePt" dir="t"/>
-    </dgm:scene3d>
-    <dgm:sp3d/>
-    <dgm:txPr/>
-    <dgm:style>
-      <a:lnRef idx="2">
-        <a:scrgbClr r="0" g="0" b="0"/>
-      </a:lnRef>
-      <a:fillRef idx="0">
-        <a:scrgbClr r="0" g="0" b="0"/>
-      </a:fillRef>
-      <a:effectRef idx="0">
-        <a:scrgbClr r="0" g="0" b="0"/>
-      </a:effectRef>
-      <a:fontRef idx="minor"/>
-    </dgm:style>
-  </dgm:styleLbl>
-  <dgm:styleLbl name="fgAcc1">
-    <dgm:scene3d>
-      <a:camera prst="orthographicFront"/>
-      <a:lightRig rig="threePt" dir="t"/>
-    </dgm:scene3d>
-    <dgm:sp3d/>
-    <dgm:txPr/>
-    <dgm:style>
-      <a:lnRef idx="2">
-        <a:scrgbClr r="0" g="0" b="0"/>
-      </a:lnRef>
-      <a:fillRef idx="1">
-        <a:scrgbClr r="0" g="0" b="0"/>
-      </a:fillRef>
-      <a:effectRef idx="0">
-        <a:scrgbClr r="0" g="0" b="0"/>
-      </a:effectRef>
-      <a:fontRef idx="minor"/>
-    </dgm:style>
-  </dgm:styleLbl>
-  <dgm:styleLbl name="conFgAcc1">
-    <dgm:scene3d>
-      <a:camera prst="orthographicFront"/>
-      <a:lightRig rig="threePt" dir="t"/>
-    </dgm:scene3d>
-    <dgm:sp3d/>
-    <dgm:txPr/>
-    <dgm:style>
-      <a:lnRef idx="2">
-        <a:scrgbClr r="0" g="0" b="0"/>
-      </a:lnRef>
-      <a:fillRef idx="1">
-        <a:scrgbClr r="0" g="0" b="0"/>
-      </a:fillRef>
-      <a:effectRef idx="0">
-        <a:scrgbClr r="0" g="0" b="0"/>
-      </a:effectRef>
-      <a:fontRef idx="minor"/>
-    </dgm:style>
-  </dgm:styleLbl>
-  <dgm:styleLbl name="alignAcc1">
-    <dgm:scene3d>
-      <a:camera prst="orthographicFront"/>
-      <a:lightRig rig="threePt" dir="t"/>
-    </dgm:scene3d>
-    <dgm:sp3d/>
-    <dgm:txPr/>
-    <dgm:style>
-      <a:lnRef idx="2">
-        <a:scrgbClr r="0" g="0" b="0"/>
-      </a:lnRef>
-      <a:fillRef idx="1">
-        <a:scrgbClr r="0" g="0" b="0"/>
-      </a:fillRef>
-      <a:effectRef idx="0">
-        <a:scrgbClr r="0" g="0" b="0"/>
-      </a:effectRef>
-      <a:fontRef idx="minor"/>
-    </dgm:style>
-  </dgm:styleLbl>
-  <dgm:styleLbl name="trAlignAcc1">
-    <dgm:scene3d>
-      <a:camera prst="orthographicFront"/>
-      <a:lightRig rig="threePt" dir="t"/>
-    </dgm:scene3d>
-    <dgm:sp3d/>
-    <dgm:txPr/>
-    <dgm:style>
-      <a:lnRef idx="1">
-        <a:scrgbClr r="0" g="0" b="0"/>
-      </a:lnRef>
-      <a:fillRef idx="1">
-        <a:scrgbClr r="0" g="0" b="0"/>
-      </a:fillRef>
-      <a:effectRef idx="0">
-        <a:scrgbClr r="0" g="0" b="0"/>
-      </a:effectRef>
-      <a:fontRef idx="minor"/>
-    </dgm:style>
-  </dgm:styleLbl>
-  <dgm:styleLbl name="bgAcc1">
-    <dgm:scene3d>
-      <a:camera prst="orthographicFront"/>
-      <a:lightRig rig="threePt" dir="t"/>
-    </dgm:scene3d>
-    <dgm:sp3d/>
-    <dgm:txPr/>
-    <dgm:style>
-      <a:lnRef idx="2">
-        <a:scrgbClr r="0" g="0" b="0"/>
-      </a:lnRef>
-      <a:fillRef idx="1">
-        <a:scrgbClr r="0" g="0" b="0"/>
-      </a:fillRef>
-      <a:effectRef idx="0">
-        <a:scrgbClr r="0" g="0" b="0"/>
-      </a:effectRef>
-      <a:fontRef idx="minor"/>
-    </dgm:style>
-  </dgm:styleLbl>
-  <dgm:styleLbl name="solidFgAcc1">
-    <dgm:scene3d>
-      <a:camera prst="orthographicFront"/>
-      <a:lightRig rig="threePt" dir="t"/>
-    </dgm:scene3d>
-    <dgm:sp3d/>
-    <dgm:txPr/>
-    <dgm:style>
-      <a:lnRef idx="2">
-        <a:scrgbClr r="0" g="0" b="0"/>
-      </a:lnRef>
-      <a:fillRef idx="1">
-        <a:scrgbClr r="0" g="0" b="0"/>
-      </a:fillRef>
-      <a:effectRef idx="0">
-        <a:scrgbClr r="0" g="0" b="0"/>
-      </a:effectRef>
-      <a:fontRef idx="minor"/>
-    </dgm:style>
-  </dgm:styleLbl>
-  <dgm:styleLbl name="solidAlignAcc1">
-    <dgm:scene3d>
-      <a:camera prst="orthographicFront"/>
-      <a:lightRig rig="threePt" dir="t"/>
-    </dgm:scene3d>
-    <dgm:sp3d/>
-    <dgm:txPr/>
-    <dgm:style>
-      <a:lnRef idx="2">
-        <a:scrgbClr r="0" g="0" b="0"/>
-      </a:lnRef>
-      <a:fillRef idx="1">
-        <a:scrgbClr r="0" g="0" b="0"/>
-      </a:fillRef>
-      <a:effectRef idx="0">
-        <a:scrgbClr r="0" g="0" b="0"/>
-      </a:effectRef>
-      <a:fontRef idx="minor"/>
-    </dgm:style>
-  </dgm:styleLbl>
-  <dgm:styleLbl name="solidBgAcc1">
-    <dgm:scene3d>
-      <a:camera prst="orthographicFront"/>
-      <a:lightRig rig="threePt" dir="t"/>
-    </dgm:scene3d>
-    <dgm:sp3d/>
-    <dgm:txPr/>
-    <dgm:style>
-      <a:lnRef idx="2">
-        <a:scrgbClr r="0" g="0" b="0"/>
-      </a:lnRef>
-      <a:fillRef idx="1">
-        <a:scrgbClr r="0" g="0" b="0"/>
-      </a:fillRef>
-      <a:effectRef idx="0">
-        <a:scrgbClr r="0" g="0" b="0"/>
-      </a:effectRef>
-      <a:fontRef idx="minor"/>
-    </dgm:style>
-  </dgm:styleLbl>
-  <dgm:styleLbl name="fgAccFollowNode1">
-    <dgm:scene3d>
-      <a:camera prst="orthographicFront"/>
-      <a:lightRig rig="threePt" dir="t"/>
-    </dgm:scene3d>
-    <dgm:sp3d/>
-    <dgm:txPr/>
-    <dgm:style>
-      <a:lnRef idx="2">
-        <a:scrgbClr r="0" g="0" b="0"/>
-      </a:lnRef>
-      <a:fillRef idx="1">
-        <a:scrgbClr r="0" g="0" b="0"/>
-      </a:fillRef>
-      <a:effectRef idx="0">
-        <a:scrgbClr r="0" g="0" b="0"/>
-      </a:effectRef>
-      <a:fontRef idx="minor"/>
-    </dgm:style>
-  </dgm:styleLbl>
-  <dgm:styleLbl name="alignAccFollowNode1">
-    <dgm:scene3d>
-      <a:camera prst="orthographicFront"/>
-      <a:lightRig rig="threePt" dir="t"/>
-    </dgm:scene3d>
-    <dgm:sp3d/>
-    <dgm:txPr/>
-    <dgm:style>
-      <a:lnRef idx="2">
-        <a:scrgbClr r="0" g="0" b="0"/>
-      </a:lnRef>
-      <a:fillRef idx="1">
-        <a:scrgbClr r="0" g="0" b="0"/>
-      </a:fillRef>
-      <a:effectRef idx="0">
-        <a:scrgbClr r="0" g="0" b="0"/>
-      </a:effectRef>
-      <a:fontRef idx="minor"/>
-    </dgm:style>
-  </dgm:styleLbl>
-  <dgm:styleLbl name="bgAccFollowNode1">
-    <dgm:scene3d>
-      <a:camera prst="orthographicFront"/>
-      <a:lightRig rig="threePt" dir="t"/>
-    </dgm:scene3d>
-    <dgm:sp3d/>
-    <dgm:txPr/>
-    <dgm:style>
-      <a:lnRef idx="2">
-        <a:scrgbClr r="0" g="0" b="0"/>
-      </a:lnRef>
-      <a:fillRef idx="1">
-        <a:scrgbClr r="0" g="0" b="0"/>
-      </a:fillRef>
-      <a:effectRef idx="0">
-        <a:scrgbClr r="0" g="0" b="0"/>
-      </a:effectRef>
-      <a:fontRef idx="minor"/>
-    </dgm:style>
-  </dgm:styleLbl>
-  <dgm:styleLbl name="fgAcc0">
-    <dgm:scene3d>
-      <a:camera prst="orthographicFront"/>
-      <a:lightRig rig="threePt" dir="t"/>
-    </dgm:scene3d>
-    <dgm:sp3d/>
-    <dgm:txPr/>
-    <dgm:style>
-      <a:lnRef idx="2">
-        <a:scrgbClr r="0" g="0" b="0"/>
-      </a:lnRef>
-      <a:fillRef idx="1">
-        <a:scrgbClr r="0" g="0" b="0"/>
-      </a:fillRef>
-      <a:effectRef idx="0">
-        <a:scrgbClr r="0" g="0" b="0"/>
-      </a:effectRef>
-      <a:fontRef idx="minor"/>
-    </dgm:style>
-  </dgm:styleLbl>
-  <dgm:styleLbl name="fgAcc2">
-    <dgm:scene3d>
-      <a:camera prst="orthographicFront"/>
-      <a:lightRig rig="threePt" dir="t"/>
-    </dgm:scene3d>
-    <dgm:sp3d/>
-    <dgm:txPr/>
-    <dgm:style>
-      <a:lnRef idx="2">
-        <a:scrgbClr r="0" g="0" b="0"/>
-      </a:lnRef>
-      <a:fillRef idx="1">
-        <a:scrgbClr r="0" g="0" b="0"/>
-      </a:fillRef>
-      <a:effectRef idx="0">
-        <a:scrgbClr r="0" g="0" b="0"/>
-      </a:effectRef>
-      <a:fontRef idx="minor"/>
-    </dgm:style>
-  </dgm:styleLbl>
-  <dgm:styleLbl name="fgAcc3">
-    <dgm:scene3d>
-      <a:camera prst="orthographicFront"/>
-      <a:lightRig rig="threePt" dir="t"/>
-    </dgm:scene3d>
-    <dgm:sp3d/>
-    <dgm:txPr/>
-    <dgm:style>
-      <a:lnRef idx="2">
-        <a:scrgbClr r="0" g="0" b="0"/>
-      </a:lnRef>
-      <a:fillRef idx="1">
-        <a:scrgbClr r="0" g="0" b="0"/>
-      </a:fillRef>
-      <a:effectRef idx="0">
-        <a:scrgbClr r="0" g="0" b="0"/>
-      </a:effectRef>
-      <a:fontRef idx="minor"/>
-    </dgm:style>
-  </dgm:styleLbl>
-  <dgm:styleLbl name="fgAcc4">
-    <dgm:scene3d>
-      <a:camera prst="orthographicFront"/>
-      <a:lightRig rig="threePt" dir="t"/>
-    </dgm:scene3d>
-    <dgm:sp3d/>
-    <dgm:txPr/>
-    <dgm:style>
-      <a:lnRef idx="2">
-        <a:scrgbClr r="0" g="0" b="0"/>
-      </a:lnRef>
-      <a:fillRef idx="1">
-        <a:scrgbClr r="0" g="0" b="0"/>
-      </a:fillRef>
-      <a:effectRef idx="0">
-        <a:scrgbClr r="0" g="0" b="0"/>
-      </a:effectRef>
-      <a:fontRef idx="minor"/>
-    </dgm:style>
-  </dgm:styleLbl>
-  <dgm:styleLbl name="bgShp">
-    <dgm:scene3d>
-      <a:camera prst="orthographicFront"/>
-      <a:lightRig rig="threePt" dir="t"/>
-    </dgm:scene3d>
-    <dgm:sp3d/>
-    <dgm:txPr/>
-    <dgm:style>
-      <a:lnRef idx="0">
-        <a:scrgbClr r="0" g="0" b="0"/>
-      </a:lnRef>
-      <a:fillRef idx="1">
-        <a:scrgbClr r="0" g="0" b="0"/>
-      </a:fillRef>
-      <a:effectRef idx="0">
-        <a:scrgbClr r="0" g="0" b="0"/>
-      </a:effectRef>
-      <a:fontRef idx="minor"/>
-    </dgm:style>
-  </dgm:styleLbl>
-  <dgm:styleLbl name="dkBgShp">
-    <dgm:scene3d>
-      <a:camera prst="orthographicFront"/>
-      <a:lightRig rig="threePt" dir="t"/>
-    </dgm:scene3d>
-    <dgm:sp3d/>
-    <dgm:txPr/>
-    <dgm:style>
-      <a:lnRef idx="0">
-        <a:scrgbClr r="0" g="0" b="0"/>
-      </a:lnRef>
-      <a:fillRef idx="1">
-        <a:scrgbClr r="0" g="0" b="0"/>
-      </a:fillRef>
-      <a:effectRef idx="0">
-        <a:scrgbClr r="0" g="0" b="0"/>
-      </a:effectRef>
-      <a:fontRef idx="minor"/>
-    </dgm:style>
-  </dgm:styleLbl>
-  <dgm:styleLbl name="trBgShp">
-    <dgm:scene3d>
-      <a:camera prst="orthographicFront"/>
-      <a:lightRig rig="threePt" dir="t"/>
-    </dgm:scene3d>
-    <dgm:sp3d/>
-    <dgm:txPr/>
-    <dgm:style>
-      <a:lnRef idx="0">
-        <a:scrgbClr r="0" g="0" b="0"/>
-      </a:lnRef>
-      <a:fillRef idx="1">
-        <a:scrgbClr r="0" g="0" b="0"/>
-      </a:fillRef>
-      <a:effectRef idx="0">
-        <a:scrgbClr r="0" g="0" b="0"/>
-      </a:effectRef>
-      <a:fontRef idx="minor"/>
-    </dgm:style>
-  </dgm:styleLbl>
-  <dgm:styleLbl name="fgShp">
-    <dgm:scene3d>
-      <a:camera prst="orthographicFront"/>
-      <a:lightRig rig="threePt" dir="t"/>
-    </dgm:scene3d>
-    <dgm:sp3d/>
-    <dgm:txPr/>
-    <dgm:style>
-      <a:lnRef idx="2">
-        <a:scrgbClr r="0" g="0" b="0"/>
-      </a:lnRef>
-      <a:fillRef idx="1">
-        <a:scrgbClr r="0" g="0" b="0"/>
-      </a:fillRef>
-      <a:effectRef idx="0">
-        <a:scrgbClr r="0" g="0" b="0"/>
-      </a:effectRef>
-      <a:fontRef idx="minor"/>
-    </dgm:style>
-  </dgm:styleLbl>
-  <dgm:styleLbl name="revTx">
-    <dgm:scene3d>
-      <a:camera prst="orthographicFront"/>
-      <a:lightRig rig="threePt" dir="t"/>
-    </dgm:scene3d>
-    <dgm:sp3d/>
-    <dgm:txPr/>
-    <dgm:style>
-      <a:lnRef idx="0">
-        <a:scrgbClr r="0" g="0" b="0"/>
-      </a:lnRef>
-      <a:fillRef idx="0">
-        <a:scrgbClr r="0" g="0" b="0"/>
-      </a:fillRef>
-      <a:effectRef idx="0">
-        <a:scrgbClr r="0" g="0" b="0"/>
-      </a:effectRef>
-      <a:fontRef idx="minor"/>
-    </dgm:style>
-  </dgm:styleLbl>
-</dgm:styleDef>
-</file>
-
 <file path=ppt/slideLayouts/slideLayout1.xml><?xml version="1.0" encoding="utf-8"?>
 <p:sldLayout xmlns:a="http://schemas.openxmlformats.org/drawingml/2006/main" xmlns:r="http://schemas.openxmlformats.org/officeDocument/2006/relationships" xmlns:p="http://schemas.openxmlformats.org/presentationml/2006/main" showMasterSp="0" type="title" preserve="1">
   <p:cSld name="Title Slide">
@@ -27253,7 +24186,7 @@
           <a:p>
             <a:fld id="{1B0DC123-0C88-43B7-8634-E2A69F402E90}" type="datetimeFigureOut">
               <a:rPr lang="en-US" smtClean="0"/>
-              <a:t>11/6/2024</a:t>
+              <a:t>5/13/25</a:t>
             </a:fld>
             <a:endParaRPr lang="en-US"/>
           </a:p>
@@ -27583,7 +24516,7 @@
           <a:p>
             <a:fld id="{1B0DC123-0C88-43B7-8634-E2A69F402E90}" type="datetimeFigureOut">
               <a:rPr lang="en-US" smtClean="0"/>
-              <a:t>11/6/2024</a:t>
+              <a:t>5/13/25</a:t>
             </a:fld>
             <a:endParaRPr lang="en-US"/>
           </a:p>
@@ -27763,7 +24696,7 @@
           <a:p>
             <a:fld id="{1B0DC123-0C88-43B7-8634-E2A69F402E90}" type="datetimeFigureOut">
               <a:rPr lang="en-US" smtClean="0"/>
-              <a:t>11/6/2024</a:t>
+              <a:t>5/13/25</a:t>
             </a:fld>
             <a:endParaRPr lang="en-US"/>
           </a:p>
@@ -27933,7 +24866,7 @@
           <a:p>
             <a:fld id="{1B0DC123-0C88-43B7-8634-E2A69F402E90}" type="datetimeFigureOut">
               <a:rPr lang="en-US" smtClean="0"/>
-              <a:t>11/6/2024</a:t>
+              <a:t>5/13/25</a:t>
             </a:fld>
             <a:endParaRPr lang="en-US"/>
           </a:p>
@@ -28210,7 +25143,7 @@
           <a:p>
             <a:fld id="{1B0DC123-0C88-43B7-8634-E2A69F402E90}" type="datetimeFigureOut">
               <a:rPr lang="en-US" smtClean="0"/>
-              <a:t>11/6/2024</a:t>
+              <a:t>5/13/25</a:t>
             </a:fld>
             <a:endParaRPr lang="en-US"/>
           </a:p>
@@ -28604,7 +25537,7 @@
           <a:p>
             <a:fld id="{1B0DC123-0C88-43B7-8634-E2A69F402E90}" type="datetimeFigureOut">
               <a:rPr lang="en-US" smtClean="0"/>
-              <a:t>11/6/2024</a:t>
+              <a:t>5/13/25</a:t>
             </a:fld>
             <a:endParaRPr lang="en-US"/>
           </a:p>
@@ -29081,7 +26014,7 @@
           <a:p>
             <a:fld id="{1B0DC123-0C88-43B7-8634-E2A69F402E90}" type="datetimeFigureOut">
               <a:rPr lang="en-US" smtClean="0"/>
-              <a:t>11/6/2024</a:t>
+              <a:t>5/13/25</a:t>
             </a:fld>
             <a:endParaRPr lang="en-US"/>
           </a:p>
@@ -29199,7 +26132,7 @@
           <a:p>
             <a:fld id="{1B0DC123-0C88-43B7-8634-E2A69F402E90}" type="datetimeFigureOut">
               <a:rPr lang="en-US" smtClean="0"/>
-              <a:t>11/6/2024</a:t>
+              <a:t>5/13/25</a:t>
             </a:fld>
             <a:endParaRPr lang="en-US"/>
           </a:p>
@@ -29294,7 +26227,7 @@
           <a:p>
             <a:fld id="{1B0DC123-0C88-43B7-8634-E2A69F402E90}" type="datetimeFigureOut">
               <a:rPr lang="en-US" smtClean="0"/>
-              <a:t>11/6/2024</a:t>
+              <a:t>5/13/25</a:t>
             </a:fld>
             <a:endParaRPr lang="en-US"/>
           </a:p>
@@ -29640,7 +26573,7 @@
           <a:p>
             <a:fld id="{1B0DC123-0C88-43B7-8634-E2A69F402E90}" type="datetimeFigureOut">
               <a:rPr lang="en-US" smtClean="0"/>
-              <a:t>11/6/2024</a:t>
+              <a:t>5/13/25</a:t>
             </a:fld>
             <a:endParaRPr lang="en-US"/>
           </a:p>
@@ -30028,7 +26961,7 @@
           <a:p>
             <a:fld id="{1B0DC123-0C88-43B7-8634-E2A69F402E90}" type="datetimeFigureOut">
               <a:rPr lang="en-US" smtClean="0"/>
-              <a:t>11/6/2024</a:t>
+              <a:t>5/13/25</a:t>
             </a:fld>
             <a:endParaRPr lang="en-US"/>
           </a:p>
@@ -30306,7 +27239,7 @@
           <a:p>
             <a:fld id="{1B0DC123-0C88-43B7-8634-E2A69F402E90}" type="datetimeFigureOut">
               <a:rPr lang="en-US" smtClean="0"/>
-              <a:t>11/6/2024</a:t>
+              <a:t>5/13/25</a:t>
             </a:fld>
             <a:endParaRPr lang="en-US"/>
           </a:p>
@@ -31272,7 +28205,7 @@
             <p:ph idx="1"/>
             <p:extLst>
               <p:ext uri="{D42A27DB-BD31-4B8C-83A1-F6EECF244321}">
-                <p14:modId xmlns:p14="http://schemas.microsoft.com/office/powerpoint/2010/main" val="1847722401"/>
+                <p14:modId xmlns:p14="http://schemas.microsoft.com/office/powerpoint/2010/main" val="3464264557"/>
               </p:ext>
             </p:extLst>
           </p:nvPr>
@@ -33990,37 +30923,6 @@
           </a:p>
         </p:txBody>
       </p:sp>
-      <p:graphicFrame>
-        <p:nvGraphicFramePr>
-          <p:cNvPr id="11" name="Content Placeholder 4">
-            <a:extLst>
-              <a:ext uri="{FF2B5EF4-FFF2-40B4-BE49-F238E27FC236}">
-                <a16:creationId xmlns:a16="http://schemas.microsoft.com/office/drawing/2014/main" id="{30F792E0-38C2-D0EC-49B4-F70410639E6C}"/>
-              </a:ext>
-            </a:extLst>
-          </p:cNvPr>
-          <p:cNvGraphicFramePr>
-            <a:graphicFrameLocks noGrp="1"/>
-          </p:cNvGraphicFramePr>
-          <p:nvPr>
-            <p:ph sz="half" idx="2"/>
-            <p:extLst>
-              <p:ext uri="{D42A27DB-BD31-4B8C-83A1-F6EECF244321}">
-                <p14:modId xmlns:p14="http://schemas.microsoft.com/office/powerpoint/2010/main" val="1802384291"/>
-              </p:ext>
-            </p:extLst>
-          </p:nvPr>
-        </p:nvGraphicFramePr>
-        <p:xfrm>
-          <a:off x="1371600" y="2650007"/>
-          <a:ext cx="5000400" cy="3621193"/>
-        </p:xfrm>
-        <a:graphic>
-          <a:graphicData uri="http://schemas.openxmlformats.org/drawingml/2006/diagram">
-            <dgm:relIds xmlns:dgm="http://schemas.openxmlformats.org/drawingml/2006/diagram" xmlns:r="http://schemas.openxmlformats.org/officeDocument/2006/relationships" r:dm="rId2" r:lo="rId3" r:qs="rId4" r:cs="rId5"/>
-          </a:graphicData>
-        </a:graphic>
-      </p:graphicFrame>
       <p:sp>
         <p:nvSpPr>
           <p:cNvPr id="6" name="Text Placeholder 5">
@@ -34121,6 +31023,65 @@
             <a:r>
               <a:rPr lang="en-US" dirty="0"/>
               <a:t> to manage complex deployments across multiple AWS accounts and regions.</a:t>
+            </a:r>
+          </a:p>
+        </p:txBody>
+      </p:sp>
+      <p:sp>
+        <p:nvSpPr>
+          <p:cNvPr id="8" name="Content Placeholder 4">
+            <a:extLst>
+              <a:ext uri="{FF2B5EF4-FFF2-40B4-BE49-F238E27FC236}">
+                <a16:creationId xmlns:a16="http://schemas.microsoft.com/office/drawing/2014/main" id="{20687546-D58B-FD34-0834-F4BD94C57F7A}"/>
+              </a:ext>
+            </a:extLst>
+          </p:cNvPr>
+          <p:cNvSpPr>
+            <a:spLocks noGrp="1"/>
+          </p:cNvSpPr>
+          <p:nvPr>
+            <p:ph sz="half" idx="2"/>
+          </p:nvPr>
+        </p:nvSpPr>
+        <p:spPr>
+          <a:xfrm>
+            <a:off x="1371600" y="2520407"/>
+            <a:ext cx="4986000" cy="3880393"/>
+          </a:xfrm>
+        </p:spPr>
+        <p:txBody>
+          <a:bodyPr>
+            <a:normAutofit/>
+          </a:bodyPr>
+          <a:lstStyle/>
+          <a:p>
+            <a:r>
+              <a:rPr lang="en-US" b="1" dirty="0"/>
+              <a:t>Cloud-Agnostic</a:t>
+            </a:r>
+            <a:r>
+              <a:rPr lang="en-US" dirty="0"/>
+              <a:t>: Works across multiple cloud providers (Azure, AWS, GCP, etc.), enabling true multi-cloud infrastructure management.</a:t>
+            </a:r>
+          </a:p>
+          <a:p>
+            <a:r>
+              <a:rPr lang="en-US" b="1" dirty="0"/>
+              <a:t>Declarative Syntax (HCL)</a:t>
+            </a:r>
+            <a:r>
+              <a:rPr lang="en-US" dirty="0"/>
+              <a:t>: Uses HashiCorp Configuration Language (HCL), which is easy to read and manage.</a:t>
+            </a:r>
+          </a:p>
+          <a:p>
+            <a:r>
+              <a:rPr lang="en-US" b="1" dirty="0"/>
+              <a:t>Strong Community Support and Module Reuse</a:t>
+            </a:r>
+            <a:r>
+              <a:rPr lang="en-US" dirty="0"/>
+              <a:t>: The Terraform Registry offers a wide range of reusable modules.</a:t>
             </a:r>
           </a:p>
         </p:txBody>
